--- a/thesis/Thesis Plan.pptx
+++ b/thesis/Thesis Plan.pptx
@@ -12,6 +12,7 @@
     <p:sldId id="260" r:id="rId6"/>
     <p:sldId id="259" r:id="rId7"/>
     <p:sldId id="261" r:id="rId8"/>
+    <p:sldId id="263" r:id="rId9"/>
   </p:sldIdLst>
   <p:sldSz cx="12192000" cy="6858000"/>
   <p:notesSz cx="6858000" cy="9144000"/>
@@ -110,6 +111,11 @@
       </a:defRPr>
     </a:lvl9pPr>
   </p:defaultTextStyle>
+  <p:extLst>
+    <p:ext uri="{EFAFB233-063F-42B5-8137-9DF3F51BA10A}">
+      <p15:sldGuideLst xmlns:p15="http://schemas.microsoft.com/office/powerpoint/2012/main"/>
+    </p:ext>
+  </p:extLst>
 </p:presentation>
 </file>
 
@@ -264,7 +270,7 @@
           <a:p>
             <a:fld id="{954492B9-D71C-4D72-9116-684F5B4E5326}" type="datetimeFigureOut">
               <a:rPr lang="en-US" smtClean="0"/>
-              <a:t>12/23/2017</a:t>
+              <a:t>12/26/2017</a:t>
             </a:fld>
             <a:endParaRPr lang="en-US"/>
           </a:p>
@@ -462,7 +468,7 @@
           <a:p>
             <a:fld id="{954492B9-D71C-4D72-9116-684F5B4E5326}" type="datetimeFigureOut">
               <a:rPr lang="en-US" smtClean="0"/>
-              <a:t>12/23/2017</a:t>
+              <a:t>12/26/2017</a:t>
             </a:fld>
             <a:endParaRPr lang="en-US"/>
           </a:p>
@@ -670,7 +676,7 @@
           <a:p>
             <a:fld id="{954492B9-D71C-4D72-9116-684F5B4E5326}" type="datetimeFigureOut">
               <a:rPr lang="en-US" smtClean="0"/>
-              <a:t>12/23/2017</a:t>
+              <a:t>12/26/2017</a:t>
             </a:fld>
             <a:endParaRPr lang="en-US"/>
           </a:p>
@@ -868,7 +874,7 @@
           <a:p>
             <a:fld id="{954492B9-D71C-4D72-9116-684F5B4E5326}" type="datetimeFigureOut">
               <a:rPr lang="en-US" smtClean="0"/>
-              <a:t>12/23/2017</a:t>
+              <a:t>12/26/2017</a:t>
             </a:fld>
             <a:endParaRPr lang="en-US"/>
           </a:p>
@@ -1143,7 +1149,7 @@
           <a:p>
             <a:fld id="{954492B9-D71C-4D72-9116-684F5B4E5326}" type="datetimeFigureOut">
               <a:rPr lang="en-US" smtClean="0"/>
-              <a:t>12/23/2017</a:t>
+              <a:t>12/26/2017</a:t>
             </a:fld>
             <a:endParaRPr lang="en-US"/>
           </a:p>
@@ -1408,7 +1414,7 @@
           <a:p>
             <a:fld id="{954492B9-D71C-4D72-9116-684F5B4E5326}" type="datetimeFigureOut">
               <a:rPr lang="en-US" smtClean="0"/>
-              <a:t>12/23/2017</a:t>
+              <a:t>12/26/2017</a:t>
             </a:fld>
             <a:endParaRPr lang="en-US"/>
           </a:p>
@@ -1820,7 +1826,7 @@
           <a:p>
             <a:fld id="{954492B9-D71C-4D72-9116-684F5B4E5326}" type="datetimeFigureOut">
               <a:rPr lang="en-US" smtClean="0"/>
-              <a:t>12/23/2017</a:t>
+              <a:t>12/26/2017</a:t>
             </a:fld>
             <a:endParaRPr lang="en-US"/>
           </a:p>
@@ -1961,7 +1967,7 @@
           <a:p>
             <a:fld id="{954492B9-D71C-4D72-9116-684F5B4E5326}" type="datetimeFigureOut">
               <a:rPr lang="en-US" smtClean="0"/>
-              <a:t>12/23/2017</a:t>
+              <a:t>12/26/2017</a:t>
             </a:fld>
             <a:endParaRPr lang="en-US"/>
           </a:p>
@@ -2074,7 +2080,7 @@
           <a:p>
             <a:fld id="{954492B9-D71C-4D72-9116-684F5B4E5326}" type="datetimeFigureOut">
               <a:rPr lang="en-US" smtClean="0"/>
-              <a:t>12/23/2017</a:t>
+              <a:t>12/26/2017</a:t>
             </a:fld>
             <a:endParaRPr lang="en-US"/>
           </a:p>
@@ -2385,7 +2391,7 @@
           <a:p>
             <a:fld id="{954492B9-D71C-4D72-9116-684F5B4E5326}" type="datetimeFigureOut">
               <a:rPr lang="en-US" smtClean="0"/>
-              <a:t>12/23/2017</a:t>
+              <a:t>12/26/2017</a:t>
             </a:fld>
             <a:endParaRPr lang="en-US"/>
           </a:p>
@@ -2673,7 +2679,7 @@
           <a:p>
             <a:fld id="{954492B9-D71C-4D72-9116-684F5B4E5326}" type="datetimeFigureOut">
               <a:rPr lang="en-US" smtClean="0"/>
-              <a:t>12/23/2017</a:t>
+              <a:t>12/26/2017</a:t>
             </a:fld>
             <a:endParaRPr lang="en-US"/>
           </a:p>
@@ -2914,7 +2920,7 @@
           <a:p>
             <a:fld id="{954492B9-D71C-4D72-9116-684F5B4E5326}" type="datetimeFigureOut">
               <a:rPr lang="en-US" smtClean="0"/>
-              <a:t>12/23/2017</a:t>
+              <a:t>12/26/2017</a:t>
             </a:fld>
             <a:endParaRPr lang="en-US"/>
           </a:p>
@@ -4763,6 +4769,222 @@
 </p:sld>
 </file>
 
+<file path=ppt/slides/slide8.xml><?xml version="1.0" encoding="utf-8"?>
+<p:sld xmlns:a="http://schemas.openxmlformats.org/drawingml/2006/main" xmlns:r="http://schemas.openxmlformats.org/officeDocument/2006/relationships" xmlns:p="http://schemas.openxmlformats.org/presentationml/2006/main">
+  <p:cSld>
+    <p:spTree>
+      <p:nvGrpSpPr>
+        <p:cNvPr id="1" name=""/>
+        <p:cNvGrpSpPr/>
+        <p:nvPr/>
+      </p:nvGrpSpPr>
+      <p:grpSpPr>
+        <a:xfrm>
+          <a:off x="0" y="0"/>
+          <a:ext cx="0" cy="0"/>
+          <a:chOff x="0" y="0"/>
+          <a:chExt cx="0" cy="0"/>
+        </a:xfrm>
+      </p:grpSpPr>
+      <p:sp>
+        <p:nvSpPr>
+          <p:cNvPr id="2" name="Title 1">
+            <a:extLst>
+              <a:ext uri="{FF2B5EF4-FFF2-40B4-BE49-F238E27FC236}">
+                <a16:creationId xmlns:a16="http://schemas.microsoft.com/office/drawing/2014/main" id="{ABAC5207-9B5E-42DE-B989-FE8B9CDAFDEA}"/>
+              </a:ext>
+            </a:extLst>
+          </p:cNvPr>
+          <p:cNvSpPr>
+            <a:spLocks noGrp="1"/>
+          </p:cNvSpPr>
+          <p:nvPr>
+            <p:ph type="title"/>
+          </p:nvPr>
+        </p:nvSpPr>
+        <p:spPr/>
+        <p:txBody>
+          <a:bodyPr/>
+          <a:lstStyle/>
+          <a:p>
+            <a:r>
+              <a:rPr lang="en-US" dirty="0"/>
+              <a:t>Initial model: </a:t>
+            </a:r>
+            <a:r>
+              <a:rPr lang="en-US" dirty="0" err="1"/>
+              <a:t>Izhikevich</a:t>
+            </a:r>
+            <a:endParaRPr lang="en-US" dirty="0"/>
+          </a:p>
+        </p:txBody>
+      </p:sp>
+      <p:pic>
+        <p:nvPicPr>
+          <p:cNvPr id="4" name="Picture 3">
+            <a:extLst>
+              <a:ext uri="{FF2B5EF4-FFF2-40B4-BE49-F238E27FC236}">
+                <a16:creationId xmlns:a16="http://schemas.microsoft.com/office/drawing/2014/main" id="{38E3F87A-A757-4484-83DF-E021ECC4E018}"/>
+              </a:ext>
+            </a:extLst>
+          </p:cNvPr>
+          <p:cNvPicPr>
+            <a:picLocks noChangeAspect="1"/>
+          </p:cNvPicPr>
+          <p:nvPr/>
+        </p:nvPicPr>
+        <p:blipFill rotWithShape="1">
+          <a:blip r:embed="rId2">
+            <a:extLst>
+              <a:ext uri="{28A0092B-C50C-407E-A947-70E740481C1C}">
+                <a14:useLocalDpi xmlns:a14="http://schemas.microsoft.com/office/drawing/2010/main" val="0"/>
+              </a:ext>
+            </a:extLst>
+          </a:blip>
+          <a:srcRect r="4684"/>
+          <a:stretch/>
+        </p:blipFill>
+        <p:spPr>
+          <a:xfrm>
+            <a:off x="5971950" y="2767914"/>
+            <a:ext cx="4550226" cy="3718652"/>
+          </a:xfrm>
+          <a:prstGeom prst="rect">
+            <a:avLst/>
+          </a:prstGeom>
+        </p:spPr>
+      </p:pic>
+      <p:pic>
+        <p:nvPicPr>
+          <p:cNvPr id="6" name="Picture 5">
+            <a:extLst>
+              <a:ext uri="{FF2B5EF4-FFF2-40B4-BE49-F238E27FC236}">
+                <a16:creationId xmlns:a16="http://schemas.microsoft.com/office/drawing/2014/main" id="{E272EF9D-4133-4988-B2C6-1AB321C47039}"/>
+              </a:ext>
+            </a:extLst>
+          </p:cNvPr>
+          <p:cNvPicPr>
+            <a:picLocks noChangeAspect="1"/>
+          </p:cNvPicPr>
+          <p:nvPr/>
+        </p:nvPicPr>
+        <p:blipFill rotWithShape="1">
+          <a:blip r:embed="rId3">
+            <a:extLst>
+              <a:ext uri="{28A0092B-C50C-407E-A947-70E740481C1C}">
+                <a14:useLocalDpi xmlns:a14="http://schemas.microsoft.com/office/drawing/2010/main" val="0"/>
+              </a:ext>
+            </a:extLst>
+          </a:blip>
+          <a:srcRect l="1764" r="4761"/>
+          <a:stretch/>
+        </p:blipFill>
+        <p:spPr>
+          <a:xfrm>
+            <a:off x="974104" y="2762053"/>
+            <a:ext cx="4462342" cy="3730821"/>
+          </a:xfrm>
+          <a:prstGeom prst="rect">
+            <a:avLst/>
+          </a:prstGeom>
+        </p:spPr>
+      </p:pic>
+      <p:sp>
+        <p:nvSpPr>
+          <p:cNvPr id="7" name="TextBox 6">
+            <a:extLst>
+              <a:ext uri="{FF2B5EF4-FFF2-40B4-BE49-F238E27FC236}">
+                <a16:creationId xmlns:a16="http://schemas.microsoft.com/office/drawing/2014/main" id="{DEDD41B8-5079-4FDE-A137-E8B20EF2DE39}"/>
+              </a:ext>
+            </a:extLst>
+          </p:cNvPr>
+          <p:cNvSpPr txBox="1"/>
+          <p:nvPr/>
+        </p:nvSpPr>
+        <p:spPr>
+          <a:xfrm>
+            <a:off x="2061759" y="2409887"/>
+            <a:ext cx="2428293" cy="369332"/>
+          </a:xfrm>
+          <a:prstGeom prst="rect">
+            <a:avLst/>
+          </a:prstGeom>
+          <a:noFill/>
+        </p:spPr>
+        <p:txBody>
+          <a:bodyPr wrap="none" rtlCol="0">
+            <a:spAutoFit/>
+          </a:bodyPr>
+          <a:lstStyle/>
+          <a:p>
+            <a:r>
+              <a:rPr lang="en-US" dirty="0"/>
+              <a:t>Classic </a:t>
+            </a:r>
+            <a:r>
+              <a:rPr lang="en-US" dirty="0" err="1"/>
+              <a:t>Izhikevich</a:t>
+            </a:r>
+            <a:r>
+              <a:rPr lang="en-US" dirty="0"/>
+              <a:t> (2003)</a:t>
+            </a:r>
+          </a:p>
+        </p:txBody>
+      </p:sp>
+      <p:sp>
+        <p:nvSpPr>
+          <p:cNvPr id="8" name="TextBox 7">
+            <a:extLst>
+              <a:ext uri="{FF2B5EF4-FFF2-40B4-BE49-F238E27FC236}">
+                <a16:creationId xmlns:a16="http://schemas.microsoft.com/office/drawing/2014/main" id="{C7B9CA4D-B714-490D-B85D-B3D9D4E8CBD7}"/>
+              </a:ext>
+            </a:extLst>
+          </p:cNvPr>
+          <p:cNvSpPr txBox="1"/>
+          <p:nvPr/>
+        </p:nvSpPr>
+        <p:spPr>
+          <a:xfrm>
+            <a:off x="6611833" y="2409887"/>
+            <a:ext cx="3736600" cy="369332"/>
+          </a:xfrm>
+          <a:prstGeom prst="rect">
+            <a:avLst/>
+          </a:prstGeom>
+          <a:noFill/>
+        </p:spPr>
+        <p:txBody>
+          <a:bodyPr wrap="none" rtlCol="0">
+            <a:spAutoFit/>
+          </a:bodyPr>
+          <a:lstStyle/>
+          <a:p>
+            <a:r>
+              <a:rPr lang="en-US" dirty="0"/>
+              <a:t>Added random synaptic delays 0-4 </a:t>
+            </a:r>
+            <a:r>
+              <a:rPr lang="en-US" dirty="0" err="1"/>
+              <a:t>ms</a:t>
+            </a:r>
+            <a:endParaRPr lang="en-US" dirty="0"/>
+          </a:p>
+        </p:txBody>
+      </p:sp>
+    </p:spTree>
+    <p:extLst>
+      <p:ext uri="{BB962C8B-B14F-4D97-AF65-F5344CB8AC3E}">
+        <p14:creationId xmlns:p14="http://schemas.microsoft.com/office/powerpoint/2010/main" val="3801376647"/>
+      </p:ext>
+    </p:extLst>
+  </p:cSld>
+  <p:clrMapOvr>
+    <a:masterClrMapping/>
+  </p:clrMapOvr>
+</p:sld>
+</file>
+
 <file path=ppt/theme/theme1.xml><?xml version="1.0" encoding="utf-8"?>
 <a:theme xmlns:a="http://schemas.openxmlformats.org/drawingml/2006/main" name="Office Theme">
   <a:themeElements>

--- a/thesis/Thesis Plan.pptx
+++ b/thesis/Thesis Plan.pptx
@@ -13,6 +13,7 @@
     <p:sldId id="259" r:id="rId7"/>
     <p:sldId id="261" r:id="rId8"/>
     <p:sldId id="263" r:id="rId9"/>
+    <p:sldId id="264" r:id="rId10"/>
   </p:sldIdLst>
   <p:sldSz cx="12192000" cy="6858000"/>
   <p:notesSz cx="6858000" cy="9144000"/>
@@ -270,7 +271,7 @@
           <a:p>
             <a:fld id="{954492B9-D71C-4D72-9116-684F5B4E5326}" type="datetimeFigureOut">
               <a:rPr lang="en-US" smtClean="0"/>
-              <a:t>12/26/2017</a:t>
+              <a:t>12/30/2017</a:t>
             </a:fld>
             <a:endParaRPr lang="en-US"/>
           </a:p>
@@ -468,7 +469,7 @@
           <a:p>
             <a:fld id="{954492B9-D71C-4D72-9116-684F5B4E5326}" type="datetimeFigureOut">
               <a:rPr lang="en-US" smtClean="0"/>
-              <a:t>12/26/2017</a:t>
+              <a:t>12/30/2017</a:t>
             </a:fld>
             <a:endParaRPr lang="en-US"/>
           </a:p>
@@ -676,7 +677,7 @@
           <a:p>
             <a:fld id="{954492B9-D71C-4D72-9116-684F5B4E5326}" type="datetimeFigureOut">
               <a:rPr lang="en-US" smtClean="0"/>
-              <a:t>12/26/2017</a:t>
+              <a:t>12/30/2017</a:t>
             </a:fld>
             <a:endParaRPr lang="en-US"/>
           </a:p>
@@ -874,7 +875,7 @@
           <a:p>
             <a:fld id="{954492B9-D71C-4D72-9116-684F5B4E5326}" type="datetimeFigureOut">
               <a:rPr lang="en-US" smtClean="0"/>
-              <a:t>12/26/2017</a:t>
+              <a:t>12/30/2017</a:t>
             </a:fld>
             <a:endParaRPr lang="en-US"/>
           </a:p>
@@ -1149,7 +1150,7 @@
           <a:p>
             <a:fld id="{954492B9-D71C-4D72-9116-684F5B4E5326}" type="datetimeFigureOut">
               <a:rPr lang="en-US" smtClean="0"/>
-              <a:t>12/26/2017</a:t>
+              <a:t>12/30/2017</a:t>
             </a:fld>
             <a:endParaRPr lang="en-US"/>
           </a:p>
@@ -1414,7 +1415,7 @@
           <a:p>
             <a:fld id="{954492B9-D71C-4D72-9116-684F5B4E5326}" type="datetimeFigureOut">
               <a:rPr lang="en-US" smtClean="0"/>
-              <a:t>12/26/2017</a:t>
+              <a:t>12/30/2017</a:t>
             </a:fld>
             <a:endParaRPr lang="en-US"/>
           </a:p>
@@ -1826,7 +1827,7 @@
           <a:p>
             <a:fld id="{954492B9-D71C-4D72-9116-684F5B4E5326}" type="datetimeFigureOut">
               <a:rPr lang="en-US" smtClean="0"/>
-              <a:t>12/26/2017</a:t>
+              <a:t>12/30/2017</a:t>
             </a:fld>
             <a:endParaRPr lang="en-US"/>
           </a:p>
@@ -1967,7 +1968,7 @@
           <a:p>
             <a:fld id="{954492B9-D71C-4D72-9116-684F5B4E5326}" type="datetimeFigureOut">
               <a:rPr lang="en-US" smtClean="0"/>
-              <a:t>12/26/2017</a:t>
+              <a:t>12/30/2017</a:t>
             </a:fld>
             <a:endParaRPr lang="en-US"/>
           </a:p>
@@ -2080,7 +2081,7 @@
           <a:p>
             <a:fld id="{954492B9-D71C-4D72-9116-684F5B4E5326}" type="datetimeFigureOut">
               <a:rPr lang="en-US" smtClean="0"/>
-              <a:t>12/26/2017</a:t>
+              <a:t>12/30/2017</a:t>
             </a:fld>
             <a:endParaRPr lang="en-US"/>
           </a:p>
@@ -2391,7 +2392,7 @@
           <a:p>
             <a:fld id="{954492B9-D71C-4D72-9116-684F5B4E5326}" type="datetimeFigureOut">
               <a:rPr lang="en-US" smtClean="0"/>
-              <a:t>12/26/2017</a:t>
+              <a:t>12/30/2017</a:t>
             </a:fld>
             <a:endParaRPr lang="en-US"/>
           </a:p>
@@ -2679,7 +2680,7 @@
           <a:p>
             <a:fld id="{954492B9-D71C-4D72-9116-684F5B4E5326}" type="datetimeFigureOut">
               <a:rPr lang="en-US" smtClean="0"/>
-              <a:t>12/26/2017</a:t>
+              <a:t>12/30/2017</a:t>
             </a:fld>
             <a:endParaRPr lang="en-US"/>
           </a:p>
@@ -2920,7 +2921,7 @@
           <a:p>
             <a:fld id="{954492B9-D71C-4D72-9116-684F5B4E5326}" type="datetimeFigureOut">
               <a:rPr lang="en-US" smtClean="0"/>
-              <a:t>12/26/2017</a:t>
+              <a:t>12/30/2017</a:t>
             </a:fld>
             <a:endParaRPr lang="en-US"/>
           </a:p>
@@ -4947,7 +4948,7 @@
         <p:spPr>
           <a:xfrm>
             <a:off x="6611833" y="2409887"/>
-            <a:ext cx="3736600" cy="369332"/>
+            <a:ext cx="3579506" cy="369332"/>
           </a:xfrm>
           <a:prstGeom prst="rect">
             <a:avLst/>
@@ -4962,7 +4963,7 @@
           <a:p>
             <a:r>
               <a:rPr lang="en-US" dirty="0"/>
-              <a:t>Added random synaptic delays 0-4 </a:t>
+              <a:t>With random synaptic delays 0-4 </a:t>
             </a:r>
             <a:r>
               <a:rPr lang="en-US" dirty="0" err="1"/>
@@ -4976,6 +4977,527 @@
     <p:extLst>
       <p:ext uri="{BB962C8B-B14F-4D97-AF65-F5344CB8AC3E}">
         <p14:creationId xmlns:p14="http://schemas.microsoft.com/office/powerpoint/2010/main" val="3801376647"/>
+      </p:ext>
+    </p:extLst>
+  </p:cSld>
+  <p:clrMapOvr>
+    <a:masterClrMapping/>
+  </p:clrMapOvr>
+</p:sld>
+</file>
+
+<file path=ppt/slides/slide9.xml><?xml version="1.0" encoding="utf-8"?>
+<p:sld xmlns:a="http://schemas.openxmlformats.org/drawingml/2006/main" xmlns:r="http://schemas.openxmlformats.org/officeDocument/2006/relationships" xmlns:p="http://schemas.openxmlformats.org/presentationml/2006/main">
+  <p:cSld>
+    <p:spTree>
+      <p:nvGrpSpPr>
+        <p:cNvPr id="1" name=""/>
+        <p:cNvGrpSpPr/>
+        <p:nvPr/>
+      </p:nvGrpSpPr>
+      <p:grpSpPr>
+        <a:xfrm>
+          <a:off x="0" y="0"/>
+          <a:ext cx="0" cy="0"/>
+          <a:chOff x="0" y="0"/>
+          <a:chExt cx="0" cy="0"/>
+        </a:xfrm>
+      </p:grpSpPr>
+      <p:sp>
+        <p:nvSpPr>
+          <p:cNvPr id="2" name="Title 1">
+            <a:extLst>
+              <a:ext uri="{FF2B5EF4-FFF2-40B4-BE49-F238E27FC236}">
+                <a16:creationId xmlns:a16="http://schemas.microsoft.com/office/drawing/2014/main" id="{2B4589EA-8981-4D8B-BFF9-EF6B5CEB43F6}"/>
+              </a:ext>
+            </a:extLst>
+          </p:cNvPr>
+          <p:cNvSpPr>
+            <a:spLocks noGrp="1"/>
+          </p:cNvSpPr>
+          <p:nvPr>
+            <p:ph type="title"/>
+          </p:nvPr>
+        </p:nvSpPr>
+        <p:spPr/>
+        <p:txBody>
+          <a:bodyPr/>
+          <a:lstStyle/>
+          <a:p>
+            <a:r>
+              <a:rPr lang="en-US" dirty="0"/>
+              <a:t>Neural connectivity</a:t>
+            </a:r>
+          </a:p>
+        </p:txBody>
+      </p:sp>
+      <p:grpSp>
+        <p:nvGrpSpPr>
+          <p:cNvPr id="11" name="Group 10">
+            <a:extLst>
+              <a:ext uri="{FF2B5EF4-FFF2-40B4-BE49-F238E27FC236}">
+                <a16:creationId xmlns:a16="http://schemas.microsoft.com/office/drawing/2014/main" id="{C27BBC6F-3490-477E-8494-21469B69C214}"/>
+              </a:ext>
+            </a:extLst>
+          </p:cNvPr>
+          <p:cNvGrpSpPr/>
+          <p:nvPr/>
+        </p:nvGrpSpPr>
+        <p:grpSpPr>
+          <a:xfrm>
+            <a:off x="167802" y="2967880"/>
+            <a:ext cx="11802493" cy="4019952"/>
+            <a:chOff x="167802" y="2659872"/>
+            <a:chExt cx="11802493" cy="4019952"/>
+          </a:xfrm>
+        </p:grpSpPr>
+        <p:pic>
+          <p:nvPicPr>
+            <p:cNvPr id="4" name="Picture 3">
+              <a:extLst>
+                <a:ext uri="{FF2B5EF4-FFF2-40B4-BE49-F238E27FC236}">
+                  <a16:creationId xmlns:a16="http://schemas.microsoft.com/office/drawing/2014/main" id="{2586738C-618A-4C35-98F4-DE8DD67C07DC}"/>
+                </a:ext>
+              </a:extLst>
+            </p:cNvPr>
+            <p:cNvPicPr>
+              <a:picLocks noChangeAspect="1"/>
+            </p:cNvPicPr>
+            <p:nvPr/>
+          </p:nvPicPr>
+          <p:blipFill>
+            <a:blip r:embed="rId2">
+              <a:extLst>
+                <a:ext uri="{28A0092B-C50C-407E-A947-70E740481C1C}">
+                  <a14:useLocalDpi xmlns:a14="http://schemas.microsoft.com/office/drawing/2010/main" val="0"/>
+                </a:ext>
+              </a:extLst>
+            </a:blip>
+            <a:stretch>
+              <a:fillRect/>
+            </a:stretch>
+          </p:blipFill>
+          <p:spPr>
+            <a:xfrm>
+              <a:off x="167802" y="2667787"/>
+              <a:ext cx="3009028" cy="4012037"/>
+            </a:xfrm>
+            <a:prstGeom prst="rect">
+              <a:avLst/>
+            </a:prstGeom>
+          </p:spPr>
+        </p:pic>
+        <p:pic>
+          <p:nvPicPr>
+            <p:cNvPr id="6" name="Picture 5">
+              <a:extLst>
+                <a:ext uri="{FF2B5EF4-FFF2-40B4-BE49-F238E27FC236}">
+                  <a16:creationId xmlns:a16="http://schemas.microsoft.com/office/drawing/2014/main" id="{6FDD1A8E-7A14-4A69-A89F-C48D23E58495}"/>
+                </a:ext>
+              </a:extLst>
+            </p:cNvPr>
+            <p:cNvPicPr>
+              <a:picLocks noChangeAspect="1"/>
+            </p:cNvPicPr>
+            <p:nvPr/>
+          </p:nvPicPr>
+          <p:blipFill>
+            <a:blip r:embed="rId3">
+              <a:extLst>
+                <a:ext uri="{28A0092B-C50C-407E-A947-70E740481C1C}">
+                  <a14:useLocalDpi xmlns:a14="http://schemas.microsoft.com/office/drawing/2010/main" val="0"/>
+                </a:ext>
+              </a:extLst>
+            </a:blip>
+            <a:stretch>
+              <a:fillRect/>
+            </a:stretch>
+          </p:blipFill>
+          <p:spPr>
+            <a:xfrm>
+              <a:off x="3124922" y="2667786"/>
+              <a:ext cx="3009028" cy="4012037"/>
+            </a:xfrm>
+            <a:prstGeom prst="rect">
+              <a:avLst/>
+            </a:prstGeom>
+          </p:spPr>
+        </p:pic>
+        <p:pic>
+          <p:nvPicPr>
+            <p:cNvPr id="8" name="Picture 7">
+              <a:extLst>
+                <a:ext uri="{FF2B5EF4-FFF2-40B4-BE49-F238E27FC236}">
+                  <a16:creationId xmlns:a16="http://schemas.microsoft.com/office/drawing/2014/main" id="{10EB060F-ED99-45D3-9BB2-BF5E00DF35DD}"/>
+                </a:ext>
+              </a:extLst>
+            </p:cNvPr>
+            <p:cNvPicPr>
+              <a:picLocks noChangeAspect="1"/>
+            </p:cNvPicPr>
+            <p:nvPr/>
+          </p:nvPicPr>
+          <p:blipFill>
+            <a:blip r:embed="rId4">
+              <a:extLst>
+                <a:ext uri="{28A0092B-C50C-407E-A947-70E740481C1C}">
+                  <a14:useLocalDpi xmlns:a14="http://schemas.microsoft.com/office/drawing/2010/main" val="0"/>
+                </a:ext>
+              </a:extLst>
+            </a:blip>
+            <a:stretch>
+              <a:fillRect/>
+            </a:stretch>
+          </p:blipFill>
+          <p:spPr>
+            <a:xfrm>
+              <a:off x="6082042" y="2659872"/>
+              <a:ext cx="2924485" cy="3955490"/>
+            </a:xfrm>
+            <a:prstGeom prst="rect">
+              <a:avLst/>
+            </a:prstGeom>
+          </p:spPr>
+        </p:pic>
+        <p:pic>
+          <p:nvPicPr>
+            <p:cNvPr id="10" name="Picture 9">
+              <a:extLst>
+                <a:ext uri="{FF2B5EF4-FFF2-40B4-BE49-F238E27FC236}">
+                  <a16:creationId xmlns:a16="http://schemas.microsoft.com/office/drawing/2014/main" id="{E19EC181-8761-4482-AC58-05BD0979493D}"/>
+                </a:ext>
+              </a:extLst>
+            </p:cNvPr>
+            <p:cNvPicPr>
+              <a:picLocks noChangeAspect="1"/>
+            </p:cNvPicPr>
+            <p:nvPr/>
+          </p:nvPicPr>
+          <p:blipFill>
+            <a:blip r:embed="rId5">
+              <a:extLst>
+                <a:ext uri="{28A0092B-C50C-407E-A947-70E740481C1C}">
+                  <a14:useLocalDpi xmlns:a14="http://schemas.microsoft.com/office/drawing/2010/main" val="0"/>
+                </a:ext>
+              </a:extLst>
+            </a:blip>
+            <a:stretch>
+              <a:fillRect/>
+            </a:stretch>
+          </p:blipFill>
+          <p:spPr>
+            <a:xfrm>
+              <a:off x="8961268" y="2667784"/>
+              <a:ext cx="3009027" cy="4012036"/>
+            </a:xfrm>
+            <a:prstGeom prst="rect">
+              <a:avLst/>
+            </a:prstGeom>
+          </p:spPr>
+        </p:pic>
+      </p:grpSp>
+      <mc:AlternateContent xmlns:mc="http://schemas.openxmlformats.org/markup-compatibility/2006">
+        <mc:Choice xmlns:a14="http://schemas.microsoft.com/office/drawing/2010/main" Requires="a14">
+          <p:sp>
+            <p:nvSpPr>
+              <p:cNvPr id="12" name="TextBox 11">
+                <a:extLst>
+                  <a:ext uri="{FF2B5EF4-FFF2-40B4-BE49-F238E27FC236}">
+                    <a16:creationId xmlns:a16="http://schemas.microsoft.com/office/drawing/2014/main" id="{32093033-12DB-4973-AEA5-F1D6B322CD25}"/>
+                  </a:ext>
+                </a:extLst>
+              </p:cNvPr>
+              <p:cNvSpPr txBox="1"/>
+              <p:nvPr/>
+            </p:nvSpPr>
+            <p:spPr>
+              <a:xfrm>
+                <a:off x="1319134" y="1538949"/>
+                <a:ext cx="6696705" cy="1062214"/>
+              </a:xfrm>
+              <a:prstGeom prst="rect">
+                <a:avLst/>
+              </a:prstGeom>
+              <a:noFill/>
+            </p:spPr>
+            <p:txBody>
+              <a:bodyPr wrap="none" rtlCol="0">
+                <a:spAutoFit/>
+              </a:bodyPr>
+              <a:lstStyle/>
+              <a:p>
+                <a:r>
+                  <a:rPr lang="en-US" dirty="0"/>
+                  <a:t>Connection probability depends on neuron distance, </a:t>
+                </a:r>
+                <a14:m>
+                  <m:oMath xmlns:m="http://schemas.openxmlformats.org/officeDocument/2006/math">
+                    <m:sSub>
+                      <m:sSubPr>
+                        <m:ctrlPr>
+                          <a:rPr lang="en-US" b="0" i="1" smtClean="0">
+                            <a:latin typeface="Cambria Math" panose="02040503050406030204" pitchFamily="18" charset="0"/>
+                          </a:rPr>
+                        </m:ctrlPr>
+                      </m:sSubPr>
+                      <m:e>
+                        <m:r>
+                          <a:rPr lang="en-US" b="0" i="1" smtClean="0">
+                            <a:latin typeface="Cambria Math" panose="02040503050406030204" pitchFamily="18" charset="0"/>
+                          </a:rPr>
+                          <m:t>𝑃</m:t>
+                        </m:r>
+                      </m:e>
+                      <m:sub>
+                        <m:r>
+                          <a:rPr lang="en-US" b="0" i="1" smtClean="0">
+                            <a:latin typeface="Cambria Math" panose="02040503050406030204" pitchFamily="18" charset="0"/>
+                          </a:rPr>
+                          <m:t>12</m:t>
+                        </m:r>
+                      </m:sub>
+                    </m:sSub>
+                    <m:r>
+                      <a:rPr lang="en-US" b="0" i="1" smtClean="0">
+                        <a:latin typeface="Cambria Math" panose="02040503050406030204" pitchFamily="18" charset="0"/>
+                      </a:rPr>
+                      <m:t>=</m:t>
+                    </m:r>
+                    <m:sSup>
+                      <m:sSupPr>
+                        <m:ctrlPr>
+                          <a:rPr lang="en-US" i="1">
+                            <a:latin typeface="Cambria Math" panose="02040503050406030204" pitchFamily="18" charset="0"/>
+                          </a:rPr>
+                        </m:ctrlPr>
+                      </m:sSupPr>
+                      <m:e>
+                        <m:r>
+                          <a:rPr lang="en-US" i="1">
+                            <a:latin typeface="Cambria Math" panose="02040503050406030204" pitchFamily="18" charset="0"/>
+                          </a:rPr>
+                          <m:t>𝑒</m:t>
+                        </m:r>
+                      </m:e>
+                      <m:sup>
+                        <m:r>
+                          <a:rPr lang="en-US" i="1">
+                            <a:latin typeface="Cambria Math" panose="02040503050406030204" pitchFamily="18" charset="0"/>
+                          </a:rPr>
+                          <m:t>−</m:t>
+                        </m:r>
+                        <m:d>
+                          <m:dPr>
+                            <m:ctrlPr>
+                              <a:rPr lang="en-US" i="1">
+                                <a:latin typeface="Cambria Math" panose="02040503050406030204" pitchFamily="18" charset="0"/>
+                              </a:rPr>
+                            </m:ctrlPr>
+                          </m:dPr>
+                          <m:e>
+                            <m:f>
+                              <m:fPr>
+                                <m:type m:val="skw"/>
+                                <m:ctrlPr>
+                                  <a:rPr lang="en-US" i="1" smtClean="0">
+                                    <a:latin typeface="Cambria Math" panose="02040503050406030204" pitchFamily="18" charset="0"/>
+                                  </a:rPr>
+                                </m:ctrlPr>
+                              </m:fPr>
+                              <m:num>
+                                <m:sSub>
+                                  <m:sSubPr>
+                                    <m:ctrlPr>
+                                      <a:rPr lang="en-US" i="1" smtClean="0">
+                                        <a:latin typeface="Cambria Math" panose="02040503050406030204" pitchFamily="18" charset="0"/>
+                                      </a:rPr>
+                                    </m:ctrlPr>
+                                  </m:sSubPr>
+                                  <m:e>
+                                    <m:r>
+                                      <a:rPr lang="en-US" b="0" i="1" smtClean="0">
+                                        <a:latin typeface="Cambria Math" panose="02040503050406030204" pitchFamily="18" charset="0"/>
+                                      </a:rPr>
+                                      <m:t>𝐷</m:t>
+                                    </m:r>
+                                  </m:e>
+                                  <m:sub>
+                                    <m:r>
+                                      <a:rPr lang="en-US" b="0" i="1" smtClean="0">
+                                        <a:latin typeface="Cambria Math" panose="02040503050406030204" pitchFamily="18" charset="0"/>
+                                      </a:rPr>
+                                      <m:t>12</m:t>
+                                    </m:r>
+                                  </m:sub>
+                                </m:sSub>
+                              </m:num>
+                              <m:den>
+                                <m:r>
+                                  <m:rPr>
+                                    <m:nor/>
+                                  </m:rPr>
+                                  <a:rPr lang="el-GR" dirty="0"/>
+                                  <m:t>λ</m:t>
+                                </m:r>
+                              </m:den>
+                            </m:f>
+                          </m:e>
+                        </m:d>
+                        <m:r>
+                          <a:rPr lang="en-US" i="1">
+                            <a:latin typeface="Cambria Math" panose="02040503050406030204" pitchFamily="18" charset="0"/>
+                          </a:rPr>
+                          <m:t>2</m:t>
+                        </m:r>
+                      </m:sup>
+                    </m:sSup>
+                  </m:oMath>
+                </a14:m>
+                <a:endParaRPr lang="en-US" dirty="0"/>
+              </a:p>
+              <a:p>
+                <a:r>
+                  <a:rPr lang="en-US" dirty="0"/>
+                  <a:t>Original LSM paper (Maas 2002) found best performance for </a:t>
+                </a:r>
+                <a:r>
+                  <a:rPr lang="el-GR" dirty="0"/>
+                  <a:t>λ</a:t>
+                </a:r>
+                <a:r>
+                  <a:rPr lang="en-US" dirty="0"/>
+                  <a:t>=2</a:t>
+                </a:r>
+              </a:p>
+              <a:p>
+                <a:r>
+                  <a:rPr lang="en-US" dirty="0"/>
+                  <a:t>3x3x15 column on integer grid locations, 135 neurons</a:t>
+                </a:r>
+              </a:p>
+            </p:txBody>
+          </p:sp>
+        </mc:Choice>
+        <mc:Fallback>
+          <p:sp>
+            <p:nvSpPr>
+              <p:cNvPr id="12" name="TextBox 11">
+                <a:extLst>
+                  <a:ext uri="{FF2B5EF4-FFF2-40B4-BE49-F238E27FC236}">
+                    <a16:creationId xmlns:a16="http://schemas.microsoft.com/office/drawing/2014/main" id="{32093033-12DB-4973-AEA5-F1D6B322CD25}"/>
+                  </a:ext>
+                </a:extLst>
+              </p:cNvPr>
+              <p:cNvSpPr txBox="1">
+                <a:spLocks noRot="1" noChangeAspect="1" noMove="1" noResize="1" noEditPoints="1" noAdjustHandles="1" noChangeArrowheads="1" noChangeShapeType="1" noTextEdit="1"/>
+              </p:cNvSpPr>
+              <p:nvPr/>
+            </p:nvSpPr>
+            <p:spPr>
+              <a:xfrm>
+                <a:off x="1319134" y="1538949"/>
+                <a:ext cx="6696705" cy="1062214"/>
+              </a:xfrm>
+              <a:prstGeom prst="rect">
+                <a:avLst/>
+              </a:prstGeom>
+              <a:blipFill>
+                <a:blip r:embed="rId6"/>
+                <a:stretch>
+                  <a:fillRect l="-728" b="-8000"/>
+                </a:stretch>
+              </a:blipFill>
+            </p:spPr>
+            <p:txBody>
+              <a:bodyPr/>
+              <a:lstStyle/>
+              <a:p>
+                <a:r>
+                  <a:rPr lang="en-US">
+                    <a:noFill/>
+                  </a:rPr>
+                  <a:t> </a:t>
+                </a:r>
+              </a:p>
+            </p:txBody>
+          </p:sp>
+        </mc:Fallback>
+      </mc:AlternateContent>
+      <p:pic>
+        <p:nvPicPr>
+          <p:cNvPr id="13" name="Picture 12">
+            <a:extLst>
+              <a:ext uri="{FF2B5EF4-FFF2-40B4-BE49-F238E27FC236}">
+                <a16:creationId xmlns:a16="http://schemas.microsoft.com/office/drawing/2014/main" id="{2C014946-5F99-4ED7-BBC6-2610D83D2C61}"/>
+              </a:ext>
+            </a:extLst>
+          </p:cNvPr>
+          <p:cNvPicPr>
+            <a:picLocks noChangeAspect="1"/>
+          </p:cNvPicPr>
+          <p:nvPr/>
+        </p:nvPicPr>
+        <p:blipFill rotWithShape="1">
+          <a:blip r:embed="rId7"/>
+          <a:srcRect l="40816" t="17845" r="42368" b="54604"/>
+          <a:stretch/>
+        </p:blipFill>
+        <p:spPr>
+          <a:xfrm>
+            <a:off x="8961268" y="1171711"/>
+            <a:ext cx="2088683" cy="1833727"/>
+          </a:xfrm>
+          <a:prstGeom prst="rect">
+            <a:avLst/>
+          </a:prstGeom>
+        </p:spPr>
+      </p:pic>
+      <p:cxnSp>
+        <p:nvCxnSpPr>
+          <p:cNvPr id="15" name="Straight Arrow Connector 14">
+            <a:extLst>
+              <a:ext uri="{FF2B5EF4-FFF2-40B4-BE49-F238E27FC236}">
+                <a16:creationId xmlns:a16="http://schemas.microsoft.com/office/drawing/2014/main" id="{ED8A61D4-2AA1-4259-A52B-A0B463AB14DA}"/>
+              </a:ext>
+            </a:extLst>
+          </p:cNvPr>
+          <p:cNvCxnSpPr/>
+          <p:nvPr/>
+        </p:nvCxnSpPr>
+        <p:spPr>
+          <a:xfrm>
+            <a:off x="7516141" y="2147227"/>
+            <a:ext cx="1232034" cy="0"/>
+          </a:xfrm>
+          <a:prstGeom prst="straightConnector1">
+            <a:avLst/>
+          </a:prstGeom>
+          <a:ln w="19050">
+            <a:solidFill>
+              <a:schemeClr val="tx1"/>
+            </a:solidFill>
+            <a:tailEnd type="triangle"/>
+          </a:ln>
+        </p:spPr>
+        <p:style>
+          <a:lnRef idx="1">
+            <a:schemeClr val="accent1"/>
+          </a:lnRef>
+          <a:fillRef idx="0">
+            <a:schemeClr val="accent1"/>
+          </a:fillRef>
+          <a:effectRef idx="0">
+            <a:schemeClr val="accent1"/>
+          </a:effectRef>
+          <a:fontRef idx="minor">
+            <a:schemeClr val="tx1"/>
+          </a:fontRef>
+        </p:style>
+      </p:cxnSp>
+    </p:spTree>
+    <p:extLst>
+      <p:ext uri="{BB962C8B-B14F-4D97-AF65-F5344CB8AC3E}">
+        <p14:creationId xmlns:p14="http://schemas.microsoft.com/office/powerpoint/2010/main" val="2915437618"/>
       </p:ext>
     </p:extLst>
   </p:cSld>

--- a/thesis/Thesis Plan.pptx
+++ b/thesis/Thesis Plan.pptx
@@ -7,13 +7,17 @@
   <p:sldIdLst>
     <p:sldId id="256" r:id="rId2"/>
     <p:sldId id="257" r:id="rId3"/>
-    <p:sldId id="258" r:id="rId4"/>
-    <p:sldId id="262" r:id="rId5"/>
+    <p:sldId id="267" r:id="rId4"/>
+    <p:sldId id="270" r:id="rId5"/>
     <p:sldId id="260" r:id="rId6"/>
     <p:sldId id="259" r:id="rId7"/>
-    <p:sldId id="261" r:id="rId8"/>
-    <p:sldId id="263" r:id="rId9"/>
-    <p:sldId id="264" r:id="rId10"/>
+    <p:sldId id="268" r:id="rId8"/>
+    <p:sldId id="264" r:id="rId9"/>
+    <p:sldId id="261" r:id="rId10"/>
+    <p:sldId id="263" r:id="rId11"/>
+    <p:sldId id="269" r:id="rId12"/>
+    <p:sldId id="265" r:id="rId13"/>
+    <p:sldId id="266" r:id="rId14"/>
   </p:sldIdLst>
   <p:sldSz cx="12192000" cy="6858000"/>
   <p:notesSz cx="6858000" cy="9144000"/>
@@ -271,7 +275,7 @@
           <a:p>
             <a:fld id="{954492B9-D71C-4D72-9116-684F5B4E5326}" type="datetimeFigureOut">
               <a:rPr lang="en-US" smtClean="0"/>
-              <a:t>12/30/2017</a:t>
+              <a:t>1/12/2018</a:t>
             </a:fld>
             <a:endParaRPr lang="en-US"/>
           </a:p>
@@ -469,7 +473,7 @@
           <a:p>
             <a:fld id="{954492B9-D71C-4D72-9116-684F5B4E5326}" type="datetimeFigureOut">
               <a:rPr lang="en-US" smtClean="0"/>
-              <a:t>12/30/2017</a:t>
+              <a:t>1/12/2018</a:t>
             </a:fld>
             <a:endParaRPr lang="en-US"/>
           </a:p>
@@ -677,7 +681,7 @@
           <a:p>
             <a:fld id="{954492B9-D71C-4D72-9116-684F5B4E5326}" type="datetimeFigureOut">
               <a:rPr lang="en-US" smtClean="0"/>
-              <a:t>12/30/2017</a:t>
+              <a:t>1/12/2018</a:t>
             </a:fld>
             <a:endParaRPr lang="en-US"/>
           </a:p>
@@ -875,7 +879,7 @@
           <a:p>
             <a:fld id="{954492B9-D71C-4D72-9116-684F5B4E5326}" type="datetimeFigureOut">
               <a:rPr lang="en-US" smtClean="0"/>
-              <a:t>12/30/2017</a:t>
+              <a:t>1/12/2018</a:t>
             </a:fld>
             <a:endParaRPr lang="en-US"/>
           </a:p>
@@ -1150,7 +1154,7 @@
           <a:p>
             <a:fld id="{954492B9-D71C-4D72-9116-684F5B4E5326}" type="datetimeFigureOut">
               <a:rPr lang="en-US" smtClean="0"/>
-              <a:t>12/30/2017</a:t>
+              <a:t>1/12/2018</a:t>
             </a:fld>
             <a:endParaRPr lang="en-US"/>
           </a:p>
@@ -1415,7 +1419,7 @@
           <a:p>
             <a:fld id="{954492B9-D71C-4D72-9116-684F5B4E5326}" type="datetimeFigureOut">
               <a:rPr lang="en-US" smtClean="0"/>
-              <a:t>12/30/2017</a:t>
+              <a:t>1/12/2018</a:t>
             </a:fld>
             <a:endParaRPr lang="en-US"/>
           </a:p>
@@ -1827,7 +1831,7 @@
           <a:p>
             <a:fld id="{954492B9-D71C-4D72-9116-684F5B4E5326}" type="datetimeFigureOut">
               <a:rPr lang="en-US" smtClean="0"/>
-              <a:t>12/30/2017</a:t>
+              <a:t>1/12/2018</a:t>
             </a:fld>
             <a:endParaRPr lang="en-US"/>
           </a:p>
@@ -1968,7 +1972,7 @@
           <a:p>
             <a:fld id="{954492B9-D71C-4D72-9116-684F5B4E5326}" type="datetimeFigureOut">
               <a:rPr lang="en-US" smtClean="0"/>
-              <a:t>12/30/2017</a:t>
+              <a:t>1/12/2018</a:t>
             </a:fld>
             <a:endParaRPr lang="en-US"/>
           </a:p>
@@ -2081,7 +2085,7 @@
           <a:p>
             <a:fld id="{954492B9-D71C-4D72-9116-684F5B4E5326}" type="datetimeFigureOut">
               <a:rPr lang="en-US" smtClean="0"/>
-              <a:t>12/30/2017</a:t>
+              <a:t>1/12/2018</a:t>
             </a:fld>
             <a:endParaRPr lang="en-US"/>
           </a:p>
@@ -2392,7 +2396,7 @@
           <a:p>
             <a:fld id="{954492B9-D71C-4D72-9116-684F5B4E5326}" type="datetimeFigureOut">
               <a:rPr lang="en-US" smtClean="0"/>
-              <a:t>12/30/2017</a:t>
+              <a:t>1/12/2018</a:t>
             </a:fld>
             <a:endParaRPr lang="en-US"/>
           </a:p>
@@ -2680,7 +2684,7 @@
           <a:p>
             <a:fld id="{954492B9-D71C-4D72-9116-684F5B4E5326}" type="datetimeFigureOut">
               <a:rPr lang="en-US" smtClean="0"/>
-              <a:t>12/30/2017</a:t>
+              <a:t>1/12/2018</a:t>
             </a:fld>
             <a:endParaRPr lang="en-US"/>
           </a:p>
@@ -2921,7 +2925,7 @@
           <a:p>
             <a:fld id="{954492B9-D71C-4D72-9116-684F5B4E5326}" type="datetimeFigureOut">
               <a:rPr lang="en-US" smtClean="0"/>
-              <a:t>12/30/2017</a:t>
+              <a:t>1/12/2018</a:t>
             </a:fld>
             <a:endParaRPr lang="en-US"/>
           </a:p>
@@ -3415,6 +3419,786 @@
 </p:sld>
 </file>
 
+<file path=ppt/slides/slide10.xml><?xml version="1.0" encoding="utf-8"?>
+<p:sld xmlns:a="http://schemas.openxmlformats.org/drawingml/2006/main" xmlns:r="http://schemas.openxmlformats.org/officeDocument/2006/relationships" xmlns:p="http://schemas.openxmlformats.org/presentationml/2006/main">
+  <p:cSld>
+    <p:spTree>
+      <p:nvGrpSpPr>
+        <p:cNvPr id="1" name=""/>
+        <p:cNvGrpSpPr/>
+        <p:nvPr/>
+      </p:nvGrpSpPr>
+      <p:grpSpPr>
+        <a:xfrm>
+          <a:off x="0" y="0"/>
+          <a:ext cx="0" cy="0"/>
+          <a:chOff x="0" y="0"/>
+          <a:chExt cx="0" cy="0"/>
+        </a:xfrm>
+      </p:grpSpPr>
+      <p:sp>
+        <p:nvSpPr>
+          <p:cNvPr id="2" name="Title 1">
+            <a:extLst>
+              <a:ext uri="{FF2B5EF4-FFF2-40B4-BE49-F238E27FC236}">
+                <a16:creationId xmlns:a16="http://schemas.microsoft.com/office/drawing/2014/main" id="{ABAC5207-9B5E-42DE-B989-FE8B9CDAFDEA}"/>
+              </a:ext>
+            </a:extLst>
+          </p:cNvPr>
+          <p:cNvSpPr>
+            <a:spLocks noGrp="1"/>
+          </p:cNvSpPr>
+          <p:nvPr>
+            <p:ph type="title"/>
+          </p:nvPr>
+        </p:nvSpPr>
+        <p:spPr/>
+        <p:txBody>
+          <a:bodyPr/>
+          <a:lstStyle/>
+          <a:p>
+            <a:r>
+              <a:rPr lang="en-US" dirty="0"/>
+              <a:t>Neural dynamics</a:t>
+            </a:r>
+          </a:p>
+        </p:txBody>
+      </p:sp>
+      <p:pic>
+        <p:nvPicPr>
+          <p:cNvPr id="4" name="Picture 3">
+            <a:extLst>
+              <a:ext uri="{FF2B5EF4-FFF2-40B4-BE49-F238E27FC236}">
+                <a16:creationId xmlns:a16="http://schemas.microsoft.com/office/drawing/2014/main" id="{38E3F87A-A757-4484-83DF-E021ECC4E018}"/>
+              </a:ext>
+            </a:extLst>
+          </p:cNvPr>
+          <p:cNvPicPr>
+            <a:picLocks noChangeAspect="1"/>
+          </p:cNvPicPr>
+          <p:nvPr/>
+        </p:nvPicPr>
+        <p:blipFill rotWithShape="1">
+          <a:blip r:embed="rId2">
+            <a:extLst>
+              <a:ext uri="{28A0092B-C50C-407E-A947-70E740481C1C}">
+                <a14:useLocalDpi xmlns:a14="http://schemas.microsoft.com/office/drawing/2010/main" val="0"/>
+              </a:ext>
+            </a:extLst>
+          </a:blip>
+          <a:srcRect r="4684"/>
+          <a:stretch/>
+        </p:blipFill>
+        <p:spPr>
+          <a:xfrm>
+            <a:off x="5971950" y="2918746"/>
+            <a:ext cx="4550226" cy="3718652"/>
+          </a:xfrm>
+          <a:prstGeom prst="rect">
+            <a:avLst/>
+          </a:prstGeom>
+        </p:spPr>
+      </p:pic>
+      <p:pic>
+        <p:nvPicPr>
+          <p:cNvPr id="6" name="Picture 5">
+            <a:extLst>
+              <a:ext uri="{FF2B5EF4-FFF2-40B4-BE49-F238E27FC236}">
+                <a16:creationId xmlns:a16="http://schemas.microsoft.com/office/drawing/2014/main" id="{E272EF9D-4133-4988-B2C6-1AB321C47039}"/>
+              </a:ext>
+            </a:extLst>
+          </p:cNvPr>
+          <p:cNvPicPr>
+            <a:picLocks noChangeAspect="1"/>
+          </p:cNvPicPr>
+          <p:nvPr/>
+        </p:nvPicPr>
+        <p:blipFill rotWithShape="1">
+          <a:blip r:embed="rId3">
+            <a:extLst>
+              <a:ext uri="{28A0092B-C50C-407E-A947-70E740481C1C}">
+                <a14:useLocalDpi xmlns:a14="http://schemas.microsoft.com/office/drawing/2010/main" val="0"/>
+              </a:ext>
+            </a:extLst>
+          </a:blip>
+          <a:srcRect l="1764" r="4761"/>
+          <a:stretch/>
+        </p:blipFill>
+        <p:spPr>
+          <a:xfrm>
+            <a:off x="974104" y="2912885"/>
+            <a:ext cx="4462342" cy="3730821"/>
+          </a:xfrm>
+          <a:prstGeom prst="rect">
+            <a:avLst/>
+          </a:prstGeom>
+        </p:spPr>
+      </p:pic>
+      <p:sp>
+        <p:nvSpPr>
+          <p:cNvPr id="7" name="TextBox 6">
+            <a:extLst>
+              <a:ext uri="{FF2B5EF4-FFF2-40B4-BE49-F238E27FC236}">
+                <a16:creationId xmlns:a16="http://schemas.microsoft.com/office/drawing/2014/main" id="{DEDD41B8-5079-4FDE-A137-E8B20EF2DE39}"/>
+              </a:ext>
+            </a:extLst>
+          </p:cNvPr>
+          <p:cNvSpPr txBox="1"/>
+          <p:nvPr/>
+        </p:nvSpPr>
+        <p:spPr>
+          <a:xfrm>
+            <a:off x="2061759" y="2560719"/>
+            <a:ext cx="2428293" cy="369332"/>
+          </a:xfrm>
+          <a:prstGeom prst="rect">
+            <a:avLst/>
+          </a:prstGeom>
+          <a:noFill/>
+        </p:spPr>
+        <p:txBody>
+          <a:bodyPr wrap="none" rtlCol="0">
+            <a:spAutoFit/>
+          </a:bodyPr>
+          <a:lstStyle/>
+          <a:p>
+            <a:r>
+              <a:rPr lang="en-US" dirty="0"/>
+              <a:t>Classic </a:t>
+            </a:r>
+            <a:r>
+              <a:rPr lang="en-US" dirty="0" err="1"/>
+              <a:t>Izhikevich</a:t>
+            </a:r>
+            <a:r>
+              <a:rPr lang="en-US" dirty="0"/>
+              <a:t> (2003)</a:t>
+            </a:r>
+          </a:p>
+        </p:txBody>
+      </p:sp>
+      <p:sp>
+        <p:nvSpPr>
+          <p:cNvPr id="8" name="TextBox 7">
+            <a:extLst>
+              <a:ext uri="{FF2B5EF4-FFF2-40B4-BE49-F238E27FC236}">
+                <a16:creationId xmlns:a16="http://schemas.microsoft.com/office/drawing/2014/main" id="{C7B9CA4D-B714-490D-B85D-B3D9D4E8CBD7}"/>
+              </a:ext>
+            </a:extLst>
+          </p:cNvPr>
+          <p:cNvSpPr txBox="1"/>
+          <p:nvPr/>
+        </p:nvSpPr>
+        <p:spPr>
+          <a:xfrm>
+            <a:off x="6611833" y="2560719"/>
+            <a:ext cx="3579506" cy="369332"/>
+          </a:xfrm>
+          <a:prstGeom prst="rect">
+            <a:avLst/>
+          </a:prstGeom>
+          <a:noFill/>
+        </p:spPr>
+        <p:txBody>
+          <a:bodyPr wrap="none" rtlCol="0">
+            <a:spAutoFit/>
+          </a:bodyPr>
+          <a:lstStyle/>
+          <a:p>
+            <a:r>
+              <a:rPr lang="en-US" dirty="0"/>
+              <a:t>With random synaptic delays 0-4 </a:t>
+            </a:r>
+            <a:r>
+              <a:rPr lang="en-US" dirty="0" err="1"/>
+              <a:t>ms</a:t>
+            </a:r>
+            <a:endParaRPr lang="en-US" dirty="0"/>
+          </a:p>
+        </p:txBody>
+      </p:sp>
+      <p:sp>
+        <p:nvSpPr>
+          <p:cNvPr id="5" name="TextBox 4">
+            <a:extLst>
+              <a:ext uri="{FF2B5EF4-FFF2-40B4-BE49-F238E27FC236}">
+                <a16:creationId xmlns:a16="http://schemas.microsoft.com/office/drawing/2014/main" id="{97A9CA3A-F973-4D09-AA7F-5F125204E3AF}"/>
+              </a:ext>
+            </a:extLst>
+          </p:cNvPr>
+          <p:cNvSpPr txBox="1"/>
+          <p:nvPr/>
+        </p:nvSpPr>
+        <p:spPr>
+          <a:xfrm>
+            <a:off x="974104" y="1518127"/>
+            <a:ext cx="10729434" cy="923330"/>
+          </a:xfrm>
+          <a:prstGeom prst="rect">
+            <a:avLst/>
+          </a:prstGeom>
+          <a:noFill/>
+        </p:spPr>
+        <p:txBody>
+          <a:bodyPr wrap="square" rtlCol="0">
+            <a:spAutoFit/>
+          </a:bodyPr>
+          <a:lstStyle/>
+          <a:p>
+            <a:r>
+              <a:rPr lang="en-US" dirty="0"/>
+              <a:t>Created a neural simulation using the </a:t>
+            </a:r>
+            <a:r>
+              <a:rPr lang="en-US" dirty="0" err="1"/>
+              <a:t>Izhikevich</a:t>
+            </a:r>
+            <a:r>
+              <a:rPr lang="en-US" dirty="0"/>
+              <a:t> model for neural dynamics, added synaptic delays.</a:t>
+            </a:r>
+          </a:p>
+          <a:p>
+            <a:r>
+              <a:rPr lang="en-US" dirty="0"/>
+              <a:t>Validated synaptic delay implementation against </a:t>
+            </a:r>
+            <a:r>
+              <a:rPr lang="en-US" dirty="0" err="1"/>
+              <a:t>Izhikevich</a:t>
+            </a:r>
+            <a:r>
+              <a:rPr lang="en-US" dirty="0"/>
+              <a:t> ‘03 code, using the same parameters and inputs we see similar behavior.  </a:t>
+            </a:r>
+          </a:p>
+        </p:txBody>
+      </p:sp>
+    </p:spTree>
+    <p:extLst>
+      <p:ext uri="{BB962C8B-B14F-4D97-AF65-F5344CB8AC3E}">
+        <p14:creationId xmlns:p14="http://schemas.microsoft.com/office/powerpoint/2010/main" val="3801376647"/>
+      </p:ext>
+    </p:extLst>
+  </p:cSld>
+  <p:clrMapOvr>
+    <a:masterClrMapping/>
+  </p:clrMapOvr>
+</p:sld>
+</file>
+
+<file path=ppt/slides/slide11.xml><?xml version="1.0" encoding="utf-8"?>
+<p:sld xmlns:a="http://schemas.openxmlformats.org/drawingml/2006/main" xmlns:r="http://schemas.openxmlformats.org/officeDocument/2006/relationships" xmlns:p="http://schemas.openxmlformats.org/presentationml/2006/main">
+  <p:cSld>
+    <p:spTree>
+      <p:nvGrpSpPr>
+        <p:cNvPr id="1" name=""/>
+        <p:cNvGrpSpPr/>
+        <p:nvPr/>
+      </p:nvGrpSpPr>
+      <p:grpSpPr>
+        <a:xfrm>
+          <a:off x="0" y="0"/>
+          <a:ext cx="0" cy="0"/>
+          <a:chOff x="0" y="0"/>
+          <a:chExt cx="0" cy="0"/>
+        </a:xfrm>
+      </p:grpSpPr>
+      <p:sp>
+        <p:nvSpPr>
+          <p:cNvPr id="2" name="Title 1">
+            <a:extLst>
+              <a:ext uri="{FF2B5EF4-FFF2-40B4-BE49-F238E27FC236}">
+                <a16:creationId xmlns:a16="http://schemas.microsoft.com/office/drawing/2014/main" id="{287C7871-7EAB-498D-A07B-8A690D612FDD}"/>
+              </a:ext>
+            </a:extLst>
+          </p:cNvPr>
+          <p:cNvSpPr>
+            <a:spLocks noGrp="1"/>
+          </p:cNvSpPr>
+          <p:nvPr>
+            <p:ph type="title"/>
+          </p:nvPr>
+        </p:nvSpPr>
+        <p:spPr/>
+        <p:txBody>
+          <a:bodyPr/>
+          <a:lstStyle/>
+          <a:p>
+            <a:r>
+              <a:rPr lang="en-US" dirty="0"/>
+              <a:t>Synapse dynamics</a:t>
+            </a:r>
+          </a:p>
+        </p:txBody>
+      </p:sp>
+      <p:sp>
+        <p:nvSpPr>
+          <p:cNvPr id="3" name="Content Placeholder 2">
+            <a:extLst>
+              <a:ext uri="{FF2B5EF4-FFF2-40B4-BE49-F238E27FC236}">
+                <a16:creationId xmlns:a16="http://schemas.microsoft.com/office/drawing/2014/main" id="{5F6D47C8-A8A0-4D56-87C4-965976FE8911}"/>
+              </a:ext>
+            </a:extLst>
+          </p:cNvPr>
+          <p:cNvSpPr>
+            <a:spLocks noGrp="1"/>
+          </p:cNvSpPr>
+          <p:nvPr>
+            <p:ph idx="1"/>
+          </p:nvPr>
+        </p:nvSpPr>
+        <p:spPr>
+          <a:xfrm>
+            <a:off x="838200" y="1825625"/>
+            <a:ext cx="5515466" cy="4351338"/>
+          </a:xfrm>
+        </p:spPr>
+        <p:txBody>
+          <a:bodyPr/>
+          <a:lstStyle/>
+          <a:p>
+            <a:r>
+              <a:rPr lang="en-US" dirty="0"/>
+              <a:t>Maas et al showed that dynamic </a:t>
+            </a:r>
+            <a:r>
+              <a:rPr lang="en-US" dirty="0" err="1"/>
+              <a:t>synpases</a:t>
+            </a:r>
+            <a:r>
+              <a:rPr lang="en-US" dirty="0"/>
+              <a:t> provide longer fading memory</a:t>
+            </a:r>
+          </a:p>
+          <a:p>
+            <a:r>
+              <a:rPr lang="en-US" dirty="0"/>
+              <a:t>Implemented first-order synapse dynamics</a:t>
+            </a:r>
+          </a:p>
+          <a:p>
+            <a:r>
+              <a:rPr lang="en-US" dirty="0"/>
+              <a:t>Synaptic delays based on inter-neuron distances</a:t>
+            </a:r>
+          </a:p>
+        </p:txBody>
+      </p:sp>
+      <p:pic>
+        <p:nvPicPr>
+          <p:cNvPr id="4" name="Picture 3">
+            <a:extLst>
+              <a:ext uri="{FF2B5EF4-FFF2-40B4-BE49-F238E27FC236}">
+                <a16:creationId xmlns:a16="http://schemas.microsoft.com/office/drawing/2014/main" id="{F73BE7D2-1DCD-44E3-A7A3-77B608AC8E06}"/>
+              </a:ext>
+            </a:extLst>
+          </p:cNvPr>
+          <p:cNvPicPr>
+            <a:picLocks noChangeAspect="1"/>
+          </p:cNvPicPr>
+          <p:nvPr/>
+        </p:nvPicPr>
+        <p:blipFill rotWithShape="1">
+          <a:blip r:embed="rId2"/>
+          <a:srcRect l="30928" t="18291" r="33660" b="33226"/>
+          <a:stretch/>
+        </p:blipFill>
+        <p:spPr>
+          <a:xfrm>
+            <a:off x="6667895" y="1825625"/>
+            <a:ext cx="4317476" cy="3167406"/>
+          </a:xfrm>
+          <a:prstGeom prst="rect">
+            <a:avLst/>
+          </a:prstGeom>
+        </p:spPr>
+      </p:pic>
+      <p:sp>
+        <p:nvSpPr>
+          <p:cNvPr id="5" name="TextBox 4">
+            <a:extLst>
+              <a:ext uri="{FF2B5EF4-FFF2-40B4-BE49-F238E27FC236}">
+                <a16:creationId xmlns:a16="http://schemas.microsoft.com/office/drawing/2014/main" id="{502CC89A-7DB2-4E47-9A57-AF20541BECFA}"/>
+              </a:ext>
+            </a:extLst>
+          </p:cNvPr>
+          <p:cNvSpPr txBox="1"/>
+          <p:nvPr/>
+        </p:nvSpPr>
+        <p:spPr>
+          <a:xfrm>
+            <a:off x="6667895" y="5127968"/>
+            <a:ext cx="4864230" cy="646331"/>
+          </a:xfrm>
+          <a:prstGeom prst="rect">
+            <a:avLst/>
+          </a:prstGeom>
+          <a:noFill/>
+        </p:spPr>
+        <p:txBody>
+          <a:bodyPr wrap="square" rtlCol="0">
+            <a:spAutoFit/>
+          </a:bodyPr>
+          <a:lstStyle/>
+          <a:p>
+            <a:r>
+              <a:rPr lang="en-US" sz="1200" dirty="0"/>
+              <a:t>Maas2002 demonstrated that dynamic synapses (top) provided better classification on a four-element characterization problem compared to static synapses (bottom) </a:t>
+            </a:r>
+          </a:p>
+        </p:txBody>
+      </p:sp>
+    </p:spTree>
+    <p:extLst>
+      <p:ext uri="{BB962C8B-B14F-4D97-AF65-F5344CB8AC3E}">
+        <p14:creationId xmlns:p14="http://schemas.microsoft.com/office/powerpoint/2010/main" val="54150291"/>
+      </p:ext>
+    </p:extLst>
+  </p:cSld>
+  <p:clrMapOvr>
+    <a:masterClrMapping/>
+  </p:clrMapOvr>
+</p:sld>
+</file>
+
+<file path=ppt/slides/slide12.xml><?xml version="1.0" encoding="utf-8"?>
+<p:sld xmlns:a="http://schemas.openxmlformats.org/drawingml/2006/main" xmlns:r="http://schemas.openxmlformats.org/officeDocument/2006/relationships" xmlns:p="http://schemas.openxmlformats.org/presentationml/2006/main">
+  <p:cSld>
+    <p:spTree>
+      <p:nvGrpSpPr>
+        <p:cNvPr id="1" name=""/>
+        <p:cNvGrpSpPr/>
+        <p:nvPr/>
+      </p:nvGrpSpPr>
+      <p:grpSpPr>
+        <a:xfrm>
+          <a:off x="0" y="0"/>
+          <a:ext cx="0" cy="0"/>
+          <a:chOff x="0" y="0"/>
+          <a:chExt cx="0" cy="0"/>
+        </a:xfrm>
+      </p:grpSpPr>
+      <p:sp>
+        <p:nvSpPr>
+          <p:cNvPr id="2" name="Title 1">
+            <a:extLst>
+              <a:ext uri="{FF2B5EF4-FFF2-40B4-BE49-F238E27FC236}">
+                <a16:creationId xmlns:a16="http://schemas.microsoft.com/office/drawing/2014/main" id="{B49E1F8C-845C-4E83-96E1-403554EEF684}"/>
+              </a:ext>
+            </a:extLst>
+          </p:cNvPr>
+          <p:cNvSpPr>
+            <a:spLocks noGrp="1"/>
+          </p:cNvSpPr>
+          <p:nvPr>
+            <p:ph type="title"/>
+          </p:nvPr>
+        </p:nvSpPr>
+        <p:spPr/>
+        <p:txBody>
+          <a:bodyPr/>
+          <a:lstStyle/>
+          <a:p>
+            <a:r>
+              <a:rPr lang="en-US" dirty="0"/>
+              <a:t>Stationary and </a:t>
+            </a:r>
+            <a:r>
+              <a:rPr lang="en-US" dirty="0" err="1"/>
+              <a:t>cyclostationary</a:t>
+            </a:r>
+            <a:r>
+              <a:rPr lang="en-US" dirty="0"/>
+              <a:t> signals</a:t>
+            </a:r>
+          </a:p>
+        </p:txBody>
+      </p:sp>
+      <p:sp>
+        <p:nvSpPr>
+          <p:cNvPr id="3" name="Content Placeholder 2">
+            <a:extLst>
+              <a:ext uri="{FF2B5EF4-FFF2-40B4-BE49-F238E27FC236}">
+                <a16:creationId xmlns:a16="http://schemas.microsoft.com/office/drawing/2014/main" id="{BA86FA9C-1703-4214-95AC-065EF8C98679}"/>
+              </a:ext>
+            </a:extLst>
+          </p:cNvPr>
+          <p:cNvSpPr>
+            <a:spLocks noGrp="1"/>
+          </p:cNvSpPr>
+          <p:nvPr>
+            <p:ph idx="1"/>
+          </p:nvPr>
+        </p:nvSpPr>
+        <p:spPr/>
+        <p:txBody>
+          <a:bodyPr/>
+          <a:lstStyle/>
+          <a:p>
+            <a:r>
+              <a:rPr lang="en-US" dirty="0"/>
+              <a:t>Stationary signals have constant statistical properties over time </a:t>
+            </a:r>
+          </a:p>
+          <a:p>
+            <a:r>
+              <a:rPr lang="en-US" dirty="0"/>
+              <a:t>Cyclostationary signals have statistical properties that vary </a:t>
+            </a:r>
+            <a:r>
+              <a:rPr lang="en-US" dirty="0" err="1"/>
+              <a:t>cyclicly</a:t>
+            </a:r>
+            <a:r>
+              <a:rPr lang="en-US" dirty="0"/>
+              <a:t> over time</a:t>
+            </a:r>
+          </a:p>
+          <a:p>
+            <a:pPr lvl="1"/>
+            <a:r>
+              <a:rPr lang="en-US" dirty="0"/>
+              <a:t>Autocorrelation function is periodic</a:t>
+            </a:r>
+          </a:p>
+          <a:p>
+            <a:pPr lvl="1"/>
+            <a:r>
+              <a:rPr lang="en-US" dirty="0"/>
+              <a:t>Leads to cyclic autocorrelation function and cycle frequencies</a:t>
+            </a:r>
+          </a:p>
+        </p:txBody>
+      </p:sp>
+      <p:sp>
+        <p:nvSpPr>
+          <p:cNvPr id="4" name="Rectangle 3">
+            <a:extLst>
+              <a:ext uri="{FF2B5EF4-FFF2-40B4-BE49-F238E27FC236}">
+                <a16:creationId xmlns:a16="http://schemas.microsoft.com/office/drawing/2014/main" id="{EC1A78A0-92A7-4467-8DC4-8A45EA2FB2E8}"/>
+              </a:ext>
+            </a:extLst>
+          </p:cNvPr>
+          <p:cNvSpPr/>
+          <p:nvPr/>
+        </p:nvSpPr>
+        <p:spPr>
+          <a:xfrm>
+            <a:off x="1734532" y="4675695"/>
+            <a:ext cx="7579150" cy="1338606"/>
+          </a:xfrm>
+          <a:prstGeom prst="rect">
+            <a:avLst/>
+          </a:prstGeom>
+        </p:spPr>
+        <p:style>
+          <a:lnRef idx="2">
+            <a:schemeClr val="accent1">
+              <a:shade val="50000"/>
+            </a:schemeClr>
+          </a:lnRef>
+          <a:fillRef idx="1">
+            <a:schemeClr val="accent1"/>
+          </a:fillRef>
+          <a:effectRef idx="0">
+            <a:schemeClr val="accent1"/>
+          </a:effectRef>
+          <a:fontRef idx="minor">
+            <a:schemeClr val="lt1"/>
+          </a:fontRef>
+        </p:style>
+        <p:txBody>
+          <a:bodyPr rtlCol="0" anchor="ctr"/>
+          <a:lstStyle/>
+          <a:p>
+            <a:pPr algn="ctr"/>
+            <a:r>
+              <a:rPr lang="en-US" dirty="0"/>
+              <a:t>Periodic and PPM spike train plots</a:t>
+            </a:r>
+          </a:p>
+        </p:txBody>
+      </p:sp>
+    </p:spTree>
+    <p:extLst>
+      <p:ext uri="{BB962C8B-B14F-4D97-AF65-F5344CB8AC3E}">
+        <p14:creationId xmlns:p14="http://schemas.microsoft.com/office/powerpoint/2010/main" val="1715736627"/>
+      </p:ext>
+    </p:extLst>
+  </p:cSld>
+  <p:clrMapOvr>
+    <a:masterClrMapping/>
+  </p:clrMapOvr>
+</p:sld>
+</file>
+
+<file path=ppt/slides/slide13.xml><?xml version="1.0" encoding="utf-8"?>
+<p:sld xmlns:a="http://schemas.openxmlformats.org/drawingml/2006/main" xmlns:r="http://schemas.openxmlformats.org/officeDocument/2006/relationships" xmlns:p="http://schemas.openxmlformats.org/presentationml/2006/main">
+  <p:cSld>
+    <p:spTree>
+      <p:nvGrpSpPr>
+        <p:cNvPr id="1" name=""/>
+        <p:cNvGrpSpPr/>
+        <p:nvPr/>
+      </p:nvGrpSpPr>
+      <p:grpSpPr>
+        <a:xfrm>
+          <a:off x="0" y="0"/>
+          <a:ext cx="0" cy="0"/>
+          <a:chOff x="0" y="0"/>
+          <a:chExt cx="0" cy="0"/>
+        </a:xfrm>
+      </p:grpSpPr>
+      <p:sp>
+        <p:nvSpPr>
+          <p:cNvPr id="2" name="Title 1">
+            <a:extLst>
+              <a:ext uri="{FF2B5EF4-FFF2-40B4-BE49-F238E27FC236}">
+                <a16:creationId xmlns:a16="http://schemas.microsoft.com/office/drawing/2014/main" id="{2FB3FFCC-813A-4FC8-BD07-EACD364E02B7}"/>
+              </a:ext>
+            </a:extLst>
+          </p:cNvPr>
+          <p:cNvSpPr>
+            <a:spLocks noGrp="1"/>
+          </p:cNvSpPr>
+          <p:nvPr>
+            <p:ph type="title"/>
+          </p:nvPr>
+        </p:nvSpPr>
+        <p:spPr/>
+        <p:txBody>
+          <a:bodyPr/>
+          <a:lstStyle/>
+          <a:p>
+            <a:r>
+              <a:rPr lang="en-US" dirty="0"/>
+              <a:t>Poisson spike trains</a:t>
+            </a:r>
+          </a:p>
+        </p:txBody>
+      </p:sp>
+      <p:sp>
+        <p:nvSpPr>
+          <p:cNvPr id="3" name="Content Placeholder 2">
+            <a:extLst>
+              <a:ext uri="{FF2B5EF4-FFF2-40B4-BE49-F238E27FC236}">
+                <a16:creationId xmlns:a16="http://schemas.microsoft.com/office/drawing/2014/main" id="{F016CA80-9B08-4346-920E-56BA65BD848F}"/>
+              </a:ext>
+            </a:extLst>
+          </p:cNvPr>
+          <p:cNvSpPr>
+            <a:spLocks noGrp="1"/>
+          </p:cNvSpPr>
+          <p:nvPr>
+            <p:ph idx="1"/>
+          </p:nvPr>
+        </p:nvSpPr>
+        <p:spPr/>
+        <p:txBody>
+          <a:bodyPr/>
+          <a:lstStyle/>
+          <a:p>
+            <a:r>
+              <a:rPr lang="en-US" dirty="0"/>
+              <a:t>Average firing rate R with Poisson statistics</a:t>
+            </a:r>
+          </a:p>
+          <a:p>
+            <a:r>
+              <a:rPr lang="en-US" dirty="0"/>
+              <a:t>No frequency content visible at R </a:t>
+            </a:r>
+          </a:p>
+          <a:p>
+            <a:pPr lvl="1"/>
+            <a:r>
+              <a:rPr lang="en-US" dirty="0"/>
+              <a:t>Gaussian spikes</a:t>
+            </a:r>
+          </a:p>
+          <a:p>
+            <a:pPr lvl="1"/>
+            <a:r>
+              <a:rPr lang="en-US" dirty="0"/>
+              <a:t>De-</a:t>
+            </a:r>
+            <a:r>
+              <a:rPr lang="en-US" dirty="0" err="1"/>
+              <a:t>meaned</a:t>
+            </a:r>
+            <a:r>
+              <a:rPr lang="en-US" dirty="0"/>
+              <a:t> data</a:t>
+            </a:r>
+          </a:p>
+          <a:p>
+            <a:r>
+              <a:rPr lang="en-US" dirty="0"/>
+              <a:t>Mean ISI = 0.052 (R=20 Hz)</a:t>
+            </a:r>
+          </a:p>
+          <a:p>
+            <a:r>
+              <a:rPr lang="en-US" dirty="0" err="1"/>
+              <a:t>Std</a:t>
+            </a:r>
+            <a:r>
+              <a:rPr lang="en-US" dirty="0"/>
+              <a:t> of ISI = 0.055</a:t>
+            </a:r>
+          </a:p>
+        </p:txBody>
+      </p:sp>
+      <p:pic>
+        <p:nvPicPr>
+          <p:cNvPr id="5" name="Picture 4">
+            <a:extLst>
+              <a:ext uri="{FF2B5EF4-FFF2-40B4-BE49-F238E27FC236}">
+                <a16:creationId xmlns:a16="http://schemas.microsoft.com/office/drawing/2014/main" id="{B60A4625-3526-4871-90EB-5504E7979DAF}"/>
+              </a:ext>
+            </a:extLst>
+          </p:cNvPr>
+          <p:cNvPicPr>
+            <a:picLocks noChangeAspect="1"/>
+          </p:cNvPicPr>
+          <p:nvPr/>
+        </p:nvPicPr>
+        <p:blipFill>
+          <a:blip r:embed="rId2">
+            <a:extLst>
+              <a:ext uri="{28A0092B-C50C-407E-A947-70E740481C1C}">
+                <a14:useLocalDpi xmlns:a14="http://schemas.microsoft.com/office/drawing/2010/main" val="0"/>
+              </a:ext>
+            </a:extLst>
+          </a:blip>
+          <a:stretch>
+            <a:fillRect/>
+          </a:stretch>
+        </p:blipFill>
+        <p:spPr>
+          <a:xfrm>
+            <a:off x="7051190" y="2522100"/>
+            <a:ext cx="5029648" cy="3970775"/>
+          </a:xfrm>
+          <a:prstGeom prst="rect">
+            <a:avLst/>
+          </a:prstGeom>
+        </p:spPr>
+      </p:pic>
+    </p:spTree>
+    <p:extLst>
+      <p:ext uri="{BB962C8B-B14F-4D97-AF65-F5344CB8AC3E}">
+        <p14:creationId xmlns:p14="http://schemas.microsoft.com/office/powerpoint/2010/main" val="1665021824"/>
+      </p:ext>
+    </p:extLst>
+  </p:cSld>
+  <p:clrMapOvr>
+    <a:masterClrMapping/>
+  </p:clrMapOvr>
+</p:sld>
+</file>
+
 <file path=ppt/slides/slide2.xml><?xml version="1.0" encoding="utf-8"?>
 <p:sld xmlns:a="http://schemas.openxmlformats.org/drawingml/2006/main" xmlns:r="http://schemas.openxmlformats.org/officeDocument/2006/relationships" xmlns:p="http://schemas.openxmlformats.org/presentationml/2006/main">
   <p:cSld>
@@ -3552,7 +4336,7 @@
           <p:cNvPr id="2" name="Title 1">
             <a:extLst>
               <a:ext uri="{FF2B5EF4-FFF2-40B4-BE49-F238E27FC236}">
-                <a16:creationId xmlns:a16="http://schemas.microsoft.com/office/drawing/2014/main" id="{B49E1F8C-845C-4E83-96E1-403554EEF684}"/>
+                <a16:creationId xmlns:a16="http://schemas.microsoft.com/office/drawing/2014/main" id="{9939FD43-6DB8-4694-99C0-F6341A4ECC7E}"/>
               </a:ext>
             </a:extLst>
           </p:cNvPr>
@@ -3570,7 +4354,47 @@
           <a:p>
             <a:r>
               <a:rPr lang="en-US" dirty="0"/>
-              <a:t>Stationary and </a:t>
+              <a:t>Novel contributions</a:t>
+            </a:r>
+          </a:p>
+        </p:txBody>
+      </p:sp>
+      <p:sp>
+        <p:nvSpPr>
+          <p:cNvPr id="3" name="Content Placeholder 2">
+            <a:extLst>
+              <a:ext uri="{FF2B5EF4-FFF2-40B4-BE49-F238E27FC236}">
+                <a16:creationId xmlns:a16="http://schemas.microsoft.com/office/drawing/2014/main" id="{64E0E618-7638-4D69-95D4-80B51DB15167}"/>
+              </a:ext>
+            </a:extLst>
+          </p:cNvPr>
+          <p:cNvSpPr>
+            <a:spLocks noGrp="1"/>
+          </p:cNvSpPr>
+          <p:nvPr>
+            <p:ph idx="1"/>
+          </p:nvPr>
+        </p:nvSpPr>
+        <p:spPr/>
+        <p:txBody>
+          <a:bodyPr/>
+          <a:lstStyle/>
+          <a:p>
+            <a:r>
+              <a:rPr lang="en-US" dirty="0"/>
+              <a:t>This research will explore the effect of realistic distance-based synaptic propagation times on the computational power of the neural circuit</a:t>
+            </a:r>
+          </a:p>
+          <a:p>
+            <a:r>
+              <a:rPr lang="en-US" dirty="0"/>
+              <a:t>This research will explore the contribution of spatial organization and disorganization</a:t>
+            </a:r>
+          </a:p>
+          <a:p>
+            <a:r>
+              <a:rPr lang="en-US" dirty="0"/>
+              <a:t>This research will examine the ability of neural circuits to separate </a:t>
             </a:r>
             <a:r>
               <a:rPr lang="en-US" dirty="0" err="1"/>
@@ -3581,117 +4405,15 @@
               <a:t> signals</a:t>
             </a:r>
           </a:p>
-        </p:txBody>
-      </p:sp>
-      <p:sp>
-        <p:nvSpPr>
-          <p:cNvPr id="3" name="Content Placeholder 2">
-            <a:extLst>
-              <a:ext uri="{FF2B5EF4-FFF2-40B4-BE49-F238E27FC236}">
-                <a16:creationId xmlns:a16="http://schemas.microsoft.com/office/drawing/2014/main" id="{BA86FA9C-1703-4214-95AC-065EF8C98679}"/>
-              </a:ext>
-            </a:extLst>
-          </p:cNvPr>
-          <p:cNvSpPr>
-            <a:spLocks noGrp="1"/>
-          </p:cNvSpPr>
-          <p:nvPr>
-            <p:ph idx="1"/>
-          </p:nvPr>
-        </p:nvSpPr>
-        <p:spPr/>
-        <p:txBody>
-          <a:bodyPr/>
-          <a:lstStyle/>
-          <a:p>
-            <a:r>
-              <a:rPr lang="en-US" dirty="0"/>
-              <a:t>Stationary signals have constant statistical properties over time </a:t>
-            </a:r>
-          </a:p>
-          <a:p>
-            <a:r>
-              <a:rPr lang="en-US" dirty="0"/>
-              <a:t>Cyclostationary signals have statistical properties that vary </a:t>
-            </a:r>
-            <a:r>
-              <a:rPr lang="en-US" dirty="0" err="1"/>
-              <a:t>cyclicly</a:t>
-            </a:r>
-            <a:r>
-              <a:rPr lang="en-US" dirty="0"/>
-              <a:t> over time</a:t>
-            </a:r>
-          </a:p>
-          <a:p>
-            <a:pPr lvl="1"/>
-            <a:r>
-              <a:rPr lang="en-US" dirty="0"/>
-              <a:t>Autocorrelation function is periodic</a:t>
-            </a:r>
-          </a:p>
-          <a:p>
-            <a:pPr lvl="1"/>
-            <a:r>
-              <a:rPr lang="en-US" dirty="0"/>
-              <a:t>Leads to cyclic autocorrelation function and cycle frequencies</a:t>
-            </a:r>
-          </a:p>
-        </p:txBody>
-      </p:sp>
-      <p:sp>
-        <p:nvSpPr>
-          <p:cNvPr id="4" name="Rectangle 3">
-            <a:extLst>
-              <a:ext uri="{FF2B5EF4-FFF2-40B4-BE49-F238E27FC236}">
-                <a16:creationId xmlns:a16="http://schemas.microsoft.com/office/drawing/2014/main" id="{EC1A78A0-92A7-4467-8DC4-8A45EA2FB2E8}"/>
-              </a:ext>
-            </a:extLst>
-          </p:cNvPr>
-          <p:cNvSpPr/>
-          <p:nvPr/>
-        </p:nvSpPr>
-        <p:spPr>
-          <a:xfrm>
-            <a:off x="1734532" y="4675695"/>
-            <a:ext cx="7579150" cy="1338606"/>
-          </a:xfrm>
-          <a:prstGeom prst="rect">
-            <a:avLst/>
-          </a:prstGeom>
-        </p:spPr>
-        <p:style>
-          <a:lnRef idx="2">
-            <a:schemeClr val="accent1">
-              <a:shade val="50000"/>
-            </a:schemeClr>
-          </a:lnRef>
-          <a:fillRef idx="1">
-            <a:schemeClr val="accent1"/>
-          </a:fillRef>
-          <a:effectRef idx="0">
-            <a:schemeClr val="accent1"/>
-          </a:effectRef>
-          <a:fontRef idx="minor">
-            <a:schemeClr val="lt1"/>
-          </a:fontRef>
-        </p:style>
-        <p:txBody>
-          <a:bodyPr rtlCol="0" anchor="ctr"/>
-          <a:lstStyle/>
-          <a:p>
-            <a:pPr algn="ctr"/>
-            <a:r>
-              <a:rPr lang="en-US" dirty="0"/>
-              <a:t>Periodic and PPM spike train plots</a:t>
-            </a:r>
+          <a:p>
+            <a:endParaRPr lang="en-US" dirty="0"/>
           </a:p>
         </p:txBody>
       </p:sp>
     </p:spTree>
     <p:extLst>
       <p:ext uri="{BB962C8B-B14F-4D97-AF65-F5344CB8AC3E}">
-        <p14:creationId xmlns:p14="http://schemas.microsoft.com/office/powerpoint/2010/main" val="3198786976"/>
+        <p14:creationId xmlns:p14="http://schemas.microsoft.com/office/powerpoint/2010/main" val="4043109713"/>
       </p:ext>
     </p:extLst>
   </p:cSld>
@@ -3723,7 +4445,7 @@
           <p:cNvPr id="2" name="Title 1">
             <a:extLst>
               <a:ext uri="{FF2B5EF4-FFF2-40B4-BE49-F238E27FC236}">
-                <a16:creationId xmlns:a16="http://schemas.microsoft.com/office/drawing/2014/main" id="{2FB3FFCC-813A-4FC8-BD07-EACD364E02B7}"/>
+                <a16:creationId xmlns:a16="http://schemas.microsoft.com/office/drawing/2014/main" id="{25697D5E-7E58-429B-B8F7-06862E3AA478}"/>
               </a:ext>
             </a:extLst>
           </p:cNvPr>
@@ -3741,7 +4463,7 @@
           <a:p>
             <a:r>
               <a:rPr lang="en-US" dirty="0"/>
-              <a:t>Poisson spike trains</a:t>
+              <a:t>Current status</a:t>
             </a:r>
           </a:p>
         </p:txBody>
@@ -3751,7 +4473,7 @@
           <p:cNvPr id="3" name="Content Placeholder 2">
             <a:extLst>
               <a:ext uri="{FF2B5EF4-FFF2-40B4-BE49-F238E27FC236}">
-                <a16:creationId xmlns:a16="http://schemas.microsoft.com/office/drawing/2014/main" id="{F016CA80-9B08-4346-920E-56BA65BD848F}"/>
+                <a16:creationId xmlns:a16="http://schemas.microsoft.com/office/drawing/2014/main" id="{2B8E4209-A940-4A23-A33B-5CB843E1C2FF}"/>
               </a:ext>
             </a:extLst>
           </p:cNvPr>
@@ -3769,95 +4491,35 @@
           <a:p>
             <a:r>
               <a:rPr lang="en-US" dirty="0"/>
-              <a:t>Average firing rate R with Poisson statistics</a:t>
-            </a:r>
-          </a:p>
-          <a:p>
-            <a:r>
-              <a:rPr lang="en-US" dirty="0"/>
-              <a:t>No frequency content visible at R </a:t>
-            </a:r>
-          </a:p>
-          <a:p>
-            <a:pPr lvl="1"/>
-            <a:r>
-              <a:rPr lang="en-US" dirty="0"/>
-              <a:t>Gaussian spikes</a:t>
-            </a:r>
-          </a:p>
-          <a:p>
-            <a:pPr lvl="1"/>
-            <a:r>
-              <a:rPr lang="en-US" dirty="0"/>
-              <a:t>De-</a:t>
+              <a:t>Implemented </a:t>
             </a:r>
             <a:r>
               <a:rPr lang="en-US" dirty="0" err="1"/>
-              <a:t>meaned</a:t>
-            </a:r>
-            <a:r>
-              <a:rPr lang="en-US" dirty="0"/>
-              <a:t> data</a:t>
-            </a:r>
-          </a:p>
-          <a:p>
-            <a:r>
-              <a:rPr lang="en-US" dirty="0"/>
-              <a:t>Mean ISI = 0.052 (R=20 Hz)</a:t>
-            </a:r>
-          </a:p>
-          <a:p>
-            <a:r>
-              <a:rPr lang="en-US" dirty="0" err="1"/>
-              <a:t>Std</a:t>
-            </a:r>
-            <a:r>
-              <a:rPr lang="en-US" dirty="0"/>
-              <a:t> of ISI = 0.055</a:t>
-            </a:r>
-          </a:p>
-        </p:txBody>
-      </p:sp>
-      <p:pic>
-        <p:nvPicPr>
-          <p:cNvPr id="5" name="Picture 4">
-            <a:extLst>
-              <a:ext uri="{FF2B5EF4-FFF2-40B4-BE49-F238E27FC236}">
-                <a16:creationId xmlns:a16="http://schemas.microsoft.com/office/drawing/2014/main" id="{B60A4625-3526-4871-90EB-5504E7979DAF}"/>
-              </a:ext>
-            </a:extLst>
-          </p:cNvPr>
-          <p:cNvPicPr>
-            <a:picLocks noChangeAspect="1"/>
-          </p:cNvPicPr>
-          <p:nvPr/>
-        </p:nvPicPr>
-        <p:blipFill>
-          <a:blip r:embed="rId2">
-            <a:extLst>
-              <a:ext uri="{28A0092B-C50C-407E-A947-70E740481C1C}">
-                <a14:useLocalDpi xmlns:a14="http://schemas.microsoft.com/office/drawing/2010/main" val="0"/>
-              </a:ext>
-            </a:extLst>
-          </a:blip>
-          <a:stretch>
-            <a:fillRect/>
-          </a:stretch>
-        </p:blipFill>
-        <p:spPr>
-          <a:xfrm>
-            <a:off x="7051190" y="2522100"/>
-            <a:ext cx="5029648" cy="3970775"/>
-          </a:xfrm>
-          <a:prstGeom prst="rect">
-            <a:avLst/>
-          </a:prstGeom>
-        </p:spPr>
-      </p:pic>
+              <a:t>Izhekevich</a:t>
+            </a:r>
+            <a:r>
+              <a:rPr lang="en-US" dirty="0"/>
+              <a:t> neural dynamics, first order synapse dynamics, and variable synaptic propagation times in MATLAB</a:t>
+            </a:r>
+          </a:p>
+          <a:p>
+            <a:r>
+              <a:rPr lang="en-US" dirty="0"/>
+              <a:t>Constructed columnar neural microcircuits with distance-dependent connectivity and synaptic delay</a:t>
+            </a:r>
+          </a:p>
+          <a:p>
+            <a:r>
+              <a:rPr lang="en-US" dirty="0"/>
+              <a:t>Demonstrated separation property of this neural circuit</a:t>
+            </a:r>
+          </a:p>
+        </p:txBody>
+      </p:sp>
     </p:spTree>
     <p:extLst>
       <p:ext uri="{BB962C8B-B14F-4D97-AF65-F5344CB8AC3E}">
-        <p14:creationId xmlns:p14="http://schemas.microsoft.com/office/powerpoint/2010/main" val="3534580553"/>
+        <p14:creationId xmlns:p14="http://schemas.microsoft.com/office/powerpoint/2010/main" val="4247957786"/>
       </p:ext>
     </p:extLst>
   </p:cSld>
@@ -4088,7 +4750,13 @@
             </a:r>
             <a:r>
               <a:rPr lang="en-US" dirty="0"/>
-              <a:t> then map the state vector onto the desired output y</a:t>
+              <a:t> then map the state vector onto the desired output(s) y</a:t>
+            </a:r>
+          </a:p>
+          <a:p>
+            <a:r>
+              <a:rPr lang="en-US" dirty="0"/>
+              <a:t>Readout functions are trained independently, reservoir is not trained</a:t>
             </a:r>
           </a:p>
         </p:txBody>
@@ -4162,8 +4830,8 @@
         </p:blipFill>
         <p:spPr>
           <a:xfrm>
-            <a:off x="2403537" y="3580456"/>
-            <a:ext cx="5392431" cy="2731444"/>
+            <a:off x="2893731" y="4128940"/>
+            <a:ext cx="4309611" cy="2182960"/>
           </a:xfrm>
           <a:prstGeom prst="rect">
             <a:avLst/>
@@ -4205,7 +4873,7 @@
           <p:cNvPr id="2" name="Title 1">
             <a:extLst>
               <a:ext uri="{FF2B5EF4-FFF2-40B4-BE49-F238E27FC236}">
-                <a16:creationId xmlns:a16="http://schemas.microsoft.com/office/drawing/2014/main" id="{0AC06743-6B50-480B-AF62-78FE9E6F21DD}"/>
+                <a16:creationId xmlns:a16="http://schemas.microsoft.com/office/drawing/2014/main" id="{9FD8D025-7D12-4932-A731-6E8DB3494ADD}"/>
               </a:ext>
             </a:extLst>
           </p:cNvPr>
@@ -4223,544 +4891,61 @@
           <a:p>
             <a:r>
               <a:rPr lang="en-US" dirty="0"/>
-              <a:t>Fidelity spectrum of neural models</a:t>
-            </a:r>
-          </a:p>
-        </p:txBody>
-      </p:sp>
-      <p:sp>
-        <p:nvSpPr>
-          <p:cNvPr id="4" name="TextBox 3">
-            <a:extLst>
-              <a:ext uri="{FF2B5EF4-FFF2-40B4-BE49-F238E27FC236}">
-                <a16:creationId xmlns:a16="http://schemas.microsoft.com/office/drawing/2014/main" id="{86F20EE2-F255-489D-83D1-7241EE951B74}"/>
-              </a:ext>
-            </a:extLst>
-          </p:cNvPr>
-          <p:cNvSpPr txBox="1"/>
-          <p:nvPr/>
-        </p:nvSpPr>
-        <p:spPr>
-          <a:xfrm>
-            <a:off x="414779" y="4034674"/>
-            <a:ext cx="2328138" cy="923330"/>
-          </a:xfrm>
-          <a:prstGeom prst="rect">
-            <a:avLst/>
-          </a:prstGeom>
-          <a:noFill/>
-        </p:spPr>
-        <p:txBody>
-          <a:bodyPr wrap="none" rtlCol="0">
-            <a:spAutoFit/>
-          </a:bodyPr>
-          <a:lstStyle/>
-          <a:p>
-            <a:r>
-              <a:rPr lang="en-US" dirty="0"/>
-              <a:t>Perceptron:</a:t>
-            </a:r>
-          </a:p>
-          <a:p>
-            <a:pPr marL="285750" indent="-285750">
-              <a:buFont typeface="Arial" panose="020B0604020202020204" pitchFamily="34" charset="0"/>
-              <a:buChar char="•"/>
-            </a:pPr>
-            <a:r>
-              <a:rPr lang="en-US" sz="1200" dirty="0"/>
-              <a:t>Weighted sum of input values</a:t>
-            </a:r>
-          </a:p>
-          <a:p>
-            <a:pPr marL="285750" indent="-285750">
-              <a:buFont typeface="Arial" panose="020B0604020202020204" pitchFamily="34" charset="0"/>
-              <a:buChar char="•"/>
-            </a:pPr>
-            <a:r>
-              <a:rPr lang="en-US" sz="1200" dirty="0"/>
-              <a:t>No dynamic behavior</a:t>
-            </a:r>
-          </a:p>
-          <a:p>
-            <a:pPr marL="285750" indent="-285750">
-              <a:buFont typeface="Arial" panose="020B0604020202020204" pitchFamily="34" charset="0"/>
-              <a:buChar char="•"/>
-            </a:pPr>
-            <a:r>
-              <a:rPr lang="en-US" sz="1200" dirty="0"/>
-              <a:t>Not spiking</a:t>
-            </a:r>
-          </a:p>
-        </p:txBody>
-      </p:sp>
-      <p:sp>
-        <p:nvSpPr>
-          <p:cNvPr id="5" name="TextBox 4">
-            <a:extLst>
-              <a:ext uri="{FF2B5EF4-FFF2-40B4-BE49-F238E27FC236}">
-                <a16:creationId xmlns:a16="http://schemas.microsoft.com/office/drawing/2014/main" id="{4A5AB6B7-8CD0-41A9-A8FD-5435E980A750}"/>
-              </a:ext>
-            </a:extLst>
-          </p:cNvPr>
-          <p:cNvSpPr txBox="1"/>
-          <p:nvPr/>
-        </p:nvSpPr>
-        <p:spPr>
-          <a:xfrm>
-            <a:off x="5192368" y="4034674"/>
-            <a:ext cx="2745945" cy="923330"/>
-          </a:xfrm>
-          <a:prstGeom prst="rect">
-            <a:avLst/>
-          </a:prstGeom>
-          <a:noFill/>
-        </p:spPr>
-        <p:txBody>
-          <a:bodyPr wrap="none" rtlCol="0">
-            <a:spAutoFit/>
-          </a:bodyPr>
-          <a:lstStyle/>
-          <a:p>
-            <a:r>
-              <a:rPr lang="en-US" dirty="0" err="1"/>
-              <a:t>Izhikevich</a:t>
-            </a:r>
-            <a:r>
-              <a:rPr lang="en-US" dirty="0"/>
-              <a:t>:</a:t>
-            </a:r>
-          </a:p>
-          <a:p>
-            <a:pPr marL="285750" indent="-285750">
-              <a:buFont typeface="Arial" panose="020B0604020202020204" pitchFamily="34" charset="0"/>
-              <a:buChar char="•"/>
-            </a:pPr>
-            <a:r>
-              <a:rPr lang="en-US" sz="1200" dirty="0"/>
-              <a:t>Two coupled differential equations</a:t>
-            </a:r>
-          </a:p>
-          <a:p>
-            <a:pPr marL="285750" indent="-285750">
-              <a:buFont typeface="Arial" panose="020B0604020202020204" pitchFamily="34" charset="0"/>
-              <a:buChar char="•"/>
-            </a:pPr>
-            <a:r>
-              <a:rPr lang="en-US" sz="1200" dirty="0"/>
-              <a:t>Four parameters</a:t>
-            </a:r>
-          </a:p>
-          <a:p>
-            <a:pPr marL="285750" indent="-285750">
-              <a:buFont typeface="Arial" panose="020B0604020202020204" pitchFamily="34" charset="0"/>
-              <a:buChar char="•"/>
-            </a:pPr>
-            <a:r>
-              <a:rPr lang="en-US" sz="1200" dirty="0"/>
-              <a:t>Replicates observed spiking patterns</a:t>
-            </a:r>
-          </a:p>
-        </p:txBody>
-      </p:sp>
-      <p:sp>
-        <p:nvSpPr>
-          <p:cNvPr id="6" name="TextBox 5">
-            <a:extLst>
-              <a:ext uri="{FF2B5EF4-FFF2-40B4-BE49-F238E27FC236}">
-                <a16:creationId xmlns:a16="http://schemas.microsoft.com/office/drawing/2014/main" id="{C7385791-9C5A-443B-A2D8-FFFE2EC0CAAF}"/>
-              </a:ext>
-            </a:extLst>
-          </p:cNvPr>
-          <p:cNvSpPr txBox="1"/>
-          <p:nvPr/>
-        </p:nvSpPr>
-        <p:spPr>
-          <a:xfrm>
-            <a:off x="8698861" y="4034674"/>
-            <a:ext cx="2706895" cy="923330"/>
-          </a:xfrm>
-          <a:prstGeom prst="rect">
-            <a:avLst/>
-          </a:prstGeom>
-          <a:noFill/>
-        </p:spPr>
-        <p:txBody>
-          <a:bodyPr wrap="none" rtlCol="0">
-            <a:spAutoFit/>
-          </a:bodyPr>
-          <a:lstStyle/>
-          <a:p>
-            <a:r>
-              <a:rPr lang="en-US" dirty="0" err="1"/>
-              <a:t>Hodgkins</a:t>
-            </a:r>
-            <a:r>
-              <a:rPr lang="en-US" dirty="0"/>
-              <a:t>-Huxley:</a:t>
-            </a:r>
-          </a:p>
-          <a:p>
-            <a:pPr marL="285750" indent="-285750">
-              <a:buFont typeface="Arial" panose="020B0604020202020204" pitchFamily="34" charset="0"/>
-              <a:buChar char="•"/>
-            </a:pPr>
-            <a:r>
-              <a:rPr lang="en-US" sz="1200" dirty="0"/>
-              <a:t>Four coupled differential equations</a:t>
-            </a:r>
-          </a:p>
-          <a:p>
-            <a:pPr marL="285750" indent="-285750">
-              <a:buFont typeface="Arial" panose="020B0604020202020204" pitchFamily="34" charset="0"/>
-              <a:buChar char="•"/>
-            </a:pPr>
-            <a:r>
-              <a:rPr lang="en-US" sz="1200" dirty="0"/>
-              <a:t>&gt;10 parameters</a:t>
-            </a:r>
-          </a:p>
-          <a:p>
-            <a:pPr marL="285750" indent="-285750">
-              <a:buFont typeface="Arial" panose="020B0604020202020204" pitchFamily="34" charset="0"/>
-              <a:buChar char="•"/>
-            </a:pPr>
-            <a:r>
-              <a:rPr lang="en-US" sz="1200" dirty="0"/>
-              <a:t>Corresponds to known ion channels</a:t>
-            </a:r>
-          </a:p>
-        </p:txBody>
-      </p:sp>
-      <p:sp>
-        <p:nvSpPr>
-          <p:cNvPr id="9" name="Arrow: Right 8">
-            <a:extLst>
-              <a:ext uri="{FF2B5EF4-FFF2-40B4-BE49-F238E27FC236}">
-                <a16:creationId xmlns:a16="http://schemas.microsoft.com/office/drawing/2014/main" id="{E2E59867-3B45-4A3C-9E9F-71412D72B957}"/>
-              </a:ext>
-            </a:extLst>
-          </p:cNvPr>
-          <p:cNvSpPr/>
-          <p:nvPr/>
-        </p:nvSpPr>
-        <p:spPr>
-          <a:xfrm>
-            <a:off x="414779" y="2790330"/>
-            <a:ext cx="11161336" cy="923330"/>
-          </a:xfrm>
-          <a:prstGeom prst="rightArrow">
-            <a:avLst/>
-          </a:prstGeom>
-        </p:spPr>
-        <p:style>
-          <a:lnRef idx="2">
-            <a:schemeClr val="accent1">
-              <a:shade val="50000"/>
-            </a:schemeClr>
-          </a:lnRef>
-          <a:fillRef idx="1">
-            <a:schemeClr val="accent1"/>
-          </a:fillRef>
-          <a:effectRef idx="0">
-            <a:schemeClr val="accent1"/>
-          </a:effectRef>
-          <a:fontRef idx="minor">
-            <a:schemeClr val="lt1"/>
-          </a:fontRef>
-        </p:style>
-        <p:txBody>
-          <a:bodyPr rtlCol="0" anchor="ctr"/>
-          <a:lstStyle/>
-          <a:p>
-            <a:pPr algn="ctr"/>
-            <a:r>
-              <a:rPr lang="en-US" dirty="0"/>
-              <a:t>Increasing dynamic fidelity, increasing computational requirements</a:t>
-            </a:r>
-          </a:p>
-        </p:txBody>
-      </p:sp>
-      <p:sp>
-        <p:nvSpPr>
-          <p:cNvPr id="12" name="TextBox 11">
-            <a:extLst>
-              <a:ext uri="{FF2B5EF4-FFF2-40B4-BE49-F238E27FC236}">
-                <a16:creationId xmlns:a16="http://schemas.microsoft.com/office/drawing/2014/main" id="{970C4E23-2DD4-4E10-B8E0-63BF8E9DC78B}"/>
-              </a:ext>
-            </a:extLst>
-          </p:cNvPr>
-          <p:cNvSpPr txBox="1"/>
-          <p:nvPr/>
-        </p:nvSpPr>
-        <p:spPr>
-          <a:xfrm>
-            <a:off x="414779" y="1909170"/>
-            <a:ext cx="1630837" cy="923330"/>
-          </a:xfrm>
-          <a:prstGeom prst="rect">
-            <a:avLst/>
-          </a:prstGeom>
-          <a:noFill/>
-        </p:spPr>
-        <p:txBody>
-          <a:bodyPr wrap="square" rtlCol="0">
-            <a:spAutoFit/>
-          </a:bodyPr>
-          <a:lstStyle/>
-          <a:p>
-            <a:r>
-              <a:rPr lang="en-US" dirty="0"/>
-              <a:t>Simplified computational models</a:t>
-            </a:r>
-            <a:endParaRPr lang="en-US" sz="1200" dirty="0"/>
-          </a:p>
-        </p:txBody>
-      </p:sp>
-      <p:sp>
-        <p:nvSpPr>
-          <p:cNvPr id="13" name="TextBox 12">
-            <a:extLst>
-              <a:ext uri="{FF2B5EF4-FFF2-40B4-BE49-F238E27FC236}">
-                <a16:creationId xmlns:a16="http://schemas.microsoft.com/office/drawing/2014/main" id="{34DBA634-C93C-43D5-955A-7C674C833ECB}"/>
-              </a:ext>
-            </a:extLst>
-          </p:cNvPr>
-          <p:cNvSpPr txBox="1"/>
-          <p:nvPr/>
-        </p:nvSpPr>
-        <p:spPr>
-          <a:xfrm>
-            <a:off x="10146384" y="1954063"/>
-            <a:ext cx="1429731" cy="923330"/>
-          </a:xfrm>
-          <a:prstGeom prst="rect">
-            <a:avLst/>
-          </a:prstGeom>
-          <a:noFill/>
-        </p:spPr>
-        <p:txBody>
-          <a:bodyPr wrap="square" rtlCol="0">
-            <a:spAutoFit/>
-          </a:bodyPr>
-          <a:lstStyle/>
-          <a:p>
-            <a:r>
-              <a:rPr lang="en-US" dirty="0"/>
-              <a:t>High-fidelity biological models</a:t>
-            </a:r>
-            <a:endParaRPr lang="en-US" sz="1200" dirty="0"/>
-          </a:p>
-        </p:txBody>
-      </p:sp>
-      <p:cxnSp>
-        <p:nvCxnSpPr>
-          <p:cNvPr id="15" name="Straight Connector 14">
-            <a:extLst>
-              <a:ext uri="{FF2B5EF4-FFF2-40B4-BE49-F238E27FC236}">
-                <a16:creationId xmlns:a16="http://schemas.microsoft.com/office/drawing/2014/main" id="{B02871F8-7DD5-4F88-B052-A47B81572DBE}"/>
-              </a:ext>
-            </a:extLst>
-          </p:cNvPr>
-          <p:cNvCxnSpPr>
-            <a:cxnSpLocks/>
-            <a:endCxn id="4" idx="0"/>
-          </p:cNvCxnSpPr>
-          <p:nvPr/>
-        </p:nvCxnSpPr>
-        <p:spPr>
-          <a:xfrm>
-            <a:off x="1578848" y="3497344"/>
-            <a:ext cx="0" cy="537330"/>
-          </a:xfrm>
-          <a:prstGeom prst="line">
-            <a:avLst/>
-          </a:prstGeom>
-          <a:ln w="25400"/>
-        </p:spPr>
-        <p:style>
-          <a:lnRef idx="1">
-            <a:schemeClr val="accent1"/>
-          </a:lnRef>
-          <a:fillRef idx="0">
-            <a:schemeClr val="accent1"/>
-          </a:fillRef>
-          <a:effectRef idx="0">
-            <a:schemeClr val="accent1"/>
-          </a:effectRef>
-          <a:fontRef idx="minor">
-            <a:schemeClr val="tx1"/>
-          </a:fontRef>
-        </p:style>
-      </p:cxnSp>
-      <p:cxnSp>
-        <p:nvCxnSpPr>
-          <p:cNvPr id="18" name="Straight Connector 17">
-            <a:extLst>
-              <a:ext uri="{FF2B5EF4-FFF2-40B4-BE49-F238E27FC236}">
-                <a16:creationId xmlns:a16="http://schemas.microsoft.com/office/drawing/2014/main" id="{938FC68C-0B93-44C9-A2A6-F458C90F5B21}"/>
-              </a:ext>
-            </a:extLst>
-          </p:cNvPr>
-          <p:cNvCxnSpPr>
-            <a:cxnSpLocks/>
-            <a:endCxn id="5" idx="0"/>
-          </p:cNvCxnSpPr>
-          <p:nvPr/>
-        </p:nvCxnSpPr>
-        <p:spPr>
-          <a:xfrm>
-            <a:off x="6565341" y="3497344"/>
-            <a:ext cx="0" cy="537330"/>
-          </a:xfrm>
-          <a:prstGeom prst="line">
-            <a:avLst/>
-          </a:prstGeom>
-          <a:ln w="25400"/>
-        </p:spPr>
-        <p:style>
-          <a:lnRef idx="1">
-            <a:schemeClr val="accent1"/>
-          </a:lnRef>
-          <a:fillRef idx="0">
-            <a:schemeClr val="accent1"/>
-          </a:fillRef>
-          <a:effectRef idx="0">
-            <a:schemeClr val="accent1"/>
-          </a:effectRef>
-          <a:fontRef idx="minor">
-            <a:schemeClr val="tx1"/>
-          </a:fontRef>
-        </p:style>
-      </p:cxnSp>
-      <p:cxnSp>
-        <p:nvCxnSpPr>
-          <p:cNvPr id="22" name="Straight Connector 21">
-            <a:extLst>
-              <a:ext uri="{FF2B5EF4-FFF2-40B4-BE49-F238E27FC236}">
-                <a16:creationId xmlns:a16="http://schemas.microsoft.com/office/drawing/2014/main" id="{EC45A7D6-4500-4326-8C12-9B5E750BA6B0}"/>
-              </a:ext>
-            </a:extLst>
-          </p:cNvPr>
-          <p:cNvCxnSpPr>
-            <a:cxnSpLocks/>
-            <a:endCxn id="6" idx="0"/>
-          </p:cNvCxnSpPr>
-          <p:nvPr/>
-        </p:nvCxnSpPr>
-        <p:spPr>
-          <a:xfrm>
-            <a:off x="10052309" y="3497344"/>
-            <a:ext cx="0" cy="537330"/>
-          </a:xfrm>
-          <a:prstGeom prst="line">
-            <a:avLst/>
-          </a:prstGeom>
-          <a:ln w="25400"/>
-        </p:spPr>
-        <p:style>
-          <a:lnRef idx="1">
-            <a:schemeClr val="accent1"/>
-          </a:lnRef>
-          <a:fillRef idx="0">
-            <a:schemeClr val="accent1"/>
-          </a:fillRef>
-          <a:effectRef idx="0">
-            <a:schemeClr val="accent1"/>
-          </a:effectRef>
-          <a:fontRef idx="minor">
-            <a:schemeClr val="tx1"/>
-          </a:fontRef>
-        </p:style>
-      </p:cxnSp>
-      <p:sp>
-        <p:nvSpPr>
-          <p:cNvPr id="26" name="Left Brace 25">
-            <a:extLst>
-              <a:ext uri="{FF2B5EF4-FFF2-40B4-BE49-F238E27FC236}">
-                <a16:creationId xmlns:a16="http://schemas.microsoft.com/office/drawing/2014/main" id="{E5F21C9B-70BB-44E5-A2F9-7CFEF99FC173}"/>
-              </a:ext>
-            </a:extLst>
-          </p:cNvPr>
-          <p:cNvSpPr/>
-          <p:nvPr/>
-        </p:nvSpPr>
-        <p:spPr>
-          <a:xfrm rot="16200000">
-            <a:off x="8048822" y="2022965"/>
-            <a:ext cx="394635" cy="6512103"/>
-          </a:xfrm>
-          <a:prstGeom prst="leftBrace">
-            <a:avLst/>
-          </a:prstGeom>
-          <a:ln>
-            <a:solidFill>
-              <a:schemeClr val="tx1"/>
-            </a:solidFill>
-          </a:ln>
-        </p:spPr>
-        <p:style>
-          <a:lnRef idx="1">
-            <a:schemeClr val="accent1"/>
-          </a:lnRef>
-          <a:fillRef idx="0">
-            <a:schemeClr val="accent1"/>
-          </a:fillRef>
-          <a:effectRef idx="0">
-            <a:schemeClr val="accent1"/>
-          </a:effectRef>
-          <a:fontRef idx="minor">
-            <a:schemeClr val="tx1"/>
-          </a:fontRef>
-        </p:style>
-        <p:txBody>
-          <a:bodyPr rtlCol="0" anchor="ctr"/>
-          <a:lstStyle/>
-          <a:p>
-            <a:pPr algn="ctr"/>
-            <a:endParaRPr lang="en-US"/>
-          </a:p>
-        </p:txBody>
-      </p:sp>
-      <p:sp>
-        <p:nvSpPr>
-          <p:cNvPr id="27" name="TextBox 26">
-            <a:extLst>
-              <a:ext uri="{FF2B5EF4-FFF2-40B4-BE49-F238E27FC236}">
-                <a16:creationId xmlns:a16="http://schemas.microsoft.com/office/drawing/2014/main" id="{5D591F90-D843-4FD2-9733-CA816F6712A7}"/>
-              </a:ext>
-            </a:extLst>
-          </p:cNvPr>
-          <p:cNvSpPr txBox="1"/>
-          <p:nvPr/>
-        </p:nvSpPr>
-        <p:spPr>
-          <a:xfrm>
-            <a:off x="4990087" y="5476334"/>
-            <a:ext cx="6512103" cy="369332"/>
-          </a:xfrm>
-          <a:prstGeom prst="rect">
-            <a:avLst/>
-          </a:prstGeom>
-          <a:noFill/>
-        </p:spPr>
-        <p:txBody>
-          <a:bodyPr wrap="square" rtlCol="0">
-            <a:spAutoFit/>
-          </a:bodyPr>
-          <a:lstStyle/>
-          <a:p>
-            <a:r>
-              <a:rPr lang="en-US" dirty="0"/>
-              <a:t>This work lives here, numerical integration in MATLAB and NEURON</a:t>
-            </a:r>
-            <a:endParaRPr lang="en-US" sz="1200" dirty="0"/>
+              <a:t>Liquid state machine reservoirs</a:t>
+            </a:r>
+          </a:p>
+        </p:txBody>
+      </p:sp>
+      <p:sp>
+        <p:nvSpPr>
+          <p:cNvPr id="3" name="Content Placeholder 2">
+            <a:extLst>
+              <a:ext uri="{FF2B5EF4-FFF2-40B4-BE49-F238E27FC236}">
+                <a16:creationId xmlns:a16="http://schemas.microsoft.com/office/drawing/2014/main" id="{3659C0DB-A609-4251-81D5-A783385106E6}"/>
+              </a:ext>
+            </a:extLst>
+          </p:cNvPr>
+          <p:cNvSpPr>
+            <a:spLocks noGrp="1"/>
+          </p:cNvSpPr>
+          <p:nvPr>
+            <p:ph idx="1"/>
+          </p:nvPr>
+        </p:nvSpPr>
+        <p:spPr/>
+        <p:txBody>
+          <a:bodyPr/>
+          <a:lstStyle/>
+          <a:p>
+            <a:r>
+              <a:rPr lang="en-US" dirty="0"/>
+              <a:t>Neural circuits have been used extensively as LSM reservoirs</a:t>
+            </a:r>
+          </a:p>
+          <a:p>
+            <a:r>
+              <a:rPr lang="en-US" dirty="0"/>
+              <a:t>Common topology is a column on a unit grid, initial work used a 3x3x15 column of 135 LIF neurons</a:t>
+            </a:r>
+          </a:p>
+          <a:p>
+            <a:r>
+              <a:rPr lang="en-US" dirty="0"/>
+              <a:t>Neuron connectivity is distance-based, biologically plausible connectivity has been shown to provide the best reservoir dynamics</a:t>
+            </a:r>
+          </a:p>
+          <a:p>
+            <a:r>
+              <a:rPr lang="en-US" dirty="0"/>
+              <a:t>Propagation times have NOT been modeled realistically, typically the propagation time down any synapse is not length-dependent</a:t>
+            </a:r>
           </a:p>
         </p:txBody>
       </p:sp>
     </p:spTree>
     <p:extLst>
       <p:ext uri="{BB962C8B-B14F-4D97-AF65-F5344CB8AC3E}">
-        <p14:creationId xmlns:p14="http://schemas.microsoft.com/office/powerpoint/2010/main" val="4095775773"/>
+        <p14:creationId xmlns:p14="http://schemas.microsoft.com/office/powerpoint/2010/main" val="2139037655"/>
       </p:ext>
     </p:extLst>
   </p:cSld>
@@ -4792,222 +4977,6 @@
           <p:cNvPr id="2" name="Title 1">
             <a:extLst>
               <a:ext uri="{FF2B5EF4-FFF2-40B4-BE49-F238E27FC236}">
-                <a16:creationId xmlns:a16="http://schemas.microsoft.com/office/drawing/2014/main" id="{ABAC5207-9B5E-42DE-B989-FE8B9CDAFDEA}"/>
-              </a:ext>
-            </a:extLst>
-          </p:cNvPr>
-          <p:cNvSpPr>
-            <a:spLocks noGrp="1"/>
-          </p:cNvSpPr>
-          <p:nvPr>
-            <p:ph type="title"/>
-          </p:nvPr>
-        </p:nvSpPr>
-        <p:spPr/>
-        <p:txBody>
-          <a:bodyPr/>
-          <a:lstStyle/>
-          <a:p>
-            <a:r>
-              <a:rPr lang="en-US" dirty="0"/>
-              <a:t>Initial model: </a:t>
-            </a:r>
-            <a:r>
-              <a:rPr lang="en-US" dirty="0" err="1"/>
-              <a:t>Izhikevich</a:t>
-            </a:r>
-            <a:endParaRPr lang="en-US" dirty="0"/>
-          </a:p>
-        </p:txBody>
-      </p:sp>
-      <p:pic>
-        <p:nvPicPr>
-          <p:cNvPr id="4" name="Picture 3">
-            <a:extLst>
-              <a:ext uri="{FF2B5EF4-FFF2-40B4-BE49-F238E27FC236}">
-                <a16:creationId xmlns:a16="http://schemas.microsoft.com/office/drawing/2014/main" id="{38E3F87A-A757-4484-83DF-E021ECC4E018}"/>
-              </a:ext>
-            </a:extLst>
-          </p:cNvPr>
-          <p:cNvPicPr>
-            <a:picLocks noChangeAspect="1"/>
-          </p:cNvPicPr>
-          <p:nvPr/>
-        </p:nvPicPr>
-        <p:blipFill rotWithShape="1">
-          <a:blip r:embed="rId2">
-            <a:extLst>
-              <a:ext uri="{28A0092B-C50C-407E-A947-70E740481C1C}">
-                <a14:useLocalDpi xmlns:a14="http://schemas.microsoft.com/office/drawing/2010/main" val="0"/>
-              </a:ext>
-            </a:extLst>
-          </a:blip>
-          <a:srcRect r="4684"/>
-          <a:stretch/>
-        </p:blipFill>
-        <p:spPr>
-          <a:xfrm>
-            <a:off x="5971950" y="2767914"/>
-            <a:ext cx="4550226" cy="3718652"/>
-          </a:xfrm>
-          <a:prstGeom prst="rect">
-            <a:avLst/>
-          </a:prstGeom>
-        </p:spPr>
-      </p:pic>
-      <p:pic>
-        <p:nvPicPr>
-          <p:cNvPr id="6" name="Picture 5">
-            <a:extLst>
-              <a:ext uri="{FF2B5EF4-FFF2-40B4-BE49-F238E27FC236}">
-                <a16:creationId xmlns:a16="http://schemas.microsoft.com/office/drawing/2014/main" id="{E272EF9D-4133-4988-B2C6-1AB321C47039}"/>
-              </a:ext>
-            </a:extLst>
-          </p:cNvPr>
-          <p:cNvPicPr>
-            <a:picLocks noChangeAspect="1"/>
-          </p:cNvPicPr>
-          <p:nvPr/>
-        </p:nvPicPr>
-        <p:blipFill rotWithShape="1">
-          <a:blip r:embed="rId3">
-            <a:extLst>
-              <a:ext uri="{28A0092B-C50C-407E-A947-70E740481C1C}">
-                <a14:useLocalDpi xmlns:a14="http://schemas.microsoft.com/office/drawing/2010/main" val="0"/>
-              </a:ext>
-            </a:extLst>
-          </a:blip>
-          <a:srcRect l="1764" r="4761"/>
-          <a:stretch/>
-        </p:blipFill>
-        <p:spPr>
-          <a:xfrm>
-            <a:off x="974104" y="2762053"/>
-            <a:ext cx="4462342" cy="3730821"/>
-          </a:xfrm>
-          <a:prstGeom prst="rect">
-            <a:avLst/>
-          </a:prstGeom>
-        </p:spPr>
-      </p:pic>
-      <p:sp>
-        <p:nvSpPr>
-          <p:cNvPr id="7" name="TextBox 6">
-            <a:extLst>
-              <a:ext uri="{FF2B5EF4-FFF2-40B4-BE49-F238E27FC236}">
-                <a16:creationId xmlns:a16="http://schemas.microsoft.com/office/drawing/2014/main" id="{DEDD41B8-5079-4FDE-A137-E8B20EF2DE39}"/>
-              </a:ext>
-            </a:extLst>
-          </p:cNvPr>
-          <p:cNvSpPr txBox="1"/>
-          <p:nvPr/>
-        </p:nvSpPr>
-        <p:spPr>
-          <a:xfrm>
-            <a:off x="2061759" y="2409887"/>
-            <a:ext cx="2428293" cy="369332"/>
-          </a:xfrm>
-          <a:prstGeom prst="rect">
-            <a:avLst/>
-          </a:prstGeom>
-          <a:noFill/>
-        </p:spPr>
-        <p:txBody>
-          <a:bodyPr wrap="none" rtlCol="0">
-            <a:spAutoFit/>
-          </a:bodyPr>
-          <a:lstStyle/>
-          <a:p>
-            <a:r>
-              <a:rPr lang="en-US" dirty="0"/>
-              <a:t>Classic </a:t>
-            </a:r>
-            <a:r>
-              <a:rPr lang="en-US" dirty="0" err="1"/>
-              <a:t>Izhikevich</a:t>
-            </a:r>
-            <a:r>
-              <a:rPr lang="en-US" dirty="0"/>
-              <a:t> (2003)</a:t>
-            </a:r>
-          </a:p>
-        </p:txBody>
-      </p:sp>
-      <p:sp>
-        <p:nvSpPr>
-          <p:cNvPr id="8" name="TextBox 7">
-            <a:extLst>
-              <a:ext uri="{FF2B5EF4-FFF2-40B4-BE49-F238E27FC236}">
-                <a16:creationId xmlns:a16="http://schemas.microsoft.com/office/drawing/2014/main" id="{C7B9CA4D-B714-490D-B85D-B3D9D4E8CBD7}"/>
-              </a:ext>
-            </a:extLst>
-          </p:cNvPr>
-          <p:cNvSpPr txBox="1"/>
-          <p:nvPr/>
-        </p:nvSpPr>
-        <p:spPr>
-          <a:xfrm>
-            <a:off x="6611833" y="2409887"/>
-            <a:ext cx="3579506" cy="369332"/>
-          </a:xfrm>
-          <a:prstGeom prst="rect">
-            <a:avLst/>
-          </a:prstGeom>
-          <a:noFill/>
-        </p:spPr>
-        <p:txBody>
-          <a:bodyPr wrap="none" rtlCol="0">
-            <a:spAutoFit/>
-          </a:bodyPr>
-          <a:lstStyle/>
-          <a:p>
-            <a:r>
-              <a:rPr lang="en-US" dirty="0"/>
-              <a:t>With random synaptic delays 0-4 </a:t>
-            </a:r>
-            <a:r>
-              <a:rPr lang="en-US" dirty="0" err="1"/>
-              <a:t>ms</a:t>
-            </a:r>
-            <a:endParaRPr lang="en-US" dirty="0"/>
-          </a:p>
-        </p:txBody>
-      </p:sp>
-    </p:spTree>
-    <p:extLst>
-      <p:ext uri="{BB962C8B-B14F-4D97-AF65-F5344CB8AC3E}">
-        <p14:creationId xmlns:p14="http://schemas.microsoft.com/office/powerpoint/2010/main" val="3801376647"/>
-      </p:ext>
-    </p:extLst>
-  </p:cSld>
-  <p:clrMapOvr>
-    <a:masterClrMapping/>
-  </p:clrMapOvr>
-</p:sld>
-</file>
-
-<file path=ppt/slides/slide9.xml><?xml version="1.0" encoding="utf-8"?>
-<p:sld xmlns:a="http://schemas.openxmlformats.org/drawingml/2006/main" xmlns:r="http://schemas.openxmlformats.org/officeDocument/2006/relationships" xmlns:p="http://schemas.openxmlformats.org/presentationml/2006/main">
-  <p:cSld>
-    <p:spTree>
-      <p:nvGrpSpPr>
-        <p:cNvPr id="1" name=""/>
-        <p:cNvGrpSpPr/>
-        <p:nvPr/>
-      </p:nvGrpSpPr>
-      <p:grpSpPr>
-        <a:xfrm>
-          <a:off x="0" y="0"/>
-          <a:ext cx="0" cy="0"/>
-          <a:chOff x="0" y="0"/>
-          <a:chExt cx="0" cy="0"/>
-        </a:xfrm>
-      </p:grpSpPr>
-      <p:sp>
-        <p:nvSpPr>
-          <p:cNvPr id="2" name="Title 1">
-            <a:extLst>
-              <a:ext uri="{FF2B5EF4-FFF2-40B4-BE49-F238E27FC236}">
                 <a16:creationId xmlns:a16="http://schemas.microsoft.com/office/drawing/2014/main" id="{2B4589EA-8981-4D8B-BFF9-EF6B5CEB43F6}"/>
               </a:ext>
             </a:extLst>
@@ -5045,8 +5014,8 @@
         </p:nvGrpSpPr>
         <p:grpSpPr>
           <a:xfrm>
-            <a:off x="167802" y="2967880"/>
-            <a:ext cx="11802493" cy="4019952"/>
+            <a:off x="271500" y="2996161"/>
+            <a:ext cx="11530862" cy="3715716"/>
             <a:chOff x="167802" y="2659872"/>
             <a:chExt cx="11802493" cy="4019952"/>
           </a:xfrm>
@@ -5196,8 +5165,8 @@
           </p:spPr>
         </p:pic>
       </p:grpSp>
-      <mc:AlternateContent xmlns:mc="http://schemas.openxmlformats.org/markup-compatibility/2006">
-        <mc:Choice xmlns:a14="http://schemas.microsoft.com/office/drawing/2010/main" Requires="a14">
+      <mc:AlternateContent xmlns:mc="http://schemas.openxmlformats.org/markup-compatibility/2006" xmlns:a14="http://schemas.microsoft.com/office/drawing/2010/main">
+        <mc:Choice Requires="a14">
           <p:sp>
             <p:nvSpPr>
               <p:cNvPr id="12" name="TextBox 11">
@@ -5378,7 +5347,7 @@
             </p:txBody>
           </p:sp>
         </mc:Choice>
-        <mc:Fallback>
+        <mc:Fallback xmlns="">
           <p:sp>
             <p:nvSpPr>
               <p:cNvPr id="12" name="TextBox 11">
@@ -5444,8 +5413,8 @@
         </p:blipFill>
         <p:spPr>
           <a:xfrm>
-            <a:off x="8961268" y="1171711"/>
-            <a:ext cx="2088683" cy="1833727"/>
+            <a:off x="8961268" y="1032543"/>
+            <a:ext cx="2247202" cy="1972896"/>
           </a:xfrm>
           <a:prstGeom prst="rect">
             <a:avLst/>
@@ -5498,6 +5467,648 @@
     <p:extLst>
       <p:ext uri="{BB962C8B-B14F-4D97-AF65-F5344CB8AC3E}">
         <p14:creationId xmlns:p14="http://schemas.microsoft.com/office/powerpoint/2010/main" val="2915437618"/>
+      </p:ext>
+    </p:extLst>
+  </p:cSld>
+  <p:clrMapOvr>
+    <a:masterClrMapping/>
+  </p:clrMapOvr>
+</p:sld>
+</file>
+
+<file path=ppt/slides/slide9.xml><?xml version="1.0" encoding="utf-8"?>
+<p:sld xmlns:a="http://schemas.openxmlformats.org/drawingml/2006/main" xmlns:r="http://schemas.openxmlformats.org/officeDocument/2006/relationships" xmlns:p="http://schemas.openxmlformats.org/presentationml/2006/main">
+  <p:cSld>
+    <p:spTree>
+      <p:nvGrpSpPr>
+        <p:cNvPr id="1" name=""/>
+        <p:cNvGrpSpPr/>
+        <p:nvPr/>
+      </p:nvGrpSpPr>
+      <p:grpSpPr>
+        <a:xfrm>
+          <a:off x="0" y="0"/>
+          <a:ext cx="0" cy="0"/>
+          <a:chOff x="0" y="0"/>
+          <a:chExt cx="0" cy="0"/>
+        </a:xfrm>
+      </p:grpSpPr>
+      <p:sp>
+        <p:nvSpPr>
+          <p:cNvPr id="2" name="Title 1">
+            <a:extLst>
+              <a:ext uri="{FF2B5EF4-FFF2-40B4-BE49-F238E27FC236}">
+                <a16:creationId xmlns:a16="http://schemas.microsoft.com/office/drawing/2014/main" id="{0AC06743-6B50-480B-AF62-78FE9E6F21DD}"/>
+              </a:ext>
+            </a:extLst>
+          </p:cNvPr>
+          <p:cNvSpPr>
+            <a:spLocks noGrp="1"/>
+          </p:cNvSpPr>
+          <p:nvPr>
+            <p:ph type="title"/>
+          </p:nvPr>
+        </p:nvSpPr>
+        <p:spPr/>
+        <p:txBody>
+          <a:bodyPr/>
+          <a:lstStyle/>
+          <a:p>
+            <a:r>
+              <a:rPr lang="en-US" dirty="0"/>
+              <a:t>Fidelity spectrum of neural models</a:t>
+            </a:r>
+          </a:p>
+        </p:txBody>
+      </p:sp>
+      <p:sp>
+        <p:nvSpPr>
+          <p:cNvPr id="4" name="TextBox 3">
+            <a:extLst>
+              <a:ext uri="{FF2B5EF4-FFF2-40B4-BE49-F238E27FC236}">
+                <a16:creationId xmlns:a16="http://schemas.microsoft.com/office/drawing/2014/main" id="{86F20EE2-F255-489D-83D1-7241EE951B74}"/>
+              </a:ext>
+            </a:extLst>
+          </p:cNvPr>
+          <p:cNvSpPr txBox="1"/>
+          <p:nvPr/>
+        </p:nvSpPr>
+        <p:spPr>
+          <a:xfrm>
+            <a:off x="414779" y="4034674"/>
+            <a:ext cx="2328138" cy="923330"/>
+          </a:xfrm>
+          <a:prstGeom prst="rect">
+            <a:avLst/>
+          </a:prstGeom>
+          <a:noFill/>
+        </p:spPr>
+        <p:txBody>
+          <a:bodyPr wrap="none" rtlCol="0">
+            <a:spAutoFit/>
+          </a:bodyPr>
+          <a:lstStyle/>
+          <a:p>
+            <a:r>
+              <a:rPr lang="en-US" dirty="0"/>
+              <a:t>Perceptron:</a:t>
+            </a:r>
+          </a:p>
+          <a:p>
+            <a:pPr marL="285750" indent="-285750">
+              <a:buFont typeface="Arial" panose="020B0604020202020204" pitchFamily="34" charset="0"/>
+              <a:buChar char="•"/>
+            </a:pPr>
+            <a:r>
+              <a:rPr lang="en-US" sz="1200" dirty="0"/>
+              <a:t>Weighted sum of input values</a:t>
+            </a:r>
+          </a:p>
+          <a:p>
+            <a:pPr marL="285750" indent="-285750">
+              <a:buFont typeface="Arial" panose="020B0604020202020204" pitchFamily="34" charset="0"/>
+              <a:buChar char="•"/>
+            </a:pPr>
+            <a:r>
+              <a:rPr lang="en-US" sz="1200" dirty="0"/>
+              <a:t>No dynamic behavior</a:t>
+            </a:r>
+          </a:p>
+          <a:p>
+            <a:pPr marL="285750" indent="-285750">
+              <a:buFont typeface="Arial" panose="020B0604020202020204" pitchFamily="34" charset="0"/>
+              <a:buChar char="•"/>
+            </a:pPr>
+            <a:r>
+              <a:rPr lang="en-US" sz="1200" dirty="0"/>
+              <a:t>Not spiking</a:t>
+            </a:r>
+          </a:p>
+        </p:txBody>
+      </p:sp>
+      <p:sp>
+        <p:nvSpPr>
+          <p:cNvPr id="5" name="TextBox 4">
+            <a:extLst>
+              <a:ext uri="{FF2B5EF4-FFF2-40B4-BE49-F238E27FC236}">
+                <a16:creationId xmlns:a16="http://schemas.microsoft.com/office/drawing/2014/main" id="{4A5AB6B7-8CD0-41A9-A8FD-5435E980A750}"/>
+              </a:ext>
+            </a:extLst>
+          </p:cNvPr>
+          <p:cNvSpPr txBox="1"/>
+          <p:nvPr/>
+        </p:nvSpPr>
+        <p:spPr>
+          <a:xfrm>
+            <a:off x="5866383" y="4034674"/>
+            <a:ext cx="2226527" cy="1292662"/>
+          </a:xfrm>
+          <a:prstGeom prst="rect">
+            <a:avLst/>
+          </a:prstGeom>
+          <a:noFill/>
+        </p:spPr>
+        <p:txBody>
+          <a:bodyPr wrap="square" rtlCol="0">
+            <a:spAutoFit/>
+          </a:bodyPr>
+          <a:lstStyle/>
+          <a:p>
+            <a:r>
+              <a:rPr lang="en-US" dirty="0" err="1"/>
+              <a:t>Izhikevich</a:t>
+            </a:r>
+            <a:r>
+              <a:rPr lang="en-US" dirty="0"/>
+              <a:t>:</a:t>
+            </a:r>
+          </a:p>
+          <a:p>
+            <a:pPr marL="285750" indent="-285750">
+              <a:buFont typeface="Arial" panose="020B0604020202020204" pitchFamily="34" charset="0"/>
+              <a:buChar char="•"/>
+            </a:pPr>
+            <a:r>
+              <a:rPr lang="en-US" sz="1200" dirty="0"/>
+              <a:t>Two coupled differential equations</a:t>
+            </a:r>
+          </a:p>
+          <a:p>
+            <a:pPr marL="285750" indent="-285750">
+              <a:buFont typeface="Arial" panose="020B0604020202020204" pitchFamily="34" charset="0"/>
+              <a:buChar char="•"/>
+            </a:pPr>
+            <a:r>
+              <a:rPr lang="en-US" sz="1200" dirty="0"/>
+              <a:t>Four parameters</a:t>
+            </a:r>
+          </a:p>
+          <a:p>
+            <a:pPr marL="285750" indent="-285750">
+              <a:buFont typeface="Arial" panose="020B0604020202020204" pitchFamily="34" charset="0"/>
+              <a:buChar char="•"/>
+            </a:pPr>
+            <a:r>
+              <a:rPr lang="en-US" sz="1200" dirty="0"/>
+              <a:t>Replicates observed spiking patterns</a:t>
+            </a:r>
+          </a:p>
+        </p:txBody>
+      </p:sp>
+      <p:sp>
+        <p:nvSpPr>
+          <p:cNvPr id="6" name="TextBox 5">
+            <a:extLst>
+              <a:ext uri="{FF2B5EF4-FFF2-40B4-BE49-F238E27FC236}">
+                <a16:creationId xmlns:a16="http://schemas.microsoft.com/office/drawing/2014/main" id="{C7385791-9C5A-443B-A2D8-FFFE2EC0CAAF}"/>
+              </a:ext>
+            </a:extLst>
+          </p:cNvPr>
+          <p:cNvSpPr txBox="1"/>
+          <p:nvPr/>
+        </p:nvSpPr>
+        <p:spPr>
+          <a:xfrm>
+            <a:off x="8698861" y="4034674"/>
+            <a:ext cx="2706895" cy="923330"/>
+          </a:xfrm>
+          <a:prstGeom prst="rect">
+            <a:avLst/>
+          </a:prstGeom>
+          <a:noFill/>
+        </p:spPr>
+        <p:txBody>
+          <a:bodyPr wrap="none" rtlCol="0">
+            <a:spAutoFit/>
+          </a:bodyPr>
+          <a:lstStyle/>
+          <a:p>
+            <a:r>
+              <a:rPr lang="en-US" dirty="0" err="1"/>
+              <a:t>Hodgkins</a:t>
+            </a:r>
+            <a:r>
+              <a:rPr lang="en-US" dirty="0"/>
+              <a:t>-Huxley:</a:t>
+            </a:r>
+          </a:p>
+          <a:p>
+            <a:pPr marL="285750" indent="-285750">
+              <a:buFont typeface="Arial" panose="020B0604020202020204" pitchFamily="34" charset="0"/>
+              <a:buChar char="•"/>
+            </a:pPr>
+            <a:r>
+              <a:rPr lang="en-US" sz="1200" dirty="0"/>
+              <a:t>Four coupled differential equations</a:t>
+            </a:r>
+          </a:p>
+          <a:p>
+            <a:pPr marL="285750" indent="-285750">
+              <a:buFont typeface="Arial" panose="020B0604020202020204" pitchFamily="34" charset="0"/>
+              <a:buChar char="•"/>
+            </a:pPr>
+            <a:r>
+              <a:rPr lang="en-US" sz="1200" dirty="0"/>
+              <a:t>&gt;10 parameters</a:t>
+            </a:r>
+          </a:p>
+          <a:p>
+            <a:pPr marL="285750" indent="-285750">
+              <a:buFont typeface="Arial" panose="020B0604020202020204" pitchFamily="34" charset="0"/>
+              <a:buChar char="•"/>
+            </a:pPr>
+            <a:r>
+              <a:rPr lang="en-US" sz="1200" dirty="0"/>
+              <a:t>Corresponds to known ion channels</a:t>
+            </a:r>
+          </a:p>
+        </p:txBody>
+      </p:sp>
+      <p:sp>
+        <p:nvSpPr>
+          <p:cNvPr id="9" name="Arrow: Right 8">
+            <a:extLst>
+              <a:ext uri="{FF2B5EF4-FFF2-40B4-BE49-F238E27FC236}">
+                <a16:creationId xmlns:a16="http://schemas.microsoft.com/office/drawing/2014/main" id="{E2E59867-3B45-4A3C-9E9F-71412D72B957}"/>
+              </a:ext>
+            </a:extLst>
+          </p:cNvPr>
+          <p:cNvSpPr/>
+          <p:nvPr/>
+        </p:nvSpPr>
+        <p:spPr>
+          <a:xfrm>
+            <a:off x="414779" y="2790330"/>
+            <a:ext cx="11161336" cy="923330"/>
+          </a:xfrm>
+          <a:prstGeom prst="rightArrow">
+            <a:avLst/>
+          </a:prstGeom>
+        </p:spPr>
+        <p:style>
+          <a:lnRef idx="2">
+            <a:schemeClr val="accent1">
+              <a:shade val="50000"/>
+            </a:schemeClr>
+          </a:lnRef>
+          <a:fillRef idx="1">
+            <a:schemeClr val="accent1"/>
+          </a:fillRef>
+          <a:effectRef idx="0">
+            <a:schemeClr val="accent1"/>
+          </a:effectRef>
+          <a:fontRef idx="minor">
+            <a:schemeClr val="lt1"/>
+          </a:fontRef>
+        </p:style>
+        <p:txBody>
+          <a:bodyPr rtlCol="0" anchor="ctr"/>
+          <a:lstStyle/>
+          <a:p>
+            <a:pPr algn="ctr"/>
+            <a:r>
+              <a:rPr lang="en-US" dirty="0"/>
+              <a:t>Increasing dynamic fidelity, increasing computational requirements</a:t>
+            </a:r>
+          </a:p>
+        </p:txBody>
+      </p:sp>
+      <p:sp>
+        <p:nvSpPr>
+          <p:cNvPr id="12" name="TextBox 11">
+            <a:extLst>
+              <a:ext uri="{FF2B5EF4-FFF2-40B4-BE49-F238E27FC236}">
+                <a16:creationId xmlns:a16="http://schemas.microsoft.com/office/drawing/2014/main" id="{970C4E23-2DD4-4E10-B8E0-63BF8E9DC78B}"/>
+              </a:ext>
+            </a:extLst>
+          </p:cNvPr>
+          <p:cNvSpPr txBox="1"/>
+          <p:nvPr/>
+        </p:nvSpPr>
+        <p:spPr>
+          <a:xfrm>
+            <a:off x="414779" y="1909170"/>
+            <a:ext cx="1630837" cy="923330"/>
+          </a:xfrm>
+          <a:prstGeom prst="rect">
+            <a:avLst/>
+          </a:prstGeom>
+          <a:noFill/>
+        </p:spPr>
+        <p:txBody>
+          <a:bodyPr wrap="square" rtlCol="0">
+            <a:spAutoFit/>
+          </a:bodyPr>
+          <a:lstStyle/>
+          <a:p>
+            <a:r>
+              <a:rPr lang="en-US" dirty="0"/>
+              <a:t>Simplified computational models</a:t>
+            </a:r>
+            <a:endParaRPr lang="en-US" sz="1200" dirty="0"/>
+          </a:p>
+        </p:txBody>
+      </p:sp>
+      <p:sp>
+        <p:nvSpPr>
+          <p:cNvPr id="13" name="TextBox 12">
+            <a:extLst>
+              <a:ext uri="{FF2B5EF4-FFF2-40B4-BE49-F238E27FC236}">
+                <a16:creationId xmlns:a16="http://schemas.microsoft.com/office/drawing/2014/main" id="{34DBA634-C93C-43D5-955A-7C674C833ECB}"/>
+              </a:ext>
+            </a:extLst>
+          </p:cNvPr>
+          <p:cNvSpPr txBox="1"/>
+          <p:nvPr/>
+        </p:nvSpPr>
+        <p:spPr>
+          <a:xfrm>
+            <a:off x="10146384" y="1954063"/>
+            <a:ext cx="1429731" cy="923330"/>
+          </a:xfrm>
+          <a:prstGeom prst="rect">
+            <a:avLst/>
+          </a:prstGeom>
+          <a:noFill/>
+        </p:spPr>
+        <p:txBody>
+          <a:bodyPr wrap="square" rtlCol="0">
+            <a:spAutoFit/>
+          </a:bodyPr>
+          <a:lstStyle/>
+          <a:p>
+            <a:r>
+              <a:rPr lang="en-US" dirty="0"/>
+              <a:t>High-fidelity biological models</a:t>
+            </a:r>
+            <a:endParaRPr lang="en-US" sz="1200" dirty="0"/>
+          </a:p>
+        </p:txBody>
+      </p:sp>
+      <p:cxnSp>
+        <p:nvCxnSpPr>
+          <p:cNvPr id="15" name="Straight Connector 14">
+            <a:extLst>
+              <a:ext uri="{FF2B5EF4-FFF2-40B4-BE49-F238E27FC236}">
+                <a16:creationId xmlns:a16="http://schemas.microsoft.com/office/drawing/2014/main" id="{B02871F8-7DD5-4F88-B052-A47B81572DBE}"/>
+              </a:ext>
+            </a:extLst>
+          </p:cNvPr>
+          <p:cNvCxnSpPr>
+            <a:cxnSpLocks/>
+            <a:endCxn id="4" idx="0"/>
+          </p:cNvCxnSpPr>
+          <p:nvPr/>
+        </p:nvCxnSpPr>
+        <p:spPr>
+          <a:xfrm>
+            <a:off x="1578848" y="3497344"/>
+            <a:ext cx="0" cy="537330"/>
+          </a:xfrm>
+          <a:prstGeom prst="line">
+            <a:avLst/>
+          </a:prstGeom>
+          <a:ln w="25400"/>
+        </p:spPr>
+        <p:style>
+          <a:lnRef idx="1">
+            <a:schemeClr val="accent1"/>
+          </a:lnRef>
+          <a:fillRef idx="0">
+            <a:schemeClr val="accent1"/>
+          </a:fillRef>
+          <a:effectRef idx="0">
+            <a:schemeClr val="accent1"/>
+          </a:effectRef>
+          <a:fontRef idx="minor">
+            <a:schemeClr val="tx1"/>
+          </a:fontRef>
+        </p:style>
+      </p:cxnSp>
+      <p:cxnSp>
+        <p:nvCxnSpPr>
+          <p:cNvPr id="18" name="Straight Connector 17">
+            <a:extLst>
+              <a:ext uri="{FF2B5EF4-FFF2-40B4-BE49-F238E27FC236}">
+                <a16:creationId xmlns:a16="http://schemas.microsoft.com/office/drawing/2014/main" id="{938FC68C-0B93-44C9-A2A6-F458C90F5B21}"/>
+              </a:ext>
+            </a:extLst>
+          </p:cNvPr>
+          <p:cNvCxnSpPr>
+            <a:cxnSpLocks/>
+            <a:endCxn id="5" idx="0"/>
+          </p:cNvCxnSpPr>
+          <p:nvPr/>
+        </p:nvCxnSpPr>
+        <p:spPr>
+          <a:xfrm>
+            <a:off x="6979647" y="3497344"/>
+            <a:ext cx="0" cy="537330"/>
+          </a:xfrm>
+          <a:prstGeom prst="line">
+            <a:avLst/>
+          </a:prstGeom>
+          <a:ln w="25400"/>
+        </p:spPr>
+        <p:style>
+          <a:lnRef idx="1">
+            <a:schemeClr val="accent1"/>
+          </a:lnRef>
+          <a:fillRef idx="0">
+            <a:schemeClr val="accent1"/>
+          </a:fillRef>
+          <a:effectRef idx="0">
+            <a:schemeClr val="accent1"/>
+          </a:effectRef>
+          <a:fontRef idx="minor">
+            <a:schemeClr val="tx1"/>
+          </a:fontRef>
+        </p:style>
+      </p:cxnSp>
+      <p:cxnSp>
+        <p:nvCxnSpPr>
+          <p:cNvPr id="22" name="Straight Connector 21">
+            <a:extLst>
+              <a:ext uri="{FF2B5EF4-FFF2-40B4-BE49-F238E27FC236}">
+                <a16:creationId xmlns:a16="http://schemas.microsoft.com/office/drawing/2014/main" id="{EC45A7D6-4500-4326-8C12-9B5E750BA6B0}"/>
+              </a:ext>
+            </a:extLst>
+          </p:cNvPr>
+          <p:cNvCxnSpPr>
+            <a:cxnSpLocks/>
+            <a:endCxn id="6" idx="0"/>
+          </p:cNvCxnSpPr>
+          <p:nvPr/>
+        </p:nvCxnSpPr>
+        <p:spPr>
+          <a:xfrm>
+            <a:off x="10052309" y="3497344"/>
+            <a:ext cx="0" cy="537330"/>
+          </a:xfrm>
+          <a:prstGeom prst="line">
+            <a:avLst/>
+          </a:prstGeom>
+          <a:ln w="25400"/>
+        </p:spPr>
+        <p:style>
+          <a:lnRef idx="1">
+            <a:schemeClr val="accent1"/>
+          </a:lnRef>
+          <a:fillRef idx="0">
+            <a:schemeClr val="accent1"/>
+          </a:fillRef>
+          <a:effectRef idx="0">
+            <a:schemeClr val="accent1"/>
+          </a:effectRef>
+          <a:fontRef idx="minor">
+            <a:schemeClr val="tx1"/>
+          </a:fontRef>
+        </p:style>
+      </p:cxnSp>
+      <p:sp>
+        <p:nvSpPr>
+          <p:cNvPr id="26" name="Left Brace 25">
+            <a:extLst>
+              <a:ext uri="{FF2B5EF4-FFF2-40B4-BE49-F238E27FC236}">
+                <a16:creationId xmlns:a16="http://schemas.microsoft.com/office/drawing/2014/main" id="{E5F21C9B-70BB-44E5-A2F9-7CFEF99FC173}"/>
+              </a:ext>
+            </a:extLst>
+          </p:cNvPr>
+          <p:cNvSpPr/>
+          <p:nvPr/>
+        </p:nvSpPr>
+        <p:spPr>
+          <a:xfrm rot="16200000">
+            <a:off x="8105384" y="2192648"/>
+            <a:ext cx="394635" cy="6512103"/>
+          </a:xfrm>
+          <a:prstGeom prst="leftBrace">
+            <a:avLst/>
+          </a:prstGeom>
+          <a:ln>
+            <a:solidFill>
+              <a:schemeClr val="tx1"/>
+            </a:solidFill>
+          </a:ln>
+        </p:spPr>
+        <p:style>
+          <a:lnRef idx="1">
+            <a:schemeClr val="accent1"/>
+          </a:lnRef>
+          <a:fillRef idx="0">
+            <a:schemeClr val="accent1"/>
+          </a:fillRef>
+          <a:effectRef idx="0">
+            <a:schemeClr val="accent1"/>
+          </a:effectRef>
+          <a:fontRef idx="minor">
+            <a:schemeClr val="tx1"/>
+          </a:fontRef>
+        </p:style>
+        <p:txBody>
+          <a:bodyPr rtlCol="0" anchor="ctr"/>
+          <a:lstStyle/>
+          <a:p>
+            <a:pPr algn="ctr"/>
+            <a:endParaRPr lang="en-US"/>
+          </a:p>
+        </p:txBody>
+      </p:sp>
+      <p:sp>
+        <p:nvSpPr>
+          <p:cNvPr id="27" name="TextBox 26">
+            <a:extLst>
+              <a:ext uri="{FF2B5EF4-FFF2-40B4-BE49-F238E27FC236}">
+                <a16:creationId xmlns:a16="http://schemas.microsoft.com/office/drawing/2014/main" id="{5D591F90-D843-4FD2-9733-CA816F6712A7}"/>
+              </a:ext>
+            </a:extLst>
+          </p:cNvPr>
+          <p:cNvSpPr txBox="1"/>
+          <p:nvPr/>
+        </p:nvSpPr>
+        <p:spPr>
+          <a:xfrm>
+            <a:off x="5046649" y="5646017"/>
+            <a:ext cx="6512103" cy="369332"/>
+          </a:xfrm>
+          <a:prstGeom prst="rect">
+            <a:avLst/>
+          </a:prstGeom>
+          <a:noFill/>
+        </p:spPr>
+        <p:txBody>
+          <a:bodyPr wrap="square" rtlCol="0">
+            <a:spAutoFit/>
+          </a:bodyPr>
+          <a:lstStyle/>
+          <a:p>
+            <a:r>
+              <a:rPr lang="en-US" dirty="0"/>
+              <a:t>This work lives here, numerical integration in MATLAB and NEURON</a:t>
+            </a:r>
+            <a:endParaRPr lang="en-US" sz="1200" dirty="0"/>
+          </a:p>
+        </p:txBody>
+      </p:sp>
+      <p:sp>
+        <p:nvSpPr>
+          <p:cNvPr id="14" name="TextBox 13">
+            <a:extLst>
+              <a:ext uri="{FF2B5EF4-FFF2-40B4-BE49-F238E27FC236}">
+                <a16:creationId xmlns:a16="http://schemas.microsoft.com/office/drawing/2014/main" id="{770588C1-E8D5-4A9A-8D8D-C37313EB5807}"/>
+              </a:ext>
+            </a:extLst>
+          </p:cNvPr>
+          <p:cNvSpPr txBox="1"/>
+          <p:nvPr/>
+        </p:nvSpPr>
+        <p:spPr>
+          <a:xfrm>
+            <a:off x="2973188" y="4058886"/>
+            <a:ext cx="2016899" cy="738664"/>
+          </a:xfrm>
+          <a:prstGeom prst="rect">
+            <a:avLst/>
+          </a:prstGeom>
+          <a:noFill/>
+        </p:spPr>
+        <p:txBody>
+          <a:bodyPr wrap="none" rtlCol="0">
+            <a:spAutoFit/>
+          </a:bodyPr>
+          <a:lstStyle/>
+          <a:p>
+            <a:r>
+              <a:rPr lang="en-US" dirty="0"/>
+              <a:t>I-F:</a:t>
+            </a:r>
+          </a:p>
+          <a:p>
+            <a:pPr marL="285750" indent="-285750">
+              <a:buFont typeface="Arial" panose="020B0604020202020204" pitchFamily="34" charset="0"/>
+              <a:buChar char="•"/>
+            </a:pPr>
+            <a:r>
+              <a:rPr lang="en-US" sz="1200" dirty="0"/>
+              <a:t>Simple decay</a:t>
+            </a:r>
+          </a:p>
+          <a:p>
+            <a:pPr marL="285750" indent="-285750">
+              <a:buFont typeface="Arial" panose="020B0604020202020204" pitchFamily="34" charset="0"/>
+              <a:buChar char="•"/>
+            </a:pPr>
+            <a:r>
+              <a:rPr lang="en-US" sz="1200" dirty="0"/>
+              <a:t>Basic spiking mechanism</a:t>
+            </a:r>
+          </a:p>
+        </p:txBody>
+      </p:sp>
+    </p:spTree>
+    <p:extLst>
+      <p:ext uri="{BB962C8B-B14F-4D97-AF65-F5344CB8AC3E}">
+        <p14:creationId xmlns:p14="http://schemas.microsoft.com/office/powerpoint/2010/main" val="4095775773"/>
       </p:ext>
     </p:extLst>
   </p:cSld>

--- a/thesis/Thesis Plan.pptx
+++ b/thesis/Thesis Plan.pptx
@@ -7,17 +7,8 @@
   <p:sldIdLst>
     <p:sldId id="256" r:id="rId2"/>
     <p:sldId id="257" r:id="rId3"/>
-    <p:sldId id="267" r:id="rId4"/>
-    <p:sldId id="270" r:id="rId5"/>
-    <p:sldId id="260" r:id="rId6"/>
-    <p:sldId id="259" r:id="rId7"/>
-    <p:sldId id="268" r:id="rId8"/>
-    <p:sldId id="264" r:id="rId9"/>
-    <p:sldId id="261" r:id="rId10"/>
-    <p:sldId id="263" r:id="rId11"/>
-    <p:sldId id="269" r:id="rId12"/>
-    <p:sldId id="265" r:id="rId13"/>
-    <p:sldId id="266" r:id="rId14"/>
+    <p:sldId id="277" r:id="rId4"/>
+    <p:sldId id="278" r:id="rId5"/>
   </p:sldIdLst>
   <p:sldSz cx="12192000" cy="6858000"/>
   <p:notesSz cx="6858000" cy="9144000"/>
@@ -124,10 +115,6 @@
 </p:presentation>
 </file>
 
-<file path=ppt/revisionInfo.xml><?xml version="1.0" encoding="utf-8"?>
-<p1510:revInfo xmlns:a="http://schemas.openxmlformats.org/drawingml/2006/main" xmlns:r="http://schemas.openxmlformats.org/officeDocument/2006/relationships" xmlns:p1510="http://schemas.microsoft.com/office/powerpoint/2015/10/main"/>
-</file>
-
 <file path=ppt/slideLayouts/slideLayout1.xml><?xml version="1.0" encoding="utf-8"?>
 <p:sldLayout xmlns:a="http://schemas.openxmlformats.org/drawingml/2006/main" xmlns:r="http://schemas.openxmlformats.org/officeDocument/2006/relationships" xmlns:p="http://schemas.openxmlformats.org/presentationml/2006/main" type="title" preserve="1">
   <p:cSld name="Title Slide">
@@ -150,7 +137,7 @@
           <p:cNvPr id="2" name="Title 1">
             <a:extLst>
               <a:ext uri="{FF2B5EF4-FFF2-40B4-BE49-F238E27FC236}">
-                <a16:creationId xmlns:a16="http://schemas.microsoft.com/office/drawing/2014/main" id="{00A00254-E829-4250-B5F8-0669947A380F}"/>
+                <a16:creationId xmlns:a16="http://schemas.microsoft.com/office/drawing/2014/main" id="{D48AE58E-B4D3-499D-AF00-902031FB3873}"/>
               </a:ext>
             </a:extLst>
           </p:cNvPr>
@@ -187,7 +174,7 @@
           <p:cNvPr id="3" name="Subtitle 2">
             <a:extLst>
               <a:ext uri="{FF2B5EF4-FFF2-40B4-BE49-F238E27FC236}">
-                <a16:creationId xmlns:a16="http://schemas.microsoft.com/office/drawing/2014/main" id="{A4E6356E-F0C5-429F-B7EA-2868B604AB30}"/>
+                <a16:creationId xmlns:a16="http://schemas.microsoft.com/office/drawing/2014/main" id="{D70AD230-EADF-4FF4-A0C7-BE89B838DA33}"/>
               </a:ext>
             </a:extLst>
           </p:cNvPr>
@@ -254,18 +241,18 @@
       </p:sp>
       <p:sp>
         <p:nvSpPr>
-          <p:cNvPr id="4" name="Date Placeholder 3">
-            <a:extLst>
-              <a:ext uri="{FF2B5EF4-FFF2-40B4-BE49-F238E27FC236}">
-                <a16:creationId xmlns:a16="http://schemas.microsoft.com/office/drawing/2014/main" id="{D6C8583D-9322-45EB-B4CC-227DCA02AE7E}"/>
-              </a:ext>
-            </a:extLst>
-          </p:cNvPr>
-          <p:cNvSpPr>
-            <a:spLocks noGrp="1"/>
-          </p:cNvSpPr>
-          <p:nvPr>
-            <p:ph type="dt" sz="half" idx="10"/>
+          <p:cNvPr id="5" name="Footer Placeholder 4">
+            <a:extLst>
+              <a:ext uri="{FF2B5EF4-FFF2-40B4-BE49-F238E27FC236}">
+                <a16:creationId xmlns:a16="http://schemas.microsoft.com/office/drawing/2014/main" id="{8C13B935-2DB8-4089-A42B-7C0798A411B9}"/>
+              </a:ext>
+            </a:extLst>
+          </p:cNvPr>
+          <p:cNvSpPr>
+            <a:spLocks noGrp="1"/>
+          </p:cNvSpPr>
+          <p:nvPr>
+            <p:ph type="ftr" sz="quarter" idx="11"/>
           </p:nvPr>
         </p:nvSpPr>
         <p:spPr/>
@@ -273,28 +260,24 @@
           <a:bodyPr/>
           <a:lstStyle/>
           <a:p>
-            <a:fld id="{954492B9-D71C-4D72-9116-684F5B4E5326}" type="datetimeFigureOut">
-              <a:rPr lang="en-US" smtClean="0"/>
-              <a:t>1/12/2018</a:t>
-            </a:fld>
             <a:endParaRPr lang="en-US"/>
           </a:p>
         </p:txBody>
       </p:sp>
       <p:sp>
         <p:nvSpPr>
-          <p:cNvPr id="5" name="Footer Placeholder 4">
-            <a:extLst>
-              <a:ext uri="{FF2B5EF4-FFF2-40B4-BE49-F238E27FC236}">
-                <a16:creationId xmlns:a16="http://schemas.microsoft.com/office/drawing/2014/main" id="{7FB7047B-F6A6-4533-AA33-AD79020907BF}"/>
-              </a:ext>
-            </a:extLst>
-          </p:cNvPr>
-          <p:cNvSpPr>
-            <a:spLocks noGrp="1"/>
-          </p:cNvSpPr>
-          <p:nvPr>
-            <p:ph type="ftr" sz="quarter" idx="11"/>
+          <p:cNvPr id="6" name="Slide Number Placeholder 5">
+            <a:extLst>
+              <a:ext uri="{FF2B5EF4-FFF2-40B4-BE49-F238E27FC236}">
+                <a16:creationId xmlns:a16="http://schemas.microsoft.com/office/drawing/2014/main" id="{011121C7-87D2-4196-9E47-A5F56F3576CD}"/>
+              </a:ext>
+            </a:extLst>
+          </p:cNvPr>
+          <p:cNvSpPr>
+            <a:spLocks noGrp="1"/>
+          </p:cNvSpPr>
+          <p:nvPr>
+            <p:ph type="sldNum" sz="quarter" idx="12"/>
           </p:nvPr>
         </p:nvSpPr>
         <p:spPr/>
@@ -302,43 +285,18 @@
           <a:bodyPr/>
           <a:lstStyle/>
           <a:p>
-            <a:endParaRPr lang="en-US"/>
-          </a:p>
-        </p:txBody>
-      </p:sp>
-      <p:sp>
-        <p:nvSpPr>
-          <p:cNvPr id="6" name="Slide Number Placeholder 5">
-            <a:extLst>
-              <a:ext uri="{FF2B5EF4-FFF2-40B4-BE49-F238E27FC236}">
-                <a16:creationId xmlns:a16="http://schemas.microsoft.com/office/drawing/2014/main" id="{59BD684A-3231-49B8-ABED-475B3A49B7F4}"/>
-              </a:ext>
-            </a:extLst>
-          </p:cNvPr>
-          <p:cNvSpPr>
-            <a:spLocks noGrp="1"/>
-          </p:cNvSpPr>
-          <p:nvPr>
-            <p:ph type="sldNum" sz="quarter" idx="12"/>
-          </p:nvPr>
-        </p:nvSpPr>
-        <p:spPr/>
-        <p:txBody>
-          <a:bodyPr/>
-          <a:lstStyle/>
-          <a:p>
-            <a:fld id="{94C067B7-BC8E-43E0-A8D7-5C18A77E0484}" type="slidenum">
+            <a:fld id="{03BAAB9C-EE1C-4084-A869-679B6138C169}" type="slidenum">
               <a:rPr lang="en-US" smtClean="0"/>
               <a:t>‹#›</a:t>
             </a:fld>
-            <a:endParaRPr lang="en-US"/>
+            <a:endParaRPr lang="en-US" dirty="0"/>
           </a:p>
         </p:txBody>
       </p:sp>
     </p:spTree>
     <p:extLst>
       <p:ext uri="{BB962C8B-B14F-4D97-AF65-F5344CB8AC3E}">
-        <p14:creationId xmlns:p14="http://schemas.microsoft.com/office/powerpoint/2010/main" val="1307950907"/>
+        <p14:creationId xmlns:p14="http://schemas.microsoft.com/office/powerpoint/2010/main" val="2756334845"/>
       </p:ext>
     </p:extLst>
   </p:cSld>
@@ -370,7 +328,7 @@
           <p:cNvPr id="2" name="Title 1">
             <a:extLst>
               <a:ext uri="{FF2B5EF4-FFF2-40B4-BE49-F238E27FC236}">
-                <a16:creationId xmlns:a16="http://schemas.microsoft.com/office/drawing/2014/main" id="{D9C60EC9-1C08-4B0A-B8C9-AF498C3EFB88}"/>
+                <a16:creationId xmlns:a16="http://schemas.microsoft.com/office/drawing/2014/main" id="{3D1E3946-DBED-4B34-A87C-28C15C2CDDE2}"/>
               </a:ext>
             </a:extLst>
           </p:cNvPr>
@@ -398,7 +356,7 @@
           <p:cNvPr id="3" name="Vertical Text Placeholder 2">
             <a:extLst>
               <a:ext uri="{FF2B5EF4-FFF2-40B4-BE49-F238E27FC236}">
-                <a16:creationId xmlns:a16="http://schemas.microsoft.com/office/drawing/2014/main" id="{76256F01-4C58-4D11-A253-95A4D4531D19}"/>
+                <a16:creationId xmlns:a16="http://schemas.microsoft.com/office/drawing/2014/main" id="{29120869-ACE9-4CDE-BB96-76AA470EC512}"/>
               </a:ext>
             </a:extLst>
           </p:cNvPr>
@@ -455,7 +413,7 @@
           <p:cNvPr id="4" name="Date Placeholder 3">
             <a:extLst>
               <a:ext uri="{FF2B5EF4-FFF2-40B4-BE49-F238E27FC236}">
-                <a16:creationId xmlns:a16="http://schemas.microsoft.com/office/drawing/2014/main" id="{A5E4D664-E8BF-431E-BCDA-45AC8EA29D44}"/>
+                <a16:creationId xmlns:a16="http://schemas.microsoft.com/office/drawing/2014/main" id="{8F791962-F17D-4BA2-900B-C9155AE0E138}"/>
               </a:ext>
             </a:extLst>
           </p:cNvPr>
@@ -466,14 +424,22 @@
             <p:ph type="dt" sz="half" idx="10"/>
           </p:nvPr>
         </p:nvSpPr>
-        <p:spPr/>
+        <p:spPr>
+          <a:xfrm>
+            <a:off x="838200" y="6356350"/>
+            <a:ext cx="2743200" cy="365125"/>
+          </a:xfrm>
+          <a:prstGeom prst="rect">
+            <a:avLst/>
+          </a:prstGeom>
+        </p:spPr>
         <p:txBody>
           <a:bodyPr/>
           <a:lstStyle/>
           <a:p>
-            <a:fld id="{954492B9-D71C-4D72-9116-684F5B4E5326}" type="datetimeFigureOut">
+            <a:fld id="{0BC610E4-0AD4-4B2C-A1AF-CEC06808CA2D}" type="datetimeFigureOut">
               <a:rPr lang="en-US" smtClean="0"/>
-              <a:t>1/12/2018</a:t>
+              <a:t>6/17/2018</a:t>
             </a:fld>
             <a:endParaRPr lang="en-US"/>
           </a:p>
@@ -484,7 +450,7 @@
           <p:cNvPr id="5" name="Footer Placeholder 4">
             <a:extLst>
               <a:ext uri="{FF2B5EF4-FFF2-40B4-BE49-F238E27FC236}">
-                <a16:creationId xmlns:a16="http://schemas.microsoft.com/office/drawing/2014/main" id="{C88D0265-6F1F-45B1-8580-A626838B3F85}"/>
+                <a16:creationId xmlns:a16="http://schemas.microsoft.com/office/drawing/2014/main" id="{15627E01-677E-4DFD-9557-959CDF6D9305}"/>
               </a:ext>
             </a:extLst>
           </p:cNvPr>
@@ -509,7 +475,7 @@
           <p:cNvPr id="6" name="Slide Number Placeholder 5">
             <a:extLst>
               <a:ext uri="{FF2B5EF4-FFF2-40B4-BE49-F238E27FC236}">
-                <a16:creationId xmlns:a16="http://schemas.microsoft.com/office/drawing/2014/main" id="{46994B92-33B1-4393-BED6-F36F23027859}"/>
+                <a16:creationId xmlns:a16="http://schemas.microsoft.com/office/drawing/2014/main" id="{458D1248-2022-4B0D-9D07-2B8D5532C600}"/>
               </a:ext>
             </a:extLst>
           </p:cNvPr>
@@ -525,7 +491,7 @@
           <a:bodyPr/>
           <a:lstStyle/>
           <a:p>
-            <a:fld id="{94C067B7-BC8E-43E0-A8D7-5C18A77E0484}" type="slidenum">
+            <a:fld id="{03BAAB9C-EE1C-4084-A869-679B6138C169}" type="slidenum">
               <a:rPr lang="en-US" smtClean="0"/>
               <a:t>‹#›</a:t>
             </a:fld>
@@ -536,7 +502,7 @@
     </p:spTree>
     <p:extLst>
       <p:ext uri="{BB962C8B-B14F-4D97-AF65-F5344CB8AC3E}">
-        <p14:creationId xmlns:p14="http://schemas.microsoft.com/office/powerpoint/2010/main" val="3038106502"/>
+        <p14:creationId xmlns:p14="http://schemas.microsoft.com/office/powerpoint/2010/main" val="1423564001"/>
       </p:ext>
     </p:extLst>
   </p:cSld>
@@ -568,7 +534,7 @@
           <p:cNvPr id="2" name="Vertical Title 1">
             <a:extLst>
               <a:ext uri="{FF2B5EF4-FFF2-40B4-BE49-F238E27FC236}">
-                <a16:creationId xmlns:a16="http://schemas.microsoft.com/office/drawing/2014/main" id="{B73443D9-5B25-406B-8277-DC0BE621F534}"/>
+                <a16:creationId xmlns:a16="http://schemas.microsoft.com/office/drawing/2014/main" id="{90981319-6D3A-435F-BD52-641FEF816E07}"/>
               </a:ext>
             </a:extLst>
           </p:cNvPr>
@@ -601,7 +567,7 @@
           <p:cNvPr id="3" name="Vertical Text Placeholder 2">
             <a:extLst>
               <a:ext uri="{FF2B5EF4-FFF2-40B4-BE49-F238E27FC236}">
-                <a16:creationId xmlns:a16="http://schemas.microsoft.com/office/drawing/2014/main" id="{61E98818-C424-4E47-8941-60CE9CF539E2}"/>
+                <a16:creationId xmlns:a16="http://schemas.microsoft.com/office/drawing/2014/main" id="{2D1215FE-FD3D-4E6A-AB2A-7B8C2BA9B3A5}"/>
               </a:ext>
             </a:extLst>
           </p:cNvPr>
@@ -663,7 +629,7 @@
           <p:cNvPr id="4" name="Date Placeholder 3">
             <a:extLst>
               <a:ext uri="{FF2B5EF4-FFF2-40B4-BE49-F238E27FC236}">
-                <a16:creationId xmlns:a16="http://schemas.microsoft.com/office/drawing/2014/main" id="{522CF370-621C-48CA-BF45-29E50BDA3A8C}"/>
+                <a16:creationId xmlns:a16="http://schemas.microsoft.com/office/drawing/2014/main" id="{342E5807-819B-456D-9817-F7A2F7AA7A64}"/>
               </a:ext>
             </a:extLst>
           </p:cNvPr>
@@ -674,14 +640,22 @@
             <p:ph type="dt" sz="half" idx="10"/>
           </p:nvPr>
         </p:nvSpPr>
-        <p:spPr/>
+        <p:spPr>
+          <a:xfrm>
+            <a:off x="838200" y="6356350"/>
+            <a:ext cx="2743200" cy="365125"/>
+          </a:xfrm>
+          <a:prstGeom prst="rect">
+            <a:avLst/>
+          </a:prstGeom>
+        </p:spPr>
         <p:txBody>
           <a:bodyPr/>
           <a:lstStyle/>
           <a:p>
-            <a:fld id="{954492B9-D71C-4D72-9116-684F5B4E5326}" type="datetimeFigureOut">
+            <a:fld id="{0BC610E4-0AD4-4B2C-A1AF-CEC06808CA2D}" type="datetimeFigureOut">
               <a:rPr lang="en-US" smtClean="0"/>
-              <a:t>1/12/2018</a:t>
+              <a:t>6/17/2018</a:t>
             </a:fld>
             <a:endParaRPr lang="en-US"/>
           </a:p>
@@ -692,7 +666,7 @@
           <p:cNvPr id="5" name="Footer Placeholder 4">
             <a:extLst>
               <a:ext uri="{FF2B5EF4-FFF2-40B4-BE49-F238E27FC236}">
-                <a16:creationId xmlns:a16="http://schemas.microsoft.com/office/drawing/2014/main" id="{54A3F451-7AF3-43C3-8E4B-EDA7E0FC8B06}"/>
+                <a16:creationId xmlns:a16="http://schemas.microsoft.com/office/drawing/2014/main" id="{D34CCDCF-37CB-4045-BBBB-0A4919D848DD}"/>
               </a:ext>
             </a:extLst>
           </p:cNvPr>
@@ -717,7 +691,7 @@
           <p:cNvPr id="6" name="Slide Number Placeholder 5">
             <a:extLst>
               <a:ext uri="{FF2B5EF4-FFF2-40B4-BE49-F238E27FC236}">
-                <a16:creationId xmlns:a16="http://schemas.microsoft.com/office/drawing/2014/main" id="{C6733752-33E1-405B-AE16-777795627ABC}"/>
+                <a16:creationId xmlns:a16="http://schemas.microsoft.com/office/drawing/2014/main" id="{12411FDE-278C-4C46-909D-1FB8C5D8A9CF}"/>
               </a:ext>
             </a:extLst>
           </p:cNvPr>
@@ -733,7 +707,7 @@
           <a:bodyPr/>
           <a:lstStyle/>
           <a:p>
-            <a:fld id="{94C067B7-BC8E-43E0-A8D7-5C18A77E0484}" type="slidenum">
+            <a:fld id="{03BAAB9C-EE1C-4084-A869-679B6138C169}" type="slidenum">
               <a:rPr lang="en-US" smtClean="0"/>
               <a:t>‹#›</a:t>
             </a:fld>
@@ -744,7 +718,7 @@
     </p:spTree>
     <p:extLst>
       <p:ext uri="{BB962C8B-B14F-4D97-AF65-F5344CB8AC3E}">
-        <p14:creationId xmlns:p14="http://schemas.microsoft.com/office/powerpoint/2010/main" val="1363314799"/>
+        <p14:creationId xmlns:p14="http://schemas.microsoft.com/office/powerpoint/2010/main" val="2418424902"/>
       </p:ext>
     </p:extLst>
   </p:cSld>
@@ -776,7 +750,7 @@
           <p:cNvPr id="2" name="Title 1">
             <a:extLst>
               <a:ext uri="{FF2B5EF4-FFF2-40B4-BE49-F238E27FC236}">
-                <a16:creationId xmlns:a16="http://schemas.microsoft.com/office/drawing/2014/main" id="{2745C875-FF90-4A03-8C58-AF361A87D2EF}"/>
+                <a16:creationId xmlns:a16="http://schemas.microsoft.com/office/drawing/2014/main" id="{64A0C4FC-EE08-46E5-89EE-EF56F3585112}"/>
               </a:ext>
             </a:extLst>
           </p:cNvPr>
@@ -804,7 +778,7 @@
           <p:cNvPr id="3" name="Content Placeholder 2">
             <a:extLst>
               <a:ext uri="{FF2B5EF4-FFF2-40B4-BE49-F238E27FC236}">
-                <a16:creationId xmlns:a16="http://schemas.microsoft.com/office/drawing/2014/main" id="{B6315DDD-4CD2-47E4-AB81-DC255B28C876}"/>
+                <a16:creationId xmlns:a16="http://schemas.microsoft.com/office/drawing/2014/main" id="{6414819E-66C3-4BC7-B396-922F8D543B23}"/>
               </a:ext>
             </a:extLst>
           </p:cNvPr>
@@ -861,7 +835,7 @@
           <p:cNvPr id="4" name="Date Placeholder 3">
             <a:extLst>
               <a:ext uri="{FF2B5EF4-FFF2-40B4-BE49-F238E27FC236}">
-                <a16:creationId xmlns:a16="http://schemas.microsoft.com/office/drawing/2014/main" id="{E64A87A1-D092-404C-A64E-35D78E2C4399}"/>
+                <a16:creationId xmlns:a16="http://schemas.microsoft.com/office/drawing/2014/main" id="{3CC8ED31-6110-4E27-8C38-87889B7103C0}"/>
               </a:ext>
             </a:extLst>
           </p:cNvPr>
@@ -872,14 +846,22 @@
             <p:ph type="dt" sz="half" idx="10"/>
           </p:nvPr>
         </p:nvSpPr>
-        <p:spPr/>
+        <p:spPr>
+          <a:xfrm>
+            <a:off x="838200" y="6356350"/>
+            <a:ext cx="2743200" cy="365125"/>
+          </a:xfrm>
+          <a:prstGeom prst="rect">
+            <a:avLst/>
+          </a:prstGeom>
+        </p:spPr>
         <p:txBody>
           <a:bodyPr/>
           <a:lstStyle/>
           <a:p>
-            <a:fld id="{954492B9-D71C-4D72-9116-684F5B4E5326}" type="datetimeFigureOut">
+            <a:fld id="{0BC610E4-0AD4-4B2C-A1AF-CEC06808CA2D}" type="datetimeFigureOut">
               <a:rPr lang="en-US" smtClean="0"/>
-              <a:t>1/12/2018</a:t>
+              <a:t>6/17/2018</a:t>
             </a:fld>
             <a:endParaRPr lang="en-US"/>
           </a:p>
@@ -890,7 +872,7 @@
           <p:cNvPr id="5" name="Footer Placeholder 4">
             <a:extLst>
               <a:ext uri="{FF2B5EF4-FFF2-40B4-BE49-F238E27FC236}">
-                <a16:creationId xmlns:a16="http://schemas.microsoft.com/office/drawing/2014/main" id="{DAA2E38B-84A0-4E0C-B8FC-35399634FD35}"/>
+                <a16:creationId xmlns:a16="http://schemas.microsoft.com/office/drawing/2014/main" id="{BA4AA30D-45CE-44FD-BCF1-4BAAB7597910}"/>
               </a:ext>
             </a:extLst>
           </p:cNvPr>
@@ -915,7 +897,7 @@
           <p:cNvPr id="6" name="Slide Number Placeholder 5">
             <a:extLst>
               <a:ext uri="{FF2B5EF4-FFF2-40B4-BE49-F238E27FC236}">
-                <a16:creationId xmlns:a16="http://schemas.microsoft.com/office/drawing/2014/main" id="{C82FA939-9FCD-4BD1-A959-B474E3F4AFC7}"/>
+                <a16:creationId xmlns:a16="http://schemas.microsoft.com/office/drawing/2014/main" id="{B24FB4A4-F400-4774-BDC0-ED1BCA1F076F}"/>
               </a:ext>
             </a:extLst>
           </p:cNvPr>
@@ -931,7 +913,7 @@
           <a:bodyPr/>
           <a:lstStyle/>
           <a:p>
-            <a:fld id="{94C067B7-BC8E-43E0-A8D7-5C18A77E0484}" type="slidenum">
+            <a:fld id="{03BAAB9C-EE1C-4084-A869-679B6138C169}" type="slidenum">
               <a:rPr lang="en-US" smtClean="0"/>
               <a:t>‹#›</a:t>
             </a:fld>
@@ -942,7 +924,7 @@
     </p:spTree>
     <p:extLst>
       <p:ext uri="{BB962C8B-B14F-4D97-AF65-F5344CB8AC3E}">
-        <p14:creationId xmlns:p14="http://schemas.microsoft.com/office/powerpoint/2010/main" val="1656037282"/>
+        <p14:creationId xmlns:p14="http://schemas.microsoft.com/office/powerpoint/2010/main" val="2055590718"/>
       </p:ext>
     </p:extLst>
   </p:cSld>
@@ -953,6 +935,279 @@
 </file>
 
 <file path=ppt/slideLayouts/slideLayout3.xml><?xml version="1.0" encoding="utf-8"?>
+<p:sldLayout xmlns:a="http://schemas.openxmlformats.org/drawingml/2006/main" xmlns:r="http://schemas.openxmlformats.org/officeDocument/2006/relationships" xmlns:p="http://schemas.openxmlformats.org/presentationml/2006/main" type="twoObj" preserve="1">
+  <p:cSld name="Two Content">
+    <p:spTree>
+      <p:nvGrpSpPr>
+        <p:cNvPr id="1" name=""/>
+        <p:cNvGrpSpPr/>
+        <p:nvPr/>
+      </p:nvGrpSpPr>
+      <p:grpSpPr>
+        <a:xfrm>
+          <a:off x="0" y="0"/>
+          <a:ext cx="0" cy="0"/>
+          <a:chOff x="0" y="0"/>
+          <a:chExt cx="0" cy="0"/>
+        </a:xfrm>
+      </p:grpSpPr>
+      <p:sp>
+        <p:nvSpPr>
+          <p:cNvPr id="2" name="Title 1">
+            <a:extLst>
+              <a:ext uri="{FF2B5EF4-FFF2-40B4-BE49-F238E27FC236}">
+                <a16:creationId xmlns:a16="http://schemas.microsoft.com/office/drawing/2014/main" id="{4FBFDFDF-867F-4A7F-B104-CEF29ED59DA9}"/>
+              </a:ext>
+            </a:extLst>
+          </p:cNvPr>
+          <p:cNvSpPr>
+            <a:spLocks noGrp="1"/>
+          </p:cNvSpPr>
+          <p:nvPr>
+            <p:ph type="title"/>
+          </p:nvPr>
+        </p:nvSpPr>
+        <p:spPr/>
+        <p:txBody>
+          <a:bodyPr/>
+          <a:lstStyle/>
+          <a:p>
+            <a:r>
+              <a:rPr lang="en-US"/>
+              <a:t>Click to edit Master title style</a:t>
+            </a:r>
+          </a:p>
+        </p:txBody>
+      </p:sp>
+      <p:sp>
+        <p:nvSpPr>
+          <p:cNvPr id="3" name="Content Placeholder 2">
+            <a:extLst>
+              <a:ext uri="{FF2B5EF4-FFF2-40B4-BE49-F238E27FC236}">
+                <a16:creationId xmlns:a16="http://schemas.microsoft.com/office/drawing/2014/main" id="{DBD77589-FD12-48B8-B3B7-3148530837A6}"/>
+              </a:ext>
+            </a:extLst>
+          </p:cNvPr>
+          <p:cNvSpPr>
+            <a:spLocks noGrp="1"/>
+          </p:cNvSpPr>
+          <p:nvPr>
+            <p:ph sz="half" idx="1"/>
+          </p:nvPr>
+        </p:nvSpPr>
+        <p:spPr>
+          <a:xfrm>
+            <a:off x="838200" y="1825625"/>
+            <a:ext cx="5181600" cy="4351338"/>
+          </a:xfrm>
+        </p:spPr>
+        <p:txBody>
+          <a:bodyPr/>
+          <a:lstStyle/>
+          <a:p>
+            <a:pPr lvl="0"/>
+            <a:r>
+              <a:rPr lang="en-US"/>
+              <a:t>Edit Master text styles</a:t>
+            </a:r>
+          </a:p>
+          <a:p>
+            <a:pPr lvl="1"/>
+            <a:r>
+              <a:rPr lang="en-US"/>
+              <a:t>Second level</a:t>
+            </a:r>
+          </a:p>
+          <a:p>
+            <a:pPr lvl="2"/>
+            <a:r>
+              <a:rPr lang="en-US"/>
+              <a:t>Third level</a:t>
+            </a:r>
+          </a:p>
+          <a:p>
+            <a:pPr lvl="3"/>
+            <a:r>
+              <a:rPr lang="en-US"/>
+              <a:t>Fourth level</a:t>
+            </a:r>
+          </a:p>
+          <a:p>
+            <a:pPr lvl="4"/>
+            <a:r>
+              <a:rPr lang="en-US"/>
+              <a:t>Fifth level</a:t>
+            </a:r>
+          </a:p>
+        </p:txBody>
+      </p:sp>
+      <p:sp>
+        <p:nvSpPr>
+          <p:cNvPr id="4" name="Content Placeholder 3">
+            <a:extLst>
+              <a:ext uri="{FF2B5EF4-FFF2-40B4-BE49-F238E27FC236}">
+                <a16:creationId xmlns:a16="http://schemas.microsoft.com/office/drawing/2014/main" id="{049AC300-581F-4D03-AC18-9837131EB6B7}"/>
+              </a:ext>
+            </a:extLst>
+          </p:cNvPr>
+          <p:cNvSpPr>
+            <a:spLocks noGrp="1"/>
+          </p:cNvSpPr>
+          <p:nvPr>
+            <p:ph sz="half" idx="2"/>
+          </p:nvPr>
+        </p:nvSpPr>
+        <p:spPr>
+          <a:xfrm>
+            <a:off x="6172200" y="1825625"/>
+            <a:ext cx="5181600" cy="4351338"/>
+          </a:xfrm>
+        </p:spPr>
+        <p:txBody>
+          <a:bodyPr/>
+          <a:lstStyle/>
+          <a:p>
+            <a:pPr lvl="0"/>
+            <a:r>
+              <a:rPr lang="en-US"/>
+              <a:t>Edit Master text styles</a:t>
+            </a:r>
+          </a:p>
+          <a:p>
+            <a:pPr lvl="1"/>
+            <a:r>
+              <a:rPr lang="en-US"/>
+              <a:t>Second level</a:t>
+            </a:r>
+          </a:p>
+          <a:p>
+            <a:pPr lvl="2"/>
+            <a:r>
+              <a:rPr lang="en-US"/>
+              <a:t>Third level</a:t>
+            </a:r>
+          </a:p>
+          <a:p>
+            <a:pPr lvl="3"/>
+            <a:r>
+              <a:rPr lang="en-US"/>
+              <a:t>Fourth level</a:t>
+            </a:r>
+          </a:p>
+          <a:p>
+            <a:pPr lvl="4"/>
+            <a:r>
+              <a:rPr lang="en-US"/>
+              <a:t>Fifth level</a:t>
+            </a:r>
+          </a:p>
+        </p:txBody>
+      </p:sp>
+      <p:sp>
+        <p:nvSpPr>
+          <p:cNvPr id="5" name="Date Placeholder 4">
+            <a:extLst>
+              <a:ext uri="{FF2B5EF4-FFF2-40B4-BE49-F238E27FC236}">
+                <a16:creationId xmlns:a16="http://schemas.microsoft.com/office/drawing/2014/main" id="{B0706C96-8181-4A8F-8601-9636E5B33CAE}"/>
+              </a:ext>
+            </a:extLst>
+          </p:cNvPr>
+          <p:cNvSpPr>
+            <a:spLocks noGrp="1"/>
+          </p:cNvSpPr>
+          <p:nvPr>
+            <p:ph type="dt" sz="half" idx="10"/>
+          </p:nvPr>
+        </p:nvSpPr>
+        <p:spPr>
+          <a:xfrm>
+            <a:off x="838200" y="6356350"/>
+            <a:ext cx="2743200" cy="365125"/>
+          </a:xfrm>
+          <a:prstGeom prst="rect">
+            <a:avLst/>
+          </a:prstGeom>
+        </p:spPr>
+        <p:txBody>
+          <a:bodyPr/>
+          <a:lstStyle/>
+          <a:p>
+            <a:fld id="{0BC610E4-0AD4-4B2C-A1AF-CEC06808CA2D}" type="datetimeFigureOut">
+              <a:rPr lang="en-US" smtClean="0"/>
+              <a:t>6/17/2018</a:t>
+            </a:fld>
+            <a:endParaRPr lang="en-US"/>
+          </a:p>
+        </p:txBody>
+      </p:sp>
+      <p:sp>
+        <p:nvSpPr>
+          <p:cNvPr id="6" name="Footer Placeholder 5">
+            <a:extLst>
+              <a:ext uri="{FF2B5EF4-FFF2-40B4-BE49-F238E27FC236}">
+                <a16:creationId xmlns:a16="http://schemas.microsoft.com/office/drawing/2014/main" id="{A815A459-3700-4F71-A2FC-0277C9A970D7}"/>
+              </a:ext>
+            </a:extLst>
+          </p:cNvPr>
+          <p:cNvSpPr>
+            <a:spLocks noGrp="1"/>
+          </p:cNvSpPr>
+          <p:nvPr>
+            <p:ph type="ftr" sz="quarter" idx="11"/>
+          </p:nvPr>
+        </p:nvSpPr>
+        <p:spPr/>
+        <p:txBody>
+          <a:bodyPr/>
+          <a:lstStyle/>
+          <a:p>
+            <a:endParaRPr lang="en-US"/>
+          </a:p>
+        </p:txBody>
+      </p:sp>
+      <p:sp>
+        <p:nvSpPr>
+          <p:cNvPr id="7" name="Slide Number Placeholder 6">
+            <a:extLst>
+              <a:ext uri="{FF2B5EF4-FFF2-40B4-BE49-F238E27FC236}">
+                <a16:creationId xmlns:a16="http://schemas.microsoft.com/office/drawing/2014/main" id="{DB22AAA9-57CD-49D3-887B-D513D8153241}"/>
+              </a:ext>
+            </a:extLst>
+          </p:cNvPr>
+          <p:cNvSpPr>
+            <a:spLocks noGrp="1"/>
+          </p:cNvSpPr>
+          <p:nvPr>
+            <p:ph type="sldNum" sz="quarter" idx="12"/>
+          </p:nvPr>
+        </p:nvSpPr>
+        <p:spPr/>
+        <p:txBody>
+          <a:bodyPr/>
+          <a:lstStyle/>
+          <a:p>
+            <a:fld id="{03BAAB9C-EE1C-4084-A869-679B6138C169}" type="slidenum">
+              <a:rPr lang="en-US" smtClean="0"/>
+              <a:t>‹#›</a:t>
+            </a:fld>
+            <a:endParaRPr lang="en-US"/>
+          </a:p>
+        </p:txBody>
+      </p:sp>
+    </p:spTree>
+    <p:extLst>
+      <p:ext uri="{BB962C8B-B14F-4D97-AF65-F5344CB8AC3E}">
+        <p14:creationId xmlns:p14="http://schemas.microsoft.com/office/powerpoint/2010/main" val="818985291"/>
+      </p:ext>
+    </p:extLst>
+  </p:cSld>
+  <p:clrMapOvr>
+    <a:masterClrMapping/>
+  </p:clrMapOvr>
+</p:sldLayout>
+</file>
+
+<file path=ppt/slideLayouts/slideLayout4.xml><?xml version="1.0" encoding="utf-8"?>
 <p:sldLayout xmlns:a="http://schemas.openxmlformats.org/drawingml/2006/main" xmlns:r="http://schemas.openxmlformats.org/officeDocument/2006/relationships" xmlns:p="http://schemas.openxmlformats.org/presentationml/2006/main" type="secHead" preserve="1">
   <p:cSld name="Section Header">
     <p:spTree>
@@ -974,7 +1229,7 @@
           <p:cNvPr id="2" name="Title 1">
             <a:extLst>
               <a:ext uri="{FF2B5EF4-FFF2-40B4-BE49-F238E27FC236}">
-                <a16:creationId xmlns:a16="http://schemas.microsoft.com/office/drawing/2014/main" id="{9425F07F-893E-49A5-99BF-D6ED9B6EAD47}"/>
+                <a16:creationId xmlns:a16="http://schemas.microsoft.com/office/drawing/2014/main" id="{4975E3EE-23C7-4D82-A8A2-3C8ABB6993E1}"/>
               </a:ext>
             </a:extLst>
           </p:cNvPr>
@@ -1011,7 +1266,7 @@
           <p:cNvPr id="3" name="Text Placeholder 2">
             <a:extLst>
               <a:ext uri="{FF2B5EF4-FFF2-40B4-BE49-F238E27FC236}">
-                <a16:creationId xmlns:a16="http://schemas.microsoft.com/office/drawing/2014/main" id="{3115CB92-29C3-47D9-B6AD-5581057E7216}"/>
+                <a16:creationId xmlns:a16="http://schemas.microsoft.com/office/drawing/2014/main" id="{57391D18-9376-4798-925D-0CE6B949EF65}"/>
               </a:ext>
             </a:extLst>
           </p:cNvPr>
@@ -1136,7 +1391,7 @@
           <p:cNvPr id="4" name="Date Placeholder 3">
             <a:extLst>
               <a:ext uri="{FF2B5EF4-FFF2-40B4-BE49-F238E27FC236}">
-                <a16:creationId xmlns:a16="http://schemas.microsoft.com/office/drawing/2014/main" id="{42F47470-50CB-442C-AD5C-C992ED554FA4}"/>
+                <a16:creationId xmlns:a16="http://schemas.microsoft.com/office/drawing/2014/main" id="{5872B000-F1D5-4CF6-A3EE-C9B06762C286}"/>
               </a:ext>
             </a:extLst>
           </p:cNvPr>
@@ -1147,14 +1402,22 @@
             <p:ph type="dt" sz="half" idx="10"/>
           </p:nvPr>
         </p:nvSpPr>
-        <p:spPr/>
+        <p:spPr>
+          <a:xfrm>
+            <a:off x="838200" y="6356350"/>
+            <a:ext cx="2743200" cy="365125"/>
+          </a:xfrm>
+          <a:prstGeom prst="rect">
+            <a:avLst/>
+          </a:prstGeom>
+        </p:spPr>
         <p:txBody>
           <a:bodyPr/>
           <a:lstStyle/>
           <a:p>
-            <a:fld id="{954492B9-D71C-4D72-9116-684F5B4E5326}" type="datetimeFigureOut">
+            <a:fld id="{0BC610E4-0AD4-4B2C-A1AF-CEC06808CA2D}" type="datetimeFigureOut">
               <a:rPr lang="en-US" smtClean="0"/>
-              <a:t>1/12/2018</a:t>
+              <a:t>6/17/2018</a:t>
             </a:fld>
             <a:endParaRPr lang="en-US"/>
           </a:p>
@@ -1165,7 +1428,7 @@
           <p:cNvPr id="5" name="Footer Placeholder 4">
             <a:extLst>
               <a:ext uri="{FF2B5EF4-FFF2-40B4-BE49-F238E27FC236}">
-                <a16:creationId xmlns:a16="http://schemas.microsoft.com/office/drawing/2014/main" id="{02377CA3-6B22-418D-A96A-9A7B7EA469A8}"/>
+                <a16:creationId xmlns:a16="http://schemas.microsoft.com/office/drawing/2014/main" id="{7564322F-E87C-47D6-B2CA-4C204F9C6B41}"/>
               </a:ext>
             </a:extLst>
           </p:cNvPr>
@@ -1190,7 +1453,7 @@
           <p:cNvPr id="6" name="Slide Number Placeholder 5">
             <a:extLst>
               <a:ext uri="{FF2B5EF4-FFF2-40B4-BE49-F238E27FC236}">
-                <a16:creationId xmlns:a16="http://schemas.microsoft.com/office/drawing/2014/main" id="{AE4766D3-7942-4C8D-BF1C-E99CDED615A3}"/>
+                <a16:creationId xmlns:a16="http://schemas.microsoft.com/office/drawing/2014/main" id="{265778E9-B30F-4C8B-AC20-E5E7C2043F51}"/>
               </a:ext>
             </a:extLst>
           </p:cNvPr>
@@ -1206,7 +1469,7 @@
           <a:bodyPr/>
           <a:lstStyle/>
           <a:p>
-            <a:fld id="{94C067B7-BC8E-43E0-A8D7-5C18A77E0484}" type="slidenum">
+            <a:fld id="{03BAAB9C-EE1C-4084-A869-679B6138C169}" type="slidenum">
               <a:rPr lang="en-US" smtClean="0"/>
               <a:t>‹#›</a:t>
             </a:fld>
@@ -1217,272 +1480,7 @@
     </p:spTree>
     <p:extLst>
       <p:ext uri="{BB962C8B-B14F-4D97-AF65-F5344CB8AC3E}">
-        <p14:creationId xmlns:p14="http://schemas.microsoft.com/office/powerpoint/2010/main" val="2471781993"/>
-      </p:ext>
-    </p:extLst>
-  </p:cSld>
-  <p:clrMapOvr>
-    <a:masterClrMapping/>
-  </p:clrMapOvr>
-</p:sldLayout>
-</file>
-
-<file path=ppt/slideLayouts/slideLayout4.xml><?xml version="1.0" encoding="utf-8"?>
-<p:sldLayout xmlns:a="http://schemas.openxmlformats.org/drawingml/2006/main" xmlns:r="http://schemas.openxmlformats.org/officeDocument/2006/relationships" xmlns:p="http://schemas.openxmlformats.org/presentationml/2006/main" type="twoObj" preserve="1">
-  <p:cSld name="Two Content">
-    <p:spTree>
-      <p:nvGrpSpPr>
-        <p:cNvPr id="1" name=""/>
-        <p:cNvGrpSpPr/>
-        <p:nvPr/>
-      </p:nvGrpSpPr>
-      <p:grpSpPr>
-        <a:xfrm>
-          <a:off x="0" y="0"/>
-          <a:ext cx="0" cy="0"/>
-          <a:chOff x="0" y="0"/>
-          <a:chExt cx="0" cy="0"/>
-        </a:xfrm>
-      </p:grpSpPr>
-      <p:sp>
-        <p:nvSpPr>
-          <p:cNvPr id="2" name="Title 1">
-            <a:extLst>
-              <a:ext uri="{FF2B5EF4-FFF2-40B4-BE49-F238E27FC236}">
-                <a16:creationId xmlns:a16="http://schemas.microsoft.com/office/drawing/2014/main" id="{793EFA0C-B7BA-4DB6-8C82-859A100A7535}"/>
-              </a:ext>
-            </a:extLst>
-          </p:cNvPr>
-          <p:cNvSpPr>
-            <a:spLocks noGrp="1"/>
-          </p:cNvSpPr>
-          <p:nvPr>
-            <p:ph type="title"/>
-          </p:nvPr>
-        </p:nvSpPr>
-        <p:spPr/>
-        <p:txBody>
-          <a:bodyPr/>
-          <a:lstStyle/>
-          <a:p>
-            <a:r>
-              <a:rPr lang="en-US"/>
-              <a:t>Click to edit Master title style</a:t>
-            </a:r>
-          </a:p>
-        </p:txBody>
-      </p:sp>
-      <p:sp>
-        <p:nvSpPr>
-          <p:cNvPr id="3" name="Content Placeholder 2">
-            <a:extLst>
-              <a:ext uri="{FF2B5EF4-FFF2-40B4-BE49-F238E27FC236}">
-                <a16:creationId xmlns:a16="http://schemas.microsoft.com/office/drawing/2014/main" id="{7BE02C2D-B6F1-4D5C-81C6-9C395E8EF959}"/>
-              </a:ext>
-            </a:extLst>
-          </p:cNvPr>
-          <p:cNvSpPr>
-            <a:spLocks noGrp="1"/>
-          </p:cNvSpPr>
-          <p:nvPr>
-            <p:ph sz="half" idx="1"/>
-          </p:nvPr>
-        </p:nvSpPr>
-        <p:spPr>
-          <a:xfrm>
-            <a:off x="838200" y="1825625"/>
-            <a:ext cx="5181600" cy="4351338"/>
-          </a:xfrm>
-        </p:spPr>
-        <p:txBody>
-          <a:bodyPr/>
-          <a:lstStyle/>
-          <a:p>
-            <a:pPr lvl="0"/>
-            <a:r>
-              <a:rPr lang="en-US"/>
-              <a:t>Edit Master text styles</a:t>
-            </a:r>
-          </a:p>
-          <a:p>
-            <a:pPr lvl="1"/>
-            <a:r>
-              <a:rPr lang="en-US"/>
-              <a:t>Second level</a:t>
-            </a:r>
-          </a:p>
-          <a:p>
-            <a:pPr lvl="2"/>
-            <a:r>
-              <a:rPr lang="en-US"/>
-              <a:t>Third level</a:t>
-            </a:r>
-          </a:p>
-          <a:p>
-            <a:pPr lvl="3"/>
-            <a:r>
-              <a:rPr lang="en-US"/>
-              <a:t>Fourth level</a:t>
-            </a:r>
-          </a:p>
-          <a:p>
-            <a:pPr lvl="4"/>
-            <a:r>
-              <a:rPr lang="en-US"/>
-              <a:t>Fifth level</a:t>
-            </a:r>
-          </a:p>
-        </p:txBody>
-      </p:sp>
-      <p:sp>
-        <p:nvSpPr>
-          <p:cNvPr id="4" name="Content Placeholder 3">
-            <a:extLst>
-              <a:ext uri="{FF2B5EF4-FFF2-40B4-BE49-F238E27FC236}">
-                <a16:creationId xmlns:a16="http://schemas.microsoft.com/office/drawing/2014/main" id="{A07F966C-7E1B-48C0-8FDE-9AE6480559AD}"/>
-              </a:ext>
-            </a:extLst>
-          </p:cNvPr>
-          <p:cNvSpPr>
-            <a:spLocks noGrp="1"/>
-          </p:cNvSpPr>
-          <p:nvPr>
-            <p:ph sz="half" idx="2"/>
-          </p:nvPr>
-        </p:nvSpPr>
-        <p:spPr>
-          <a:xfrm>
-            <a:off x="6172200" y="1825625"/>
-            <a:ext cx="5181600" cy="4351338"/>
-          </a:xfrm>
-        </p:spPr>
-        <p:txBody>
-          <a:bodyPr/>
-          <a:lstStyle/>
-          <a:p>
-            <a:pPr lvl="0"/>
-            <a:r>
-              <a:rPr lang="en-US"/>
-              <a:t>Edit Master text styles</a:t>
-            </a:r>
-          </a:p>
-          <a:p>
-            <a:pPr lvl="1"/>
-            <a:r>
-              <a:rPr lang="en-US"/>
-              <a:t>Second level</a:t>
-            </a:r>
-          </a:p>
-          <a:p>
-            <a:pPr lvl="2"/>
-            <a:r>
-              <a:rPr lang="en-US"/>
-              <a:t>Third level</a:t>
-            </a:r>
-          </a:p>
-          <a:p>
-            <a:pPr lvl="3"/>
-            <a:r>
-              <a:rPr lang="en-US"/>
-              <a:t>Fourth level</a:t>
-            </a:r>
-          </a:p>
-          <a:p>
-            <a:pPr lvl="4"/>
-            <a:r>
-              <a:rPr lang="en-US"/>
-              <a:t>Fifth level</a:t>
-            </a:r>
-          </a:p>
-        </p:txBody>
-      </p:sp>
-      <p:sp>
-        <p:nvSpPr>
-          <p:cNvPr id="5" name="Date Placeholder 4">
-            <a:extLst>
-              <a:ext uri="{FF2B5EF4-FFF2-40B4-BE49-F238E27FC236}">
-                <a16:creationId xmlns:a16="http://schemas.microsoft.com/office/drawing/2014/main" id="{4F9E0E7C-FAF7-4C21-A0E2-1102653A9B8B}"/>
-              </a:ext>
-            </a:extLst>
-          </p:cNvPr>
-          <p:cNvSpPr>
-            <a:spLocks noGrp="1"/>
-          </p:cNvSpPr>
-          <p:nvPr>
-            <p:ph type="dt" sz="half" idx="10"/>
-          </p:nvPr>
-        </p:nvSpPr>
-        <p:spPr/>
-        <p:txBody>
-          <a:bodyPr/>
-          <a:lstStyle/>
-          <a:p>
-            <a:fld id="{954492B9-D71C-4D72-9116-684F5B4E5326}" type="datetimeFigureOut">
-              <a:rPr lang="en-US" smtClean="0"/>
-              <a:t>1/12/2018</a:t>
-            </a:fld>
-            <a:endParaRPr lang="en-US"/>
-          </a:p>
-        </p:txBody>
-      </p:sp>
-      <p:sp>
-        <p:nvSpPr>
-          <p:cNvPr id="6" name="Footer Placeholder 5">
-            <a:extLst>
-              <a:ext uri="{FF2B5EF4-FFF2-40B4-BE49-F238E27FC236}">
-                <a16:creationId xmlns:a16="http://schemas.microsoft.com/office/drawing/2014/main" id="{6E2EEC64-F49D-4EEF-AFFB-9AD99316D2C4}"/>
-              </a:ext>
-            </a:extLst>
-          </p:cNvPr>
-          <p:cNvSpPr>
-            <a:spLocks noGrp="1"/>
-          </p:cNvSpPr>
-          <p:nvPr>
-            <p:ph type="ftr" sz="quarter" idx="11"/>
-          </p:nvPr>
-        </p:nvSpPr>
-        <p:spPr/>
-        <p:txBody>
-          <a:bodyPr/>
-          <a:lstStyle/>
-          <a:p>
-            <a:endParaRPr lang="en-US"/>
-          </a:p>
-        </p:txBody>
-      </p:sp>
-      <p:sp>
-        <p:nvSpPr>
-          <p:cNvPr id="7" name="Slide Number Placeholder 6">
-            <a:extLst>
-              <a:ext uri="{FF2B5EF4-FFF2-40B4-BE49-F238E27FC236}">
-                <a16:creationId xmlns:a16="http://schemas.microsoft.com/office/drawing/2014/main" id="{9F4E9F11-1800-46E1-B930-5F2C3B8618AD}"/>
-              </a:ext>
-            </a:extLst>
-          </p:cNvPr>
-          <p:cNvSpPr>
-            <a:spLocks noGrp="1"/>
-          </p:cNvSpPr>
-          <p:nvPr>
-            <p:ph type="sldNum" sz="quarter" idx="12"/>
-          </p:nvPr>
-        </p:nvSpPr>
-        <p:spPr/>
-        <p:txBody>
-          <a:bodyPr/>
-          <a:lstStyle/>
-          <a:p>
-            <a:fld id="{94C067B7-BC8E-43E0-A8D7-5C18A77E0484}" type="slidenum">
-              <a:rPr lang="en-US" smtClean="0"/>
-              <a:t>‹#›</a:t>
-            </a:fld>
-            <a:endParaRPr lang="en-US"/>
-          </a:p>
-        </p:txBody>
-      </p:sp>
-    </p:spTree>
-    <p:extLst>
-      <p:ext uri="{BB962C8B-B14F-4D97-AF65-F5344CB8AC3E}">
-        <p14:creationId xmlns:p14="http://schemas.microsoft.com/office/powerpoint/2010/main" val="1851482772"/>
+        <p14:creationId xmlns:p14="http://schemas.microsoft.com/office/powerpoint/2010/main" val="1517128958"/>
       </p:ext>
     </p:extLst>
   </p:cSld>
@@ -1514,7 +1512,7 @@
           <p:cNvPr id="2" name="Title 1">
             <a:extLst>
               <a:ext uri="{FF2B5EF4-FFF2-40B4-BE49-F238E27FC236}">
-                <a16:creationId xmlns:a16="http://schemas.microsoft.com/office/drawing/2014/main" id="{6D10FB78-4CE3-4969-8A7D-4767950FE651}"/>
+                <a16:creationId xmlns:a16="http://schemas.microsoft.com/office/drawing/2014/main" id="{91BA0C87-5716-4AF6-8A29-499CC64142F9}"/>
               </a:ext>
             </a:extLst>
           </p:cNvPr>
@@ -1547,7 +1545,7 @@
           <p:cNvPr id="3" name="Text Placeholder 2">
             <a:extLst>
               <a:ext uri="{FF2B5EF4-FFF2-40B4-BE49-F238E27FC236}">
-                <a16:creationId xmlns:a16="http://schemas.microsoft.com/office/drawing/2014/main" id="{876DB203-E36F-4871-B59C-72F2BAEE6E46}"/>
+                <a16:creationId xmlns:a16="http://schemas.microsoft.com/office/drawing/2014/main" id="{CB1444A3-FE25-4B7B-8020-CDFB6737EB73}"/>
               </a:ext>
             </a:extLst>
           </p:cNvPr>
@@ -1618,7 +1616,7 @@
           <p:cNvPr id="4" name="Content Placeholder 3">
             <a:extLst>
               <a:ext uri="{FF2B5EF4-FFF2-40B4-BE49-F238E27FC236}">
-                <a16:creationId xmlns:a16="http://schemas.microsoft.com/office/drawing/2014/main" id="{B1133E9F-7A0C-4873-B819-7C7612AA35EB}"/>
+                <a16:creationId xmlns:a16="http://schemas.microsoft.com/office/drawing/2014/main" id="{D717BE78-C767-488B-A79C-752A7FBFBBF6}"/>
               </a:ext>
             </a:extLst>
           </p:cNvPr>
@@ -1680,7 +1678,7 @@
           <p:cNvPr id="5" name="Text Placeholder 4">
             <a:extLst>
               <a:ext uri="{FF2B5EF4-FFF2-40B4-BE49-F238E27FC236}">
-                <a16:creationId xmlns:a16="http://schemas.microsoft.com/office/drawing/2014/main" id="{AC39D2C0-A497-47AF-9EBC-29D352178451}"/>
+                <a16:creationId xmlns:a16="http://schemas.microsoft.com/office/drawing/2014/main" id="{7DF8B9E4-C609-4F09-A5E3-AB21914CF0EA}"/>
               </a:ext>
             </a:extLst>
           </p:cNvPr>
@@ -1751,7 +1749,7 @@
           <p:cNvPr id="6" name="Content Placeholder 5">
             <a:extLst>
               <a:ext uri="{FF2B5EF4-FFF2-40B4-BE49-F238E27FC236}">
-                <a16:creationId xmlns:a16="http://schemas.microsoft.com/office/drawing/2014/main" id="{D15D6C19-7C9C-434C-88E9-D4E113A35472}"/>
+                <a16:creationId xmlns:a16="http://schemas.microsoft.com/office/drawing/2014/main" id="{5E5C8D56-2F8B-4913-B974-96B66C86841F}"/>
               </a:ext>
             </a:extLst>
           </p:cNvPr>
@@ -1813,7 +1811,7 @@
           <p:cNvPr id="7" name="Date Placeholder 6">
             <a:extLst>
               <a:ext uri="{FF2B5EF4-FFF2-40B4-BE49-F238E27FC236}">
-                <a16:creationId xmlns:a16="http://schemas.microsoft.com/office/drawing/2014/main" id="{04757655-6543-434C-8A22-EC82121CA255}"/>
+                <a16:creationId xmlns:a16="http://schemas.microsoft.com/office/drawing/2014/main" id="{E5C1747E-F46B-40C8-A6D2-B842B6F817C6}"/>
               </a:ext>
             </a:extLst>
           </p:cNvPr>
@@ -1824,14 +1822,22 @@
             <p:ph type="dt" sz="half" idx="10"/>
           </p:nvPr>
         </p:nvSpPr>
-        <p:spPr/>
+        <p:spPr>
+          <a:xfrm>
+            <a:off x="838200" y="6356350"/>
+            <a:ext cx="2743200" cy="365125"/>
+          </a:xfrm>
+          <a:prstGeom prst="rect">
+            <a:avLst/>
+          </a:prstGeom>
+        </p:spPr>
         <p:txBody>
           <a:bodyPr/>
           <a:lstStyle/>
           <a:p>
-            <a:fld id="{954492B9-D71C-4D72-9116-684F5B4E5326}" type="datetimeFigureOut">
+            <a:fld id="{0BC610E4-0AD4-4B2C-A1AF-CEC06808CA2D}" type="datetimeFigureOut">
               <a:rPr lang="en-US" smtClean="0"/>
-              <a:t>1/12/2018</a:t>
+              <a:t>6/17/2018</a:t>
             </a:fld>
             <a:endParaRPr lang="en-US"/>
           </a:p>
@@ -1842,7 +1848,7 @@
           <p:cNvPr id="8" name="Footer Placeholder 7">
             <a:extLst>
               <a:ext uri="{FF2B5EF4-FFF2-40B4-BE49-F238E27FC236}">
-                <a16:creationId xmlns:a16="http://schemas.microsoft.com/office/drawing/2014/main" id="{646E6D4E-C007-4520-B474-4E2089545F15}"/>
+                <a16:creationId xmlns:a16="http://schemas.microsoft.com/office/drawing/2014/main" id="{86436956-F2CF-41E1-8DB0-791ACC56D916}"/>
               </a:ext>
             </a:extLst>
           </p:cNvPr>
@@ -1867,7 +1873,7 @@
           <p:cNvPr id="9" name="Slide Number Placeholder 8">
             <a:extLst>
               <a:ext uri="{FF2B5EF4-FFF2-40B4-BE49-F238E27FC236}">
-                <a16:creationId xmlns:a16="http://schemas.microsoft.com/office/drawing/2014/main" id="{15777017-3123-4BF4-B6FF-A0CEE915981E}"/>
+                <a16:creationId xmlns:a16="http://schemas.microsoft.com/office/drawing/2014/main" id="{E0F99B8F-AF06-4B7F-A7A9-3A52E5DCE11E}"/>
               </a:ext>
             </a:extLst>
           </p:cNvPr>
@@ -1883,7 +1889,7 @@
           <a:bodyPr/>
           <a:lstStyle/>
           <a:p>
-            <a:fld id="{94C067B7-BC8E-43E0-A8D7-5C18A77E0484}" type="slidenum">
+            <a:fld id="{03BAAB9C-EE1C-4084-A869-679B6138C169}" type="slidenum">
               <a:rPr lang="en-US" smtClean="0"/>
               <a:t>‹#›</a:t>
             </a:fld>
@@ -1894,7 +1900,7 @@
     </p:spTree>
     <p:extLst>
       <p:ext uri="{BB962C8B-B14F-4D97-AF65-F5344CB8AC3E}">
-        <p14:creationId xmlns:p14="http://schemas.microsoft.com/office/powerpoint/2010/main" val="59573194"/>
+        <p14:creationId xmlns:p14="http://schemas.microsoft.com/office/powerpoint/2010/main" val="2787725911"/>
       </p:ext>
     </p:extLst>
   </p:cSld>
@@ -1926,7 +1932,7 @@
           <p:cNvPr id="2" name="Title 1">
             <a:extLst>
               <a:ext uri="{FF2B5EF4-FFF2-40B4-BE49-F238E27FC236}">
-                <a16:creationId xmlns:a16="http://schemas.microsoft.com/office/drawing/2014/main" id="{C47EF2EE-AB91-45BF-851C-D9F9F2850933}"/>
+                <a16:creationId xmlns:a16="http://schemas.microsoft.com/office/drawing/2014/main" id="{92A3493A-0700-42F7-8A2D-301C1B0F0BD2}"/>
               </a:ext>
             </a:extLst>
           </p:cNvPr>
@@ -1954,7 +1960,7 @@
           <p:cNvPr id="3" name="Date Placeholder 2">
             <a:extLst>
               <a:ext uri="{FF2B5EF4-FFF2-40B4-BE49-F238E27FC236}">
-                <a16:creationId xmlns:a16="http://schemas.microsoft.com/office/drawing/2014/main" id="{D7816FB7-485C-46C1-A8F7-C18264A5ECA5}"/>
+                <a16:creationId xmlns:a16="http://schemas.microsoft.com/office/drawing/2014/main" id="{CECAD3F7-FCD6-4041-8887-FF7BF8D9D9A1}"/>
               </a:ext>
             </a:extLst>
           </p:cNvPr>
@@ -1965,14 +1971,22 @@
             <p:ph type="dt" sz="half" idx="10"/>
           </p:nvPr>
         </p:nvSpPr>
-        <p:spPr/>
+        <p:spPr>
+          <a:xfrm>
+            <a:off x="838200" y="6356350"/>
+            <a:ext cx="2743200" cy="365125"/>
+          </a:xfrm>
+          <a:prstGeom prst="rect">
+            <a:avLst/>
+          </a:prstGeom>
+        </p:spPr>
         <p:txBody>
           <a:bodyPr/>
           <a:lstStyle/>
           <a:p>
-            <a:fld id="{954492B9-D71C-4D72-9116-684F5B4E5326}" type="datetimeFigureOut">
+            <a:fld id="{0BC610E4-0AD4-4B2C-A1AF-CEC06808CA2D}" type="datetimeFigureOut">
               <a:rPr lang="en-US" smtClean="0"/>
-              <a:t>1/12/2018</a:t>
+              <a:t>6/17/2018</a:t>
             </a:fld>
             <a:endParaRPr lang="en-US"/>
           </a:p>
@@ -1983,7 +1997,7 @@
           <p:cNvPr id="4" name="Footer Placeholder 3">
             <a:extLst>
               <a:ext uri="{FF2B5EF4-FFF2-40B4-BE49-F238E27FC236}">
-                <a16:creationId xmlns:a16="http://schemas.microsoft.com/office/drawing/2014/main" id="{0E841CA9-8569-48CD-AC2D-A1C0314920F1}"/>
+                <a16:creationId xmlns:a16="http://schemas.microsoft.com/office/drawing/2014/main" id="{0241C060-96CB-4C74-A5DA-649C354F4F4D}"/>
               </a:ext>
             </a:extLst>
           </p:cNvPr>
@@ -2008,7 +2022,7 @@
           <p:cNvPr id="5" name="Slide Number Placeholder 4">
             <a:extLst>
               <a:ext uri="{FF2B5EF4-FFF2-40B4-BE49-F238E27FC236}">
-                <a16:creationId xmlns:a16="http://schemas.microsoft.com/office/drawing/2014/main" id="{64AA5554-A0F0-4928-80DB-CDE3796D09F9}"/>
+                <a16:creationId xmlns:a16="http://schemas.microsoft.com/office/drawing/2014/main" id="{3DA5F7D5-86CC-40DE-B92B-2826A28119DD}"/>
               </a:ext>
             </a:extLst>
           </p:cNvPr>
@@ -2024,7 +2038,7 @@
           <a:bodyPr/>
           <a:lstStyle/>
           <a:p>
-            <a:fld id="{94C067B7-BC8E-43E0-A8D7-5C18A77E0484}" type="slidenum">
+            <a:fld id="{03BAAB9C-EE1C-4084-A869-679B6138C169}" type="slidenum">
               <a:rPr lang="en-US" smtClean="0"/>
               <a:t>‹#›</a:t>
             </a:fld>
@@ -2035,7 +2049,7 @@
     </p:spTree>
     <p:extLst>
       <p:ext uri="{BB962C8B-B14F-4D97-AF65-F5344CB8AC3E}">
-        <p14:creationId xmlns:p14="http://schemas.microsoft.com/office/powerpoint/2010/main" val="1950251619"/>
+        <p14:creationId xmlns:p14="http://schemas.microsoft.com/office/powerpoint/2010/main" val="72470008"/>
       </p:ext>
     </p:extLst>
   </p:cSld>
@@ -2067,7 +2081,7 @@
           <p:cNvPr id="2" name="Date Placeholder 1">
             <a:extLst>
               <a:ext uri="{FF2B5EF4-FFF2-40B4-BE49-F238E27FC236}">
-                <a16:creationId xmlns:a16="http://schemas.microsoft.com/office/drawing/2014/main" id="{C02ABFDB-A151-492A-97EF-F6F3CA049173}"/>
+                <a16:creationId xmlns:a16="http://schemas.microsoft.com/office/drawing/2014/main" id="{EE6897F0-1DC7-4517-B992-65E38012A752}"/>
               </a:ext>
             </a:extLst>
           </p:cNvPr>
@@ -2078,14 +2092,22 @@
             <p:ph type="dt" sz="half" idx="10"/>
           </p:nvPr>
         </p:nvSpPr>
-        <p:spPr/>
+        <p:spPr>
+          <a:xfrm>
+            <a:off x="838200" y="6356350"/>
+            <a:ext cx="2743200" cy="365125"/>
+          </a:xfrm>
+          <a:prstGeom prst="rect">
+            <a:avLst/>
+          </a:prstGeom>
+        </p:spPr>
         <p:txBody>
           <a:bodyPr/>
           <a:lstStyle/>
           <a:p>
-            <a:fld id="{954492B9-D71C-4D72-9116-684F5B4E5326}" type="datetimeFigureOut">
+            <a:fld id="{0BC610E4-0AD4-4B2C-A1AF-CEC06808CA2D}" type="datetimeFigureOut">
               <a:rPr lang="en-US" smtClean="0"/>
-              <a:t>1/12/2018</a:t>
+              <a:t>6/17/2018</a:t>
             </a:fld>
             <a:endParaRPr lang="en-US"/>
           </a:p>
@@ -2096,7 +2118,7 @@
           <p:cNvPr id="3" name="Footer Placeholder 2">
             <a:extLst>
               <a:ext uri="{FF2B5EF4-FFF2-40B4-BE49-F238E27FC236}">
-                <a16:creationId xmlns:a16="http://schemas.microsoft.com/office/drawing/2014/main" id="{12AB50C7-F90E-49A4-8228-0612A33130C2}"/>
+                <a16:creationId xmlns:a16="http://schemas.microsoft.com/office/drawing/2014/main" id="{1F105C99-3113-4C00-B4DB-CFF321BD73B4}"/>
               </a:ext>
             </a:extLst>
           </p:cNvPr>
@@ -2121,7 +2143,7 @@
           <p:cNvPr id="4" name="Slide Number Placeholder 3">
             <a:extLst>
               <a:ext uri="{FF2B5EF4-FFF2-40B4-BE49-F238E27FC236}">
-                <a16:creationId xmlns:a16="http://schemas.microsoft.com/office/drawing/2014/main" id="{EC2FF3B9-58CF-46D1-8583-3C5E00860A01}"/>
+                <a16:creationId xmlns:a16="http://schemas.microsoft.com/office/drawing/2014/main" id="{B48378FF-F73B-43DF-9B10-54344E429286}"/>
               </a:ext>
             </a:extLst>
           </p:cNvPr>
@@ -2137,7 +2159,7 @@
           <a:bodyPr/>
           <a:lstStyle/>
           <a:p>
-            <a:fld id="{94C067B7-BC8E-43E0-A8D7-5C18A77E0484}" type="slidenum">
+            <a:fld id="{03BAAB9C-EE1C-4084-A869-679B6138C169}" type="slidenum">
               <a:rPr lang="en-US" smtClean="0"/>
               <a:t>‹#›</a:t>
             </a:fld>
@@ -2148,7 +2170,7 @@
     </p:spTree>
     <p:extLst>
       <p:ext uri="{BB962C8B-B14F-4D97-AF65-F5344CB8AC3E}">
-        <p14:creationId xmlns:p14="http://schemas.microsoft.com/office/powerpoint/2010/main" val="360018252"/>
+        <p14:creationId xmlns:p14="http://schemas.microsoft.com/office/powerpoint/2010/main" val="1213898138"/>
       </p:ext>
     </p:extLst>
   </p:cSld>
@@ -2180,7 +2202,7 @@
           <p:cNvPr id="2" name="Title 1">
             <a:extLst>
               <a:ext uri="{FF2B5EF4-FFF2-40B4-BE49-F238E27FC236}">
-                <a16:creationId xmlns:a16="http://schemas.microsoft.com/office/drawing/2014/main" id="{7A334825-00BE-483F-99BF-3F9A7FAD8862}"/>
+                <a16:creationId xmlns:a16="http://schemas.microsoft.com/office/drawing/2014/main" id="{F5202D90-ABC7-478C-AF60-BFE36E0FAD37}"/>
               </a:ext>
             </a:extLst>
           </p:cNvPr>
@@ -2217,7 +2239,7 @@
           <p:cNvPr id="3" name="Content Placeholder 2">
             <a:extLst>
               <a:ext uri="{FF2B5EF4-FFF2-40B4-BE49-F238E27FC236}">
-                <a16:creationId xmlns:a16="http://schemas.microsoft.com/office/drawing/2014/main" id="{AB6A61FC-0043-43FD-AAA6-6AB021EC57ED}"/>
+                <a16:creationId xmlns:a16="http://schemas.microsoft.com/office/drawing/2014/main" id="{1258DF43-FC87-4E8C-8569-51488F714C20}"/>
               </a:ext>
             </a:extLst>
           </p:cNvPr>
@@ -2307,7 +2329,7 @@
           <p:cNvPr id="4" name="Text Placeholder 3">
             <a:extLst>
               <a:ext uri="{FF2B5EF4-FFF2-40B4-BE49-F238E27FC236}">
-                <a16:creationId xmlns:a16="http://schemas.microsoft.com/office/drawing/2014/main" id="{7A6331D2-AA39-4C1F-95FB-4DC96C0F2190}"/>
+                <a16:creationId xmlns:a16="http://schemas.microsoft.com/office/drawing/2014/main" id="{AE14BBA8-8F86-4751-B787-80B9F4A7AC7C}"/>
               </a:ext>
             </a:extLst>
           </p:cNvPr>
@@ -2378,7 +2400,7 @@
           <p:cNvPr id="5" name="Date Placeholder 4">
             <a:extLst>
               <a:ext uri="{FF2B5EF4-FFF2-40B4-BE49-F238E27FC236}">
-                <a16:creationId xmlns:a16="http://schemas.microsoft.com/office/drawing/2014/main" id="{FA3ED871-1529-481A-87CE-B935CE605DB0}"/>
+                <a16:creationId xmlns:a16="http://schemas.microsoft.com/office/drawing/2014/main" id="{4312051D-C122-47C8-8E9B-380ABA7DD79D}"/>
               </a:ext>
             </a:extLst>
           </p:cNvPr>
@@ -2389,14 +2411,22 @@
             <p:ph type="dt" sz="half" idx="10"/>
           </p:nvPr>
         </p:nvSpPr>
-        <p:spPr/>
+        <p:spPr>
+          <a:xfrm>
+            <a:off x="838200" y="6356350"/>
+            <a:ext cx="2743200" cy="365125"/>
+          </a:xfrm>
+          <a:prstGeom prst="rect">
+            <a:avLst/>
+          </a:prstGeom>
+        </p:spPr>
         <p:txBody>
           <a:bodyPr/>
           <a:lstStyle/>
           <a:p>
-            <a:fld id="{954492B9-D71C-4D72-9116-684F5B4E5326}" type="datetimeFigureOut">
+            <a:fld id="{0BC610E4-0AD4-4B2C-A1AF-CEC06808CA2D}" type="datetimeFigureOut">
               <a:rPr lang="en-US" smtClean="0"/>
-              <a:t>1/12/2018</a:t>
+              <a:t>6/17/2018</a:t>
             </a:fld>
             <a:endParaRPr lang="en-US"/>
           </a:p>
@@ -2407,7 +2437,7 @@
           <p:cNvPr id="6" name="Footer Placeholder 5">
             <a:extLst>
               <a:ext uri="{FF2B5EF4-FFF2-40B4-BE49-F238E27FC236}">
-                <a16:creationId xmlns:a16="http://schemas.microsoft.com/office/drawing/2014/main" id="{C82A8495-BACC-4E1E-9F50-DC0FF2E5D4B4}"/>
+                <a16:creationId xmlns:a16="http://schemas.microsoft.com/office/drawing/2014/main" id="{BB147928-E159-41FF-B0A3-8641E0B9DB12}"/>
               </a:ext>
             </a:extLst>
           </p:cNvPr>
@@ -2432,7 +2462,7 @@
           <p:cNvPr id="7" name="Slide Number Placeholder 6">
             <a:extLst>
               <a:ext uri="{FF2B5EF4-FFF2-40B4-BE49-F238E27FC236}">
-                <a16:creationId xmlns:a16="http://schemas.microsoft.com/office/drawing/2014/main" id="{DF7817AA-9AA5-45D8-9816-D0EAB606F773}"/>
+                <a16:creationId xmlns:a16="http://schemas.microsoft.com/office/drawing/2014/main" id="{BAFF39D3-DBEB-42D4-ABB2-819E15DC0C72}"/>
               </a:ext>
             </a:extLst>
           </p:cNvPr>
@@ -2448,7 +2478,7 @@
           <a:bodyPr/>
           <a:lstStyle/>
           <a:p>
-            <a:fld id="{94C067B7-BC8E-43E0-A8D7-5C18A77E0484}" type="slidenum">
+            <a:fld id="{03BAAB9C-EE1C-4084-A869-679B6138C169}" type="slidenum">
               <a:rPr lang="en-US" smtClean="0"/>
               <a:t>‹#›</a:t>
             </a:fld>
@@ -2459,7 +2489,7 @@
     </p:spTree>
     <p:extLst>
       <p:ext uri="{BB962C8B-B14F-4D97-AF65-F5344CB8AC3E}">
-        <p14:creationId xmlns:p14="http://schemas.microsoft.com/office/powerpoint/2010/main" val="800824489"/>
+        <p14:creationId xmlns:p14="http://schemas.microsoft.com/office/powerpoint/2010/main" val="2496554050"/>
       </p:ext>
     </p:extLst>
   </p:cSld>
@@ -2491,7 +2521,7 @@
           <p:cNvPr id="2" name="Title 1">
             <a:extLst>
               <a:ext uri="{FF2B5EF4-FFF2-40B4-BE49-F238E27FC236}">
-                <a16:creationId xmlns:a16="http://schemas.microsoft.com/office/drawing/2014/main" id="{9012150B-A5AC-4D13-AB79-ECD44FE09BF5}"/>
+                <a16:creationId xmlns:a16="http://schemas.microsoft.com/office/drawing/2014/main" id="{E45F858E-015C-4A2E-A82E-7F0E429B9F98}"/>
               </a:ext>
             </a:extLst>
           </p:cNvPr>
@@ -2528,7 +2558,7 @@
           <p:cNvPr id="3" name="Picture Placeholder 2">
             <a:extLst>
               <a:ext uri="{FF2B5EF4-FFF2-40B4-BE49-F238E27FC236}">
-                <a16:creationId xmlns:a16="http://schemas.microsoft.com/office/drawing/2014/main" id="{FE7D9CDB-4C82-41C5-9E9E-3CF661D0E204}"/>
+                <a16:creationId xmlns:a16="http://schemas.microsoft.com/office/drawing/2014/main" id="{254D136D-5BA6-4BAA-8DFA-4604091BA665}"/>
               </a:ext>
             </a:extLst>
           </p:cNvPr>
@@ -2595,7 +2625,7 @@
           <p:cNvPr id="4" name="Text Placeholder 3">
             <a:extLst>
               <a:ext uri="{FF2B5EF4-FFF2-40B4-BE49-F238E27FC236}">
-                <a16:creationId xmlns:a16="http://schemas.microsoft.com/office/drawing/2014/main" id="{BB147E62-D425-4341-B95E-3477504F7DDB}"/>
+                <a16:creationId xmlns:a16="http://schemas.microsoft.com/office/drawing/2014/main" id="{158C80A8-CC0B-4970-B0F6-E1836ABC0E6A}"/>
               </a:ext>
             </a:extLst>
           </p:cNvPr>
@@ -2666,7 +2696,7 @@
           <p:cNvPr id="5" name="Date Placeholder 4">
             <a:extLst>
               <a:ext uri="{FF2B5EF4-FFF2-40B4-BE49-F238E27FC236}">
-                <a16:creationId xmlns:a16="http://schemas.microsoft.com/office/drawing/2014/main" id="{8443E224-EFDD-4569-B02C-2923F6804566}"/>
+                <a16:creationId xmlns:a16="http://schemas.microsoft.com/office/drawing/2014/main" id="{616C773F-8C04-4316-BE23-BA327197BC0B}"/>
               </a:ext>
             </a:extLst>
           </p:cNvPr>
@@ -2677,14 +2707,22 @@
             <p:ph type="dt" sz="half" idx="10"/>
           </p:nvPr>
         </p:nvSpPr>
-        <p:spPr/>
+        <p:spPr>
+          <a:xfrm>
+            <a:off x="838200" y="6356350"/>
+            <a:ext cx="2743200" cy="365125"/>
+          </a:xfrm>
+          <a:prstGeom prst="rect">
+            <a:avLst/>
+          </a:prstGeom>
+        </p:spPr>
         <p:txBody>
           <a:bodyPr/>
           <a:lstStyle/>
           <a:p>
-            <a:fld id="{954492B9-D71C-4D72-9116-684F5B4E5326}" type="datetimeFigureOut">
+            <a:fld id="{0BC610E4-0AD4-4B2C-A1AF-CEC06808CA2D}" type="datetimeFigureOut">
               <a:rPr lang="en-US" smtClean="0"/>
-              <a:t>1/12/2018</a:t>
+              <a:t>6/17/2018</a:t>
             </a:fld>
             <a:endParaRPr lang="en-US"/>
           </a:p>
@@ -2695,7 +2733,7 @@
           <p:cNvPr id="6" name="Footer Placeholder 5">
             <a:extLst>
               <a:ext uri="{FF2B5EF4-FFF2-40B4-BE49-F238E27FC236}">
-                <a16:creationId xmlns:a16="http://schemas.microsoft.com/office/drawing/2014/main" id="{51CF1A10-5D2F-416A-943B-F84B45F2D5D9}"/>
+                <a16:creationId xmlns:a16="http://schemas.microsoft.com/office/drawing/2014/main" id="{C363504E-E990-45C4-BC03-6A7D9A835E1C}"/>
               </a:ext>
             </a:extLst>
           </p:cNvPr>
@@ -2720,7 +2758,7 @@
           <p:cNvPr id="7" name="Slide Number Placeholder 6">
             <a:extLst>
               <a:ext uri="{FF2B5EF4-FFF2-40B4-BE49-F238E27FC236}">
-                <a16:creationId xmlns:a16="http://schemas.microsoft.com/office/drawing/2014/main" id="{ABBCB13A-636A-45E5-B327-7A4C8E5AEA3F}"/>
+                <a16:creationId xmlns:a16="http://schemas.microsoft.com/office/drawing/2014/main" id="{8F3EF50B-F8AB-4CBC-8186-94473F782308}"/>
               </a:ext>
             </a:extLst>
           </p:cNvPr>
@@ -2736,7 +2774,7 @@
           <a:bodyPr/>
           <a:lstStyle/>
           <a:p>
-            <a:fld id="{94C067B7-BC8E-43E0-A8D7-5C18A77E0484}" type="slidenum">
+            <a:fld id="{03BAAB9C-EE1C-4084-A869-679B6138C169}" type="slidenum">
               <a:rPr lang="en-US" smtClean="0"/>
               <a:t>‹#›</a:t>
             </a:fld>
@@ -2747,7 +2785,7 @@
     </p:spTree>
     <p:extLst>
       <p:ext uri="{BB962C8B-B14F-4D97-AF65-F5344CB8AC3E}">
-        <p14:creationId xmlns:p14="http://schemas.microsoft.com/office/powerpoint/2010/main" val="2621167478"/>
+        <p14:creationId xmlns:p14="http://schemas.microsoft.com/office/powerpoint/2010/main" val="3894247746"/>
       </p:ext>
     </p:extLst>
   </p:cSld>
@@ -2784,7 +2822,7 @@
           <p:cNvPr id="2" name="Title Placeholder 1">
             <a:extLst>
               <a:ext uri="{FF2B5EF4-FFF2-40B4-BE49-F238E27FC236}">
-                <a16:creationId xmlns:a16="http://schemas.microsoft.com/office/drawing/2014/main" id="{DB16B076-1ECA-400A-8CDB-E4435AB08D93}"/>
+                <a16:creationId xmlns:a16="http://schemas.microsoft.com/office/drawing/2014/main" id="{E31275B7-B1B5-47DC-A87E-6256DE7AF7DC}"/>
               </a:ext>
             </a:extLst>
           </p:cNvPr>
@@ -2798,7 +2836,7 @@
         <p:spPr>
           <a:xfrm>
             <a:off x="838200" y="365125"/>
-            <a:ext cx="10515600" cy="1325563"/>
+            <a:ext cx="7012459" cy="1325563"/>
           </a:xfrm>
           <a:prstGeom prst="rect">
             <a:avLst/>
@@ -2822,7 +2860,7 @@
           <p:cNvPr id="3" name="Text Placeholder 2">
             <a:extLst>
               <a:ext uri="{FF2B5EF4-FFF2-40B4-BE49-F238E27FC236}">
-                <a16:creationId xmlns:a16="http://schemas.microsoft.com/office/drawing/2014/main" id="{DFDD31A5-2FB5-4097-B1E5-DADA88494F87}"/>
+                <a16:creationId xmlns:a16="http://schemas.microsoft.com/office/drawing/2014/main" id="{8A6AFE6E-CF4D-44BF-8E28-18B1E6A1CD33}"/>
               </a:ext>
             </a:extLst>
           </p:cNvPr>
@@ -2850,35 +2888,35 @@
           <a:p>
             <a:pPr lvl="0"/>
             <a:r>
-              <a:rPr lang="en-US"/>
+              <a:rPr lang="en-US" dirty="0"/>
               <a:t>Edit Master text styles</a:t>
             </a:r>
           </a:p>
           <a:p>
             <a:pPr lvl="1"/>
             <a:r>
-              <a:rPr lang="en-US"/>
+              <a:rPr lang="en-US" dirty="0"/>
               <a:t>Second level</a:t>
             </a:r>
           </a:p>
           <a:p>
             <a:pPr lvl="2"/>
             <a:r>
-              <a:rPr lang="en-US"/>
+              <a:rPr lang="en-US" dirty="0"/>
               <a:t>Third level</a:t>
             </a:r>
           </a:p>
           <a:p>
             <a:pPr lvl="3"/>
             <a:r>
-              <a:rPr lang="en-US"/>
+              <a:rPr lang="en-US" dirty="0"/>
               <a:t>Fourth level</a:t>
             </a:r>
           </a:p>
           <a:p>
             <a:pPr lvl="4"/>
             <a:r>
-              <a:rPr lang="en-US"/>
+              <a:rPr lang="en-US" dirty="0"/>
               <a:t>Fifth level</a:t>
             </a:r>
           </a:p>
@@ -2886,57 +2924,10 @@
       </p:sp>
       <p:sp>
         <p:nvSpPr>
-          <p:cNvPr id="4" name="Date Placeholder 3">
-            <a:extLst>
-              <a:ext uri="{FF2B5EF4-FFF2-40B4-BE49-F238E27FC236}">
-                <a16:creationId xmlns:a16="http://schemas.microsoft.com/office/drawing/2014/main" id="{F86B747E-925F-4499-A609-C16C52F77E99}"/>
-              </a:ext>
-            </a:extLst>
-          </p:cNvPr>
-          <p:cNvSpPr>
-            <a:spLocks noGrp="1"/>
-          </p:cNvSpPr>
-          <p:nvPr>
-            <p:ph type="dt" sz="half" idx="2"/>
-          </p:nvPr>
-        </p:nvSpPr>
-        <p:spPr>
-          <a:xfrm>
-            <a:off x="838200" y="6356350"/>
-            <a:ext cx="2743200" cy="365125"/>
-          </a:xfrm>
-          <a:prstGeom prst="rect">
-            <a:avLst/>
-          </a:prstGeom>
-        </p:spPr>
-        <p:txBody>
-          <a:bodyPr vert="horz" lIns="91440" tIns="45720" rIns="91440" bIns="45720" rtlCol="0" anchor="ctr"/>
-          <a:lstStyle>
-            <a:lvl1pPr algn="l">
-              <a:defRPr sz="1200">
-                <a:solidFill>
-                  <a:schemeClr val="tx1">
-                    <a:tint val="75000"/>
-                  </a:schemeClr>
-                </a:solidFill>
-              </a:defRPr>
-            </a:lvl1pPr>
-          </a:lstStyle>
-          <a:p>
-            <a:fld id="{954492B9-D71C-4D72-9116-684F5B4E5326}" type="datetimeFigureOut">
-              <a:rPr lang="en-US" smtClean="0"/>
-              <a:t>1/12/2018</a:t>
-            </a:fld>
-            <a:endParaRPr lang="en-US"/>
-          </a:p>
-        </p:txBody>
-      </p:sp>
-      <p:sp>
-        <p:nvSpPr>
           <p:cNvPr id="5" name="Footer Placeholder 4">
             <a:extLst>
               <a:ext uri="{FF2B5EF4-FFF2-40B4-BE49-F238E27FC236}">
-                <a16:creationId xmlns:a16="http://schemas.microsoft.com/office/drawing/2014/main" id="{1C962E4D-480C-4A7F-90B6-8D61539A4EA4}"/>
+                <a16:creationId xmlns:a16="http://schemas.microsoft.com/office/drawing/2014/main" id="{FCC0C2A8-B5CF-4120-9C5B-68B5483F6617}"/>
               </a:ext>
             </a:extLst>
           </p:cNvPr>
@@ -2979,7 +2970,7 @@
           <p:cNvPr id="6" name="Slide Number Placeholder 5">
             <a:extLst>
               <a:ext uri="{FF2B5EF4-FFF2-40B4-BE49-F238E27FC236}">
-                <a16:creationId xmlns:a16="http://schemas.microsoft.com/office/drawing/2014/main" id="{B123D39A-7089-4BE4-8D86-A0EDC72B08DF}"/>
+                <a16:creationId xmlns:a16="http://schemas.microsoft.com/office/drawing/2014/main" id="{BD2141BC-6B43-4B36-9B73-D1B1B881776D}"/>
               </a:ext>
             </a:extLst>
           </p:cNvPr>
@@ -3013,18 +3004,54 @@
             </a:lvl1pPr>
           </a:lstStyle>
           <a:p>
-            <a:fld id="{94C067B7-BC8E-43E0-A8D7-5C18A77E0484}" type="slidenum">
+            <a:fld id="{03BAAB9C-EE1C-4084-A869-679B6138C169}" type="slidenum">
               <a:rPr lang="en-US" smtClean="0"/>
               <a:t>‹#›</a:t>
             </a:fld>
-            <a:endParaRPr lang="en-US"/>
-          </a:p>
-        </p:txBody>
-      </p:sp>
+            <a:endParaRPr lang="en-US" dirty="0"/>
+          </a:p>
+        </p:txBody>
+      </p:sp>
+      <p:pic>
+        <p:nvPicPr>
+          <p:cNvPr id="9" name="Picture 8">
+            <a:extLst>
+              <a:ext uri="{FF2B5EF4-FFF2-40B4-BE49-F238E27FC236}">
+                <a16:creationId xmlns:a16="http://schemas.microsoft.com/office/drawing/2014/main" id="{22E37073-2B21-4CFB-BEF3-C015946096F2}"/>
+              </a:ext>
+            </a:extLst>
+          </p:cNvPr>
+          <p:cNvPicPr>
+            <a:picLocks noChangeAspect="1"/>
+          </p:cNvPicPr>
+          <p:nvPr userDrawn="1"/>
+        </p:nvPicPr>
+        <p:blipFill>
+          <a:blip r:embed="rId13" cstate="print">
+            <a:extLst>
+              <a:ext uri="{28A0092B-C50C-407E-A947-70E740481C1C}">
+                <a14:useLocalDpi xmlns:a14="http://schemas.microsoft.com/office/drawing/2010/main" val="0"/>
+              </a:ext>
+            </a:extLst>
+          </a:blip>
+          <a:stretch>
+            <a:fillRect/>
+          </a:stretch>
+        </p:blipFill>
+        <p:spPr>
+          <a:xfrm>
+            <a:off x="10033686" y="320673"/>
+            <a:ext cx="1320114" cy="1364831"/>
+          </a:xfrm>
+          <a:prstGeom prst="rect">
+            <a:avLst/>
+          </a:prstGeom>
+        </p:spPr>
+      </p:pic>
     </p:spTree>
     <p:extLst>
       <p:ext uri="{BB962C8B-B14F-4D97-AF65-F5344CB8AC3E}">
-        <p14:creationId xmlns:p14="http://schemas.microsoft.com/office/powerpoint/2010/main" val="131066790"/>
+        <p14:creationId xmlns:p14="http://schemas.microsoft.com/office/powerpoint/2010/main" val="2211777330"/>
       </p:ext>
     </p:extLst>
   </p:cSld>
@@ -3032,8 +3059,8 @@
   <p:sldLayoutIdLst>
     <p:sldLayoutId id="2147483649" r:id="rId1"/>
     <p:sldLayoutId id="2147483650" r:id="rId2"/>
-    <p:sldLayoutId id="2147483651" r:id="rId3"/>
-    <p:sldLayoutId id="2147483652" r:id="rId4"/>
+    <p:sldLayoutId id="2147483652" r:id="rId3"/>
+    <p:sldLayoutId id="2147483651" r:id="rId4"/>
     <p:sldLayoutId id="2147483653" r:id="rId5"/>
     <p:sldLayoutId id="2147483654" r:id="rId6"/>
     <p:sldLayoutId id="2147483655" r:id="rId7"/>
@@ -3072,7 +3099,7 @@
         </a:spcBef>
         <a:buFont typeface="Arial" panose="020B0604020202020204" pitchFamily="34" charset="0"/>
         <a:buChar char="•"/>
-        <a:defRPr sz="2800" kern="1200">
+        <a:defRPr sz="2400" kern="1200">
           <a:solidFill>
             <a:schemeClr val="tx1"/>
           </a:solidFill>
@@ -3090,7 +3117,7 @@
         </a:spcBef>
         <a:buFont typeface="Arial" panose="020B0604020202020204" pitchFamily="34" charset="0"/>
         <a:buChar char="•"/>
-        <a:defRPr sz="2400" kern="1200">
+        <a:defRPr sz="2000" kern="1200">
           <a:solidFill>
             <a:schemeClr val="tx1"/>
           </a:solidFill>
@@ -3108,7 +3135,7 @@
         </a:spcBef>
         <a:buFont typeface="Arial" panose="020B0604020202020204" pitchFamily="34" charset="0"/>
         <a:buChar char="•"/>
-        <a:defRPr sz="2000" kern="1200">
+        <a:defRPr sz="1600" kern="1200">
           <a:solidFill>
             <a:schemeClr val="tx1"/>
           </a:solidFill>
@@ -3126,7 +3153,7 @@
         </a:spcBef>
         <a:buFont typeface="Arial" panose="020B0604020202020204" pitchFamily="34" charset="0"/>
         <a:buChar char="•"/>
-        <a:defRPr sz="1800" kern="1200">
+        <a:defRPr sz="1600" kern="1200">
           <a:solidFill>
             <a:schemeClr val="tx1"/>
           </a:solidFill>
@@ -3144,7 +3171,7 @@
         </a:spcBef>
         <a:buFont typeface="Arial" panose="020B0604020202020204" pitchFamily="34" charset="0"/>
         <a:buChar char="•"/>
-        <a:defRPr sz="1800" kern="1200">
+        <a:defRPr sz="1600" kern="1200">
           <a:solidFill>
             <a:schemeClr val="tx1"/>
           </a:solidFill>
@@ -3347,7 +3374,7 @@
           <p:cNvPr id="2" name="Title 1">
             <a:extLst>
               <a:ext uri="{FF2B5EF4-FFF2-40B4-BE49-F238E27FC236}">
-                <a16:creationId xmlns:a16="http://schemas.microsoft.com/office/drawing/2014/main" id="{DA787770-79DC-487C-A274-ECDAB597148B}"/>
+                <a16:creationId xmlns:a16="http://schemas.microsoft.com/office/drawing/2014/main" id="{D1A7E329-1945-44B6-9937-B396D162D6E6}"/>
               </a:ext>
             </a:extLst>
           </p:cNvPr>
@@ -3360,13 +3387,19 @@
         </p:nvSpPr>
         <p:spPr/>
         <p:txBody>
-          <a:bodyPr/>
-          <a:lstStyle/>
-          <a:p>
-            <a:r>
-              <a:rPr lang="en-US" dirty="0"/>
+          <a:bodyPr>
+            <a:normAutofit/>
+          </a:bodyPr>
+          <a:lstStyle/>
+          <a:p>
+            <a:r>
+              <a:rPr lang="en-US" sz="4800" dirty="0"/>
               <a:t>Thesis Plan</a:t>
             </a:r>
+            <a:br>
+              <a:rPr lang="en-US" sz="4800" dirty="0"/>
+            </a:br>
+            <a:endParaRPr lang="en-US" sz="4800" dirty="0"/>
           </a:p>
         </p:txBody>
       </p:sp>
@@ -3375,7 +3408,7 @@
           <p:cNvPr id="3" name="Subtitle 2">
             <a:extLst>
               <a:ext uri="{FF2B5EF4-FFF2-40B4-BE49-F238E27FC236}">
-                <a16:creationId xmlns:a16="http://schemas.microsoft.com/office/drawing/2014/main" id="{42731764-ACF1-4D0A-AE93-8A23A7236E5A}"/>
+                <a16:creationId xmlns:a16="http://schemas.microsoft.com/office/drawing/2014/main" id="{DB75C531-1D75-46D5-A5A9-47885FDA319D}"/>
               </a:ext>
             </a:extLst>
           </p:cNvPr>
@@ -3386,810 +3419,231 @@
             <p:ph type="subTitle" idx="1"/>
           </p:nvPr>
         </p:nvSpPr>
-        <p:spPr/>
-        <p:txBody>
-          <a:bodyPr/>
-          <a:lstStyle/>
-          <a:p>
-            <a:r>
-              <a:rPr lang="en-US" dirty="0"/>
-              <a:t>Separating </a:t>
-            </a:r>
-            <a:r>
-              <a:rPr lang="en-US" dirty="0" err="1"/>
-              <a:t>Cyslostationary</a:t>
-            </a:r>
-            <a:r>
-              <a:rPr lang="en-US" dirty="0"/>
-              <a:t> Signals using the Nonlinear Dynamics of Continuous-Time Recurrent Neural Networks</a:t>
-            </a:r>
-          </a:p>
-        </p:txBody>
-      </p:sp>
-    </p:spTree>
-    <p:extLst>
-      <p:ext uri="{BB962C8B-B14F-4D97-AF65-F5344CB8AC3E}">
-        <p14:creationId xmlns:p14="http://schemas.microsoft.com/office/powerpoint/2010/main" val="133582200"/>
-      </p:ext>
-    </p:extLst>
-  </p:cSld>
-  <p:clrMapOvr>
-    <a:masterClrMapping/>
-  </p:clrMapOvr>
-</p:sld>
-</file>
-
-<file path=ppt/slides/slide10.xml><?xml version="1.0" encoding="utf-8"?>
-<p:sld xmlns:a="http://schemas.openxmlformats.org/drawingml/2006/main" xmlns:r="http://schemas.openxmlformats.org/officeDocument/2006/relationships" xmlns:p="http://schemas.openxmlformats.org/presentationml/2006/main">
-  <p:cSld>
-    <p:spTree>
-      <p:nvGrpSpPr>
-        <p:cNvPr id="1" name=""/>
-        <p:cNvGrpSpPr/>
-        <p:nvPr/>
-      </p:nvGrpSpPr>
-      <p:grpSpPr>
-        <a:xfrm>
-          <a:off x="0" y="0"/>
-          <a:ext cx="0" cy="0"/>
-          <a:chOff x="0" y="0"/>
-          <a:chExt cx="0" cy="0"/>
-        </a:xfrm>
-      </p:grpSpPr>
-      <p:sp>
-        <p:nvSpPr>
-          <p:cNvPr id="2" name="Title 1">
-            <a:extLst>
-              <a:ext uri="{FF2B5EF4-FFF2-40B4-BE49-F238E27FC236}">
-                <a16:creationId xmlns:a16="http://schemas.microsoft.com/office/drawing/2014/main" id="{ABAC5207-9B5E-42DE-B989-FE8B9CDAFDEA}"/>
-              </a:ext>
-            </a:extLst>
-          </p:cNvPr>
-          <p:cNvSpPr>
-            <a:spLocks noGrp="1"/>
-          </p:cNvSpPr>
-          <p:nvPr>
-            <p:ph type="title"/>
-          </p:nvPr>
-        </p:nvSpPr>
-        <p:spPr/>
-        <p:txBody>
-          <a:bodyPr/>
-          <a:lstStyle/>
-          <a:p>
-            <a:r>
-              <a:rPr lang="en-US" dirty="0"/>
-              <a:t>Neural dynamics</a:t>
-            </a:r>
-          </a:p>
-        </p:txBody>
-      </p:sp>
-      <p:pic>
-        <p:nvPicPr>
-          <p:cNvPr id="4" name="Picture 3">
-            <a:extLst>
-              <a:ext uri="{FF2B5EF4-FFF2-40B4-BE49-F238E27FC236}">
-                <a16:creationId xmlns:a16="http://schemas.microsoft.com/office/drawing/2014/main" id="{38E3F87A-A757-4484-83DF-E021ECC4E018}"/>
-              </a:ext>
-            </a:extLst>
-          </p:cNvPr>
-          <p:cNvPicPr>
-            <a:picLocks noChangeAspect="1"/>
-          </p:cNvPicPr>
-          <p:nvPr/>
-        </p:nvPicPr>
-        <p:blipFill rotWithShape="1">
-          <a:blip r:embed="rId2">
-            <a:extLst>
-              <a:ext uri="{28A0092B-C50C-407E-A947-70E740481C1C}">
-                <a14:useLocalDpi xmlns:a14="http://schemas.microsoft.com/office/drawing/2010/main" val="0"/>
-              </a:ext>
-            </a:extLst>
-          </a:blip>
-          <a:srcRect r="4684"/>
-          <a:stretch/>
-        </p:blipFill>
         <p:spPr>
           <a:xfrm>
-            <a:off x="5971950" y="2918746"/>
-            <a:ext cx="4550226" cy="3718652"/>
+            <a:off x="1524000" y="5371070"/>
+            <a:ext cx="9144000" cy="1097692"/>
+          </a:xfrm>
+        </p:spPr>
+        <p:txBody>
+          <a:bodyPr>
+            <a:normAutofit/>
+          </a:bodyPr>
+          <a:lstStyle/>
+          <a:p>
+            <a:r>
+              <a:rPr lang="en-US" sz="1800" dirty="0"/>
+              <a:t>Vincent Baker</a:t>
+            </a:r>
+          </a:p>
+          <a:p>
+            <a:r>
+              <a:rPr lang="en-US" sz="1800" dirty="0"/>
+              <a:t>Drexel University Department of Physics</a:t>
+            </a:r>
+          </a:p>
+        </p:txBody>
+      </p:sp>
+      <p:sp>
+        <p:nvSpPr>
+          <p:cNvPr id="4" name="Subtitle 2">
+            <a:extLst>
+              <a:ext uri="{FF2B5EF4-FFF2-40B4-BE49-F238E27FC236}">
+                <a16:creationId xmlns:a16="http://schemas.microsoft.com/office/drawing/2014/main" id="{CFBFDDD5-5DF6-4E07-9A3B-D1809CA5D0C6}"/>
+              </a:ext>
+            </a:extLst>
+          </p:cNvPr>
+          <p:cNvSpPr txBox="1">
+            <a:spLocks/>
+          </p:cNvSpPr>
+          <p:nvPr/>
+        </p:nvSpPr>
+        <p:spPr>
+          <a:xfrm>
+            <a:off x="1524000" y="3571102"/>
+            <a:ext cx="9144000" cy="1097692"/>
           </a:xfrm>
           <a:prstGeom prst="rect">
             <a:avLst/>
           </a:prstGeom>
         </p:spPr>
-      </p:pic>
-      <p:pic>
-        <p:nvPicPr>
-          <p:cNvPr id="6" name="Picture 5">
-            <a:extLst>
-              <a:ext uri="{FF2B5EF4-FFF2-40B4-BE49-F238E27FC236}">
-                <a16:creationId xmlns:a16="http://schemas.microsoft.com/office/drawing/2014/main" id="{E272EF9D-4133-4988-B2C6-1AB321C47039}"/>
-              </a:ext>
-            </a:extLst>
-          </p:cNvPr>
-          <p:cNvPicPr>
-            <a:picLocks noChangeAspect="1"/>
-          </p:cNvPicPr>
-          <p:nvPr/>
-        </p:nvPicPr>
-        <p:blipFill rotWithShape="1">
-          <a:blip r:embed="rId3">
-            <a:extLst>
-              <a:ext uri="{28A0092B-C50C-407E-A947-70E740481C1C}">
-                <a14:useLocalDpi xmlns:a14="http://schemas.microsoft.com/office/drawing/2010/main" val="0"/>
-              </a:ext>
-            </a:extLst>
-          </a:blip>
-          <a:srcRect l="1764" r="4761"/>
-          <a:stretch/>
-        </p:blipFill>
-        <p:spPr>
-          <a:xfrm>
-            <a:off x="974104" y="2912885"/>
-            <a:ext cx="4462342" cy="3730821"/>
-          </a:xfrm>
-          <a:prstGeom prst="rect">
-            <a:avLst/>
-          </a:prstGeom>
-        </p:spPr>
-      </p:pic>
-      <p:sp>
-        <p:nvSpPr>
-          <p:cNvPr id="7" name="TextBox 6">
-            <a:extLst>
-              <a:ext uri="{FF2B5EF4-FFF2-40B4-BE49-F238E27FC236}">
-                <a16:creationId xmlns:a16="http://schemas.microsoft.com/office/drawing/2014/main" id="{DEDD41B8-5079-4FDE-A137-E8B20EF2DE39}"/>
-              </a:ext>
-            </a:extLst>
-          </p:cNvPr>
-          <p:cNvSpPr txBox="1"/>
-          <p:nvPr/>
-        </p:nvSpPr>
-        <p:spPr>
-          <a:xfrm>
-            <a:off x="2061759" y="2560719"/>
-            <a:ext cx="2428293" cy="369332"/>
-          </a:xfrm>
-          <a:prstGeom prst="rect">
-            <a:avLst/>
-          </a:prstGeom>
-          <a:noFill/>
-        </p:spPr>
-        <p:txBody>
-          <a:bodyPr wrap="none" rtlCol="0">
-            <a:spAutoFit/>
+        <p:txBody>
+          <a:bodyPr vert="horz" lIns="91440" tIns="45720" rIns="91440" bIns="45720" rtlCol="0">
+            <a:normAutofit/>
           </a:bodyPr>
-          <a:lstStyle/>
-          <a:p>
-            <a:r>
-              <a:rPr lang="en-US" dirty="0"/>
-              <a:t>Classic </a:t>
-            </a:r>
-            <a:r>
-              <a:rPr lang="en-US" dirty="0" err="1"/>
-              <a:t>Izhikevich</a:t>
-            </a:r>
-            <a:r>
-              <a:rPr lang="en-US" dirty="0"/>
-              <a:t> (2003)</a:t>
-            </a:r>
-          </a:p>
-        </p:txBody>
-      </p:sp>
-      <p:sp>
-        <p:nvSpPr>
-          <p:cNvPr id="8" name="TextBox 7">
-            <a:extLst>
-              <a:ext uri="{FF2B5EF4-FFF2-40B4-BE49-F238E27FC236}">
-                <a16:creationId xmlns:a16="http://schemas.microsoft.com/office/drawing/2014/main" id="{C7B9CA4D-B714-490D-B85D-B3D9D4E8CBD7}"/>
-              </a:ext>
-            </a:extLst>
-          </p:cNvPr>
-          <p:cNvSpPr txBox="1"/>
-          <p:nvPr/>
-        </p:nvSpPr>
-        <p:spPr>
-          <a:xfrm>
-            <a:off x="6611833" y="2560719"/>
-            <a:ext cx="3579506" cy="369332"/>
-          </a:xfrm>
-          <a:prstGeom prst="rect">
-            <a:avLst/>
-          </a:prstGeom>
-          <a:noFill/>
-        </p:spPr>
-        <p:txBody>
-          <a:bodyPr wrap="none" rtlCol="0">
-            <a:spAutoFit/>
-          </a:bodyPr>
-          <a:lstStyle/>
-          <a:p>
-            <a:r>
-              <a:rPr lang="en-US" dirty="0"/>
-              <a:t>With random synaptic delays 0-4 </a:t>
-            </a:r>
-            <a:r>
-              <a:rPr lang="en-US" dirty="0" err="1"/>
-              <a:t>ms</a:t>
-            </a:r>
-            <a:endParaRPr lang="en-US" dirty="0"/>
-          </a:p>
-        </p:txBody>
-      </p:sp>
-      <p:sp>
-        <p:nvSpPr>
-          <p:cNvPr id="5" name="TextBox 4">
-            <a:extLst>
-              <a:ext uri="{FF2B5EF4-FFF2-40B4-BE49-F238E27FC236}">
-                <a16:creationId xmlns:a16="http://schemas.microsoft.com/office/drawing/2014/main" id="{97A9CA3A-F973-4D09-AA7F-5F125204E3AF}"/>
-              </a:ext>
-            </a:extLst>
-          </p:cNvPr>
-          <p:cNvSpPr txBox="1"/>
-          <p:nvPr/>
-        </p:nvSpPr>
-        <p:spPr>
-          <a:xfrm>
-            <a:off x="974104" y="1518127"/>
-            <a:ext cx="10729434" cy="923330"/>
-          </a:xfrm>
-          <a:prstGeom prst="rect">
-            <a:avLst/>
-          </a:prstGeom>
-          <a:noFill/>
-        </p:spPr>
-        <p:txBody>
-          <a:bodyPr wrap="square" rtlCol="0">
-            <a:spAutoFit/>
-          </a:bodyPr>
-          <a:lstStyle/>
-          <a:p>
-            <a:r>
-              <a:rPr lang="en-US" dirty="0"/>
-              <a:t>Created a neural simulation using the </a:t>
-            </a:r>
-            <a:r>
-              <a:rPr lang="en-US" dirty="0" err="1"/>
-              <a:t>Izhikevich</a:t>
-            </a:r>
-            <a:r>
-              <a:rPr lang="en-US" dirty="0"/>
-              <a:t> model for neural dynamics, added synaptic delays.</a:t>
-            </a:r>
-          </a:p>
-          <a:p>
-            <a:r>
-              <a:rPr lang="en-US" dirty="0"/>
-              <a:t>Validated synaptic delay implementation against </a:t>
-            </a:r>
-            <a:r>
-              <a:rPr lang="en-US" dirty="0" err="1"/>
-              <a:t>Izhikevich</a:t>
-            </a:r>
-            <a:r>
-              <a:rPr lang="en-US" dirty="0"/>
-              <a:t> ‘03 code, using the same parameters and inputs we see similar behavior.  </a:t>
-            </a:r>
+          <a:lstStyle>
+            <a:lvl1pPr marL="0" indent="0" algn="ctr" defTabSz="914400" rtl="0" eaLnBrk="1" latinLnBrk="0" hangingPunct="1">
+              <a:lnSpc>
+                <a:spcPct val="90000"/>
+              </a:lnSpc>
+              <a:spcBef>
+                <a:spcPts val="1000"/>
+              </a:spcBef>
+              <a:buFont typeface="Arial" panose="020B0604020202020204" pitchFamily="34" charset="0"/>
+              <a:buNone/>
+              <a:defRPr sz="2400" kern="1200">
+                <a:solidFill>
+                  <a:schemeClr val="tx1"/>
+                </a:solidFill>
+                <a:latin typeface="+mn-lt"/>
+                <a:ea typeface="+mn-ea"/>
+                <a:cs typeface="+mn-cs"/>
+              </a:defRPr>
+            </a:lvl1pPr>
+            <a:lvl2pPr marL="457200" indent="0" algn="ctr" defTabSz="914400" rtl="0" eaLnBrk="1" latinLnBrk="0" hangingPunct="1">
+              <a:lnSpc>
+                <a:spcPct val="90000"/>
+              </a:lnSpc>
+              <a:spcBef>
+                <a:spcPts val="500"/>
+              </a:spcBef>
+              <a:buFont typeface="Arial" panose="020B0604020202020204" pitchFamily="34" charset="0"/>
+              <a:buNone/>
+              <a:defRPr sz="2000" kern="1200">
+                <a:solidFill>
+                  <a:schemeClr val="tx1"/>
+                </a:solidFill>
+                <a:latin typeface="+mn-lt"/>
+                <a:ea typeface="+mn-ea"/>
+                <a:cs typeface="+mn-cs"/>
+              </a:defRPr>
+            </a:lvl2pPr>
+            <a:lvl3pPr marL="914400" indent="0" algn="ctr" defTabSz="914400" rtl="0" eaLnBrk="1" latinLnBrk="0" hangingPunct="1">
+              <a:lnSpc>
+                <a:spcPct val="90000"/>
+              </a:lnSpc>
+              <a:spcBef>
+                <a:spcPts val="500"/>
+              </a:spcBef>
+              <a:buFont typeface="Arial" panose="020B0604020202020204" pitchFamily="34" charset="0"/>
+              <a:buNone/>
+              <a:defRPr sz="1800" kern="1200">
+                <a:solidFill>
+                  <a:schemeClr val="tx1"/>
+                </a:solidFill>
+                <a:latin typeface="+mn-lt"/>
+                <a:ea typeface="+mn-ea"/>
+                <a:cs typeface="+mn-cs"/>
+              </a:defRPr>
+            </a:lvl3pPr>
+            <a:lvl4pPr marL="1371600" indent="0" algn="ctr" defTabSz="914400" rtl="0" eaLnBrk="1" latinLnBrk="0" hangingPunct="1">
+              <a:lnSpc>
+                <a:spcPct val="90000"/>
+              </a:lnSpc>
+              <a:spcBef>
+                <a:spcPts val="500"/>
+              </a:spcBef>
+              <a:buFont typeface="Arial" panose="020B0604020202020204" pitchFamily="34" charset="0"/>
+              <a:buNone/>
+              <a:defRPr sz="1600" kern="1200">
+                <a:solidFill>
+                  <a:schemeClr val="tx1"/>
+                </a:solidFill>
+                <a:latin typeface="+mn-lt"/>
+                <a:ea typeface="+mn-ea"/>
+                <a:cs typeface="+mn-cs"/>
+              </a:defRPr>
+            </a:lvl4pPr>
+            <a:lvl5pPr marL="1828800" indent="0" algn="ctr" defTabSz="914400" rtl="0" eaLnBrk="1" latinLnBrk="0" hangingPunct="1">
+              <a:lnSpc>
+                <a:spcPct val="90000"/>
+              </a:lnSpc>
+              <a:spcBef>
+                <a:spcPts val="500"/>
+              </a:spcBef>
+              <a:buFont typeface="Arial" panose="020B0604020202020204" pitchFamily="34" charset="0"/>
+              <a:buNone/>
+              <a:defRPr sz="1600" kern="1200">
+                <a:solidFill>
+                  <a:schemeClr val="tx1"/>
+                </a:solidFill>
+                <a:latin typeface="+mn-lt"/>
+                <a:ea typeface="+mn-ea"/>
+                <a:cs typeface="+mn-cs"/>
+              </a:defRPr>
+            </a:lvl5pPr>
+            <a:lvl6pPr marL="2286000" indent="0" algn="ctr" defTabSz="914400" rtl="0" eaLnBrk="1" latinLnBrk="0" hangingPunct="1">
+              <a:lnSpc>
+                <a:spcPct val="90000"/>
+              </a:lnSpc>
+              <a:spcBef>
+                <a:spcPts val="500"/>
+              </a:spcBef>
+              <a:buFont typeface="Arial" panose="020B0604020202020204" pitchFamily="34" charset="0"/>
+              <a:buNone/>
+              <a:defRPr sz="1600" kern="1200">
+                <a:solidFill>
+                  <a:schemeClr val="tx1"/>
+                </a:solidFill>
+                <a:latin typeface="+mn-lt"/>
+                <a:ea typeface="+mn-ea"/>
+                <a:cs typeface="+mn-cs"/>
+              </a:defRPr>
+            </a:lvl6pPr>
+            <a:lvl7pPr marL="2743200" indent="0" algn="ctr" defTabSz="914400" rtl="0" eaLnBrk="1" latinLnBrk="0" hangingPunct="1">
+              <a:lnSpc>
+                <a:spcPct val="90000"/>
+              </a:lnSpc>
+              <a:spcBef>
+                <a:spcPts val="500"/>
+              </a:spcBef>
+              <a:buFont typeface="Arial" panose="020B0604020202020204" pitchFamily="34" charset="0"/>
+              <a:buNone/>
+              <a:defRPr sz="1600" kern="1200">
+                <a:solidFill>
+                  <a:schemeClr val="tx1"/>
+                </a:solidFill>
+                <a:latin typeface="+mn-lt"/>
+                <a:ea typeface="+mn-ea"/>
+                <a:cs typeface="+mn-cs"/>
+              </a:defRPr>
+            </a:lvl7pPr>
+            <a:lvl8pPr marL="3200400" indent="0" algn="ctr" defTabSz="914400" rtl="0" eaLnBrk="1" latinLnBrk="0" hangingPunct="1">
+              <a:lnSpc>
+                <a:spcPct val="90000"/>
+              </a:lnSpc>
+              <a:spcBef>
+                <a:spcPts val="500"/>
+              </a:spcBef>
+              <a:buFont typeface="Arial" panose="020B0604020202020204" pitchFamily="34" charset="0"/>
+              <a:buNone/>
+              <a:defRPr sz="1600" kern="1200">
+                <a:solidFill>
+                  <a:schemeClr val="tx1"/>
+                </a:solidFill>
+                <a:latin typeface="+mn-lt"/>
+                <a:ea typeface="+mn-ea"/>
+                <a:cs typeface="+mn-cs"/>
+              </a:defRPr>
+            </a:lvl8pPr>
+            <a:lvl9pPr marL="3657600" indent="0" algn="ctr" defTabSz="914400" rtl="0" eaLnBrk="1" latinLnBrk="0" hangingPunct="1">
+              <a:lnSpc>
+                <a:spcPct val="90000"/>
+              </a:lnSpc>
+              <a:spcBef>
+                <a:spcPts val="500"/>
+              </a:spcBef>
+              <a:buFont typeface="Arial" panose="020B0604020202020204" pitchFamily="34" charset="0"/>
+              <a:buNone/>
+              <a:defRPr sz="1600" kern="1200">
+                <a:solidFill>
+                  <a:schemeClr val="tx1"/>
+                </a:solidFill>
+                <a:latin typeface="+mn-lt"/>
+                <a:ea typeface="+mn-ea"/>
+                <a:cs typeface="+mn-cs"/>
+              </a:defRPr>
+            </a:lvl9pPr>
+          </a:lstStyle>
+          <a:p>
+            <a:endParaRPr lang="en-US" sz="1800" dirty="0"/>
           </a:p>
         </p:txBody>
       </p:sp>
     </p:spTree>
     <p:extLst>
       <p:ext uri="{BB962C8B-B14F-4D97-AF65-F5344CB8AC3E}">
-        <p14:creationId xmlns:p14="http://schemas.microsoft.com/office/powerpoint/2010/main" val="3801376647"/>
-      </p:ext>
-    </p:extLst>
-  </p:cSld>
-  <p:clrMapOvr>
-    <a:masterClrMapping/>
-  </p:clrMapOvr>
-</p:sld>
-</file>
-
-<file path=ppt/slides/slide11.xml><?xml version="1.0" encoding="utf-8"?>
-<p:sld xmlns:a="http://schemas.openxmlformats.org/drawingml/2006/main" xmlns:r="http://schemas.openxmlformats.org/officeDocument/2006/relationships" xmlns:p="http://schemas.openxmlformats.org/presentationml/2006/main">
-  <p:cSld>
-    <p:spTree>
-      <p:nvGrpSpPr>
-        <p:cNvPr id="1" name=""/>
-        <p:cNvGrpSpPr/>
-        <p:nvPr/>
-      </p:nvGrpSpPr>
-      <p:grpSpPr>
-        <a:xfrm>
-          <a:off x="0" y="0"/>
-          <a:ext cx="0" cy="0"/>
-          <a:chOff x="0" y="0"/>
-          <a:chExt cx="0" cy="0"/>
-        </a:xfrm>
-      </p:grpSpPr>
-      <p:sp>
-        <p:nvSpPr>
-          <p:cNvPr id="2" name="Title 1">
-            <a:extLst>
-              <a:ext uri="{FF2B5EF4-FFF2-40B4-BE49-F238E27FC236}">
-                <a16:creationId xmlns:a16="http://schemas.microsoft.com/office/drawing/2014/main" id="{287C7871-7EAB-498D-A07B-8A690D612FDD}"/>
-              </a:ext>
-            </a:extLst>
-          </p:cNvPr>
-          <p:cNvSpPr>
-            <a:spLocks noGrp="1"/>
-          </p:cNvSpPr>
-          <p:nvPr>
-            <p:ph type="title"/>
-          </p:nvPr>
-        </p:nvSpPr>
-        <p:spPr/>
-        <p:txBody>
-          <a:bodyPr/>
-          <a:lstStyle/>
-          <a:p>
-            <a:r>
-              <a:rPr lang="en-US" dirty="0"/>
-              <a:t>Synapse dynamics</a:t>
-            </a:r>
-          </a:p>
-        </p:txBody>
-      </p:sp>
-      <p:sp>
-        <p:nvSpPr>
-          <p:cNvPr id="3" name="Content Placeholder 2">
-            <a:extLst>
-              <a:ext uri="{FF2B5EF4-FFF2-40B4-BE49-F238E27FC236}">
-                <a16:creationId xmlns:a16="http://schemas.microsoft.com/office/drawing/2014/main" id="{5F6D47C8-A8A0-4D56-87C4-965976FE8911}"/>
-              </a:ext>
-            </a:extLst>
-          </p:cNvPr>
-          <p:cNvSpPr>
-            <a:spLocks noGrp="1"/>
-          </p:cNvSpPr>
-          <p:nvPr>
-            <p:ph idx="1"/>
-          </p:nvPr>
-        </p:nvSpPr>
-        <p:spPr>
-          <a:xfrm>
-            <a:off x="838200" y="1825625"/>
-            <a:ext cx="5515466" cy="4351338"/>
-          </a:xfrm>
-        </p:spPr>
-        <p:txBody>
-          <a:bodyPr/>
-          <a:lstStyle/>
-          <a:p>
-            <a:r>
-              <a:rPr lang="en-US" dirty="0"/>
-              <a:t>Maas et al showed that dynamic </a:t>
-            </a:r>
-            <a:r>
-              <a:rPr lang="en-US" dirty="0" err="1"/>
-              <a:t>synpases</a:t>
-            </a:r>
-            <a:r>
-              <a:rPr lang="en-US" dirty="0"/>
-              <a:t> provide longer fading memory</a:t>
-            </a:r>
-          </a:p>
-          <a:p>
-            <a:r>
-              <a:rPr lang="en-US" dirty="0"/>
-              <a:t>Implemented first-order synapse dynamics</a:t>
-            </a:r>
-          </a:p>
-          <a:p>
-            <a:r>
-              <a:rPr lang="en-US" dirty="0"/>
-              <a:t>Synaptic delays based on inter-neuron distances</a:t>
-            </a:r>
-          </a:p>
-        </p:txBody>
-      </p:sp>
-      <p:pic>
-        <p:nvPicPr>
-          <p:cNvPr id="4" name="Picture 3">
-            <a:extLst>
-              <a:ext uri="{FF2B5EF4-FFF2-40B4-BE49-F238E27FC236}">
-                <a16:creationId xmlns:a16="http://schemas.microsoft.com/office/drawing/2014/main" id="{F73BE7D2-1DCD-44E3-A7A3-77B608AC8E06}"/>
-              </a:ext>
-            </a:extLst>
-          </p:cNvPr>
-          <p:cNvPicPr>
-            <a:picLocks noChangeAspect="1"/>
-          </p:cNvPicPr>
-          <p:nvPr/>
-        </p:nvPicPr>
-        <p:blipFill rotWithShape="1">
-          <a:blip r:embed="rId2"/>
-          <a:srcRect l="30928" t="18291" r="33660" b="33226"/>
-          <a:stretch/>
-        </p:blipFill>
-        <p:spPr>
-          <a:xfrm>
-            <a:off x="6667895" y="1825625"/>
-            <a:ext cx="4317476" cy="3167406"/>
-          </a:xfrm>
-          <a:prstGeom prst="rect">
-            <a:avLst/>
-          </a:prstGeom>
-        </p:spPr>
-      </p:pic>
-      <p:sp>
-        <p:nvSpPr>
-          <p:cNvPr id="5" name="TextBox 4">
-            <a:extLst>
-              <a:ext uri="{FF2B5EF4-FFF2-40B4-BE49-F238E27FC236}">
-                <a16:creationId xmlns:a16="http://schemas.microsoft.com/office/drawing/2014/main" id="{502CC89A-7DB2-4E47-9A57-AF20541BECFA}"/>
-              </a:ext>
-            </a:extLst>
-          </p:cNvPr>
-          <p:cNvSpPr txBox="1"/>
-          <p:nvPr/>
-        </p:nvSpPr>
-        <p:spPr>
-          <a:xfrm>
-            <a:off x="6667895" y="5127968"/>
-            <a:ext cx="4864230" cy="646331"/>
-          </a:xfrm>
-          <a:prstGeom prst="rect">
-            <a:avLst/>
-          </a:prstGeom>
-          <a:noFill/>
-        </p:spPr>
-        <p:txBody>
-          <a:bodyPr wrap="square" rtlCol="0">
-            <a:spAutoFit/>
-          </a:bodyPr>
-          <a:lstStyle/>
-          <a:p>
-            <a:r>
-              <a:rPr lang="en-US" sz="1200" dirty="0"/>
-              <a:t>Maas2002 demonstrated that dynamic synapses (top) provided better classification on a four-element characterization problem compared to static synapses (bottom) </a:t>
-            </a:r>
-          </a:p>
-        </p:txBody>
-      </p:sp>
-    </p:spTree>
-    <p:extLst>
-      <p:ext uri="{BB962C8B-B14F-4D97-AF65-F5344CB8AC3E}">
-        <p14:creationId xmlns:p14="http://schemas.microsoft.com/office/powerpoint/2010/main" val="54150291"/>
-      </p:ext>
-    </p:extLst>
-  </p:cSld>
-  <p:clrMapOvr>
-    <a:masterClrMapping/>
-  </p:clrMapOvr>
-</p:sld>
-</file>
-
-<file path=ppt/slides/slide12.xml><?xml version="1.0" encoding="utf-8"?>
-<p:sld xmlns:a="http://schemas.openxmlformats.org/drawingml/2006/main" xmlns:r="http://schemas.openxmlformats.org/officeDocument/2006/relationships" xmlns:p="http://schemas.openxmlformats.org/presentationml/2006/main">
-  <p:cSld>
-    <p:spTree>
-      <p:nvGrpSpPr>
-        <p:cNvPr id="1" name=""/>
-        <p:cNvGrpSpPr/>
-        <p:nvPr/>
-      </p:nvGrpSpPr>
-      <p:grpSpPr>
-        <a:xfrm>
-          <a:off x="0" y="0"/>
-          <a:ext cx="0" cy="0"/>
-          <a:chOff x="0" y="0"/>
-          <a:chExt cx="0" cy="0"/>
-        </a:xfrm>
-      </p:grpSpPr>
-      <p:sp>
-        <p:nvSpPr>
-          <p:cNvPr id="2" name="Title 1">
-            <a:extLst>
-              <a:ext uri="{FF2B5EF4-FFF2-40B4-BE49-F238E27FC236}">
-                <a16:creationId xmlns:a16="http://schemas.microsoft.com/office/drawing/2014/main" id="{B49E1F8C-845C-4E83-96E1-403554EEF684}"/>
-              </a:ext>
-            </a:extLst>
-          </p:cNvPr>
-          <p:cNvSpPr>
-            <a:spLocks noGrp="1"/>
-          </p:cNvSpPr>
-          <p:nvPr>
-            <p:ph type="title"/>
-          </p:nvPr>
-        </p:nvSpPr>
-        <p:spPr/>
-        <p:txBody>
-          <a:bodyPr/>
-          <a:lstStyle/>
-          <a:p>
-            <a:r>
-              <a:rPr lang="en-US" dirty="0"/>
-              <a:t>Stationary and </a:t>
-            </a:r>
-            <a:r>
-              <a:rPr lang="en-US" dirty="0" err="1"/>
-              <a:t>cyclostationary</a:t>
-            </a:r>
-            <a:r>
-              <a:rPr lang="en-US" dirty="0"/>
-              <a:t> signals</a:t>
-            </a:r>
-          </a:p>
-        </p:txBody>
-      </p:sp>
-      <p:sp>
-        <p:nvSpPr>
-          <p:cNvPr id="3" name="Content Placeholder 2">
-            <a:extLst>
-              <a:ext uri="{FF2B5EF4-FFF2-40B4-BE49-F238E27FC236}">
-                <a16:creationId xmlns:a16="http://schemas.microsoft.com/office/drawing/2014/main" id="{BA86FA9C-1703-4214-95AC-065EF8C98679}"/>
-              </a:ext>
-            </a:extLst>
-          </p:cNvPr>
-          <p:cNvSpPr>
-            <a:spLocks noGrp="1"/>
-          </p:cNvSpPr>
-          <p:nvPr>
-            <p:ph idx="1"/>
-          </p:nvPr>
-        </p:nvSpPr>
-        <p:spPr/>
-        <p:txBody>
-          <a:bodyPr/>
-          <a:lstStyle/>
-          <a:p>
-            <a:r>
-              <a:rPr lang="en-US" dirty="0"/>
-              <a:t>Stationary signals have constant statistical properties over time </a:t>
-            </a:r>
-          </a:p>
-          <a:p>
-            <a:r>
-              <a:rPr lang="en-US" dirty="0"/>
-              <a:t>Cyclostationary signals have statistical properties that vary </a:t>
-            </a:r>
-            <a:r>
-              <a:rPr lang="en-US" dirty="0" err="1"/>
-              <a:t>cyclicly</a:t>
-            </a:r>
-            <a:r>
-              <a:rPr lang="en-US" dirty="0"/>
-              <a:t> over time</a:t>
-            </a:r>
-          </a:p>
-          <a:p>
-            <a:pPr lvl="1"/>
-            <a:r>
-              <a:rPr lang="en-US" dirty="0"/>
-              <a:t>Autocorrelation function is periodic</a:t>
-            </a:r>
-          </a:p>
-          <a:p>
-            <a:pPr lvl="1"/>
-            <a:r>
-              <a:rPr lang="en-US" dirty="0"/>
-              <a:t>Leads to cyclic autocorrelation function and cycle frequencies</a:t>
-            </a:r>
-          </a:p>
-        </p:txBody>
-      </p:sp>
-      <p:sp>
-        <p:nvSpPr>
-          <p:cNvPr id="4" name="Rectangle 3">
-            <a:extLst>
-              <a:ext uri="{FF2B5EF4-FFF2-40B4-BE49-F238E27FC236}">
-                <a16:creationId xmlns:a16="http://schemas.microsoft.com/office/drawing/2014/main" id="{EC1A78A0-92A7-4467-8DC4-8A45EA2FB2E8}"/>
-              </a:ext>
-            </a:extLst>
-          </p:cNvPr>
-          <p:cNvSpPr/>
-          <p:nvPr/>
-        </p:nvSpPr>
-        <p:spPr>
-          <a:xfrm>
-            <a:off x="1734532" y="4675695"/>
-            <a:ext cx="7579150" cy="1338606"/>
-          </a:xfrm>
-          <a:prstGeom prst="rect">
-            <a:avLst/>
-          </a:prstGeom>
-        </p:spPr>
-        <p:style>
-          <a:lnRef idx="2">
-            <a:schemeClr val="accent1">
-              <a:shade val="50000"/>
-            </a:schemeClr>
-          </a:lnRef>
-          <a:fillRef idx="1">
-            <a:schemeClr val="accent1"/>
-          </a:fillRef>
-          <a:effectRef idx="0">
-            <a:schemeClr val="accent1"/>
-          </a:effectRef>
-          <a:fontRef idx="minor">
-            <a:schemeClr val="lt1"/>
-          </a:fontRef>
-        </p:style>
-        <p:txBody>
-          <a:bodyPr rtlCol="0" anchor="ctr"/>
-          <a:lstStyle/>
-          <a:p>
-            <a:pPr algn="ctr"/>
-            <a:r>
-              <a:rPr lang="en-US" dirty="0"/>
-              <a:t>Periodic and PPM spike train plots</a:t>
-            </a:r>
-          </a:p>
-        </p:txBody>
-      </p:sp>
-    </p:spTree>
-    <p:extLst>
-      <p:ext uri="{BB962C8B-B14F-4D97-AF65-F5344CB8AC3E}">
-        <p14:creationId xmlns:p14="http://schemas.microsoft.com/office/powerpoint/2010/main" val="1715736627"/>
-      </p:ext>
-    </p:extLst>
-  </p:cSld>
-  <p:clrMapOvr>
-    <a:masterClrMapping/>
-  </p:clrMapOvr>
-</p:sld>
-</file>
-
-<file path=ppt/slides/slide13.xml><?xml version="1.0" encoding="utf-8"?>
-<p:sld xmlns:a="http://schemas.openxmlformats.org/drawingml/2006/main" xmlns:r="http://schemas.openxmlformats.org/officeDocument/2006/relationships" xmlns:p="http://schemas.openxmlformats.org/presentationml/2006/main">
-  <p:cSld>
-    <p:spTree>
-      <p:nvGrpSpPr>
-        <p:cNvPr id="1" name=""/>
-        <p:cNvGrpSpPr/>
-        <p:nvPr/>
-      </p:nvGrpSpPr>
-      <p:grpSpPr>
-        <a:xfrm>
-          <a:off x="0" y="0"/>
-          <a:ext cx="0" cy="0"/>
-          <a:chOff x="0" y="0"/>
-          <a:chExt cx="0" cy="0"/>
-        </a:xfrm>
-      </p:grpSpPr>
-      <p:sp>
-        <p:nvSpPr>
-          <p:cNvPr id="2" name="Title 1">
-            <a:extLst>
-              <a:ext uri="{FF2B5EF4-FFF2-40B4-BE49-F238E27FC236}">
-                <a16:creationId xmlns:a16="http://schemas.microsoft.com/office/drawing/2014/main" id="{2FB3FFCC-813A-4FC8-BD07-EACD364E02B7}"/>
-              </a:ext>
-            </a:extLst>
-          </p:cNvPr>
-          <p:cNvSpPr>
-            <a:spLocks noGrp="1"/>
-          </p:cNvSpPr>
-          <p:nvPr>
-            <p:ph type="title"/>
-          </p:nvPr>
-        </p:nvSpPr>
-        <p:spPr/>
-        <p:txBody>
-          <a:bodyPr/>
-          <a:lstStyle/>
-          <a:p>
-            <a:r>
-              <a:rPr lang="en-US" dirty="0"/>
-              <a:t>Poisson spike trains</a:t>
-            </a:r>
-          </a:p>
-        </p:txBody>
-      </p:sp>
-      <p:sp>
-        <p:nvSpPr>
-          <p:cNvPr id="3" name="Content Placeholder 2">
-            <a:extLst>
-              <a:ext uri="{FF2B5EF4-FFF2-40B4-BE49-F238E27FC236}">
-                <a16:creationId xmlns:a16="http://schemas.microsoft.com/office/drawing/2014/main" id="{F016CA80-9B08-4346-920E-56BA65BD848F}"/>
-              </a:ext>
-            </a:extLst>
-          </p:cNvPr>
-          <p:cNvSpPr>
-            <a:spLocks noGrp="1"/>
-          </p:cNvSpPr>
-          <p:nvPr>
-            <p:ph idx="1"/>
-          </p:nvPr>
-        </p:nvSpPr>
-        <p:spPr/>
-        <p:txBody>
-          <a:bodyPr/>
-          <a:lstStyle/>
-          <a:p>
-            <a:r>
-              <a:rPr lang="en-US" dirty="0"/>
-              <a:t>Average firing rate R with Poisson statistics</a:t>
-            </a:r>
-          </a:p>
-          <a:p>
-            <a:r>
-              <a:rPr lang="en-US" dirty="0"/>
-              <a:t>No frequency content visible at R </a:t>
-            </a:r>
-          </a:p>
-          <a:p>
-            <a:pPr lvl="1"/>
-            <a:r>
-              <a:rPr lang="en-US" dirty="0"/>
-              <a:t>Gaussian spikes</a:t>
-            </a:r>
-          </a:p>
-          <a:p>
-            <a:pPr lvl="1"/>
-            <a:r>
-              <a:rPr lang="en-US" dirty="0"/>
-              <a:t>De-</a:t>
-            </a:r>
-            <a:r>
-              <a:rPr lang="en-US" dirty="0" err="1"/>
-              <a:t>meaned</a:t>
-            </a:r>
-            <a:r>
-              <a:rPr lang="en-US" dirty="0"/>
-              <a:t> data</a:t>
-            </a:r>
-          </a:p>
-          <a:p>
-            <a:r>
-              <a:rPr lang="en-US" dirty="0"/>
-              <a:t>Mean ISI = 0.052 (R=20 Hz)</a:t>
-            </a:r>
-          </a:p>
-          <a:p>
-            <a:r>
-              <a:rPr lang="en-US" dirty="0" err="1"/>
-              <a:t>Std</a:t>
-            </a:r>
-            <a:r>
-              <a:rPr lang="en-US" dirty="0"/>
-              <a:t> of ISI = 0.055</a:t>
-            </a:r>
-          </a:p>
-        </p:txBody>
-      </p:sp>
-      <p:pic>
-        <p:nvPicPr>
-          <p:cNvPr id="5" name="Picture 4">
-            <a:extLst>
-              <a:ext uri="{FF2B5EF4-FFF2-40B4-BE49-F238E27FC236}">
-                <a16:creationId xmlns:a16="http://schemas.microsoft.com/office/drawing/2014/main" id="{B60A4625-3526-4871-90EB-5504E7979DAF}"/>
-              </a:ext>
-            </a:extLst>
-          </p:cNvPr>
-          <p:cNvPicPr>
-            <a:picLocks noChangeAspect="1"/>
-          </p:cNvPicPr>
-          <p:nvPr/>
-        </p:nvPicPr>
-        <p:blipFill>
-          <a:blip r:embed="rId2">
-            <a:extLst>
-              <a:ext uri="{28A0092B-C50C-407E-A947-70E740481C1C}">
-                <a14:useLocalDpi xmlns:a14="http://schemas.microsoft.com/office/drawing/2010/main" val="0"/>
-              </a:ext>
-            </a:extLst>
-          </a:blip>
-          <a:stretch>
-            <a:fillRect/>
-          </a:stretch>
-        </p:blipFill>
-        <p:spPr>
-          <a:xfrm>
-            <a:off x="7051190" y="2522100"/>
-            <a:ext cx="5029648" cy="3970775"/>
-          </a:xfrm>
-          <a:prstGeom prst="rect">
-            <a:avLst/>
-          </a:prstGeom>
-        </p:spPr>
-      </p:pic>
-    </p:spTree>
-    <p:extLst>
-      <p:ext uri="{BB962C8B-B14F-4D97-AF65-F5344CB8AC3E}">
-        <p14:creationId xmlns:p14="http://schemas.microsoft.com/office/powerpoint/2010/main" val="1665021824"/>
+        <p14:creationId xmlns:p14="http://schemas.microsoft.com/office/powerpoint/2010/main" val="750468909"/>
       </p:ext>
     </p:extLst>
   </p:cSld>
@@ -4221,7 +3675,7 @@
           <p:cNvPr id="2" name="Title 1">
             <a:extLst>
               <a:ext uri="{FF2B5EF4-FFF2-40B4-BE49-F238E27FC236}">
-                <a16:creationId xmlns:a16="http://schemas.microsoft.com/office/drawing/2014/main" id="{DEC4FE17-997A-4985-A002-D0232AD25A09}"/>
+                <a16:creationId xmlns:a16="http://schemas.microsoft.com/office/drawing/2014/main" id="{6F5182C3-7734-4537-92BC-2453EB827EDA}"/>
               </a:ext>
             </a:extLst>
           </p:cNvPr>
@@ -4239,7 +3693,7 @@
           <a:p>
             <a:r>
               <a:rPr lang="en-US" dirty="0"/>
-              <a:t>Motivation</a:t>
+              <a:t>Thesis</a:t>
             </a:r>
           </a:p>
         </p:txBody>
@@ -4249,7 +3703,7 @@
           <p:cNvPr id="3" name="Content Placeholder 2">
             <a:extLst>
               <a:ext uri="{FF2B5EF4-FFF2-40B4-BE49-F238E27FC236}">
-                <a16:creationId xmlns:a16="http://schemas.microsoft.com/office/drawing/2014/main" id="{370CFBD2-0267-4424-BCDF-E00E43101BA6}"/>
+                <a16:creationId xmlns:a16="http://schemas.microsoft.com/office/drawing/2014/main" id="{5893C26D-C3F3-43F0-91DF-F02497A699EF}"/>
               </a:ext>
             </a:extLst>
           </p:cNvPr>
@@ -4267,44 +3721,39 @@
           <a:p>
             <a:r>
               <a:rPr lang="en-US" dirty="0"/>
-              <a:t>Current machine learning paradigms don’t resemble the brain</a:t>
-            </a:r>
+              <a:t>The big question: how does cognition arise from the biophysical organization of the brain?</a:t>
+            </a:r>
+          </a:p>
+          <a:p>
+            <a:pPr marL="0" indent="0">
+              <a:buNone/>
+            </a:pPr>
+            <a:endParaRPr lang="en-US" dirty="0"/>
           </a:p>
           <a:p>
             <a:r>
               <a:rPr lang="en-US" dirty="0"/>
-              <a:t>Reservoir computing methods, especially Liquid State Machines, provide a biologically plausible computational framework</a:t>
-            </a:r>
+              <a:t>Research question: Can columns of neurons encode time series inputs into high-order dynamic states that facilitate classification?</a:t>
+            </a:r>
+          </a:p>
+          <a:p>
+            <a:pPr marL="0" indent="0">
+              <a:buNone/>
+            </a:pPr>
+            <a:endParaRPr lang="en-US" dirty="0"/>
           </a:p>
           <a:p>
             <a:r>
               <a:rPr lang="en-US" dirty="0"/>
-              <a:t>This work will investigate the liquid state machine framework with an emphasis on the nonlinear delay dynamics that arise from realistic distributions of synapse lengths and signal propagation times</a:t>
-            </a:r>
-          </a:p>
-          <a:p>
-            <a:r>
-              <a:rPr lang="en-US" dirty="0"/>
-              <a:t>The work will focus on recognizing stationary and </a:t>
-            </a:r>
-            <a:r>
-              <a:rPr lang="en-US" dirty="0" err="1"/>
-              <a:t>cyclostationary</a:t>
-            </a:r>
-            <a:r>
-              <a:rPr lang="en-US" dirty="0"/>
-              <a:t> time series</a:t>
-            </a:r>
-          </a:p>
-          <a:p>
-            <a:endParaRPr lang="en-US" dirty="0"/>
+              <a:t>Research approach: Simulate neural columns in the liquid state machine computational model, measure the effects of physical properties on computational performance in classifying time series inputs</a:t>
+            </a:r>
           </a:p>
         </p:txBody>
       </p:sp>
     </p:spTree>
     <p:extLst>
       <p:ext uri="{BB962C8B-B14F-4D97-AF65-F5344CB8AC3E}">
-        <p14:creationId xmlns:p14="http://schemas.microsoft.com/office/powerpoint/2010/main" val="403800553"/>
+        <p14:creationId xmlns:p14="http://schemas.microsoft.com/office/powerpoint/2010/main" val="2685010752"/>
       </p:ext>
     </p:extLst>
   </p:cSld>
@@ -4333,13 +3782,7 @@
       </p:grpSpPr>
       <p:sp>
         <p:nvSpPr>
-          <p:cNvPr id="2" name="Title 1">
-            <a:extLst>
-              <a:ext uri="{FF2B5EF4-FFF2-40B4-BE49-F238E27FC236}">
-                <a16:creationId xmlns:a16="http://schemas.microsoft.com/office/drawing/2014/main" id="{9939FD43-6DB8-4694-99C0-F6341A4ECC7E}"/>
-              </a:ext>
-            </a:extLst>
-          </p:cNvPr>
+          <p:cNvPr id="2" name="Title 1"/>
           <p:cNvSpPr>
             <a:spLocks noGrp="1"/>
           </p:cNvSpPr>
@@ -4354,20 +3797,14 @@
           <a:p>
             <a:r>
               <a:rPr lang="en-US" dirty="0"/>
-              <a:t>Novel contributions</a:t>
-            </a:r>
-          </a:p>
-        </p:txBody>
-      </p:sp>
-      <p:sp>
-        <p:nvSpPr>
-          <p:cNvPr id="3" name="Content Placeholder 2">
-            <a:extLst>
-              <a:ext uri="{FF2B5EF4-FFF2-40B4-BE49-F238E27FC236}">
-                <a16:creationId xmlns:a16="http://schemas.microsoft.com/office/drawing/2014/main" id="{64E0E618-7638-4D69-95D4-80B51DB15167}"/>
-              </a:ext>
-            </a:extLst>
-          </p:cNvPr>
+              <a:t>Impact</a:t>
+            </a:r>
+          </a:p>
+        </p:txBody>
+      </p:sp>
+      <p:sp>
+        <p:nvSpPr>
+          <p:cNvPr id="3" name="Content Placeholder 2"/>
           <p:cNvSpPr>
             <a:spLocks noGrp="1"/>
           </p:cNvSpPr>
@@ -4382,38 +3819,95 @@
           <a:p>
             <a:r>
               <a:rPr lang="en-US" dirty="0"/>
-              <a:t>This research will explore the effect of realistic distance-based synaptic propagation times on the computational power of the neural circuit</a:t>
-            </a:r>
-          </a:p>
-          <a:p>
+              <a:t>Deeper understanding of biological neural circuits</a:t>
+            </a:r>
+          </a:p>
+          <a:p>
+            <a:pPr lvl="1"/>
             <a:r>
               <a:rPr lang="en-US" dirty="0"/>
-              <a:t>This research will explore the contribution of spatial organization and disorganization</a:t>
-            </a:r>
-          </a:p>
-          <a:p>
+              <a:t>Creates new measures of computational capability for biological networks</a:t>
+            </a:r>
+          </a:p>
+          <a:p>
+            <a:pPr lvl="1"/>
             <a:r>
               <a:rPr lang="en-US" dirty="0"/>
-              <a:t>This research will examine the ability of neural circuits to separate </a:t>
-            </a:r>
-            <a:r>
-              <a:rPr lang="en-US" dirty="0" err="1"/>
-              <a:t>cyclostationary</a:t>
-            </a:r>
+              <a:t>Biologically plausible adaptation mechanisms</a:t>
+            </a:r>
+          </a:p>
+          <a:p>
+            <a:pPr lvl="1"/>
             <a:r>
               <a:rPr lang="en-US" dirty="0"/>
-              <a:t> signals</a:t>
-            </a:r>
-          </a:p>
-          <a:p>
+              <a:t>New understanding of the role of neural dynamics in cognition</a:t>
+            </a:r>
+          </a:p>
+          <a:p>
+            <a:r>
+              <a:rPr lang="en-US" dirty="0"/>
+              <a:t>Improved liquid state machines for machine learning</a:t>
+            </a:r>
+          </a:p>
+          <a:p>
+            <a:pPr lvl="1"/>
+            <a:r>
+              <a:rPr lang="en-US" dirty="0"/>
+              <a:t>Improved computational properties inspired by biological neuron dynamics</a:t>
+            </a:r>
+          </a:p>
+          <a:p>
+            <a:pPr lvl="1"/>
+            <a:r>
+              <a:rPr lang="en-US" u="sng" dirty="0"/>
+              <a:t>Fast implementation on application-specific hardware</a:t>
+            </a:r>
+          </a:p>
+          <a:p>
+            <a:pPr lvl="1"/>
             <a:endParaRPr lang="en-US" dirty="0"/>
+          </a:p>
+        </p:txBody>
+      </p:sp>
+      <p:sp>
+        <p:nvSpPr>
+          <p:cNvPr id="4" name="TextBox 3">
+            <a:extLst>
+              <a:ext uri="{FF2B5EF4-FFF2-40B4-BE49-F238E27FC236}">
+                <a16:creationId xmlns:a16="http://schemas.microsoft.com/office/drawing/2014/main" id="{64955C3D-7C3A-4984-9AE4-5F1D0DAD80D2}"/>
+              </a:ext>
+            </a:extLst>
+          </p:cNvPr>
+          <p:cNvSpPr txBox="1"/>
+          <p:nvPr/>
+        </p:nvSpPr>
+        <p:spPr>
+          <a:xfrm>
+            <a:off x="1153297" y="5480903"/>
+            <a:ext cx="8237839" cy="830997"/>
+          </a:xfrm>
+          <a:prstGeom prst="rect">
+            <a:avLst/>
+          </a:prstGeom>
+          <a:noFill/>
+        </p:spPr>
+        <p:txBody>
+          <a:bodyPr wrap="square" rtlCol="0">
+            <a:spAutoFit/>
+          </a:bodyPr>
+          <a:lstStyle/>
+          <a:p>
+            <a:r>
+              <a:rPr lang="en-US" sz="2400" b="1" i="1" dirty="0"/>
+              <a:t>A new program manager at DARPA is creating a new program to explore photonic and electronic reservoir computers</a:t>
+            </a:r>
           </a:p>
         </p:txBody>
       </p:sp>
     </p:spTree>
     <p:extLst>
       <p:ext uri="{BB962C8B-B14F-4D97-AF65-F5344CB8AC3E}">
-        <p14:creationId xmlns:p14="http://schemas.microsoft.com/office/powerpoint/2010/main" val="4043109713"/>
+        <p14:creationId xmlns:p14="http://schemas.microsoft.com/office/powerpoint/2010/main" val="3782515186"/>
       </p:ext>
     </p:extLst>
   </p:cSld>
@@ -4445,7 +3939,7 @@
           <p:cNvPr id="2" name="Title 1">
             <a:extLst>
               <a:ext uri="{FF2B5EF4-FFF2-40B4-BE49-F238E27FC236}">
-                <a16:creationId xmlns:a16="http://schemas.microsoft.com/office/drawing/2014/main" id="{25697D5E-7E58-429B-B8F7-06862E3AA478}"/>
+                <a16:creationId xmlns:a16="http://schemas.microsoft.com/office/drawing/2014/main" id="{4FEC9D66-A297-4B75-B106-77A95FACE845}"/>
               </a:ext>
             </a:extLst>
           </p:cNvPr>
@@ -4463,310 +3957,454 @@
           <a:p>
             <a:r>
               <a:rPr lang="en-US" dirty="0"/>
-              <a:t>Current status</a:t>
-            </a:r>
-          </a:p>
-        </p:txBody>
-      </p:sp>
-      <p:sp>
-        <p:nvSpPr>
-          <p:cNvPr id="3" name="Content Placeholder 2">
-            <a:extLst>
-              <a:ext uri="{FF2B5EF4-FFF2-40B4-BE49-F238E27FC236}">
-                <a16:creationId xmlns:a16="http://schemas.microsoft.com/office/drawing/2014/main" id="{2B8E4209-A940-4A23-A33B-5CB843E1C2FF}"/>
-              </a:ext>
-            </a:extLst>
-          </p:cNvPr>
-          <p:cNvSpPr>
-            <a:spLocks noGrp="1"/>
-          </p:cNvSpPr>
-          <p:nvPr>
-            <p:ph idx="1"/>
-          </p:nvPr>
-        </p:nvSpPr>
-        <p:spPr/>
-        <p:txBody>
-          <a:bodyPr/>
-          <a:lstStyle/>
-          <a:p>
-            <a:r>
-              <a:rPr lang="en-US" dirty="0"/>
-              <a:t>Implemented </a:t>
-            </a:r>
-            <a:r>
-              <a:rPr lang="en-US" dirty="0" err="1"/>
-              <a:t>Izhekevich</a:t>
-            </a:r>
-            <a:r>
-              <a:rPr lang="en-US" dirty="0"/>
-              <a:t> neural dynamics, first order synapse dynamics, and variable synaptic propagation times in MATLAB</a:t>
-            </a:r>
-          </a:p>
-          <a:p>
-            <a:r>
-              <a:rPr lang="en-US" dirty="0"/>
-              <a:t>Constructed columnar neural microcircuits with distance-dependent connectivity and synaptic delay</a:t>
-            </a:r>
-          </a:p>
-          <a:p>
-            <a:r>
-              <a:rPr lang="en-US" dirty="0"/>
-              <a:t>Demonstrated separation property of this neural circuit</a:t>
-            </a:r>
-          </a:p>
-        </p:txBody>
-      </p:sp>
-    </p:spTree>
-    <p:extLst>
-      <p:ext uri="{BB962C8B-B14F-4D97-AF65-F5344CB8AC3E}">
-        <p14:creationId xmlns:p14="http://schemas.microsoft.com/office/powerpoint/2010/main" val="4247957786"/>
-      </p:ext>
-    </p:extLst>
-  </p:cSld>
-  <p:clrMapOvr>
-    <a:masterClrMapping/>
-  </p:clrMapOvr>
-</p:sld>
-</file>
-
-<file path=ppt/slides/slide5.xml><?xml version="1.0" encoding="utf-8"?>
-<p:sld xmlns:a="http://schemas.openxmlformats.org/drawingml/2006/main" xmlns:r="http://schemas.openxmlformats.org/officeDocument/2006/relationships" xmlns:p="http://schemas.openxmlformats.org/presentationml/2006/main">
-  <p:cSld>
-    <p:spTree>
-      <p:nvGrpSpPr>
-        <p:cNvPr id="1" name=""/>
-        <p:cNvGrpSpPr/>
-        <p:nvPr/>
-      </p:nvGrpSpPr>
-      <p:grpSpPr>
-        <a:xfrm>
-          <a:off x="0" y="0"/>
-          <a:ext cx="0" cy="0"/>
-          <a:chOff x="0" y="0"/>
-          <a:chExt cx="0" cy="0"/>
-        </a:xfrm>
-      </p:grpSpPr>
-      <p:sp>
-        <p:nvSpPr>
-          <p:cNvPr id="2" name="Title 1">
-            <a:extLst>
-              <a:ext uri="{FF2B5EF4-FFF2-40B4-BE49-F238E27FC236}">
-                <a16:creationId xmlns:a16="http://schemas.microsoft.com/office/drawing/2014/main" id="{E26B021A-EED9-436A-A0DE-2465435F540B}"/>
-              </a:ext>
-            </a:extLst>
-          </p:cNvPr>
-          <p:cNvSpPr>
-            <a:spLocks noGrp="1"/>
-          </p:cNvSpPr>
-          <p:nvPr>
-            <p:ph type="title"/>
-          </p:nvPr>
-        </p:nvSpPr>
-        <p:spPr/>
-        <p:txBody>
-          <a:bodyPr/>
-          <a:lstStyle/>
-          <a:p>
-            <a:r>
-              <a:rPr lang="en-US" dirty="0"/>
-              <a:t>Reservoir Computing</a:t>
-            </a:r>
-          </a:p>
-        </p:txBody>
-      </p:sp>
-      <p:sp>
-        <p:nvSpPr>
-          <p:cNvPr id="3" name="Content Placeholder 2">
-            <a:extLst>
-              <a:ext uri="{FF2B5EF4-FFF2-40B4-BE49-F238E27FC236}">
-                <a16:creationId xmlns:a16="http://schemas.microsoft.com/office/drawing/2014/main" id="{A12394C0-40B2-4333-8604-D0F03675FDF1}"/>
-              </a:ext>
-            </a:extLst>
-          </p:cNvPr>
-          <p:cNvSpPr>
-            <a:spLocks noGrp="1"/>
-          </p:cNvSpPr>
-          <p:nvPr>
-            <p:ph idx="1"/>
-          </p:nvPr>
-        </p:nvSpPr>
-        <p:spPr/>
-        <p:txBody>
-          <a:bodyPr/>
-          <a:lstStyle/>
-          <a:p>
-            <a:r>
-              <a:rPr lang="en-US" dirty="0"/>
-              <a:t>Nonlinear reservoir with fading memory is driven by an input</a:t>
-            </a:r>
-          </a:p>
-          <a:p>
-            <a:r>
-              <a:rPr lang="en-US" dirty="0"/>
-              <a:t>The input evokes complex dynamics in the reservoir</a:t>
-            </a:r>
-          </a:p>
-          <a:p>
-            <a:r>
-              <a:rPr lang="en-US" dirty="0"/>
-              <a:t>A linear readout map extracts the desired data from the reservoir</a:t>
-            </a:r>
-          </a:p>
-          <a:p>
-            <a:r>
-              <a:rPr lang="en-US" dirty="0"/>
-              <a:t>Multiple readouts can be trained with simple regression to extract different information from the same reservoir</a:t>
-            </a:r>
-          </a:p>
-          <a:p>
-            <a:r>
-              <a:rPr lang="en-US" dirty="0"/>
-              <a:t>Separated into machine learning (Echo State Machines) and biologically plausible neural dynamics (Liquid State Machines)</a:t>
-            </a:r>
-          </a:p>
-        </p:txBody>
-      </p:sp>
-    </p:spTree>
-    <p:extLst>
-      <p:ext uri="{BB962C8B-B14F-4D97-AF65-F5344CB8AC3E}">
-        <p14:creationId xmlns:p14="http://schemas.microsoft.com/office/powerpoint/2010/main" val="1741913845"/>
-      </p:ext>
-    </p:extLst>
-  </p:cSld>
-  <p:clrMapOvr>
-    <a:masterClrMapping/>
-  </p:clrMapOvr>
-</p:sld>
-</file>
-
-<file path=ppt/slides/slide6.xml><?xml version="1.0" encoding="utf-8"?>
-<p:sld xmlns:a="http://schemas.openxmlformats.org/drawingml/2006/main" xmlns:r="http://schemas.openxmlformats.org/officeDocument/2006/relationships" xmlns:p="http://schemas.openxmlformats.org/presentationml/2006/main">
-  <p:cSld>
-    <p:spTree>
-      <p:nvGrpSpPr>
-        <p:cNvPr id="1" name=""/>
-        <p:cNvGrpSpPr/>
-        <p:nvPr/>
-      </p:nvGrpSpPr>
-      <p:grpSpPr>
-        <a:xfrm>
-          <a:off x="0" y="0"/>
-          <a:ext cx="0" cy="0"/>
-          <a:chOff x="0" y="0"/>
-          <a:chExt cx="0" cy="0"/>
-        </a:xfrm>
-      </p:grpSpPr>
-      <p:sp>
-        <p:nvSpPr>
-          <p:cNvPr id="2" name="Title 1">
-            <a:extLst>
-              <a:ext uri="{FF2B5EF4-FFF2-40B4-BE49-F238E27FC236}">
-                <a16:creationId xmlns:a16="http://schemas.microsoft.com/office/drawing/2014/main" id="{9D2D6018-A37A-4F0E-AA23-7DBDE41BD009}"/>
-              </a:ext>
-            </a:extLst>
-          </p:cNvPr>
-          <p:cNvSpPr>
-            <a:spLocks noGrp="1"/>
-          </p:cNvSpPr>
-          <p:nvPr>
-            <p:ph type="title"/>
-          </p:nvPr>
-        </p:nvSpPr>
-        <p:spPr/>
-        <p:txBody>
-          <a:bodyPr/>
-          <a:lstStyle/>
-          <a:p>
-            <a:r>
-              <a:rPr lang="en-US" dirty="0"/>
-              <a:t>Liquid State Machines</a:t>
-            </a:r>
-          </a:p>
-        </p:txBody>
-      </p:sp>
-      <p:sp>
-        <p:nvSpPr>
-          <p:cNvPr id="3" name="Content Placeholder 2">
-            <a:extLst>
-              <a:ext uri="{FF2B5EF4-FFF2-40B4-BE49-F238E27FC236}">
-                <a16:creationId xmlns:a16="http://schemas.microsoft.com/office/drawing/2014/main" id="{83DD35CC-C14B-4172-B824-3A6058A9263F}"/>
-              </a:ext>
-            </a:extLst>
-          </p:cNvPr>
-          <p:cNvSpPr>
-            <a:spLocks noGrp="1"/>
-          </p:cNvSpPr>
-          <p:nvPr>
-            <p:ph idx="1"/>
-          </p:nvPr>
-        </p:nvSpPr>
-        <p:spPr/>
-        <p:txBody>
-          <a:bodyPr/>
-          <a:lstStyle/>
-          <a:p>
-            <a:r>
-              <a:rPr lang="en-US" dirty="0"/>
-              <a:t>The reservoir can be viewed as a nonlinear filter L</a:t>
-            </a:r>
-            <a:r>
-              <a:rPr lang="en-US" baseline="30000" dirty="0"/>
-              <a:t>M </a:t>
-            </a:r>
-            <a:r>
-              <a:rPr lang="en-US" dirty="0"/>
-              <a:t>that transforms an input </a:t>
-            </a:r>
-            <a:r>
-              <a:rPr lang="en-US" i="1" dirty="0"/>
-              <a:t>u</a:t>
-            </a:r>
-            <a:r>
-              <a:rPr lang="en-US" dirty="0"/>
-              <a:t> into an M-dimensional state vector </a:t>
-            </a:r>
-            <a:r>
-              <a:rPr lang="en-US" dirty="0" err="1"/>
-              <a:t>x</a:t>
-            </a:r>
-            <a:r>
-              <a:rPr lang="en-US" baseline="30000" dirty="0" err="1"/>
-              <a:t>M</a:t>
-            </a:r>
-            <a:endParaRPr lang="en-US" baseline="30000" dirty="0"/>
-          </a:p>
-          <a:p>
-            <a:r>
-              <a:rPr lang="en-US" dirty="0"/>
-              <a:t>Multiple readout functions </a:t>
-            </a:r>
-            <a:r>
-              <a:rPr lang="en-US" dirty="0" err="1"/>
-              <a:t>f</a:t>
-            </a:r>
-            <a:r>
-              <a:rPr lang="en-US" baseline="30000" dirty="0" err="1"/>
-              <a:t>M</a:t>
-            </a:r>
-            <a:r>
-              <a:rPr lang="en-US" dirty="0"/>
-              <a:t> then map the state vector onto the desired output(s) y</a:t>
-            </a:r>
-          </a:p>
-          <a:p>
-            <a:r>
-              <a:rPr lang="en-US" dirty="0"/>
-              <a:t>Readout functions are trained independently, reservoir is not trained</a:t>
-            </a:r>
-          </a:p>
-        </p:txBody>
-      </p:sp>
-      <p:sp>
-        <p:nvSpPr>
-          <p:cNvPr id="4" name="TextBox 3">
-            <a:extLst>
-              <a:ext uri="{FF2B5EF4-FFF2-40B4-BE49-F238E27FC236}">
-                <a16:creationId xmlns:a16="http://schemas.microsoft.com/office/drawing/2014/main" id="{5E90AE28-3147-402C-A26D-55ED544D00B9}"/>
+              <a:t>Schedule</a:t>
+            </a:r>
+          </a:p>
+        </p:txBody>
+      </p:sp>
+      <p:grpSp>
+        <p:nvGrpSpPr>
+          <p:cNvPr id="13" name="Group 12">
+            <a:extLst>
+              <a:ext uri="{FF2B5EF4-FFF2-40B4-BE49-F238E27FC236}">
+                <a16:creationId xmlns:a16="http://schemas.microsoft.com/office/drawing/2014/main" id="{C42EDA1F-67D2-4027-8AA7-C6D834AAC3CB}"/>
+              </a:ext>
+            </a:extLst>
+          </p:cNvPr>
+          <p:cNvGrpSpPr/>
+          <p:nvPr/>
+        </p:nvGrpSpPr>
+        <p:grpSpPr>
+          <a:xfrm>
+            <a:off x="897923" y="2159767"/>
+            <a:ext cx="10017208" cy="4110686"/>
+            <a:chOff x="897923" y="2159767"/>
+            <a:chExt cx="10017208" cy="4110686"/>
+          </a:xfrm>
+        </p:grpSpPr>
+        <p:sp>
+          <p:nvSpPr>
+            <p:cNvPr id="4" name="Rectangle 3">
+              <a:extLst>
+                <a:ext uri="{FF2B5EF4-FFF2-40B4-BE49-F238E27FC236}">
+                  <a16:creationId xmlns:a16="http://schemas.microsoft.com/office/drawing/2014/main" id="{21651C18-3945-4FDC-A013-BB0EBBB1ACA9}"/>
+                </a:ext>
+              </a:extLst>
+            </p:cNvPr>
+            <p:cNvSpPr/>
+            <p:nvPr/>
+          </p:nvSpPr>
+          <p:spPr>
+            <a:xfrm>
+              <a:off x="897923" y="2159772"/>
+              <a:ext cx="1252151" cy="4110681"/>
+            </a:xfrm>
+            <a:prstGeom prst="rect">
+              <a:avLst/>
+            </a:prstGeom>
+            <a:noFill/>
+            <a:ln>
+              <a:solidFill>
+                <a:schemeClr val="tx1"/>
+              </a:solidFill>
+            </a:ln>
+          </p:spPr>
+          <p:style>
+            <a:lnRef idx="2">
+              <a:schemeClr val="accent1">
+                <a:shade val="50000"/>
+              </a:schemeClr>
+            </a:lnRef>
+            <a:fillRef idx="1">
+              <a:schemeClr val="accent1"/>
+            </a:fillRef>
+            <a:effectRef idx="0">
+              <a:schemeClr val="accent1"/>
+            </a:effectRef>
+            <a:fontRef idx="minor">
+              <a:schemeClr val="lt1"/>
+            </a:fontRef>
+          </p:style>
+          <p:txBody>
+            <a:bodyPr rtlCol="0" anchor="ctr"/>
+            <a:lstStyle/>
+            <a:p>
+              <a:pPr algn="ctr"/>
+              <a:endParaRPr lang="en-US"/>
+            </a:p>
+          </p:txBody>
+        </p:sp>
+        <p:sp>
+          <p:nvSpPr>
+            <p:cNvPr id="5" name="Rectangle 4">
+              <a:extLst>
+                <a:ext uri="{FF2B5EF4-FFF2-40B4-BE49-F238E27FC236}">
+                  <a16:creationId xmlns:a16="http://schemas.microsoft.com/office/drawing/2014/main" id="{34E049D8-0542-457F-8EDF-ECC6CC573387}"/>
+                </a:ext>
+              </a:extLst>
+            </p:cNvPr>
+            <p:cNvSpPr/>
+            <p:nvPr/>
+          </p:nvSpPr>
+          <p:spPr>
+            <a:xfrm>
+              <a:off x="2150074" y="2159772"/>
+              <a:ext cx="1252151" cy="4110681"/>
+            </a:xfrm>
+            <a:prstGeom prst="rect">
+              <a:avLst/>
+            </a:prstGeom>
+            <a:noFill/>
+            <a:ln>
+              <a:solidFill>
+                <a:schemeClr val="tx1"/>
+              </a:solidFill>
+            </a:ln>
+          </p:spPr>
+          <p:style>
+            <a:lnRef idx="2">
+              <a:schemeClr val="accent1">
+                <a:shade val="50000"/>
+              </a:schemeClr>
+            </a:lnRef>
+            <a:fillRef idx="1">
+              <a:schemeClr val="accent1"/>
+            </a:fillRef>
+            <a:effectRef idx="0">
+              <a:schemeClr val="accent1"/>
+            </a:effectRef>
+            <a:fontRef idx="minor">
+              <a:schemeClr val="lt1"/>
+            </a:fontRef>
+          </p:style>
+          <p:txBody>
+            <a:bodyPr rtlCol="0" anchor="ctr"/>
+            <a:lstStyle/>
+            <a:p>
+              <a:pPr algn="ctr"/>
+              <a:endParaRPr lang="en-US"/>
+            </a:p>
+          </p:txBody>
+        </p:sp>
+        <p:sp>
+          <p:nvSpPr>
+            <p:cNvPr id="6" name="Rectangle 5">
+              <a:extLst>
+                <a:ext uri="{FF2B5EF4-FFF2-40B4-BE49-F238E27FC236}">
+                  <a16:creationId xmlns:a16="http://schemas.microsoft.com/office/drawing/2014/main" id="{E51B21F8-7FBE-452D-B7CB-11A0854EFD6E}"/>
+                </a:ext>
+              </a:extLst>
+            </p:cNvPr>
+            <p:cNvSpPr/>
+            <p:nvPr/>
+          </p:nvSpPr>
+          <p:spPr>
+            <a:xfrm>
+              <a:off x="3402225" y="2159771"/>
+              <a:ext cx="1252151" cy="4110681"/>
+            </a:xfrm>
+            <a:prstGeom prst="rect">
+              <a:avLst/>
+            </a:prstGeom>
+            <a:noFill/>
+            <a:ln>
+              <a:solidFill>
+                <a:schemeClr val="tx1"/>
+              </a:solidFill>
+            </a:ln>
+          </p:spPr>
+          <p:style>
+            <a:lnRef idx="2">
+              <a:schemeClr val="accent1">
+                <a:shade val="50000"/>
+              </a:schemeClr>
+            </a:lnRef>
+            <a:fillRef idx="1">
+              <a:schemeClr val="accent1"/>
+            </a:fillRef>
+            <a:effectRef idx="0">
+              <a:schemeClr val="accent1"/>
+            </a:effectRef>
+            <a:fontRef idx="minor">
+              <a:schemeClr val="lt1"/>
+            </a:fontRef>
+          </p:style>
+          <p:txBody>
+            <a:bodyPr rtlCol="0" anchor="ctr"/>
+            <a:lstStyle/>
+            <a:p>
+              <a:pPr algn="ctr"/>
+              <a:endParaRPr lang="en-US"/>
+            </a:p>
+          </p:txBody>
+        </p:sp>
+        <p:sp>
+          <p:nvSpPr>
+            <p:cNvPr id="7" name="Rectangle 6">
+              <a:extLst>
+                <a:ext uri="{FF2B5EF4-FFF2-40B4-BE49-F238E27FC236}">
+                  <a16:creationId xmlns:a16="http://schemas.microsoft.com/office/drawing/2014/main" id="{607D8CD3-C1EB-4BD1-98E1-DFC2DCE55981}"/>
+                </a:ext>
+              </a:extLst>
+            </p:cNvPr>
+            <p:cNvSpPr/>
+            <p:nvPr/>
+          </p:nvSpPr>
+          <p:spPr>
+            <a:xfrm>
+              <a:off x="4654376" y="2159770"/>
+              <a:ext cx="1252151" cy="4110681"/>
+            </a:xfrm>
+            <a:prstGeom prst="rect">
+              <a:avLst/>
+            </a:prstGeom>
+            <a:noFill/>
+            <a:ln>
+              <a:solidFill>
+                <a:schemeClr val="tx1"/>
+              </a:solidFill>
+            </a:ln>
+          </p:spPr>
+          <p:style>
+            <a:lnRef idx="2">
+              <a:schemeClr val="accent1">
+                <a:shade val="50000"/>
+              </a:schemeClr>
+            </a:lnRef>
+            <a:fillRef idx="1">
+              <a:schemeClr val="accent1"/>
+            </a:fillRef>
+            <a:effectRef idx="0">
+              <a:schemeClr val="accent1"/>
+            </a:effectRef>
+            <a:fontRef idx="minor">
+              <a:schemeClr val="lt1"/>
+            </a:fontRef>
+          </p:style>
+          <p:txBody>
+            <a:bodyPr rtlCol="0" anchor="ctr"/>
+            <a:lstStyle/>
+            <a:p>
+              <a:pPr algn="ctr"/>
+              <a:endParaRPr lang="en-US"/>
+            </a:p>
+          </p:txBody>
+        </p:sp>
+        <p:sp>
+          <p:nvSpPr>
+            <p:cNvPr id="8" name="Rectangle 7">
+              <a:extLst>
+                <a:ext uri="{FF2B5EF4-FFF2-40B4-BE49-F238E27FC236}">
+                  <a16:creationId xmlns:a16="http://schemas.microsoft.com/office/drawing/2014/main" id="{A9D14310-95A4-4CCB-B630-330A71C0D385}"/>
+                </a:ext>
+              </a:extLst>
+            </p:cNvPr>
+            <p:cNvSpPr/>
+            <p:nvPr/>
+          </p:nvSpPr>
+          <p:spPr>
+            <a:xfrm>
+              <a:off x="5906527" y="2159769"/>
+              <a:ext cx="1252151" cy="4110681"/>
+            </a:xfrm>
+            <a:prstGeom prst="rect">
+              <a:avLst/>
+            </a:prstGeom>
+            <a:noFill/>
+            <a:ln>
+              <a:solidFill>
+                <a:schemeClr val="tx1"/>
+              </a:solidFill>
+            </a:ln>
+          </p:spPr>
+          <p:style>
+            <a:lnRef idx="2">
+              <a:schemeClr val="accent1">
+                <a:shade val="50000"/>
+              </a:schemeClr>
+            </a:lnRef>
+            <a:fillRef idx="1">
+              <a:schemeClr val="accent1"/>
+            </a:fillRef>
+            <a:effectRef idx="0">
+              <a:schemeClr val="accent1"/>
+            </a:effectRef>
+            <a:fontRef idx="minor">
+              <a:schemeClr val="lt1"/>
+            </a:fontRef>
+          </p:style>
+          <p:txBody>
+            <a:bodyPr rtlCol="0" anchor="ctr"/>
+            <a:lstStyle/>
+            <a:p>
+              <a:pPr algn="ctr"/>
+              <a:endParaRPr lang="en-US"/>
+            </a:p>
+          </p:txBody>
+        </p:sp>
+        <p:sp>
+          <p:nvSpPr>
+            <p:cNvPr id="9" name="Rectangle 8">
+              <a:extLst>
+                <a:ext uri="{FF2B5EF4-FFF2-40B4-BE49-F238E27FC236}">
+                  <a16:creationId xmlns:a16="http://schemas.microsoft.com/office/drawing/2014/main" id="{82C0B2A7-BDE6-4A53-9DF9-469C7D51588D}"/>
+                </a:ext>
+              </a:extLst>
+            </p:cNvPr>
+            <p:cNvSpPr/>
+            <p:nvPr/>
+          </p:nvSpPr>
+          <p:spPr>
+            <a:xfrm>
+              <a:off x="7158678" y="2159769"/>
+              <a:ext cx="1252151" cy="4110681"/>
+            </a:xfrm>
+            <a:prstGeom prst="rect">
+              <a:avLst/>
+            </a:prstGeom>
+            <a:noFill/>
+            <a:ln>
+              <a:solidFill>
+                <a:schemeClr val="tx1"/>
+              </a:solidFill>
+            </a:ln>
+          </p:spPr>
+          <p:style>
+            <a:lnRef idx="2">
+              <a:schemeClr val="accent1">
+                <a:shade val="50000"/>
+              </a:schemeClr>
+            </a:lnRef>
+            <a:fillRef idx="1">
+              <a:schemeClr val="accent1"/>
+            </a:fillRef>
+            <a:effectRef idx="0">
+              <a:schemeClr val="accent1"/>
+            </a:effectRef>
+            <a:fontRef idx="minor">
+              <a:schemeClr val="lt1"/>
+            </a:fontRef>
+          </p:style>
+          <p:txBody>
+            <a:bodyPr rtlCol="0" anchor="ctr"/>
+            <a:lstStyle/>
+            <a:p>
+              <a:pPr algn="ctr"/>
+              <a:endParaRPr lang="en-US"/>
+            </a:p>
+          </p:txBody>
+        </p:sp>
+        <p:sp>
+          <p:nvSpPr>
+            <p:cNvPr id="10" name="Rectangle 9">
+              <a:extLst>
+                <a:ext uri="{FF2B5EF4-FFF2-40B4-BE49-F238E27FC236}">
+                  <a16:creationId xmlns:a16="http://schemas.microsoft.com/office/drawing/2014/main" id="{7CF1E7FC-BF72-485D-9CF0-BEE67AA3F47C}"/>
+                </a:ext>
+              </a:extLst>
+            </p:cNvPr>
+            <p:cNvSpPr/>
+            <p:nvPr/>
+          </p:nvSpPr>
+          <p:spPr>
+            <a:xfrm>
+              <a:off x="8410829" y="2159768"/>
+              <a:ext cx="1252151" cy="4110681"/>
+            </a:xfrm>
+            <a:prstGeom prst="rect">
+              <a:avLst/>
+            </a:prstGeom>
+            <a:noFill/>
+            <a:ln>
+              <a:solidFill>
+                <a:schemeClr val="tx1"/>
+              </a:solidFill>
+            </a:ln>
+          </p:spPr>
+          <p:style>
+            <a:lnRef idx="2">
+              <a:schemeClr val="accent1">
+                <a:shade val="50000"/>
+              </a:schemeClr>
+            </a:lnRef>
+            <a:fillRef idx="1">
+              <a:schemeClr val="accent1"/>
+            </a:fillRef>
+            <a:effectRef idx="0">
+              <a:schemeClr val="accent1"/>
+            </a:effectRef>
+            <a:fontRef idx="minor">
+              <a:schemeClr val="lt1"/>
+            </a:fontRef>
+          </p:style>
+          <p:txBody>
+            <a:bodyPr rtlCol="0" anchor="ctr"/>
+            <a:lstStyle/>
+            <a:p>
+              <a:pPr algn="ctr"/>
+              <a:endParaRPr lang="en-US"/>
+            </a:p>
+          </p:txBody>
+        </p:sp>
+        <p:sp>
+          <p:nvSpPr>
+            <p:cNvPr id="11" name="Rectangle 10">
+              <a:extLst>
+                <a:ext uri="{FF2B5EF4-FFF2-40B4-BE49-F238E27FC236}">
+                  <a16:creationId xmlns:a16="http://schemas.microsoft.com/office/drawing/2014/main" id="{3A591891-13DB-4FA1-95CA-53DBA73D70CF}"/>
+                </a:ext>
+              </a:extLst>
+            </p:cNvPr>
+            <p:cNvSpPr/>
+            <p:nvPr/>
+          </p:nvSpPr>
+          <p:spPr>
+            <a:xfrm>
+              <a:off x="9662980" y="2159767"/>
+              <a:ext cx="1252151" cy="4110681"/>
+            </a:xfrm>
+            <a:prstGeom prst="rect">
+              <a:avLst/>
+            </a:prstGeom>
+            <a:noFill/>
+            <a:ln>
+              <a:solidFill>
+                <a:schemeClr val="tx1"/>
+              </a:solidFill>
+            </a:ln>
+          </p:spPr>
+          <p:style>
+            <a:lnRef idx="2">
+              <a:schemeClr val="accent1">
+                <a:shade val="50000"/>
+              </a:schemeClr>
+            </a:lnRef>
+            <a:fillRef idx="1">
+              <a:schemeClr val="accent1"/>
+            </a:fillRef>
+            <a:effectRef idx="0">
+              <a:schemeClr val="accent1"/>
+            </a:effectRef>
+            <a:fontRef idx="minor">
+              <a:schemeClr val="lt1"/>
+            </a:fontRef>
+          </p:style>
+          <p:txBody>
+            <a:bodyPr rtlCol="0" anchor="ctr"/>
+            <a:lstStyle/>
+            <a:p>
+              <a:pPr algn="ctr"/>
+              <a:endParaRPr lang="en-US"/>
+            </a:p>
+          </p:txBody>
+        </p:sp>
+      </p:grpSp>
+      <p:sp>
+        <p:nvSpPr>
+          <p:cNvPr id="14" name="TextBox 13">
+            <a:extLst>
+              <a:ext uri="{FF2B5EF4-FFF2-40B4-BE49-F238E27FC236}">
+                <a16:creationId xmlns:a16="http://schemas.microsoft.com/office/drawing/2014/main" id="{4605EE66-F018-400C-BC27-B835C4818E8A}"/>
               </a:ext>
             </a:extLst>
           </p:cNvPr>
@@ -4775,8 +4413,8 @@
         </p:nvSpPr>
         <p:spPr>
           <a:xfrm>
-            <a:off x="1385740" y="6400800"/>
-            <a:ext cx="8909811" cy="261610"/>
+            <a:off x="897923" y="1887910"/>
+            <a:ext cx="1031051" cy="261610"/>
           </a:xfrm>
           <a:prstGeom prst="rect">
             <a:avLst/>
@@ -4791,752 +4429,27 @@
           <a:p>
             <a:r>
               <a:rPr lang="en-US" sz="1100" dirty="0"/>
-              <a:t>“Real-Time Computing Without Stable States: A New Framework for Neural Computation Based on Perturbations”, W. Maas, T. </a:t>
-            </a:r>
-            <a:r>
-              <a:rPr lang="en-US" sz="1100" dirty="0" err="1"/>
-              <a:t>Natschlager</a:t>
-            </a:r>
-            <a:r>
-              <a:rPr lang="en-US" sz="1100" dirty="0"/>
-              <a:t>, H. </a:t>
-            </a:r>
-            <a:r>
-              <a:rPr lang="en-US" sz="1100" dirty="0" err="1"/>
-              <a:t>Markram</a:t>
-            </a:r>
-            <a:endParaRPr lang="en-US" sz="1100" dirty="0"/>
-          </a:p>
-        </p:txBody>
-      </p:sp>
-      <p:pic>
-        <p:nvPicPr>
-          <p:cNvPr id="5" name="Picture 4">
-            <a:extLst>
-              <a:ext uri="{FF2B5EF4-FFF2-40B4-BE49-F238E27FC236}">
-                <a16:creationId xmlns:a16="http://schemas.microsoft.com/office/drawing/2014/main" id="{99DDBAAD-FF46-475F-A8D8-6A395C9C8940}"/>
-              </a:ext>
-            </a:extLst>
-          </p:cNvPr>
-          <p:cNvPicPr>
-            <a:picLocks noChangeAspect="1"/>
-          </p:cNvPicPr>
+              <a:t>Summer 17-18</a:t>
+            </a:r>
+          </a:p>
+        </p:txBody>
+      </p:sp>
+      <p:sp>
+        <p:nvSpPr>
+          <p:cNvPr id="15" name="TextBox 14">
+            <a:extLst>
+              <a:ext uri="{FF2B5EF4-FFF2-40B4-BE49-F238E27FC236}">
+                <a16:creationId xmlns:a16="http://schemas.microsoft.com/office/drawing/2014/main" id="{42B826C6-434E-41DF-8358-2EB1743B7DFD}"/>
+              </a:ext>
+            </a:extLst>
+          </p:cNvPr>
+          <p:cNvSpPr txBox="1"/>
           <p:nvPr/>
-        </p:nvPicPr>
-        <p:blipFill rotWithShape="1">
-          <a:blip r:embed="rId2"/>
-          <a:srcRect l="35447" t="23392" r="42211" b="55488"/>
-          <a:stretch/>
-        </p:blipFill>
+        </p:nvSpPr>
         <p:spPr>
           <a:xfrm>
-            <a:off x="2893731" y="4128940"/>
-            <a:ext cx="4309611" cy="2182960"/>
-          </a:xfrm>
-          <a:prstGeom prst="rect">
-            <a:avLst/>
-          </a:prstGeom>
-        </p:spPr>
-      </p:pic>
-    </p:spTree>
-    <p:extLst>
-      <p:ext uri="{BB962C8B-B14F-4D97-AF65-F5344CB8AC3E}">
-        <p14:creationId xmlns:p14="http://schemas.microsoft.com/office/powerpoint/2010/main" val="2046542653"/>
-      </p:ext>
-    </p:extLst>
-  </p:cSld>
-  <p:clrMapOvr>
-    <a:masterClrMapping/>
-  </p:clrMapOvr>
-</p:sld>
-</file>
-
-<file path=ppt/slides/slide7.xml><?xml version="1.0" encoding="utf-8"?>
-<p:sld xmlns:a="http://schemas.openxmlformats.org/drawingml/2006/main" xmlns:r="http://schemas.openxmlformats.org/officeDocument/2006/relationships" xmlns:p="http://schemas.openxmlformats.org/presentationml/2006/main">
-  <p:cSld>
-    <p:spTree>
-      <p:nvGrpSpPr>
-        <p:cNvPr id="1" name=""/>
-        <p:cNvGrpSpPr/>
-        <p:nvPr/>
-      </p:nvGrpSpPr>
-      <p:grpSpPr>
-        <a:xfrm>
-          <a:off x="0" y="0"/>
-          <a:ext cx="0" cy="0"/>
-          <a:chOff x="0" y="0"/>
-          <a:chExt cx="0" cy="0"/>
-        </a:xfrm>
-      </p:grpSpPr>
-      <p:sp>
-        <p:nvSpPr>
-          <p:cNvPr id="2" name="Title 1">
-            <a:extLst>
-              <a:ext uri="{FF2B5EF4-FFF2-40B4-BE49-F238E27FC236}">
-                <a16:creationId xmlns:a16="http://schemas.microsoft.com/office/drawing/2014/main" id="{9FD8D025-7D12-4932-A731-6E8DB3494ADD}"/>
-              </a:ext>
-            </a:extLst>
-          </p:cNvPr>
-          <p:cNvSpPr>
-            <a:spLocks noGrp="1"/>
-          </p:cNvSpPr>
-          <p:nvPr>
-            <p:ph type="title"/>
-          </p:nvPr>
-        </p:nvSpPr>
-        <p:spPr/>
-        <p:txBody>
-          <a:bodyPr/>
-          <a:lstStyle/>
-          <a:p>
-            <a:r>
-              <a:rPr lang="en-US" dirty="0"/>
-              <a:t>Liquid state machine reservoirs</a:t>
-            </a:r>
-          </a:p>
-        </p:txBody>
-      </p:sp>
-      <p:sp>
-        <p:nvSpPr>
-          <p:cNvPr id="3" name="Content Placeholder 2">
-            <a:extLst>
-              <a:ext uri="{FF2B5EF4-FFF2-40B4-BE49-F238E27FC236}">
-                <a16:creationId xmlns:a16="http://schemas.microsoft.com/office/drawing/2014/main" id="{3659C0DB-A609-4251-81D5-A783385106E6}"/>
-              </a:ext>
-            </a:extLst>
-          </p:cNvPr>
-          <p:cNvSpPr>
-            <a:spLocks noGrp="1"/>
-          </p:cNvSpPr>
-          <p:nvPr>
-            <p:ph idx="1"/>
-          </p:nvPr>
-        </p:nvSpPr>
-        <p:spPr/>
-        <p:txBody>
-          <a:bodyPr/>
-          <a:lstStyle/>
-          <a:p>
-            <a:r>
-              <a:rPr lang="en-US" dirty="0"/>
-              <a:t>Neural circuits have been used extensively as LSM reservoirs</a:t>
-            </a:r>
-          </a:p>
-          <a:p>
-            <a:r>
-              <a:rPr lang="en-US" dirty="0"/>
-              <a:t>Common topology is a column on a unit grid, initial work used a 3x3x15 column of 135 LIF neurons</a:t>
-            </a:r>
-          </a:p>
-          <a:p>
-            <a:r>
-              <a:rPr lang="en-US" dirty="0"/>
-              <a:t>Neuron connectivity is distance-based, biologically plausible connectivity has been shown to provide the best reservoir dynamics</a:t>
-            </a:r>
-          </a:p>
-          <a:p>
-            <a:r>
-              <a:rPr lang="en-US" dirty="0"/>
-              <a:t>Propagation times have NOT been modeled realistically, typically the propagation time down any synapse is not length-dependent</a:t>
-            </a:r>
-          </a:p>
-        </p:txBody>
-      </p:sp>
-    </p:spTree>
-    <p:extLst>
-      <p:ext uri="{BB962C8B-B14F-4D97-AF65-F5344CB8AC3E}">
-        <p14:creationId xmlns:p14="http://schemas.microsoft.com/office/powerpoint/2010/main" val="2139037655"/>
-      </p:ext>
-    </p:extLst>
-  </p:cSld>
-  <p:clrMapOvr>
-    <a:masterClrMapping/>
-  </p:clrMapOvr>
-</p:sld>
-</file>
-
-<file path=ppt/slides/slide8.xml><?xml version="1.0" encoding="utf-8"?>
-<p:sld xmlns:a="http://schemas.openxmlformats.org/drawingml/2006/main" xmlns:r="http://schemas.openxmlformats.org/officeDocument/2006/relationships" xmlns:p="http://schemas.openxmlformats.org/presentationml/2006/main">
-  <p:cSld>
-    <p:spTree>
-      <p:nvGrpSpPr>
-        <p:cNvPr id="1" name=""/>
-        <p:cNvGrpSpPr/>
-        <p:nvPr/>
-      </p:nvGrpSpPr>
-      <p:grpSpPr>
-        <a:xfrm>
-          <a:off x="0" y="0"/>
-          <a:ext cx="0" cy="0"/>
-          <a:chOff x="0" y="0"/>
-          <a:chExt cx="0" cy="0"/>
-        </a:xfrm>
-      </p:grpSpPr>
-      <p:sp>
-        <p:nvSpPr>
-          <p:cNvPr id="2" name="Title 1">
-            <a:extLst>
-              <a:ext uri="{FF2B5EF4-FFF2-40B4-BE49-F238E27FC236}">
-                <a16:creationId xmlns:a16="http://schemas.microsoft.com/office/drawing/2014/main" id="{2B4589EA-8981-4D8B-BFF9-EF6B5CEB43F6}"/>
-              </a:ext>
-            </a:extLst>
-          </p:cNvPr>
-          <p:cNvSpPr>
-            <a:spLocks noGrp="1"/>
-          </p:cNvSpPr>
-          <p:nvPr>
-            <p:ph type="title"/>
-          </p:nvPr>
-        </p:nvSpPr>
-        <p:spPr/>
-        <p:txBody>
-          <a:bodyPr/>
-          <a:lstStyle/>
-          <a:p>
-            <a:r>
-              <a:rPr lang="en-US" dirty="0"/>
-              <a:t>Neural connectivity</a:t>
-            </a:r>
-          </a:p>
-        </p:txBody>
-      </p:sp>
-      <p:grpSp>
-        <p:nvGrpSpPr>
-          <p:cNvPr id="11" name="Group 10">
-            <a:extLst>
-              <a:ext uri="{FF2B5EF4-FFF2-40B4-BE49-F238E27FC236}">
-                <a16:creationId xmlns:a16="http://schemas.microsoft.com/office/drawing/2014/main" id="{C27BBC6F-3490-477E-8494-21469B69C214}"/>
-              </a:ext>
-            </a:extLst>
-          </p:cNvPr>
-          <p:cNvGrpSpPr/>
-          <p:nvPr/>
-        </p:nvGrpSpPr>
-        <p:grpSpPr>
-          <a:xfrm>
-            <a:off x="271500" y="2996161"/>
-            <a:ext cx="11530862" cy="3715716"/>
-            <a:chOff x="167802" y="2659872"/>
-            <a:chExt cx="11802493" cy="4019952"/>
-          </a:xfrm>
-        </p:grpSpPr>
-        <p:pic>
-          <p:nvPicPr>
-            <p:cNvPr id="4" name="Picture 3">
-              <a:extLst>
-                <a:ext uri="{FF2B5EF4-FFF2-40B4-BE49-F238E27FC236}">
-                  <a16:creationId xmlns:a16="http://schemas.microsoft.com/office/drawing/2014/main" id="{2586738C-618A-4C35-98F4-DE8DD67C07DC}"/>
-                </a:ext>
-              </a:extLst>
-            </p:cNvPr>
-            <p:cNvPicPr>
-              <a:picLocks noChangeAspect="1"/>
-            </p:cNvPicPr>
-            <p:nvPr/>
-          </p:nvPicPr>
-          <p:blipFill>
-            <a:blip r:embed="rId2">
-              <a:extLst>
-                <a:ext uri="{28A0092B-C50C-407E-A947-70E740481C1C}">
-                  <a14:useLocalDpi xmlns:a14="http://schemas.microsoft.com/office/drawing/2010/main" val="0"/>
-                </a:ext>
-              </a:extLst>
-            </a:blip>
-            <a:stretch>
-              <a:fillRect/>
-            </a:stretch>
-          </p:blipFill>
-          <p:spPr>
-            <a:xfrm>
-              <a:off x="167802" y="2667787"/>
-              <a:ext cx="3009028" cy="4012037"/>
-            </a:xfrm>
-            <a:prstGeom prst="rect">
-              <a:avLst/>
-            </a:prstGeom>
-          </p:spPr>
-        </p:pic>
-        <p:pic>
-          <p:nvPicPr>
-            <p:cNvPr id="6" name="Picture 5">
-              <a:extLst>
-                <a:ext uri="{FF2B5EF4-FFF2-40B4-BE49-F238E27FC236}">
-                  <a16:creationId xmlns:a16="http://schemas.microsoft.com/office/drawing/2014/main" id="{6FDD1A8E-7A14-4A69-A89F-C48D23E58495}"/>
-                </a:ext>
-              </a:extLst>
-            </p:cNvPr>
-            <p:cNvPicPr>
-              <a:picLocks noChangeAspect="1"/>
-            </p:cNvPicPr>
-            <p:nvPr/>
-          </p:nvPicPr>
-          <p:blipFill>
-            <a:blip r:embed="rId3">
-              <a:extLst>
-                <a:ext uri="{28A0092B-C50C-407E-A947-70E740481C1C}">
-                  <a14:useLocalDpi xmlns:a14="http://schemas.microsoft.com/office/drawing/2010/main" val="0"/>
-                </a:ext>
-              </a:extLst>
-            </a:blip>
-            <a:stretch>
-              <a:fillRect/>
-            </a:stretch>
-          </p:blipFill>
-          <p:spPr>
-            <a:xfrm>
-              <a:off x="3124922" y="2667786"/>
-              <a:ext cx="3009028" cy="4012037"/>
-            </a:xfrm>
-            <a:prstGeom prst="rect">
-              <a:avLst/>
-            </a:prstGeom>
-          </p:spPr>
-        </p:pic>
-        <p:pic>
-          <p:nvPicPr>
-            <p:cNvPr id="8" name="Picture 7">
-              <a:extLst>
-                <a:ext uri="{FF2B5EF4-FFF2-40B4-BE49-F238E27FC236}">
-                  <a16:creationId xmlns:a16="http://schemas.microsoft.com/office/drawing/2014/main" id="{10EB060F-ED99-45D3-9BB2-BF5E00DF35DD}"/>
-                </a:ext>
-              </a:extLst>
-            </p:cNvPr>
-            <p:cNvPicPr>
-              <a:picLocks noChangeAspect="1"/>
-            </p:cNvPicPr>
-            <p:nvPr/>
-          </p:nvPicPr>
-          <p:blipFill>
-            <a:blip r:embed="rId4">
-              <a:extLst>
-                <a:ext uri="{28A0092B-C50C-407E-A947-70E740481C1C}">
-                  <a14:useLocalDpi xmlns:a14="http://schemas.microsoft.com/office/drawing/2010/main" val="0"/>
-                </a:ext>
-              </a:extLst>
-            </a:blip>
-            <a:stretch>
-              <a:fillRect/>
-            </a:stretch>
-          </p:blipFill>
-          <p:spPr>
-            <a:xfrm>
-              <a:off x="6082042" y="2659872"/>
-              <a:ext cx="2924485" cy="3955490"/>
-            </a:xfrm>
-            <a:prstGeom prst="rect">
-              <a:avLst/>
-            </a:prstGeom>
-          </p:spPr>
-        </p:pic>
-        <p:pic>
-          <p:nvPicPr>
-            <p:cNvPr id="10" name="Picture 9">
-              <a:extLst>
-                <a:ext uri="{FF2B5EF4-FFF2-40B4-BE49-F238E27FC236}">
-                  <a16:creationId xmlns:a16="http://schemas.microsoft.com/office/drawing/2014/main" id="{E19EC181-8761-4482-AC58-05BD0979493D}"/>
-                </a:ext>
-              </a:extLst>
-            </p:cNvPr>
-            <p:cNvPicPr>
-              <a:picLocks noChangeAspect="1"/>
-            </p:cNvPicPr>
-            <p:nvPr/>
-          </p:nvPicPr>
-          <p:blipFill>
-            <a:blip r:embed="rId5">
-              <a:extLst>
-                <a:ext uri="{28A0092B-C50C-407E-A947-70E740481C1C}">
-                  <a14:useLocalDpi xmlns:a14="http://schemas.microsoft.com/office/drawing/2010/main" val="0"/>
-                </a:ext>
-              </a:extLst>
-            </a:blip>
-            <a:stretch>
-              <a:fillRect/>
-            </a:stretch>
-          </p:blipFill>
-          <p:spPr>
-            <a:xfrm>
-              <a:off x="8961268" y="2667784"/>
-              <a:ext cx="3009027" cy="4012036"/>
-            </a:xfrm>
-            <a:prstGeom prst="rect">
-              <a:avLst/>
-            </a:prstGeom>
-          </p:spPr>
-        </p:pic>
-      </p:grpSp>
-      <mc:AlternateContent xmlns:mc="http://schemas.openxmlformats.org/markup-compatibility/2006" xmlns:a14="http://schemas.microsoft.com/office/drawing/2010/main">
-        <mc:Choice Requires="a14">
-          <p:sp>
-            <p:nvSpPr>
-              <p:cNvPr id="12" name="TextBox 11">
-                <a:extLst>
-                  <a:ext uri="{FF2B5EF4-FFF2-40B4-BE49-F238E27FC236}">
-                    <a16:creationId xmlns:a16="http://schemas.microsoft.com/office/drawing/2014/main" id="{32093033-12DB-4973-AEA5-F1D6B322CD25}"/>
-                  </a:ext>
-                </a:extLst>
-              </p:cNvPr>
-              <p:cNvSpPr txBox="1"/>
-              <p:nvPr/>
-            </p:nvSpPr>
-            <p:spPr>
-              <a:xfrm>
-                <a:off x="1319134" y="1538949"/>
-                <a:ext cx="6696705" cy="1062214"/>
-              </a:xfrm>
-              <a:prstGeom prst="rect">
-                <a:avLst/>
-              </a:prstGeom>
-              <a:noFill/>
-            </p:spPr>
-            <p:txBody>
-              <a:bodyPr wrap="none" rtlCol="0">
-                <a:spAutoFit/>
-              </a:bodyPr>
-              <a:lstStyle/>
-              <a:p>
-                <a:r>
-                  <a:rPr lang="en-US" dirty="0"/>
-                  <a:t>Connection probability depends on neuron distance, </a:t>
-                </a:r>
-                <a14:m>
-                  <m:oMath xmlns:m="http://schemas.openxmlformats.org/officeDocument/2006/math">
-                    <m:sSub>
-                      <m:sSubPr>
-                        <m:ctrlPr>
-                          <a:rPr lang="en-US" b="0" i="1" smtClean="0">
-                            <a:latin typeface="Cambria Math" panose="02040503050406030204" pitchFamily="18" charset="0"/>
-                          </a:rPr>
-                        </m:ctrlPr>
-                      </m:sSubPr>
-                      <m:e>
-                        <m:r>
-                          <a:rPr lang="en-US" b="0" i="1" smtClean="0">
-                            <a:latin typeface="Cambria Math" panose="02040503050406030204" pitchFamily="18" charset="0"/>
-                          </a:rPr>
-                          <m:t>𝑃</m:t>
-                        </m:r>
-                      </m:e>
-                      <m:sub>
-                        <m:r>
-                          <a:rPr lang="en-US" b="0" i="1" smtClean="0">
-                            <a:latin typeface="Cambria Math" panose="02040503050406030204" pitchFamily="18" charset="0"/>
-                          </a:rPr>
-                          <m:t>12</m:t>
-                        </m:r>
-                      </m:sub>
-                    </m:sSub>
-                    <m:r>
-                      <a:rPr lang="en-US" b="0" i="1" smtClean="0">
-                        <a:latin typeface="Cambria Math" panose="02040503050406030204" pitchFamily="18" charset="0"/>
-                      </a:rPr>
-                      <m:t>=</m:t>
-                    </m:r>
-                    <m:sSup>
-                      <m:sSupPr>
-                        <m:ctrlPr>
-                          <a:rPr lang="en-US" i="1">
-                            <a:latin typeface="Cambria Math" panose="02040503050406030204" pitchFamily="18" charset="0"/>
-                          </a:rPr>
-                        </m:ctrlPr>
-                      </m:sSupPr>
-                      <m:e>
-                        <m:r>
-                          <a:rPr lang="en-US" i="1">
-                            <a:latin typeface="Cambria Math" panose="02040503050406030204" pitchFamily="18" charset="0"/>
-                          </a:rPr>
-                          <m:t>𝑒</m:t>
-                        </m:r>
-                      </m:e>
-                      <m:sup>
-                        <m:r>
-                          <a:rPr lang="en-US" i="1">
-                            <a:latin typeface="Cambria Math" panose="02040503050406030204" pitchFamily="18" charset="0"/>
-                          </a:rPr>
-                          <m:t>−</m:t>
-                        </m:r>
-                        <m:d>
-                          <m:dPr>
-                            <m:ctrlPr>
-                              <a:rPr lang="en-US" i="1">
-                                <a:latin typeface="Cambria Math" panose="02040503050406030204" pitchFamily="18" charset="0"/>
-                              </a:rPr>
-                            </m:ctrlPr>
-                          </m:dPr>
-                          <m:e>
-                            <m:f>
-                              <m:fPr>
-                                <m:type m:val="skw"/>
-                                <m:ctrlPr>
-                                  <a:rPr lang="en-US" i="1" smtClean="0">
-                                    <a:latin typeface="Cambria Math" panose="02040503050406030204" pitchFamily="18" charset="0"/>
-                                  </a:rPr>
-                                </m:ctrlPr>
-                              </m:fPr>
-                              <m:num>
-                                <m:sSub>
-                                  <m:sSubPr>
-                                    <m:ctrlPr>
-                                      <a:rPr lang="en-US" i="1" smtClean="0">
-                                        <a:latin typeface="Cambria Math" panose="02040503050406030204" pitchFamily="18" charset="0"/>
-                                      </a:rPr>
-                                    </m:ctrlPr>
-                                  </m:sSubPr>
-                                  <m:e>
-                                    <m:r>
-                                      <a:rPr lang="en-US" b="0" i="1" smtClean="0">
-                                        <a:latin typeface="Cambria Math" panose="02040503050406030204" pitchFamily="18" charset="0"/>
-                                      </a:rPr>
-                                      <m:t>𝐷</m:t>
-                                    </m:r>
-                                  </m:e>
-                                  <m:sub>
-                                    <m:r>
-                                      <a:rPr lang="en-US" b="0" i="1" smtClean="0">
-                                        <a:latin typeface="Cambria Math" panose="02040503050406030204" pitchFamily="18" charset="0"/>
-                                      </a:rPr>
-                                      <m:t>12</m:t>
-                                    </m:r>
-                                  </m:sub>
-                                </m:sSub>
-                              </m:num>
-                              <m:den>
-                                <m:r>
-                                  <m:rPr>
-                                    <m:nor/>
-                                  </m:rPr>
-                                  <a:rPr lang="el-GR" dirty="0"/>
-                                  <m:t>λ</m:t>
-                                </m:r>
-                              </m:den>
-                            </m:f>
-                          </m:e>
-                        </m:d>
-                        <m:r>
-                          <a:rPr lang="en-US" i="1">
-                            <a:latin typeface="Cambria Math" panose="02040503050406030204" pitchFamily="18" charset="0"/>
-                          </a:rPr>
-                          <m:t>2</m:t>
-                        </m:r>
-                      </m:sup>
-                    </m:sSup>
-                  </m:oMath>
-                </a14:m>
-                <a:endParaRPr lang="en-US" dirty="0"/>
-              </a:p>
-              <a:p>
-                <a:r>
-                  <a:rPr lang="en-US" dirty="0"/>
-                  <a:t>Original LSM paper (Maas 2002) found best performance for </a:t>
-                </a:r>
-                <a:r>
-                  <a:rPr lang="el-GR" dirty="0"/>
-                  <a:t>λ</a:t>
-                </a:r>
-                <a:r>
-                  <a:rPr lang="en-US" dirty="0"/>
-                  <a:t>=2</a:t>
-                </a:r>
-              </a:p>
-              <a:p>
-                <a:r>
-                  <a:rPr lang="en-US" dirty="0"/>
-                  <a:t>3x3x15 column on integer grid locations, 135 neurons</a:t>
-                </a:r>
-              </a:p>
-            </p:txBody>
-          </p:sp>
-        </mc:Choice>
-        <mc:Fallback xmlns="">
-          <p:sp>
-            <p:nvSpPr>
-              <p:cNvPr id="12" name="TextBox 11">
-                <a:extLst>
-                  <a:ext uri="{FF2B5EF4-FFF2-40B4-BE49-F238E27FC236}">
-                    <a16:creationId xmlns:a16="http://schemas.microsoft.com/office/drawing/2014/main" id="{32093033-12DB-4973-AEA5-F1D6B322CD25}"/>
-                  </a:ext>
-                </a:extLst>
-              </p:cNvPr>
-              <p:cNvSpPr txBox="1">
-                <a:spLocks noRot="1" noChangeAspect="1" noMove="1" noResize="1" noEditPoints="1" noAdjustHandles="1" noChangeArrowheads="1" noChangeShapeType="1" noTextEdit="1"/>
-              </p:cNvSpPr>
-              <p:nvPr/>
-            </p:nvSpPr>
-            <p:spPr>
-              <a:xfrm>
-                <a:off x="1319134" y="1538949"/>
-                <a:ext cx="6696705" cy="1062214"/>
-              </a:xfrm>
-              <a:prstGeom prst="rect">
-                <a:avLst/>
-              </a:prstGeom>
-              <a:blipFill>
-                <a:blip r:embed="rId6"/>
-                <a:stretch>
-                  <a:fillRect l="-728" b="-8000"/>
-                </a:stretch>
-              </a:blipFill>
-            </p:spPr>
-            <p:txBody>
-              <a:bodyPr/>
-              <a:lstStyle/>
-              <a:p>
-                <a:r>
-                  <a:rPr lang="en-US">
-                    <a:noFill/>
-                  </a:rPr>
-                  <a:t> </a:t>
-                </a:r>
-              </a:p>
-            </p:txBody>
-          </p:sp>
-        </mc:Fallback>
-      </mc:AlternateContent>
-      <p:pic>
-        <p:nvPicPr>
-          <p:cNvPr id="13" name="Picture 12">
-            <a:extLst>
-              <a:ext uri="{FF2B5EF4-FFF2-40B4-BE49-F238E27FC236}">
-                <a16:creationId xmlns:a16="http://schemas.microsoft.com/office/drawing/2014/main" id="{2C014946-5F99-4ED7-BBC6-2610D83D2C61}"/>
-              </a:ext>
-            </a:extLst>
-          </p:cNvPr>
-          <p:cNvPicPr>
-            <a:picLocks noChangeAspect="1"/>
-          </p:cNvPicPr>
-          <p:nvPr/>
-        </p:nvPicPr>
-        <p:blipFill rotWithShape="1">
-          <a:blip r:embed="rId7"/>
-          <a:srcRect l="40816" t="17845" r="42368" b="54604"/>
-          <a:stretch/>
-        </p:blipFill>
-        <p:spPr>
-          <a:xfrm>
-            <a:off x="8961268" y="1032543"/>
-            <a:ext cx="2247202" cy="1972896"/>
-          </a:xfrm>
-          <a:prstGeom prst="rect">
-            <a:avLst/>
-          </a:prstGeom>
-        </p:spPr>
-      </p:pic>
-      <p:cxnSp>
-        <p:nvCxnSpPr>
-          <p:cNvPr id="15" name="Straight Arrow Connector 14">
-            <a:extLst>
-              <a:ext uri="{FF2B5EF4-FFF2-40B4-BE49-F238E27FC236}">
-                <a16:creationId xmlns:a16="http://schemas.microsoft.com/office/drawing/2014/main" id="{ED8A61D4-2AA1-4259-A52B-A0B463AB14DA}"/>
-              </a:ext>
-            </a:extLst>
-          </p:cNvPr>
-          <p:cNvCxnSpPr/>
-          <p:nvPr/>
-        </p:nvCxnSpPr>
-        <p:spPr>
-          <a:xfrm>
-            <a:off x="7516141" y="2147227"/>
-            <a:ext cx="1232034" cy="0"/>
-          </a:xfrm>
-          <a:prstGeom prst="straightConnector1">
-            <a:avLst/>
-          </a:prstGeom>
-          <a:ln w="19050">
-            <a:solidFill>
-              <a:schemeClr val="tx1"/>
-            </a:solidFill>
-            <a:tailEnd type="triangle"/>
-          </a:ln>
-        </p:spPr>
-        <p:style>
-          <a:lnRef idx="1">
-            <a:schemeClr val="accent1"/>
-          </a:lnRef>
-          <a:fillRef idx="0">
-            <a:schemeClr val="accent1"/>
-          </a:fillRef>
-          <a:effectRef idx="0">
-            <a:schemeClr val="accent1"/>
-          </a:effectRef>
-          <a:fontRef idx="minor">
-            <a:schemeClr val="tx1"/>
-          </a:fontRef>
-        </p:style>
-      </p:cxnSp>
-    </p:spTree>
-    <p:extLst>
-      <p:ext uri="{BB962C8B-B14F-4D97-AF65-F5344CB8AC3E}">
-        <p14:creationId xmlns:p14="http://schemas.microsoft.com/office/powerpoint/2010/main" val="2915437618"/>
-      </p:ext>
-    </p:extLst>
-  </p:cSld>
-  <p:clrMapOvr>
-    <a:masterClrMapping/>
-  </p:clrMapOvr>
-</p:sld>
-</file>
-
-<file path=ppt/slides/slide9.xml><?xml version="1.0" encoding="utf-8"?>
-<p:sld xmlns:a="http://schemas.openxmlformats.org/drawingml/2006/main" xmlns:r="http://schemas.openxmlformats.org/officeDocument/2006/relationships" xmlns:p="http://schemas.openxmlformats.org/presentationml/2006/main">
-  <p:cSld>
-    <p:spTree>
-      <p:nvGrpSpPr>
-        <p:cNvPr id="1" name=""/>
-        <p:cNvGrpSpPr/>
-        <p:nvPr/>
-      </p:nvGrpSpPr>
-      <p:grpSpPr>
-        <a:xfrm>
-          <a:off x="0" y="0"/>
-          <a:ext cx="0" cy="0"/>
-          <a:chOff x="0" y="0"/>
-          <a:chExt cx="0" cy="0"/>
-        </a:xfrm>
-      </p:grpSpPr>
-      <p:sp>
-        <p:nvSpPr>
-          <p:cNvPr id="2" name="Title 1">
-            <a:extLst>
-              <a:ext uri="{FF2B5EF4-FFF2-40B4-BE49-F238E27FC236}">
-                <a16:creationId xmlns:a16="http://schemas.microsoft.com/office/drawing/2014/main" id="{0AC06743-6B50-480B-AF62-78FE9E6F21DD}"/>
-              </a:ext>
-            </a:extLst>
-          </p:cNvPr>
-          <p:cNvSpPr>
-            <a:spLocks noGrp="1"/>
-          </p:cNvSpPr>
-          <p:nvPr>
-            <p:ph type="title"/>
-          </p:nvPr>
-        </p:nvSpPr>
-        <p:spPr/>
-        <p:txBody>
-          <a:bodyPr/>
-          <a:lstStyle/>
-          <a:p>
-            <a:r>
-              <a:rPr lang="en-US" dirty="0"/>
-              <a:t>Fidelity spectrum of neural models</a:t>
-            </a:r>
-          </a:p>
-        </p:txBody>
-      </p:sp>
-      <p:sp>
-        <p:nvSpPr>
-          <p:cNvPr id="4" name="TextBox 3">
-            <a:extLst>
-              <a:ext uri="{FF2B5EF4-FFF2-40B4-BE49-F238E27FC236}">
-                <a16:creationId xmlns:a16="http://schemas.microsoft.com/office/drawing/2014/main" id="{86F20EE2-F255-489D-83D1-7241EE951B74}"/>
-              </a:ext>
-            </a:extLst>
-          </p:cNvPr>
-          <p:cNvSpPr txBox="1"/>
-          <p:nvPr/>
-        </p:nvSpPr>
-        <p:spPr>
-          <a:xfrm>
-            <a:off x="414779" y="4034674"/>
-            <a:ext cx="2328138" cy="923330"/>
+            <a:off x="2299535" y="1887910"/>
+            <a:ext cx="744114" cy="261610"/>
           </a:xfrm>
           <a:prstGeom prst="rect">
             <a:avLst/>
@@ -5550,48 +4463,18 @@
           <a:lstStyle/>
           <a:p>
             <a:r>
-              <a:rPr lang="en-US" dirty="0"/>
-              <a:t>Perceptron:</a:t>
-            </a:r>
-          </a:p>
-          <a:p>
-            <a:pPr marL="285750" indent="-285750">
-              <a:buFont typeface="Arial" panose="020B0604020202020204" pitchFamily="34" charset="0"/>
-              <a:buChar char="•"/>
-            </a:pPr>
-            <a:r>
-              <a:rPr lang="en-US" sz="1200" dirty="0"/>
-              <a:t>Weighted sum of input values</a:t>
-            </a:r>
-          </a:p>
-          <a:p>
-            <a:pPr marL="285750" indent="-285750">
-              <a:buFont typeface="Arial" panose="020B0604020202020204" pitchFamily="34" charset="0"/>
-              <a:buChar char="•"/>
-            </a:pPr>
-            <a:r>
-              <a:rPr lang="en-US" sz="1200" dirty="0"/>
-              <a:t>No dynamic behavior</a:t>
-            </a:r>
-          </a:p>
-          <a:p>
-            <a:pPr marL="285750" indent="-285750">
-              <a:buFont typeface="Arial" panose="020B0604020202020204" pitchFamily="34" charset="0"/>
-              <a:buChar char="•"/>
-            </a:pPr>
-            <a:r>
-              <a:rPr lang="en-US" sz="1200" dirty="0"/>
-              <a:t>Not spiking</a:t>
-            </a:r>
-          </a:p>
-        </p:txBody>
-      </p:sp>
-      <p:sp>
-        <p:nvSpPr>
-          <p:cNvPr id="5" name="TextBox 4">
-            <a:extLst>
-              <a:ext uri="{FF2B5EF4-FFF2-40B4-BE49-F238E27FC236}">
-                <a16:creationId xmlns:a16="http://schemas.microsoft.com/office/drawing/2014/main" id="{4A5AB6B7-8CD0-41A9-A8FD-5435E980A750}"/>
+              <a:rPr lang="en-US" sz="1100" dirty="0"/>
+              <a:t>Fall 18-19</a:t>
+            </a:r>
+          </a:p>
+        </p:txBody>
+      </p:sp>
+      <p:sp>
+        <p:nvSpPr>
+          <p:cNvPr id="16" name="TextBox 15">
+            <a:extLst>
+              <a:ext uri="{FF2B5EF4-FFF2-40B4-BE49-F238E27FC236}">
+                <a16:creationId xmlns:a16="http://schemas.microsoft.com/office/drawing/2014/main" id="{0C8CB37B-D058-4D1F-AC85-7518B999C023}"/>
               </a:ext>
             </a:extLst>
           </p:cNvPr>
@@ -5600,8 +4483,8 @@
         </p:nvSpPr>
         <p:spPr>
           <a:xfrm>
-            <a:off x="5866383" y="4034674"/>
-            <a:ext cx="2226527" cy="1292662"/>
+            <a:off x="3595453" y="1887910"/>
+            <a:ext cx="946093" cy="261610"/>
           </a:xfrm>
           <a:prstGeom prst="rect">
             <a:avLst/>
@@ -5609,58 +4492,24 @@
           <a:noFill/>
         </p:spPr>
         <p:txBody>
-          <a:bodyPr wrap="square" rtlCol="0">
+          <a:bodyPr wrap="none" rtlCol="0">
             <a:spAutoFit/>
           </a:bodyPr>
           <a:lstStyle/>
           <a:p>
             <a:r>
-              <a:rPr lang="en-US" dirty="0" err="1"/>
-              <a:t>Izhikevich</a:t>
-            </a:r>
-            <a:r>
-              <a:rPr lang="en-US" dirty="0"/>
-              <a:t>:</a:t>
-            </a:r>
-          </a:p>
-          <a:p>
-            <a:pPr marL="285750" indent="-285750">
-              <a:buFont typeface="Arial" panose="020B0604020202020204" pitchFamily="34" charset="0"/>
-              <a:buChar char="•"/>
-            </a:pPr>
-            <a:r>
-              <a:rPr lang="en-US" sz="1200" dirty="0"/>
-              <a:t>Two coupled differential equations</a:t>
-            </a:r>
-          </a:p>
-          <a:p>
-            <a:pPr marL="285750" indent="-285750">
-              <a:buFont typeface="Arial" panose="020B0604020202020204" pitchFamily="34" charset="0"/>
-              <a:buChar char="•"/>
-            </a:pPr>
-            <a:r>
-              <a:rPr lang="en-US" sz="1200" dirty="0"/>
-              <a:t>Four parameters</a:t>
-            </a:r>
-          </a:p>
-          <a:p>
-            <a:pPr marL="285750" indent="-285750">
-              <a:buFont typeface="Arial" panose="020B0604020202020204" pitchFamily="34" charset="0"/>
-              <a:buChar char="•"/>
-            </a:pPr>
-            <a:r>
-              <a:rPr lang="en-US" sz="1200" dirty="0"/>
-              <a:t>Replicates observed spiking patterns</a:t>
-            </a:r>
-          </a:p>
-        </p:txBody>
-      </p:sp>
-      <p:sp>
-        <p:nvSpPr>
-          <p:cNvPr id="6" name="TextBox 5">
-            <a:extLst>
-              <a:ext uri="{FF2B5EF4-FFF2-40B4-BE49-F238E27FC236}">
-                <a16:creationId xmlns:a16="http://schemas.microsoft.com/office/drawing/2014/main" id="{C7385791-9C5A-443B-A2D8-FFFE2EC0CAAF}"/>
+              <a:rPr lang="en-US" sz="1100" dirty="0"/>
+              <a:t>Winter 18-19</a:t>
+            </a:r>
+          </a:p>
+        </p:txBody>
+      </p:sp>
+      <p:sp>
+        <p:nvSpPr>
+          <p:cNvPr id="17" name="TextBox 16">
+            <a:extLst>
+              <a:ext uri="{FF2B5EF4-FFF2-40B4-BE49-F238E27FC236}">
+                <a16:creationId xmlns:a16="http://schemas.microsoft.com/office/drawing/2014/main" id="{6B4177D7-7D6C-42D2-BF8A-6B7C36747941}"/>
               </a:ext>
             </a:extLst>
           </p:cNvPr>
@@ -5669,8 +4518,8 @@
         </p:nvSpPr>
         <p:spPr>
           <a:xfrm>
-            <a:off x="8698861" y="4034674"/>
-            <a:ext cx="2706895" cy="923330"/>
+            <a:off x="4785049" y="1887910"/>
+            <a:ext cx="907621" cy="261610"/>
           </a:xfrm>
           <a:prstGeom prst="rect">
             <a:avLst/>
@@ -5684,52 +4533,158 @@
           <a:lstStyle/>
           <a:p>
             <a:r>
-              <a:rPr lang="en-US" dirty="0" err="1"/>
-              <a:t>Hodgkins</a:t>
-            </a:r>
-            <a:r>
-              <a:rPr lang="en-US" dirty="0"/>
-              <a:t>-Huxley:</a:t>
-            </a:r>
-          </a:p>
-          <a:p>
-            <a:pPr marL="285750" indent="-285750">
-              <a:buFont typeface="Arial" panose="020B0604020202020204" pitchFamily="34" charset="0"/>
-              <a:buChar char="•"/>
-            </a:pPr>
-            <a:r>
-              <a:rPr lang="en-US" sz="1200" dirty="0"/>
-              <a:t>Four coupled differential equations</a:t>
-            </a:r>
-          </a:p>
-          <a:p>
-            <a:pPr marL="285750" indent="-285750">
-              <a:buFont typeface="Arial" panose="020B0604020202020204" pitchFamily="34" charset="0"/>
-              <a:buChar char="•"/>
-            </a:pPr>
-            <a:r>
-              <a:rPr lang="en-US" sz="1200" dirty="0"/>
-              <a:t>&gt;10 parameters</a:t>
-            </a:r>
-          </a:p>
-          <a:p>
-            <a:pPr marL="285750" indent="-285750">
-              <a:buFont typeface="Arial" panose="020B0604020202020204" pitchFamily="34" charset="0"/>
-              <a:buChar char="•"/>
-            </a:pPr>
-            <a:r>
-              <a:rPr lang="en-US" sz="1200" dirty="0"/>
-              <a:t>Corresponds to known ion channels</a:t>
-            </a:r>
-          </a:p>
-        </p:txBody>
-      </p:sp>
-      <p:sp>
-        <p:nvSpPr>
-          <p:cNvPr id="9" name="Arrow: Right 8">
-            <a:extLst>
-              <a:ext uri="{FF2B5EF4-FFF2-40B4-BE49-F238E27FC236}">
-                <a16:creationId xmlns:a16="http://schemas.microsoft.com/office/drawing/2014/main" id="{E2E59867-3B45-4A3C-9E9F-71412D72B957}"/>
+              <a:rPr lang="en-US" sz="1100" dirty="0"/>
+              <a:t>Spring 18-19</a:t>
+            </a:r>
+          </a:p>
+        </p:txBody>
+      </p:sp>
+      <p:sp>
+        <p:nvSpPr>
+          <p:cNvPr id="18" name="TextBox 17">
+            <a:extLst>
+              <a:ext uri="{FF2B5EF4-FFF2-40B4-BE49-F238E27FC236}">
+                <a16:creationId xmlns:a16="http://schemas.microsoft.com/office/drawing/2014/main" id="{23374780-747D-4411-8F75-D110BB317479}"/>
+              </a:ext>
+            </a:extLst>
+          </p:cNvPr>
+          <p:cNvSpPr txBox="1"/>
+          <p:nvPr/>
+        </p:nvSpPr>
+        <p:spPr>
+          <a:xfrm>
+            <a:off x="6045521" y="1887910"/>
+            <a:ext cx="1031051" cy="261610"/>
+          </a:xfrm>
+          <a:prstGeom prst="rect">
+            <a:avLst/>
+          </a:prstGeom>
+          <a:noFill/>
+        </p:spPr>
+        <p:txBody>
+          <a:bodyPr wrap="none" rtlCol="0">
+            <a:spAutoFit/>
+          </a:bodyPr>
+          <a:lstStyle/>
+          <a:p>
+            <a:r>
+              <a:rPr lang="en-US" sz="1100" dirty="0"/>
+              <a:t>Summer 18-19</a:t>
+            </a:r>
+          </a:p>
+        </p:txBody>
+      </p:sp>
+      <p:sp>
+        <p:nvSpPr>
+          <p:cNvPr id="19" name="TextBox 18">
+            <a:extLst>
+              <a:ext uri="{FF2B5EF4-FFF2-40B4-BE49-F238E27FC236}">
+                <a16:creationId xmlns:a16="http://schemas.microsoft.com/office/drawing/2014/main" id="{EBCB6C7A-9E75-4051-B217-35CC731A37DC}"/>
+              </a:ext>
+            </a:extLst>
+          </p:cNvPr>
+          <p:cNvSpPr txBox="1"/>
+          <p:nvPr/>
+        </p:nvSpPr>
+        <p:spPr>
+          <a:xfrm>
+            <a:off x="7266948" y="1887910"/>
+            <a:ext cx="744114" cy="261610"/>
+          </a:xfrm>
+          <a:prstGeom prst="rect">
+            <a:avLst/>
+          </a:prstGeom>
+          <a:noFill/>
+        </p:spPr>
+        <p:txBody>
+          <a:bodyPr wrap="none" rtlCol="0">
+            <a:spAutoFit/>
+          </a:bodyPr>
+          <a:lstStyle/>
+          <a:p>
+            <a:r>
+              <a:rPr lang="en-US" sz="1100" dirty="0"/>
+              <a:t>Fall 19-20</a:t>
+            </a:r>
+          </a:p>
+        </p:txBody>
+      </p:sp>
+      <p:sp>
+        <p:nvSpPr>
+          <p:cNvPr id="20" name="TextBox 19">
+            <a:extLst>
+              <a:ext uri="{FF2B5EF4-FFF2-40B4-BE49-F238E27FC236}">
+                <a16:creationId xmlns:a16="http://schemas.microsoft.com/office/drawing/2014/main" id="{5891B2E6-73EE-43C3-B0AD-AC717EB6BB73}"/>
+              </a:ext>
+            </a:extLst>
+          </p:cNvPr>
+          <p:cNvSpPr txBox="1"/>
+          <p:nvPr/>
+        </p:nvSpPr>
+        <p:spPr>
+          <a:xfrm>
+            <a:off x="8607913" y="1887910"/>
+            <a:ext cx="946093" cy="261610"/>
+          </a:xfrm>
+          <a:prstGeom prst="rect">
+            <a:avLst/>
+          </a:prstGeom>
+          <a:noFill/>
+        </p:spPr>
+        <p:txBody>
+          <a:bodyPr wrap="none" rtlCol="0">
+            <a:spAutoFit/>
+          </a:bodyPr>
+          <a:lstStyle/>
+          <a:p>
+            <a:r>
+              <a:rPr lang="en-US" sz="1100" dirty="0"/>
+              <a:t>Winter 19-20</a:t>
+            </a:r>
+          </a:p>
+        </p:txBody>
+      </p:sp>
+      <p:sp>
+        <p:nvSpPr>
+          <p:cNvPr id="21" name="TextBox 20">
+            <a:extLst>
+              <a:ext uri="{FF2B5EF4-FFF2-40B4-BE49-F238E27FC236}">
+                <a16:creationId xmlns:a16="http://schemas.microsoft.com/office/drawing/2014/main" id="{87EEA544-5935-45DE-9267-17030CB165CE}"/>
+              </a:ext>
+            </a:extLst>
+          </p:cNvPr>
+          <p:cNvSpPr txBox="1"/>
+          <p:nvPr/>
+        </p:nvSpPr>
+        <p:spPr>
+          <a:xfrm>
+            <a:off x="9847697" y="1887910"/>
+            <a:ext cx="907621" cy="261610"/>
+          </a:xfrm>
+          <a:prstGeom prst="rect">
+            <a:avLst/>
+          </a:prstGeom>
+          <a:noFill/>
+        </p:spPr>
+        <p:txBody>
+          <a:bodyPr wrap="none" rtlCol="0">
+            <a:spAutoFit/>
+          </a:bodyPr>
+          <a:lstStyle/>
+          <a:p>
+            <a:r>
+              <a:rPr lang="en-US" sz="1100" dirty="0"/>
+              <a:t>Spring 19-20</a:t>
+            </a:r>
+          </a:p>
+        </p:txBody>
+      </p:sp>
+      <p:sp>
+        <p:nvSpPr>
+          <p:cNvPr id="22" name="Diamond 21">
+            <a:extLst>
+              <a:ext uri="{FF2B5EF4-FFF2-40B4-BE49-F238E27FC236}">
+                <a16:creationId xmlns:a16="http://schemas.microsoft.com/office/drawing/2014/main" id="{FC48037E-1397-4C39-867F-7387D462ADC9}"/>
               </a:ext>
             </a:extLst>
           </p:cNvPr>
@@ -5738,12 +4693,15 @@
         </p:nvSpPr>
         <p:spPr>
           <a:xfrm>
-            <a:off x="414779" y="2790330"/>
-            <a:ext cx="11161336" cy="923330"/>
+            <a:off x="10287579" y="2417320"/>
+            <a:ext cx="199083" cy="355060"/>
           </a:xfrm>
-          <a:prstGeom prst="rightArrow">
+          <a:prstGeom prst="diamond">
             <a:avLst/>
           </a:prstGeom>
+          <a:solidFill>
+            <a:schemeClr val="tx2"/>
+          </a:solidFill>
         </p:spPr>
         <p:style>
           <a:lnRef idx="2">
@@ -5766,19 +4724,16 @@
           <a:lstStyle/>
           <a:p>
             <a:pPr algn="ctr"/>
-            <a:r>
-              <a:rPr lang="en-US" dirty="0"/>
-              <a:t>Increasing dynamic fidelity, increasing computational requirements</a:t>
-            </a:r>
-          </a:p>
-        </p:txBody>
-      </p:sp>
-      <p:sp>
-        <p:nvSpPr>
-          <p:cNvPr id="12" name="TextBox 11">
-            <a:extLst>
-              <a:ext uri="{FF2B5EF4-FFF2-40B4-BE49-F238E27FC236}">
-                <a16:creationId xmlns:a16="http://schemas.microsoft.com/office/drawing/2014/main" id="{970C4E23-2DD4-4E10-B8E0-63BF8E9DC78B}"/>
+            <a:endParaRPr lang="en-US"/>
+          </a:p>
+        </p:txBody>
+      </p:sp>
+      <p:sp>
+        <p:nvSpPr>
+          <p:cNvPr id="23" name="TextBox 22">
+            <a:extLst>
+              <a:ext uri="{FF2B5EF4-FFF2-40B4-BE49-F238E27FC236}">
+                <a16:creationId xmlns:a16="http://schemas.microsoft.com/office/drawing/2014/main" id="{4C27BC15-ECF4-492B-BF86-B208D6BBC3B3}"/>
               </a:ext>
             </a:extLst>
           </p:cNvPr>
@@ -5787,8 +4742,8 @@
         </p:nvSpPr>
         <p:spPr>
           <a:xfrm>
-            <a:off x="414779" y="1909170"/>
-            <a:ext cx="1630837" cy="923330"/>
+            <a:off x="9847697" y="2782630"/>
+            <a:ext cx="1027845" cy="261610"/>
           </a:xfrm>
           <a:prstGeom prst="rect">
             <a:avLst/>
@@ -5796,319 +4751,838 @@
           <a:noFill/>
         </p:spPr>
         <p:txBody>
-          <a:bodyPr wrap="square" rtlCol="0">
-            <a:spAutoFit/>
-          </a:bodyPr>
-          <a:lstStyle/>
-          <a:p>
-            <a:r>
-              <a:rPr lang="en-US" dirty="0"/>
-              <a:t>Simplified computational models</a:t>
-            </a:r>
-            <a:endParaRPr lang="en-US" sz="1200" dirty="0"/>
-          </a:p>
-        </p:txBody>
-      </p:sp>
-      <p:sp>
-        <p:nvSpPr>
-          <p:cNvPr id="13" name="TextBox 12">
-            <a:extLst>
-              <a:ext uri="{FF2B5EF4-FFF2-40B4-BE49-F238E27FC236}">
-                <a16:creationId xmlns:a16="http://schemas.microsoft.com/office/drawing/2014/main" id="{34DBA634-C93C-43D5-955A-7C674C833ECB}"/>
-              </a:ext>
-            </a:extLst>
-          </p:cNvPr>
-          <p:cNvSpPr txBox="1"/>
-          <p:nvPr/>
-        </p:nvSpPr>
-        <p:spPr>
-          <a:xfrm>
-            <a:off x="10146384" y="1954063"/>
-            <a:ext cx="1429731" cy="923330"/>
-          </a:xfrm>
-          <a:prstGeom prst="rect">
-            <a:avLst/>
-          </a:prstGeom>
-          <a:noFill/>
-        </p:spPr>
-        <p:txBody>
-          <a:bodyPr wrap="square" rtlCol="0">
-            <a:spAutoFit/>
-          </a:bodyPr>
-          <a:lstStyle/>
-          <a:p>
-            <a:r>
-              <a:rPr lang="en-US" dirty="0"/>
-              <a:t>High-fidelity biological models</a:t>
-            </a:r>
-            <a:endParaRPr lang="en-US" sz="1200" dirty="0"/>
-          </a:p>
-        </p:txBody>
-      </p:sp>
-      <p:cxnSp>
-        <p:nvCxnSpPr>
-          <p:cNvPr id="15" name="Straight Connector 14">
-            <a:extLst>
-              <a:ext uri="{FF2B5EF4-FFF2-40B4-BE49-F238E27FC236}">
-                <a16:creationId xmlns:a16="http://schemas.microsoft.com/office/drawing/2014/main" id="{B02871F8-7DD5-4F88-B052-A47B81572DBE}"/>
-              </a:ext>
-            </a:extLst>
-          </p:cNvPr>
-          <p:cNvCxnSpPr>
-            <a:cxnSpLocks/>
-            <a:endCxn id="4" idx="0"/>
-          </p:cNvCxnSpPr>
-          <p:nvPr/>
-        </p:nvCxnSpPr>
-        <p:spPr>
-          <a:xfrm>
-            <a:off x="1578848" y="3497344"/>
-            <a:ext cx="0" cy="537330"/>
-          </a:xfrm>
-          <a:prstGeom prst="line">
-            <a:avLst/>
-          </a:prstGeom>
-          <a:ln w="25400"/>
-        </p:spPr>
-        <p:style>
-          <a:lnRef idx="1">
-            <a:schemeClr val="accent1"/>
-          </a:lnRef>
-          <a:fillRef idx="0">
-            <a:schemeClr val="accent1"/>
-          </a:fillRef>
-          <a:effectRef idx="0">
-            <a:schemeClr val="accent1"/>
-          </a:effectRef>
-          <a:fontRef idx="minor">
-            <a:schemeClr val="tx1"/>
-          </a:fontRef>
-        </p:style>
-      </p:cxnSp>
-      <p:cxnSp>
-        <p:nvCxnSpPr>
-          <p:cNvPr id="18" name="Straight Connector 17">
-            <a:extLst>
-              <a:ext uri="{FF2B5EF4-FFF2-40B4-BE49-F238E27FC236}">
-                <a16:creationId xmlns:a16="http://schemas.microsoft.com/office/drawing/2014/main" id="{938FC68C-0B93-44C9-A2A6-F458C90F5B21}"/>
-              </a:ext>
-            </a:extLst>
-          </p:cNvPr>
-          <p:cNvCxnSpPr>
-            <a:cxnSpLocks/>
-            <a:endCxn id="5" idx="0"/>
-          </p:cNvCxnSpPr>
-          <p:nvPr/>
-        </p:nvCxnSpPr>
-        <p:spPr>
-          <a:xfrm>
-            <a:off x="6979647" y="3497344"/>
-            <a:ext cx="0" cy="537330"/>
-          </a:xfrm>
-          <a:prstGeom prst="line">
-            <a:avLst/>
-          </a:prstGeom>
-          <a:ln w="25400"/>
-        </p:spPr>
-        <p:style>
-          <a:lnRef idx="1">
-            <a:schemeClr val="accent1"/>
-          </a:lnRef>
-          <a:fillRef idx="0">
-            <a:schemeClr val="accent1"/>
-          </a:fillRef>
-          <a:effectRef idx="0">
-            <a:schemeClr val="accent1"/>
-          </a:effectRef>
-          <a:fontRef idx="minor">
-            <a:schemeClr val="tx1"/>
-          </a:fontRef>
-        </p:style>
-      </p:cxnSp>
-      <p:cxnSp>
-        <p:nvCxnSpPr>
-          <p:cNvPr id="22" name="Straight Connector 21">
-            <a:extLst>
-              <a:ext uri="{FF2B5EF4-FFF2-40B4-BE49-F238E27FC236}">
-                <a16:creationId xmlns:a16="http://schemas.microsoft.com/office/drawing/2014/main" id="{EC45A7D6-4500-4326-8C12-9B5E750BA6B0}"/>
-              </a:ext>
-            </a:extLst>
-          </p:cNvPr>
-          <p:cNvCxnSpPr>
-            <a:cxnSpLocks/>
-            <a:endCxn id="6" idx="0"/>
-          </p:cNvCxnSpPr>
-          <p:nvPr/>
-        </p:nvCxnSpPr>
-        <p:spPr>
-          <a:xfrm>
-            <a:off x="10052309" y="3497344"/>
-            <a:ext cx="0" cy="537330"/>
-          </a:xfrm>
-          <a:prstGeom prst="line">
-            <a:avLst/>
-          </a:prstGeom>
-          <a:ln w="25400"/>
-        </p:spPr>
-        <p:style>
-          <a:lnRef idx="1">
-            <a:schemeClr val="accent1"/>
-          </a:lnRef>
-          <a:fillRef idx="0">
-            <a:schemeClr val="accent1"/>
-          </a:fillRef>
-          <a:effectRef idx="0">
-            <a:schemeClr val="accent1"/>
-          </a:effectRef>
-          <a:fontRef idx="minor">
-            <a:schemeClr val="tx1"/>
-          </a:fontRef>
-        </p:style>
-      </p:cxnSp>
-      <p:sp>
-        <p:nvSpPr>
-          <p:cNvPr id="26" name="Left Brace 25">
-            <a:extLst>
-              <a:ext uri="{FF2B5EF4-FFF2-40B4-BE49-F238E27FC236}">
-                <a16:creationId xmlns:a16="http://schemas.microsoft.com/office/drawing/2014/main" id="{E5F21C9B-70BB-44E5-A2F9-7CFEF99FC173}"/>
-              </a:ext>
-            </a:extLst>
-          </p:cNvPr>
-          <p:cNvSpPr/>
-          <p:nvPr/>
-        </p:nvSpPr>
-        <p:spPr>
-          <a:xfrm rot="16200000">
-            <a:off x="8105384" y="2192648"/>
-            <a:ext cx="394635" cy="6512103"/>
-          </a:xfrm>
-          <a:prstGeom prst="leftBrace">
-            <a:avLst/>
-          </a:prstGeom>
-          <a:ln>
-            <a:solidFill>
-              <a:schemeClr val="tx1"/>
-            </a:solidFill>
-          </a:ln>
-        </p:spPr>
-        <p:style>
-          <a:lnRef idx="1">
-            <a:schemeClr val="accent1"/>
-          </a:lnRef>
-          <a:fillRef idx="0">
-            <a:schemeClr val="accent1"/>
-          </a:fillRef>
-          <a:effectRef idx="0">
-            <a:schemeClr val="accent1"/>
-          </a:effectRef>
-          <a:fontRef idx="minor">
-            <a:schemeClr val="tx1"/>
-          </a:fontRef>
-        </p:style>
-        <p:txBody>
-          <a:bodyPr rtlCol="0" anchor="ctr"/>
-          <a:lstStyle/>
-          <a:p>
-            <a:pPr algn="ctr"/>
-            <a:endParaRPr lang="en-US"/>
-          </a:p>
-        </p:txBody>
-      </p:sp>
-      <p:sp>
-        <p:nvSpPr>
-          <p:cNvPr id="27" name="TextBox 26">
-            <a:extLst>
-              <a:ext uri="{FF2B5EF4-FFF2-40B4-BE49-F238E27FC236}">
-                <a16:creationId xmlns:a16="http://schemas.microsoft.com/office/drawing/2014/main" id="{5D591F90-D843-4FD2-9733-CA816F6712A7}"/>
-              </a:ext>
-            </a:extLst>
-          </p:cNvPr>
-          <p:cNvSpPr txBox="1"/>
-          <p:nvPr/>
-        </p:nvSpPr>
-        <p:spPr>
-          <a:xfrm>
-            <a:off x="5046649" y="5646017"/>
-            <a:ext cx="6512103" cy="369332"/>
-          </a:xfrm>
-          <a:prstGeom prst="rect">
-            <a:avLst/>
-          </a:prstGeom>
-          <a:noFill/>
-        </p:spPr>
-        <p:txBody>
-          <a:bodyPr wrap="square" rtlCol="0">
-            <a:spAutoFit/>
-          </a:bodyPr>
-          <a:lstStyle/>
-          <a:p>
-            <a:r>
-              <a:rPr lang="en-US" dirty="0"/>
-              <a:t>This work lives here, numerical integration in MATLAB and NEURON</a:t>
-            </a:r>
-            <a:endParaRPr lang="en-US" sz="1200" dirty="0"/>
-          </a:p>
-        </p:txBody>
-      </p:sp>
-      <p:sp>
-        <p:nvSpPr>
-          <p:cNvPr id="14" name="TextBox 13">
-            <a:extLst>
-              <a:ext uri="{FF2B5EF4-FFF2-40B4-BE49-F238E27FC236}">
-                <a16:creationId xmlns:a16="http://schemas.microsoft.com/office/drawing/2014/main" id="{770588C1-E8D5-4A9A-8D8D-C37313EB5807}"/>
-              </a:ext>
-            </a:extLst>
-          </p:cNvPr>
-          <p:cNvSpPr txBox="1"/>
-          <p:nvPr/>
-        </p:nvSpPr>
-        <p:spPr>
-          <a:xfrm>
-            <a:off x="2973188" y="4058886"/>
-            <a:ext cx="2016899" cy="738664"/>
-          </a:xfrm>
-          <a:prstGeom prst="rect">
-            <a:avLst/>
-          </a:prstGeom>
-          <a:noFill/>
-        </p:spPr>
-        <p:txBody>
           <a:bodyPr wrap="none" rtlCol="0">
             <a:spAutoFit/>
           </a:bodyPr>
           <a:lstStyle/>
           <a:p>
             <a:r>
-              <a:rPr lang="en-US" dirty="0"/>
-              <a:t>I-F:</a:t>
-            </a:r>
-          </a:p>
-          <a:p>
-            <a:pPr marL="285750" indent="-285750">
-              <a:buFont typeface="Arial" panose="020B0604020202020204" pitchFamily="34" charset="0"/>
-              <a:buChar char="•"/>
-            </a:pPr>
-            <a:r>
-              <a:rPr lang="en-US" sz="1200" dirty="0"/>
-              <a:t>Simple decay</a:t>
-            </a:r>
-          </a:p>
-          <a:p>
-            <a:pPr marL="285750" indent="-285750">
-              <a:buFont typeface="Arial" panose="020B0604020202020204" pitchFamily="34" charset="0"/>
-              <a:buChar char="•"/>
-            </a:pPr>
-            <a:r>
-              <a:rPr lang="en-US" sz="1200" dirty="0"/>
-              <a:t>Basic spiking mechanism</a:t>
-            </a:r>
-          </a:p>
-        </p:txBody>
-      </p:sp>
+              <a:rPr lang="en-US" sz="1100" dirty="0"/>
+              <a:t>Thesis defense</a:t>
+            </a:r>
+          </a:p>
+        </p:txBody>
+      </p:sp>
+      <p:grpSp>
+        <p:nvGrpSpPr>
+          <p:cNvPr id="48" name="Group 47">
+            <a:extLst>
+              <a:ext uri="{FF2B5EF4-FFF2-40B4-BE49-F238E27FC236}">
+                <a16:creationId xmlns:a16="http://schemas.microsoft.com/office/drawing/2014/main" id="{50B27183-5FD8-4C02-849C-64C8E59839E8}"/>
+              </a:ext>
+            </a:extLst>
+          </p:cNvPr>
+          <p:cNvGrpSpPr/>
+          <p:nvPr/>
+        </p:nvGrpSpPr>
+        <p:grpSpPr>
+          <a:xfrm>
+            <a:off x="4773576" y="2417320"/>
+            <a:ext cx="914033" cy="626920"/>
+            <a:chOff x="4773576" y="2417320"/>
+            <a:chExt cx="914033" cy="626920"/>
+          </a:xfrm>
+        </p:grpSpPr>
+        <p:sp>
+          <p:nvSpPr>
+            <p:cNvPr id="25" name="Diamond 24">
+              <a:extLst>
+                <a:ext uri="{FF2B5EF4-FFF2-40B4-BE49-F238E27FC236}">
+                  <a16:creationId xmlns:a16="http://schemas.microsoft.com/office/drawing/2014/main" id="{39905235-6B65-4D0A-B631-60D5F6DBC939}"/>
+                </a:ext>
+              </a:extLst>
+            </p:cNvPr>
+            <p:cNvSpPr/>
+            <p:nvPr/>
+          </p:nvSpPr>
+          <p:spPr>
+            <a:xfrm>
+              <a:off x="5033323" y="2417320"/>
+              <a:ext cx="199083" cy="355060"/>
+            </a:xfrm>
+            <a:prstGeom prst="diamond">
+              <a:avLst/>
+            </a:prstGeom>
+            <a:solidFill>
+              <a:schemeClr val="tx2"/>
+            </a:solidFill>
+          </p:spPr>
+          <p:style>
+            <a:lnRef idx="2">
+              <a:schemeClr val="accent1">
+                <a:shade val="50000"/>
+              </a:schemeClr>
+            </a:lnRef>
+            <a:fillRef idx="1">
+              <a:schemeClr val="accent1"/>
+            </a:fillRef>
+            <a:effectRef idx="0">
+              <a:schemeClr val="accent1"/>
+            </a:effectRef>
+            <a:fontRef idx="minor">
+              <a:schemeClr val="lt1"/>
+            </a:fontRef>
+          </p:style>
+          <p:txBody>
+            <a:bodyPr rtlCol="0" anchor="ctr"/>
+            <a:lstStyle/>
+            <a:p>
+              <a:pPr algn="ctr"/>
+              <a:endParaRPr lang="en-US"/>
+            </a:p>
+          </p:txBody>
+        </p:sp>
+        <p:sp>
+          <p:nvSpPr>
+            <p:cNvPr id="26" name="TextBox 25">
+              <a:extLst>
+                <a:ext uri="{FF2B5EF4-FFF2-40B4-BE49-F238E27FC236}">
+                  <a16:creationId xmlns:a16="http://schemas.microsoft.com/office/drawing/2014/main" id="{C709CA78-E29C-4A90-BA2E-F4E9B4ED3791}"/>
+                </a:ext>
+              </a:extLst>
+            </p:cNvPr>
+            <p:cNvSpPr txBox="1"/>
+            <p:nvPr/>
+          </p:nvSpPr>
+          <p:spPr>
+            <a:xfrm>
+              <a:off x="4773576" y="2782630"/>
+              <a:ext cx="914033" cy="261610"/>
+            </a:xfrm>
+            <a:prstGeom prst="rect">
+              <a:avLst/>
+            </a:prstGeom>
+            <a:noFill/>
+          </p:spPr>
+          <p:txBody>
+            <a:bodyPr wrap="none" rtlCol="0">
+              <a:spAutoFit/>
+            </a:bodyPr>
+            <a:lstStyle/>
+            <a:p>
+              <a:r>
+                <a:rPr lang="en-US" sz="1100" dirty="0"/>
+                <a:t>TAC meeting</a:t>
+              </a:r>
+            </a:p>
+          </p:txBody>
+        </p:sp>
+      </p:grpSp>
+      <p:grpSp>
+        <p:nvGrpSpPr>
+          <p:cNvPr id="35" name="Group 34">
+            <a:extLst>
+              <a:ext uri="{FF2B5EF4-FFF2-40B4-BE49-F238E27FC236}">
+                <a16:creationId xmlns:a16="http://schemas.microsoft.com/office/drawing/2014/main" id="{08210921-5AB7-48ED-B4E9-ECB5DDF2AE89}"/>
+              </a:ext>
+            </a:extLst>
+          </p:cNvPr>
+          <p:cNvGrpSpPr/>
+          <p:nvPr/>
+        </p:nvGrpSpPr>
+        <p:grpSpPr>
+          <a:xfrm>
+            <a:off x="1234860" y="3289858"/>
+            <a:ext cx="2057906" cy="497232"/>
+            <a:chOff x="1465895" y="3717875"/>
+            <a:chExt cx="1817130" cy="497232"/>
+          </a:xfrm>
+        </p:grpSpPr>
+        <p:grpSp>
+          <p:nvGrpSpPr>
+            <p:cNvPr id="33" name="Group 32">
+              <a:extLst>
+                <a:ext uri="{FF2B5EF4-FFF2-40B4-BE49-F238E27FC236}">
+                  <a16:creationId xmlns:a16="http://schemas.microsoft.com/office/drawing/2014/main" id="{B55A6BAD-388F-416A-8427-21A2C961F8E2}"/>
+                </a:ext>
+              </a:extLst>
+            </p:cNvPr>
+            <p:cNvGrpSpPr/>
+            <p:nvPr/>
+          </p:nvGrpSpPr>
+          <p:grpSpPr>
+            <a:xfrm>
+              <a:off x="1465895" y="3915383"/>
+              <a:ext cx="1817130" cy="299724"/>
+              <a:chOff x="5398851" y="3910519"/>
+              <a:chExt cx="1368358" cy="457200"/>
+            </a:xfrm>
+          </p:grpSpPr>
+          <p:cxnSp>
+            <p:nvCxnSpPr>
+              <p:cNvPr id="28" name="Straight Connector 27">
+                <a:extLst>
+                  <a:ext uri="{FF2B5EF4-FFF2-40B4-BE49-F238E27FC236}">
+                    <a16:creationId xmlns:a16="http://schemas.microsoft.com/office/drawing/2014/main" id="{C1F365D6-BD90-4EFC-BAFE-8529A31998AE}"/>
+                  </a:ext>
+                </a:extLst>
+              </p:cNvPr>
+              <p:cNvCxnSpPr/>
+              <p:nvPr/>
+            </p:nvCxnSpPr>
+            <p:spPr>
+              <a:xfrm>
+                <a:off x="5398851" y="3910519"/>
+                <a:ext cx="0" cy="457200"/>
+              </a:xfrm>
+              <a:prstGeom prst="line">
+                <a:avLst/>
+              </a:prstGeom>
+              <a:ln>
+                <a:solidFill>
+                  <a:schemeClr val="tx1"/>
+                </a:solidFill>
+              </a:ln>
+            </p:spPr>
+            <p:style>
+              <a:lnRef idx="1">
+                <a:schemeClr val="accent1"/>
+              </a:lnRef>
+              <a:fillRef idx="0">
+                <a:schemeClr val="accent1"/>
+              </a:fillRef>
+              <a:effectRef idx="0">
+                <a:schemeClr val="accent1"/>
+              </a:effectRef>
+              <a:fontRef idx="minor">
+                <a:schemeClr val="tx1"/>
+              </a:fontRef>
+            </p:style>
+          </p:cxnSp>
+          <p:cxnSp>
+            <p:nvCxnSpPr>
+              <p:cNvPr id="29" name="Straight Connector 28">
+                <a:extLst>
+                  <a:ext uri="{FF2B5EF4-FFF2-40B4-BE49-F238E27FC236}">
+                    <a16:creationId xmlns:a16="http://schemas.microsoft.com/office/drawing/2014/main" id="{1E08B8B3-74FC-46A6-B511-F5F7A68D27A1}"/>
+                  </a:ext>
+                </a:extLst>
+              </p:cNvPr>
+              <p:cNvCxnSpPr/>
+              <p:nvPr/>
+            </p:nvCxnSpPr>
+            <p:spPr>
+              <a:xfrm>
+                <a:off x="6767208" y="3910519"/>
+                <a:ext cx="0" cy="457200"/>
+              </a:xfrm>
+              <a:prstGeom prst="line">
+                <a:avLst/>
+              </a:prstGeom>
+              <a:ln>
+                <a:solidFill>
+                  <a:schemeClr val="tx1"/>
+                </a:solidFill>
+              </a:ln>
+            </p:spPr>
+            <p:style>
+              <a:lnRef idx="1">
+                <a:schemeClr val="accent1"/>
+              </a:lnRef>
+              <a:fillRef idx="0">
+                <a:schemeClr val="accent1"/>
+              </a:fillRef>
+              <a:effectRef idx="0">
+                <a:schemeClr val="accent1"/>
+              </a:effectRef>
+              <a:fontRef idx="minor">
+                <a:schemeClr val="tx1"/>
+              </a:fontRef>
+            </p:style>
+          </p:cxnSp>
+          <p:cxnSp>
+            <p:nvCxnSpPr>
+              <p:cNvPr id="30" name="Straight Connector 29">
+                <a:extLst>
+                  <a:ext uri="{FF2B5EF4-FFF2-40B4-BE49-F238E27FC236}">
+                    <a16:creationId xmlns:a16="http://schemas.microsoft.com/office/drawing/2014/main" id="{686EAAEE-3DCF-4A3D-BFA3-908AB90B07D1}"/>
+                  </a:ext>
+                </a:extLst>
+              </p:cNvPr>
+              <p:cNvCxnSpPr>
+                <a:cxnSpLocks/>
+              </p:cNvCxnSpPr>
+              <p:nvPr/>
+            </p:nvCxnSpPr>
+            <p:spPr>
+              <a:xfrm flipH="1">
+                <a:off x="5398851" y="4124528"/>
+                <a:ext cx="1368358" cy="0"/>
+              </a:xfrm>
+              <a:prstGeom prst="line">
+                <a:avLst/>
+              </a:prstGeom>
+              <a:ln w="19050">
+                <a:solidFill>
+                  <a:schemeClr val="tx1"/>
+                </a:solidFill>
+              </a:ln>
+            </p:spPr>
+            <p:style>
+              <a:lnRef idx="1">
+                <a:schemeClr val="accent1"/>
+              </a:lnRef>
+              <a:fillRef idx="0">
+                <a:schemeClr val="accent1"/>
+              </a:fillRef>
+              <a:effectRef idx="0">
+                <a:schemeClr val="accent1"/>
+              </a:effectRef>
+              <a:fontRef idx="minor">
+                <a:schemeClr val="tx1"/>
+              </a:fontRef>
+            </p:style>
+          </p:cxnSp>
+        </p:grpSp>
+        <p:sp>
+          <p:nvSpPr>
+            <p:cNvPr id="34" name="TextBox 33">
+              <a:extLst>
+                <a:ext uri="{FF2B5EF4-FFF2-40B4-BE49-F238E27FC236}">
+                  <a16:creationId xmlns:a16="http://schemas.microsoft.com/office/drawing/2014/main" id="{D4833359-2CA3-4904-9CBE-7F9E0F56D3E2}"/>
+                </a:ext>
+              </a:extLst>
+            </p:cNvPr>
+            <p:cNvSpPr txBox="1"/>
+            <p:nvPr/>
+          </p:nvSpPr>
+          <p:spPr>
+            <a:xfrm>
+              <a:off x="1482371" y="3717875"/>
+              <a:ext cx="1773242" cy="261610"/>
+            </a:xfrm>
+            <a:prstGeom prst="rect">
+              <a:avLst/>
+            </a:prstGeom>
+            <a:noFill/>
+          </p:spPr>
+          <p:txBody>
+            <a:bodyPr wrap="none" rtlCol="0">
+              <a:spAutoFit/>
+            </a:bodyPr>
+            <a:lstStyle/>
+            <a:p>
+              <a:r>
+                <a:rPr lang="en-US" sz="1100" dirty="0"/>
+                <a:t>Paper #1: Column dynamics</a:t>
+              </a:r>
+            </a:p>
+          </p:txBody>
+        </p:sp>
+      </p:grpSp>
+      <p:grpSp>
+        <p:nvGrpSpPr>
+          <p:cNvPr id="36" name="Group 35">
+            <a:extLst>
+              <a:ext uri="{FF2B5EF4-FFF2-40B4-BE49-F238E27FC236}">
+                <a16:creationId xmlns:a16="http://schemas.microsoft.com/office/drawing/2014/main" id="{04505149-D38A-4317-BE13-81D9516E2858}"/>
+              </a:ext>
+            </a:extLst>
+          </p:cNvPr>
+          <p:cNvGrpSpPr/>
+          <p:nvPr/>
+        </p:nvGrpSpPr>
+        <p:grpSpPr>
+          <a:xfrm>
+            <a:off x="2578797" y="4160113"/>
+            <a:ext cx="3219447" cy="497232"/>
+            <a:chOff x="1465895" y="3717875"/>
+            <a:chExt cx="1817130" cy="497232"/>
+          </a:xfrm>
+        </p:grpSpPr>
+        <p:grpSp>
+          <p:nvGrpSpPr>
+            <p:cNvPr id="37" name="Group 36">
+              <a:extLst>
+                <a:ext uri="{FF2B5EF4-FFF2-40B4-BE49-F238E27FC236}">
+                  <a16:creationId xmlns:a16="http://schemas.microsoft.com/office/drawing/2014/main" id="{2A849BB7-E015-4EA3-80D6-A4EBC9D30048}"/>
+                </a:ext>
+              </a:extLst>
+            </p:cNvPr>
+            <p:cNvGrpSpPr/>
+            <p:nvPr/>
+          </p:nvGrpSpPr>
+          <p:grpSpPr>
+            <a:xfrm>
+              <a:off x="1465895" y="3915383"/>
+              <a:ext cx="1817130" cy="299724"/>
+              <a:chOff x="5398851" y="3910519"/>
+              <a:chExt cx="1368358" cy="457200"/>
+            </a:xfrm>
+          </p:grpSpPr>
+          <p:cxnSp>
+            <p:nvCxnSpPr>
+              <p:cNvPr id="39" name="Straight Connector 38">
+                <a:extLst>
+                  <a:ext uri="{FF2B5EF4-FFF2-40B4-BE49-F238E27FC236}">
+                    <a16:creationId xmlns:a16="http://schemas.microsoft.com/office/drawing/2014/main" id="{38D9F634-26C2-4FB9-B75A-6899DBD3D958}"/>
+                  </a:ext>
+                </a:extLst>
+              </p:cNvPr>
+              <p:cNvCxnSpPr/>
+              <p:nvPr/>
+            </p:nvCxnSpPr>
+            <p:spPr>
+              <a:xfrm>
+                <a:off x="5398851" y="3910519"/>
+                <a:ext cx="0" cy="457200"/>
+              </a:xfrm>
+              <a:prstGeom prst="line">
+                <a:avLst/>
+              </a:prstGeom>
+              <a:ln>
+                <a:solidFill>
+                  <a:schemeClr val="tx1"/>
+                </a:solidFill>
+              </a:ln>
+            </p:spPr>
+            <p:style>
+              <a:lnRef idx="1">
+                <a:schemeClr val="accent1"/>
+              </a:lnRef>
+              <a:fillRef idx="0">
+                <a:schemeClr val="accent1"/>
+              </a:fillRef>
+              <a:effectRef idx="0">
+                <a:schemeClr val="accent1"/>
+              </a:effectRef>
+              <a:fontRef idx="minor">
+                <a:schemeClr val="tx1"/>
+              </a:fontRef>
+            </p:style>
+          </p:cxnSp>
+          <p:cxnSp>
+            <p:nvCxnSpPr>
+              <p:cNvPr id="40" name="Straight Connector 39">
+                <a:extLst>
+                  <a:ext uri="{FF2B5EF4-FFF2-40B4-BE49-F238E27FC236}">
+                    <a16:creationId xmlns:a16="http://schemas.microsoft.com/office/drawing/2014/main" id="{B5F26F43-8793-4ABD-9D35-2DFC63F22AB1}"/>
+                  </a:ext>
+                </a:extLst>
+              </p:cNvPr>
+              <p:cNvCxnSpPr/>
+              <p:nvPr/>
+            </p:nvCxnSpPr>
+            <p:spPr>
+              <a:xfrm>
+                <a:off x="6767208" y="3910519"/>
+                <a:ext cx="0" cy="457200"/>
+              </a:xfrm>
+              <a:prstGeom prst="line">
+                <a:avLst/>
+              </a:prstGeom>
+              <a:ln>
+                <a:solidFill>
+                  <a:schemeClr val="tx1"/>
+                </a:solidFill>
+              </a:ln>
+            </p:spPr>
+            <p:style>
+              <a:lnRef idx="1">
+                <a:schemeClr val="accent1"/>
+              </a:lnRef>
+              <a:fillRef idx="0">
+                <a:schemeClr val="accent1"/>
+              </a:fillRef>
+              <a:effectRef idx="0">
+                <a:schemeClr val="accent1"/>
+              </a:effectRef>
+              <a:fontRef idx="minor">
+                <a:schemeClr val="tx1"/>
+              </a:fontRef>
+            </p:style>
+          </p:cxnSp>
+          <p:cxnSp>
+            <p:nvCxnSpPr>
+              <p:cNvPr id="41" name="Straight Connector 40">
+                <a:extLst>
+                  <a:ext uri="{FF2B5EF4-FFF2-40B4-BE49-F238E27FC236}">
+                    <a16:creationId xmlns:a16="http://schemas.microsoft.com/office/drawing/2014/main" id="{6A718448-99FA-49FE-927F-A91B6A9A08D4}"/>
+                  </a:ext>
+                </a:extLst>
+              </p:cNvPr>
+              <p:cNvCxnSpPr>
+                <a:cxnSpLocks/>
+              </p:cNvCxnSpPr>
+              <p:nvPr/>
+            </p:nvCxnSpPr>
+            <p:spPr>
+              <a:xfrm flipH="1">
+                <a:off x="5398851" y="4124528"/>
+                <a:ext cx="1368358" cy="0"/>
+              </a:xfrm>
+              <a:prstGeom prst="line">
+                <a:avLst/>
+              </a:prstGeom>
+              <a:ln w="19050">
+                <a:solidFill>
+                  <a:schemeClr val="tx1"/>
+                </a:solidFill>
+              </a:ln>
+            </p:spPr>
+            <p:style>
+              <a:lnRef idx="1">
+                <a:schemeClr val="accent1"/>
+              </a:lnRef>
+              <a:fillRef idx="0">
+                <a:schemeClr val="accent1"/>
+              </a:fillRef>
+              <a:effectRef idx="0">
+                <a:schemeClr val="accent1"/>
+              </a:effectRef>
+              <a:fontRef idx="minor">
+                <a:schemeClr val="tx1"/>
+              </a:fontRef>
+            </p:style>
+          </p:cxnSp>
+        </p:grpSp>
+        <p:sp>
+          <p:nvSpPr>
+            <p:cNvPr id="38" name="TextBox 37">
+              <a:extLst>
+                <a:ext uri="{FF2B5EF4-FFF2-40B4-BE49-F238E27FC236}">
+                  <a16:creationId xmlns:a16="http://schemas.microsoft.com/office/drawing/2014/main" id="{3DD637FF-7FAC-4861-9385-F19C09F82F4E}"/>
+                </a:ext>
+              </a:extLst>
+            </p:cNvPr>
+            <p:cNvSpPr txBox="1"/>
+            <p:nvPr/>
+          </p:nvSpPr>
+          <p:spPr>
+            <a:xfrm>
+              <a:off x="1482371" y="3717875"/>
+              <a:ext cx="1409909" cy="261610"/>
+            </a:xfrm>
+            <a:prstGeom prst="rect">
+              <a:avLst/>
+            </a:prstGeom>
+            <a:noFill/>
+          </p:spPr>
+          <p:txBody>
+            <a:bodyPr wrap="none" rtlCol="0">
+              <a:spAutoFit/>
+            </a:bodyPr>
+            <a:lstStyle/>
+            <a:p>
+              <a:r>
+                <a:rPr lang="en-US" sz="1100" dirty="0"/>
+                <a:t>Paper #2: LSM using neural columns</a:t>
+              </a:r>
+            </a:p>
+          </p:txBody>
+        </p:sp>
+      </p:grpSp>
+      <p:grpSp>
+        <p:nvGrpSpPr>
+          <p:cNvPr id="42" name="Group 41">
+            <a:extLst>
+              <a:ext uri="{FF2B5EF4-FFF2-40B4-BE49-F238E27FC236}">
+                <a16:creationId xmlns:a16="http://schemas.microsoft.com/office/drawing/2014/main" id="{3CECD650-3334-4325-BFE1-EFB75CAB610E}"/>
+              </a:ext>
+            </a:extLst>
+          </p:cNvPr>
+          <p:cNvGrpSpPr/>
+          <p:nvPr/>
+        </p:nvGrpSpPr>
+        <p:grpSpPr>
+          <a:xfrm>
+            <a:off x="7266948" y="3186431"/>
+            <a:ext cx="2732970" cy="491185"/>
+            <a:chOff x="1465895" y="3723922"/>
+            <a:chExt cx="1817130" cy="491185"/>
+          </a:xfrm>
+        </p:grpSpPr>
+        <p:grpSp>
+          <p:nvGrpSpPr>
+            <p:cNvPr id="43" name="Group 42">
+              <a:extLst>
+                <a:ext uri="{FF2B5EF4-FFF2-40B4-BE49-F238E27FC236}">
+                  <a16:creationId xmlns:a16="http://schemas.microsoft.com/office/drawing/2014/main" id="{0FCCD4C3-B259-4F29-8917-D4279DD673F6}"/>
+                </a:ext>
+              </a:extLst>
+            </p:cNvPr>
+            <p:cNvGrpSpPr/>
+            <p:nvPr/>
+          </p:nvGrpSpPr>
+          <p:grpSpPr>
+            <a:xfrm>
+              <a:off x="1465895" y="3915383"/>
+              <a:ext cx="1817130" cy="299724"/>
+              <a:chOff x="5398851" y="3910519"/>
+              <a:chExt cx="1368358" cy="457200"/>
+            </a:xfrm>
+          </p:grpSpPr>
+          <p:cxnSp>
+            <p:nvCxnSpPr>
+              <p:cNvPr id="45" name="Straight Connector 44">
+                <a:extLst>
+                  <a:ext uri="{FF2B5EF4-FFF2-40B4-BE49-F238E27FC236}">
+                    <a16:creationId xmlns:a16="http://schemas.microsoft.com/office/drawing/2014/main" id="{E448C1B4-7B63-4855-ABF6-B1683C88CF88}"/>
+                  </a:ext>
+                </a:extLst>
+              </p:cNvPr>
+              <p:cNvCxnSpPr/>
+              <p:nvPr/>
+            </p:nvCxnSpPr>
+            <p:spPr>
+              <a:xfrm>
+                <a:off x="5398851" y="3910519"/>
+                <a:ext cx="0" cy="457200"/>
+              </a:xfrm>
+              <a:prstGeom prst="line">
+                <a:avLst/>
+              </a:prstGeom>
+              <a:ln>
+                <a:solidFill>
+                  <a:schemeClr val="tx1"/>
+                </a:solidFill>
+              </a:ln>
+            </p:spPr>
+            <p:style>
+              <a:lnRef idx="1">
+                <a:schemeClr val="accent1"/>
+              </a:lnRef>
+              <a:fillRef idx="0">
+                <a:schemeClr val="accent1"/>
+              </a:fillRef>
+              <a:effectRef idx="0">
+                <a:schemeClr val="accent1"/>
+              </a:effectRef>
+              <a:fontRef idx="minor">
+                <a:schemeClr val="tx1"/>
+              </a:fontRef>
+            </p:style>
+          </p:cxnSp>
+          <p:cxnSp>
+            <p:nvCxnSpPr>
+              <p:cNvPr id="46" name="Straight Connector 45">
+                <a:extLst>
+                  <a:ext uri="{FF2B5EF4-FFF2-40B4-BE49-F238E27FC236}">
+                    <a16:creationId xmlns:a16="http://schemas.microsoft.com/office/drawing/2014/main" id="{7EE40749-D1D7-494A-BB2C-F304D035CD89}"/>
+                  </a:ext>
+                </a:extLst>
+              </p:cNvPr>
+              <p:cNvCxnSpPr/>
+              <p:nvPr/>
+            </p:nvCxnSpPr>
+            <p:spPr>
+              <a:xfrm>
+                <a:off x="6767208" y="3910519"/>
+                <a:ext cx="0" cy="457200"/>
+              </a:xfrm>
+              <a:prstGeom prst="line">
+                <a:avLst/>
+              </a:prstGeom>
+              <a:ln>
+                <a:solidFill>
+                  <a:schemeClr val="tx1"/>
+                </a:solidFill>
+              </a:ln>
+            </p:spPr>
+            <p:style>
+              <a:lnRef idx="1">
+                <a:schemeClr val="accent1"/>
+              </a:lnRef>
+              <a:fillRef idx="0">
+                <a:schemeClr val="accent1"/>
+              </a:fillRef>
+              <a:effectRef idx="0">
+                <a:schemeClr val="accent1"/>
+              </a:effectRef>
+              <a:fontRef idx="minor">
+                <a:schemeClr val="tx1"/>
+              </a:fontRef>
+            </p:style>
+          </p:cxnSp>
+          <p:cxnSp>
+            <p:nvCxnSpPr>
+              <p:cNvPr id="47" name="Straight Connector 46">
+                <a:extLst>
+                  <a:ext uri="{FF2B5EF4-FFF2-40B4-BE49-F238E27FC236}">
+                    <a16:creationId xmlns:a16="http://schemas.microsoft.com/office/drawing/2014/main" id="{1BB568BA-F365-4DA2-9948-FA52C383EF21}"/>
+                  </a:ext>
+                </a:extLst>
+              </p:cNvPr>
+              <p:cNvCxnSpPr>
+                <a:cxnSpLocks/>
+              </p:cNvCxnSpPr>
+              <p:nvPr/>
+            </p:nvCxnSpPr>
+            <p:spPr>
+              <a:xfrm flipH="1">
+                <a:off x="5398851" y="4124528"/>
+                <a:ext cx="1368358" cy="0"/>
+              </a:xfrm>
+              <a:prstGeom prst="line">
+                <a:avLst/>
+              </a:prstGeom>
+              <a:ln w="19050">
+                <a:solidFill>
+                  <a:schemeClr val="tx1"/>
+                </a:solidFill>
+              </a:ln>
+            </p:spPr>
+            <p:style>
+              <a:lnRef idx="1">
+                <a:schemeClr val="accent1"/>
+              </a:lnRef>
+              <a:fillRef idx="0">
+                <a:schemeClr val="accent1"/>
+              </a:fillRef>
+              <a:effectRef idx="0">
+                <a:schemeClr val="accent1"/>
+              </a:effectRef>
+              <a:fontRef idx="minor">
+                <a:schemeClr val="tx1"/>
+              </a:fontRef>
+            </p:style>
+          </p:cxnSp>
+        </p:grpSp>
+        <p:sp>
+          <p:nvSpPr>
+            <p:cNvPr id="44" name="TextBox 43">
+              <a:extLst>
+                <a:ext uri="{FF2B5EF4-FFF2-40B4-BE49-F238E27FC236}">
+                  <a16:creationId xmlns:a16="http://schemas.microsoft.com/office/drawing/2014/main" id="{E9D09DB1-1413-4BD4-81CF-00E86ABBB4CA}"/>
+                </a:ext>
+              </a:extLst>
+            </p:cNvPr>
+            <p:cNvSpPr txBox="1"/>
+            <p:nvPr/>
+          </p:nvSpPr>
+          <p:spPr>
+            <a:xfrm>
+              <a:off x="1960650" y="3723922"/>
+              <a:ext cx="580022" cy="261610"/>
+            </a:xfrm>
+            <a:prstGeom prst="rect">
+              <a:avLst/>
+            </a:prstGeom>
+            <a:noFill/>
+          </p:spPr>
+          <p:txBody>
+            <a:bodyPr wrap="none" rtlCol="0">
+              <a:spAutoFit/>
+            </a:bodyPr>
+            <a:lstStyle/>
+            <a:p>
+              <a:r>
+                <a:rPr lang="en-US" sz="1100" dirty="0"/>
+                <a:t>Write thesis</a:t>
+              </a:r>
+            </a:p>
+          </p:txBody>
+        </p:sp>
+      </p:grpSp>
+      <p:grpSp>
+        <p:nvGrpSpPr>
+          <p:cNvPr id="49" name="Group 48">
+            <a:extLst>
+              <a:ext uri="{FF2B5EF4-FFF2-40B4-BE49-F238E27FC236}">
+                <a16:creationId xmlns:a16="http://schemas.microsoft.com/office/drawing/2014/main" id="{F29225E0-2D18-4A34-9E2A-B09FE74E9BC3}"/>
+              </a:ext>
+            </a:extLst>
+          </p:cNvPr>
+          <p:cNvGrpSpPr/>
+          <p:nvPr/>
+        </p:nvGrpSpPr>
+        <p:grpSpPr>
+          <a:xfrm>
+            <a:off x="332636" y="2417320"/>
+            <a:ext cx="769763" cy="626920"/>
+            <a:chOff x="4773576" y="2417320"/>
+            <a:chExt cx="769763" cy="626920"/>
+          </a:xfrm>
+        </p:grpSpPr>
+        <p:sp>
+          <p:nvSpPr>
+            <p:cNvPr id="50" name="Diamond 49">
+              <a:extLst>
+                <a:ext uri="{FF2B5EF4-FFF2-40B4-BE49-F238E27FC236}">
+                  <a16:creationId xmlns:a16="http://schemas.microsoft.com/office/drawing/2014/main" id="{29E0FECE-1291-45A1-B614-2C0FAB7BA96E}"/>
+                </a:ext>
+              </a:extLst>
+            </p:cNvPr>
+            <p:cNvSpPr/>
+            <p:nvPr/>
+          </p:nvSpPr>
+          <p:spPr>
+            <a:xfrm>
+              <a:off x="5033323" y="2417320"/>
+              <a:ext cx="199083" cy="355060"/>
+            </a:xfrm>
+            <a:prstGeom prst="diamond">
+              <a:avLst/>
+            </a:prstGeom>
+            <a:solidFill>
+              <a:schemeClr val="tx2"/>
+            </a:solidFill>
+          </p:spPr>
+          <p:style>
+            <a:lnRef idx="2">
+              <a:schemeClr val="accent1">
+                <a:shade val="50000"/>
+              </a:schemeClr>
+            </a:lnRef>
+            <a:fillRef idx="1">
+              <a:schemeClr val="accent1"/>
+            </a:fillRef>
+            <a:effectRef idx="0">
+              <a:schemeClr val="accent1"/>
+            </a:effectRef>
+            <a:fontRef idx="minor">
+              <a:schemeClr val="lt1"/>
+            </a:fontRef>
+          </p:style>
+          <p:txBody>
+            <a:bodyPr rtlCol="0" anchor="ctr"/>
+            <a:lstStyle/>
+            <a:p>
+              <a:pPr algn="ctr"/>
+              <a:endParaRPr lang="en-US"/>
+            </a:p>
+          </p:txBody>
+        </p:sp>
+        <p:sp>
+          <p:nvSpPr>
+            <p:cNvPr id="51" name="TextBox 50">
+              <a:extLst>
+                <a:ext uri="{FF2B5EF4-FFF2-40B4-BE49-F238E27FC236}">
+                  <a16:creationId xmlns:a16="http://schemas.microsoft.com/office/drawing/2014/main" id="{0AEFE7F0-E816-4284-A45D-4A28CFF4CC89}"/>
+                </a:ext>
+              </a:extLst>
+            </p:cNvPr>
+            <p:cNvSpPr txBox="1"/>
+            <p:nvPr/>
+          </p:nvSpPr>
+          <p:spPr>
+            <a:xfrm>
+              <a:off x="4773576" y="2782630"/>
+              <a:ext cx="769763" cy="261610"/>
+            </a:xfrm>
+            <a:prstGeom prst="rect">
+              <a:avLst/>
+            </a:prstGeom>
+            <a:noFill/>
+          </p:spPr>
+          <p:txBody>
+            <a:bodyPr wrap="none" rtlCol="0">
+              <a:spAutoFit/>
+            </a:bodyPr>
+            <a:lstStyle/>
+            <a:p>
+              <a:r>
+                <a:rPr lang="en-US" sz="1100" dirty="0"/>
+                <a:t>Oral exam</a:t>
+              </a:r>
+            </a:p>
+          </p:txBody>
+        </p:sp>
+      </p:grpSp>
     </p:spTree>
     <p:extLst>
       <p:ext uri="{BB962C8B-B14F-4D97-AF65-F5344CB8AC3E}">
-        <p14:creationId xmlns:p14="http://schemas.microsoft.com/office/powerpoint/2010/main" val="4095775773"/>
+        <p14:creationId xmlns:p14="http://schemas.microsoft.com/office/powerpoint/2010/main" val="376887730"/>
       </p:ext>
     </p:extLst>
   </p:cSld>
